--- a/Documentation/Presentation_Projet.pptx
+++ b/Documentation/Presentation_Projet.pptx
@@ -203,7 +203,7 @@
           <a:p>
             <a:fld id="{E35CD745-A441-4331-9057-A9CE4C633672}" type="datetimeFigureOut">
               <a:rPr lang="fr-CA" smtClean="0"/>
-              <a:t>2023-01-19</a:t>
+              <a:t>2023-01-23</a:t>
             </a:fld>
             <a:endParaRPr lang="fr-CA"/>
           </a:p>
@@ -620,7 +620,7 @@
           <a:p>
             <a:fld id="{F4C545B5-02FC-4B79-9DFC-38C4D4515BBA}" type="datetimeFigureOut">
               <a:rPr lang="fr-CA" smtClean="0"/>
-              <a:t>2023-01-19</a:t>
+              <a:t>2023-01-23</a:t>
             </a:fld>
             <a:endParaRPr lang="fr-CA"/>
           </a:p>
@@ -820,7 +820,7 @@
           <a:p>
             <a:fld id="{F4C545B5-02FC-4B79-9DFC-38C4D4515BBA}" type="datetimeFigureOut">
               <a:rPr lang="fr-CA" smtClean="0"/>
-              <a:t>2023-01-19</a:t>
+              <a:t>2023-01-23</a:t>
             </a:fld>
             <a:endParaRPr lang="fr-CA"/>
           </a:p>
@@ -1030,7 +1030,7 @@
           <a:p>
             <a:fld id="{F4C545B5-02FC-4B79-9DFC-38C4D4515BBA}" type="datetimeFigureOut">
               <a:rPr lang="fr-CA" smtClean="0"/>
-              <a:t>2023-01-19</a:t>
+              <a:t>2023-01-23</a:t>
             </a:fld>
             <a:endParaRPr lang="fr-CA"/>
           </a:p>
@@ -1230,7 +1230,7 @@
           <a:p>
             <a:fld id="{F4C545B5-02FC-4B79-9DFC-38C4D4515BBA}" type="datetimeFigureOut">
               <a:rPr lang="fr-CA" smtClean="0"/>
-              <a:t>2023-01-19</a:t>
+              <a:t>2023-01-23</a:t>
             </a:fld>
             <a:endParaRPr lang="fr-CA"/>
           </a:p>
@@ -1506,7 +1506,7 @@
           <a:p>
             <a:fld id="{F4C545B5-02FC-4B79-9DFC-38C4D4515BBA}" type="datetimeFigureOut">
               <a:rPr lang="fr-CA" smtClean="0"/>
-              <a:t>2023-01-19</a:t>
+              <a:t>2023-01-23</a:t>
             </a:fld>
             <a:endParaRPr lang="fr-CA"/>
           </a:p>
@@ -1774,7 +1774,7 @@
           <a:p>
             <a:fld id="{F4C545B5-02FC-4B79-9DFC-38C4D4515BBA}" type="datetimeFigureOut">
               <a:rPr lang="fr-CA" smtClean="0"/>
-              <a:t>2023-01-19</a:t>
+              <a:t>2023-01-23</a:t>
             </a:fld>
             <a:endParaRPr lang="fr-CA"/>
           </a:p>
@@ -2189,7 +2189,7 @@
           <a:p>
             <a:fld id="{F4C545B5-02FC-4B79-9DFC-38C4D4515BBA}" type="datetimeFigureOut">
               <a:rPr lang="fr-CA" smtClean="0"/>
-              <a:t>2023-01-19</a:t>
+              <a:t>2023-01-23</a:t>
             </a:fld>
             <a:endParaRPr lang="fr-CA"/>
           </a:p>
@@ -2331,7 +2331,7 @@
           <a:p>
             <a:fld id="{F4C545B5-02FC-4B79-9DFC-38C4D4515BBA}" type="datetimeFigureOut">
               <a:rPr lang="fr-CA" smtClean="0"/>
-              <a:t>2023-01-19</a:t>
+              <a:t>2023-01-23</a:t>
             </a:fld>
             <a:endParaRPr lang="fr-CA"/>
           </a:p>
@@ -2444,7 +2444,7 @@
           <a:p>
             <a:fld id="{F4C545B5-02FC-4B79-9DFC-38C4D4515BBA}" type="datetimeFigureOut">
               <a:rPr lang="fr-CA" smtClean="0"/>
-              <a:t>2023-01-19</a:t>
+              <a:t>2023-01-23</a:t>
             </a:fld>
             <a:endParaRPr lang="fr-CA"/>
           </a:p>
@@ -2757,7 +2757,7 @@
           <a:p>
             <a:fld id="{F4C545B5-02FC-4B79-9DFC-38C4D4515BBA}" type="datetimeFigureOut">
               <a:rPr lang="fr-CA" smtClean="0"/>
-              <a:t>2023-01-19</a:t>
+              <a:t>2023-01-23</a:t>
             </a:fld>
             <a:endParaRPr lang="fr-CA"/>
           </a:p>
@@ -3046,7 +3046,7 @@
           <a:p>
             <a:fld id="{F4C545B5-02FC-4B79-9DFC-38C4D4515BBA}" type="datetimeFigureOut">
               <a:rPr lang="fr-CA" smtClean="0"/>
-              <a:t>2023-01-19</a:t>
+              <a:t>2023-01-23</a:t>
             </a:fld>
             <a:endParaRPr lang="fr-CA"/>
           </a:p>
@@ -3289,7 +3289,7 @@
           <a:p>
             <a:fld id="{F4C545B5-02FC-4B79-9DFC-38C4D4515BBA}" type="datetimeFigureOut">
               <a:rPr lang="fr-CA" smtClean="0"/>
-              <a:t>2023-01-19</a:t>
+              <a:t>2023-01-23</a:t>
             </a:fld>
             <a:endParaRPr lang="fr-CA"/>
           </a:p>
@@ -8075,7 +8075,7 @@
                 </a:solidFill>
                 <a:latin typeface="Bahnschrift SemiBold Condensed" panose="020B0502040204020203" pitchFamily="34" charset="0"/>
               </a:rPr>
-              <a:t>± 120$CAD</a:t>
+              <a:t>± 140$CAD</a:t>
             </a:r>
           </a:p>
           <a:p>
@@ -8087,7 +8087,7 @@
                 </a:solidFill>
                 <a:latin typeface="Bahnschrift SemiBold Condensed" panose="020B0502040204020203" pitchFamily="34" charset="0"/>
               </a:rPr>
-              <a:t>(tous compris)</a:t>
+              <a:t>(équipements compris)</a:t>
             </a:r>
           </a:p>
         </p:txBody>
@@ -9115,7 +9115,7 @@
                 </a:solidFill>
                 <a:latin typeface="Bahnschrift SemiBold Condensed" panose="020B0502040204020203" pitchFamily="34" charset="0"/>
               </a:rPr>
-              <a:t>± 120$CAD</a:t>
+              <a:t>± 140$CAD</a:t>
             </a:r>
           </a:p>
           <a:p>

--- a/Documentation/Presentation_Projet.pptx
+++ b/Documentation/Presentation_Projet.pptx
@@ -5,16 +5,17 @@
     <p:sldMasterId id="2147483648" r:id="rId1"/>
   </p:sldMasterIdLst>
   <p:notesMasterIdLst>
-    <p:notesMasterId r:id="rId9"/>
+    <p:notesMasterId r:id="rId10"/>
   </p:notesMasterIdLst>
   <p:sldIdLst>
     <p:sldId id="256" r:id="rId2"/>
     <p:sldId id="258" r:id="rId3"/>
     <p:sldId id="261" r:id="rId4"/>
     <p:sldId id="257" r:id="rId5"/>
-    <p:sldId id="259" r:id="rId6"/>
-    <p:sldId id="260" r:id="rId7"/>
-    <p:sldId id="262" r:id="rId8"/>
+    <p:sldId id="263" r:id="rId6"/>
+    <p:sldId id="259" r:id="rId7"/>
+    <p:sldId id="260" r:id="rId8"/>
+    <p:sldId id="262" r:id="rId9"/>
   </p:sldIdLst>
   <p:sldSz cx="12192000" cy="6858000"/>
   <p:notesSz cx="6858000" cy="9144000"/>
@@ -7130,260 +7131,12 @@
           </a:p>
         </p:txBody>
       </p:sp>
-      <p:sp>
-        <p:nvSpPr>
-          <p:cNvPr id="32" name="Triangle rectangle 31">
-            <a:extLst>
-              <a:ext uri="{FF2B5EF4-FFF2-40B4-BE49-F238E27FC236}">
-                <a16:creationId xmlns:a16="http://schemas.microsoft.com/office/drawing/2014/main" id="{C9DBCD3C-4B52-1699-42A4-C52D3A9DAA05}"/>
-              </a:ext>
-            </a:extLst>
-          </p:cNvPr>
-          <p:cNvSpPr/>
-          <p:nvPr/>
-        </p:nvSpPr>
-        <p:spPr>
-          <a:xfrm rot="10800000" flipV="1">
-            <a:off x="5606192" y="5055193"/>
-            <a:ext cx="12192000" cy="6612850"/>
-          </a:xfrm>
-          <a:prstGeom prst="rtTriangle">
-            <a:avLst/>
-          </a:prstGeom>
-          <a:solidFill>
-            <a:srgbClr val="2A7507"/>
-          </a:solidFill>
-        </p:spPr>
-        <p:style>
-          <a:lnRef idx="3">
-            <a:schemeClr val="lt1"/>
-          </a:lnRef>
-          <a:fillRef idx="1">
-            <a:schemeClr val="accent2"/>
-          </a:fillRef>
-          <a:effectRef idx="1">
-            <a:schemeClr val="accent2"/>
-          </a:effectRef>
-          <a:fontRef idx="minor">
-            <a:schemeClr val="lt1"/>
-          </a:fontRef>
-        </p:style>
-        <p:txBody>
-          <a:bodyPr rtlCol="0" anchor="ctr"/>
-          <a:lstStyle/>
-          <a:p>
-            <a:pPr algn="ctr"/>
-            <a:endParaRPr lang="fr-CA" dirty="0"/>
-          </a:p>
-        </p:txBody>
-      </p:sp>
-      <p:sp>
-        <p:nvSpPr>
-          <p:cNvPr id="33" name="Rectangle 32">
-            <a:extLst>
-              <a:ext uri="{FF2B5EF4-FFF2-40B4-BE49-F238E27FC236}">
-                <a16:creationId xmlns:a16="http://schemas.microsoft.com/office/drawing/2014/main" id="{0CDBD379-23C7-ECCA-543B-B1F20276AD75}"/>
-              </a:ext>
-            </a:extLst>
-          </p:cNvPr>
-          <p:cNvSpPr/>
-          <p:nvPr/>
-        </p:nvSpPr>
-        <p:spPr>
-          <a:xfrm rot="16200000">
-            <a:off x="-8185396" y="10826774"/>
-            <a:ext cx="14443473" cy="337479"/>
-          </a:xfrm>
-          <a:prstGeom prst="rect">
-            <a:avLst/>
-          </a:prstGeom>
-        </p:spPr>
-        <p:style>
-          <a:lnRef idx="2">
-            <a:schemeClr val="dk1">
-              <a:shade val="50000"/>
-            </a:schemeClr>
-          </a:lnRef>
-          <a:fillRef idx="1">
-            <a:schemeClr val="dk1"/>
-          </a:fillRef>
-          <a:effectRef idx="0">
-            <a:schemeClr val="dk1"/>
-          </a:effectRef>
-          <a:fontRef idx="minor">
-            <a:schemeClr val="lt1"/>
-          </a:fontRef>
-        </p:style>
-        <p:txBody>
-          <a:bodyPr rtlCol="0" anchor="ctr"/>
-          <a:lstStyle/>
-          <a:p>
-            <a:pPr algn="ctr"/>
-            <a:endParaRPr lang="fr-CA"/>
-          </a:p>
-        </p:txBody>
-      </p:sp>
-      <p:sp>
-        <p:nvSpPr>
-          <p:cNvPr id="34" name="ZoneTexte 33">
-            <a:extLst>
-              <a:ext uri="{FF2B5EF4-FFF2-40B4-BE49-F238E27FC236}">
-                <a16:creationId xmlns:a16="http://schemas.microsoft.com/office/drawing/2014/main" id="{3F22C4AD-E040-346B-E532-51B52038D860}"/>
-              </a:ext>
-            </a:extLst>
-          </p:cNvPr>
-          <p:cNvSpPr txBox="1"/>
-          <p:nvPr/>
-        </p:nvSpPr>
-        <p:spPr>
-          <a:xfrm>
-            <a:off x="-2043192" y="-2683068"/>
-            <a:ext cx="8380564" cy="1815882"/>
-          </a:xfrm>
-          <a:prstGeom prst="rect">
-            <a:avLst/>
-          </a:prstGeom>
-          <a:noFill/>
-        </p:spPr>
-        <p:txBody>
-          <a:bodyPr wrap="square" rtlCol="0">
-            <a:spAutoFit/>
-          </a:bodyPr>
-          <a:lstStyle/>
-          <a:p>
-            <a:pPr algn="ctr"/>
-            <a:r>
-              <a:rPr lang="fr-CA" sz="8000" dirty="0">
-                <a:solidFill>
-                  <a:schemeClr val="bg1"/>
-                </a:solidFill>
-                <a:latin typeface="Bahnschrift SemiBold Condensed" panose="020B0502040204020203" pitchFamily="34" charset="0"/>
-              </a:rPr>
-              <a:t>± 120$CAD</a:t>
-            </a:r>
-          </a:p>
-          <a:p>
-            <a:pPr algn="ctr"/>
-            <a:r>
-              <a:rPr lang="fr-CA" sz="2800" dirty="0">
-                <a:solidFill>
-                  <a:schemeClr val="bg1"/>
-                </a:solidFill>
-                <a:latin typeface="Bahnschrift SemiBold Condensed" panose="020B0502040204020203" pitchFamily="34" charset="0"/>
-              </a:rPr>
-              <a:t>(tous compris)</a:t>
-            </a:r>
-          </a:p>
-        </p:txBody>
-      </p:sp>
-      <p:sp>
-        <p:nvSpPr>
-          <p:cNvPr id="35" name="ZoneTexte 34">
-            <a:extLst>
-              <a:ext uri="{FF2B5EF4-FFF2-40B4-BE49-F238E27FC236}">
-                <a16:creationId xmlns:a16="http://schemas.microsoft.com/office/drawing/2014/main" id="{39EDF483-E6D1-13EB-FD4B-496A5E27CCF2}"/>
-              </a:ext>
-            </a:extLst>
-          </p:cNvPr>
-          <p:cNvSpPr txBox="1"/>
-          <p:nvPr/>
-        </p:nvSpPr>
-        <p:spPr>
-          <a:xfrm>
-            <a:off x="3800443" y="-1852555"/>
-            <a:ext cx="7144851" cy="1569660"/>
-          </a:xfrm>
-          <a:prstGeom prst="rect">
-            <a:avLst/>
-          </a:prstGeom>
-          <a:noFill/>
-        </p:spPr>
-        <p:txBody>
-          <a:bodyPr wrap="square" rtlCol="0">
-            <a:spAutoFit/>
-          </a:bodyPr>
-          <a:lstStyle/>
-          <a:p>
-            <a:r>
-              <a:rPr lang="fr-CA" sz="9600" dirty="0">
-                <a:solidFill>
-                  <a:schemeClr val="bg1"/>
-                </a:solidFill>
-                <a:latin typeface="Bahnschrift SemiBold Condensed" panose="020B0502040204020203" pitchFamily="34" charset="0"/>
-              </a:rPr>
-              <a:t>C’EST POUR QUI ?</a:t>
-            </a:r>
-          </a:p>
-        </p:txBody>
-      </p:sp>
-      <p:sp>
-        <p:nvSpPr>
-          <p:cNvPr id="36" name="ZoneTexte 35">
-            <a:extLst>
-              <a:ext uri="{FF2B5EF4-FFF2-40B4-BE49-F238E27FC236}">
-                <a16:creationId xmlns:a16="http://schemas.microsoft.com/office/drawing/2014/main" id="{057B77E4-D73C-44BA-803F-04BE1F6C8C89}"/>
-              </a:ext>
-            </a:extLst>
-          </p:cNvPr>
-          <p:cNvSpPr txBox="1"/>
-          <p:nvPr/>
-        </p:nvSpPr>
-        <p:spPr>
-          <a:xfrm>
-            <a:off x="-436523" y="7057084"/>
-            <a:ext cx="8380564" cy="1815882"/>
-          </a:xfrm>
-          <a:prstGeom prst="rect">
-            <a:avLst/>
-          </a:prstGeom>
-          <a:noFill/>
-        </p:spPr>
-        <p:txBody>
-          <a:bodyPr wrap="square" rtlCol="0">
-            <a:spAutoFit/>
-          </a:bodyPr>
-          <a:lstStyle/>
-          <a:p>
-            <a:pPr algn="ctr"/>
-            <a:r>
-              <a:rPr lang="fr-CA" sz="8000" dirty="0">
-                <a:solidFill>
-                  <a:schemeClr val="bg1"/>
-                </a:solidFill>
-                <a:latin typeface="Bahnschrift SemiBold Condensed" panose="020B0502040204020203" pitchFamily="34" charset="0"/>
-              </a:rPr>
-              <a:t> </a:t>
-            </a:r>
-            <a:r>
-              <a:rPr lang="fr-CA" sz="6000" dirty="0">
-                <a:solidFill>
-                  <a:schemeClr val="bg1"/>
-                </a:solidFill>
-                <a:latin typeface="Bahnschrift SemiBold Condensed" panose="020B0502040204020203" pitchFamily="34" charset="0"/>
-              </a:rPr>
-              <a:t>130$CAD + taxes</a:t>
-            </a:r>
-          </a:p>
-          <a:p>
-            <a:pPr algn="ctr"/>
-            <a:r>
-              <a:rPr lang="fr-CA" sz="2800" dirty="0">
-                <a:solidFill>
-                  <a:schemeClr val="bg1"/>
-                </a:solidFill>
-                <a:latin typeface="Bahnschrift SemiBold Condensed" panose="020B0502040204020203" pitchFamily="34" charset="0"/>
-              </a:rPr>
-              <a:t>(rien compris)</a:t>
-            </a:r>
-          </a:p>
-        </p:txBody>
-      </p:sp>
       <p:pic>
         <p:nvPicPr>
-          <p:cNvPr id="37" name="Picture 2" descr="Xbox - Free logo icons">
-            <a:extLst>
-              <a:ext uri="{FF2B5EF4-FFF2-40B4-BE49-F238E27FC236}">
-                <a16:creationId xmlns:a16="http://schemas.microsoft.com/office/drawing/2014/main" id="{DF52327F-2AA5-06F0-595E-43C8C59C59FA}"/>
+          <p:cNvPr id="5" name="Picture 4" descr="Client icon | Free SVG">
+            <a:extLst>
+              <a:ext uri="{FF2B5EF4-FFF2-40B4-BE49-F238E27FC236}">
+                <a16:creationId xmlns:a16="http://schemas.microsoft.com/office/drawing/2014/main" id="{8656E887-04B6-4BD0-2658-45203589C2EE}"/>
               </a:ext>
             </a:extLst>
           </p:cNvPr>
@@ -7407,36 +7160,13 @@
         </p:blipFill>
         <p:spPr bwMode="auto">
           <a:xfrm>
-            <a:off x="13580881" y="136576"/>
+            <a:off x="5083947" y="7673196"/>
             <a:ext cx="3332464" cy="3332464"/>
           </a:xfrm>
-          <a:prstGeom prst="ellipse">
-            <a:avLst/>
-          </a:prstGeom>
-          <a:ln w="63500" cap="rnd">
-            <a:solidFill>
-              <a:srgbClr val="333333"/>
-            </a:solidFill>
-          </a:ln>
-          <a:effectLst>
-            <a:outerShdw blurRad="381000" dist="292100" dir="5400000" sx="-80000" sy="-18000" rotWithShape="0">
-              <a:srgbClr val="000000">
-                <a:alpha val="0"/>
-              </a:srgbClr>
-            </a:outerShdw>
-          </a:effectLst>
-          <a:scene3d>
-            <a:camera prst="orthographicFront"/>
-            <a:lightRig rig="contrasting" dir="t">
-              <a:rot lat="0" lon="0" rev="3000000"/>
-            </a:lightRig>
-          </a:scene3d>
-          <a:sp3d contourW="7620">
-            <a:bevelT w="95250" h="31750"/>
-            <a:contourClr>
-              <a:srgbClr val="333333"/>
-            </a:contourClr>
-          </a:sp3d>
+          <a:prstGeom prst="rect">
+            <a:avLst/>
+          </a:prstGeom>
+          <a:noFill/>
           <a:extLst>
             <a:ext uri="{909E8E84-426E-40DD-AFC4-6F175D3DCCD1}">
               <a14:hiddenFill xmlns:a14="http://schemas.microsoft.com/office/drawing/2010/main">
@@ -7448,6 +7178,126 @@
           </a:extLst>
         </p:spPr>
       </p:pic>
+      <p:sp>
+        <p:nvSpPr>
+          <p:cNvPr id="7" name="ZoneTexte 6">
+            <a:extLst>
+              <a:ext uri="{FF2B5EF4-FFF2-40B4-BE49-F238E27FC236}">
+                <a16:creationId xmlns:a16="http://schemas.microsoft.com/office/drawing/2014/main" id="{35C83D04-517D-1B9D-55F6-E51976E19629}"/>
+              </a:ext>
+            </a:extLst>
+          </p:cNvPr>
+          <p:cNvSpPr txBox="1"/>
+          <p:nvPr/>
+        </p:nvSpPr>
+        <p:spPr>
+          <a:xfrm>
+            <a:off x="-3809315" y="1342583"/>
+            <a:ext cx="5413829" cy="1015663"/>
+          </a:xfrm>
+          <a:prstGeom prst="rect">
+            <a:avLst/>
+          </a:prstGeom>
+          <a:noFill/>
+        </p:spPr>
+        <p:txBody>
+          <a:bodyPr wrap="square" rtlCol="0">
+            <a:spAutoFit/>
+          </a:bodyPr>
+          <a:lstStyle/>
+          <a:p>
+            <a:r>
+              <a:rPr lang="fr-CA" sz="6000" dirty="0">
+                <a:solidFill>
+                  <a:schemeClr val="bg1"/>
+                </a:solidFill>
+                <a:latin typeface="Bahnschrift SemiBold Condensed" panose="020B0502040204020203" pitchFamily="34" charset="0"/>
+              </a:rPr>
+              <a:t>LES ÉCOLES</a:t>
+            </a:r>
+          </a:p>
+        </p:txBody>
+      </p:sp>
+      <p:sp>
+        <p:nvSpPr>
+          <p:cNvPr id="10" name="ZoneTexte 9">
+            <a:extLst>
+              <a:ext uri="{FF2B5EF4-FFF2-40B4-BE49-F238E27FC236}">
+                <a16:creationId xmlns:a16="http://schemas.microsoft.com/office/drawing/2014/main" id="{B9630E35-EE46-082A-447D-14ECD25C490E}"/>
+              </a:ext>
+            </a:extLst>
+          </p:cNvPr>
+          <p:cNvSpPr txBox="1"/>
+          <p:nvPr/>
+        </p:nvSpPr>
+        <p:spPr>
+          <a:xfrm>
+            <a:off x="-4082904" y="3881741"/>
+            <a:ext cx="5413829" cy="1938992"/>
+          </a:xfrm>
+          <a:prstGeom prst="rect">
+            <a:avLst/>
+          </a:prstGeom>
+          <a:noFill/>
+        </p:spPr>
+        <p:txBody>
+          <a:bodyPr wrap="square" rtlCol="0">
+            <a:spAutoFit/>
+          </a:bodyPr>
+          <a:lstStyle/>
+          <a:p>
+            <a:r>
+              <a:rPr lang="fr-CA" sz="6000" dirty="0">
+                <a:solidFill>
+                  <a:schemeClr val="bg1"/>
+                </a:solidFill>
+                <a:latin typeface="Bahnschrift SemiBold Condensed" panose="020B0502040204020203" pitchFamily="34" charset="0"/>
+              </a:rPr>
+              <a:t>LES CENTRES ADAPTÉS</a:t>
+            </a:r>
+          </a:p>
+        </p:txBody>
+      </p:sp>
+      <p:sp>
+        <p:nvSpPr>
+          <p:cNvPr id="11" name="ZoneTexte 10">
+            <a:extLst>
+              <a:ext uri="{FF2B5EF4-FFF2-40B4-BE49-F238E27FC236}">
+                <a16:creationId xmlns:a16="http://schemas.microsoft.com/office/drawing/2014/main" id="{9361ED0B-E6C0-D8AE-DD5F-12EB29C88958}"/>
+              </a:ext>
+            </a:extLst>
+          </p:cNvPr>
+          <p:cNvSpPr txBox="1"/>
+          <p:nvPr/>
+        </p:nvSpPr>
+        <p:spPr>
+          <a:xfrm>
+            <a:off x="13041193" y="2553849"/>
+            <a:ext cx="3647666" cy="2862322"/>
+          </a:xfrm>
+          <a:prstGeom prst="rect">
+            <a:avLst/>
+          </a:prstGeom>
+          <a:noFill/>
+        </p:spPr>
+        <p:txBody>
+          <a:bodyPr wrap="square" rtlCol="0">
+            <a:spAutoFit/>
+          </a:bodyPr>
+          <a:lstStyle/>
+          <a:p>
+            <a:r>
+              <a:rPr lang="fr-CA" sz="6000" dirty="0">
+                <a:solidFill>
+                  <a:schemeClr val="bg1"/>
+                </a:solidFill>
+                <a:latin typeface="Bahnschrift SemiBold Condensed" panose="020B0502040204020203" pitchFamily="34" charset="0"/>
+              </a:rPr>
+              <a:t>PERSONNES À MOBILITÉ RÉDUITE</a:t>
+            </a:r>
+          </a:p>
+        </p:txBody>
+      </p:sp>
     </p:spTree>
     <p:extLst>
       <p:ext uri="{BB962C8B-B14F-4D97-AF65-F5344CB8AC3E}">
@@ -7498,430 +7348,6 @@
           <a:chExt cx="0" cy="0"/>
         </a:xfrm>
       </p:grpSpPr>
-      <p:pic>
-        <p:nvPicPr>
-          <p:cNvPr id="8" name="Image 7">
-            <a:extLst>
-              <a:ext uri="{FF2B5EF4-FFF2-40B4-BE49-F238E27FC236}">
-                <a16:creationId xmlns:a16="http://schemas.microsoft.com/office/drawing/2014/main" id="{54FB255D-4A56-B756-C7AB-1B253BE52779}"/>
-              </a:ext>
-            </a:extLst>
-          </p:cNvPr>
-          <p:cNvPicPr>
-            <a:picLocks noChangeAspect="1"/>
-          </p:cNvPicPr>
-          <p:nvPr/>
-        </p:nvPicPr>
-        <p:blipFill>
-          <a:blip r:embed="rId2">
-            <a:extLst>
-              <a:ext uri="{28A0092B-C50C-407E-A947-70E740481C1C}">
-                <a14:useLocalDpi xmlns:a14="http://schemas.microsoft.com/office/drawing/2010/main" val="0"/>
-              </a:ext>
-            </a:extLst>
-          </a:blip>
-          <a:stretch>
-            <a:fillRect/>
-          </a:stretch>
-        </p:blipFill>
-        <p:spPr>
-          <a:xfrm>
-            <a:off x="9554932" y="-3228158"/>
-            <a:ext cx="2990322" cy="2854655"/>
-          </a:xfrm>
-          <a:prstGeom prst="rect">
-            <a:avLst/>
-          </a:prstGeom>
-        </p:spPr>
-      </p:pic>
-      <p:pic>
-        <p:nvPicPr>
-          <p:cNvPr id="3080" name="Picture 8" descr="Pc - Free computer icons">
-            <a:extLst>
-              <a:ext uri="{FF2B5EF4-FFF2-40B4-BE49-F238E27FC236}">
-                <a16:creationId xmlns:a16="http://schemas.microsoft.com/office/drawing/2014/main" id="{F51CF9C0-BE68-4C5A-F860-D08BF32F1380}"/>
-              </a:ext>
-            </a:extLst>
-          </p:cNvPr>
-          <p:cNvPicPr>
-            <a:picLocks noChangeAspect="1" noChangeArrowheads="1"/>
-          </p:cNvPicPr>
-          <p:nvPr/>
-        </p:nvPicPr>
-        <p:blipFill>
-          <a:blip r:embed="rId3">
-            <a:extLst>
-              <a:ext uri="{28A0092B-C50C-407E-A947-70E740481C1C}">
-                <a14:useLocalDpi xmlns:a14="http://schemas.microsoft.com/office/drawing/2010/main" val="0"/>
-              </a:ext>
-            </a:extLst>
-          </a:blip>
-          <a:srcRect/>
-          <a:stretch>
-            <a:fillRect/>
-          </a:stretch>
-        </p:blipFill>
-        <p:spPr bwMode="auto">
-          <a:xfrm>
-            <a:off x="4231566" y="7153554"/>
-            <a:ext cx="2826705" cy="2826705"/>
-          </a:xfrm>
-          <a:prstGeom prst="rect">
-            <a:avLst/>
-          </a:prstGeom>
-          <a:noFill/>
-          <a:extLst>
-            <a:ext uri="{909E8E84-426E-40DD-AFC4-6F175D3DCCD1}">
-              <a14:hiddenFill xmlns:a14="http://schemas.microsoft.com/office/drawing/2010/main">
-                <a:solidFill>
-                  <a:srgbClr val="FFFFFF"/>
-                </a:solidFill>
-              </a14:hiddenFill>
-            </a:ext>
-          </a:extLst>
-        </p:spPr>
-      </p:pic>
-      <p:pic>
-        <p:nvPicPr>
-          <p:cNvPr id="9" name="Picture 14">
-            <a:extLst>
-              <a:ext uri="{FF2B5EF4-FFF2-40B4-BE49-F238E27FC236}">
-                <a16:creationId xmlns:a16="http://schemas.microsoft.com/office/drawing/2014/main" id="{44305A05-230F-1BB5-5038-0CCF7F4DB9DD}"/>
-              </a:ext>
-            </a:extLst>
-          </p:cNvPr>
-          <p:cNvPicPr>
-            <a:picLocks noChangeAspect="1" noChangeArrowheads="1"/>
-          </p:cNvPicPr>
-          <p:nvPr/>
-        </p:nvPicPr>
-        <p:blipFill>
-          <a:blip r:embed="rId4">
-            <a:extLst>
-              <a:ext uri="{28A0092B-C50C-407E-A947-70E740481C1C}">
-                <a14:useLocalDpi xmlns:a14="http://schemas.microsoft.com/office/drawing/2010/main" val="0"/>
-              </a:ext>
-            </a:extLst>
-          </a:blip>
-          <a:srcRect/>
-          <a:stretch>
-            <a:fillRect/>
-          </a:stretch>
-        </p:blipFill>
-        <p:spPr bwMode="auto">
-          <a:xfrm>
-            <a:off x="2936125" y="8328323"/>
-            <a:ext cx="1252803" cy="834750"/>
-          </a:xfrm>
-          <a:prstGeom prst="rect">
-            <a:avLst/>
-          </a:prstGeom>
-          <a:noFill/>
-          <a:extLst>
-            <a:ext uri="{909E8E84-426E-40DD-AFC4-6F175D3DCCD1}">
-              <a14:hiddenFill xmlns:a14="http://schemas.microsoft.com/office/drawing/2010/main">
-                <a:solidFill>
-                  <a:srgbClr val="FFFFFF"/>
-                </a:solidFill>
-              </a14:hiddenFill>
-            </a:ext>
-          </a:extLst>
-        </p:spPr>
-      </p:pic>
-      <p:pic>
-        <p:nvPicPr>
-          <p:cNvPr id="12" name="Picture 14">
-            <a:extLst>
-              <a:ext uri="{FF2B5EF4-FFF2-40B4-BE49-F238E27FC236}">
-                <a16:creationId xmlns:a16="http://schemas.microsoft.com/office/drawing/2014/main" id="{8FE5561C-035B-302A-549A-9C0C9B07CED2}"/>
-              </a:ext>
-            </a:extLst>
-          </p:cNvPr>
-          <p:cNvPicPr>
-            <a:picLocks noChangeAspect="1" noChangeArrowheads="1"/>
-          </p:cNvPicPr>
-          <p:nvPr/>
-        </p:nvPicPr>
-        <p:blipFill>
-          <a:blip r:embed="rId4">
-            <a:extLst>
-              <a:ext uri="{28A0092B-C50C-407E-A947-70E740481C1C}">
-                <a14:useLocalDpi xmlns:a14="http://schemas.microsoft.com/office/drawing/2010/main" val="0"/>
-              </a:ext>
-            </a:extLst>
-          </a:blip>
-          <a:srcRect/>
-          <a:stretch>
-            <a:fillRect/>
-          </a:stretch>
-        </p:blipFill>
-        <p:spPr bwMode="auto">
-          <a:xfrm>
-            <a:off x="6775325" y="-2375150"/>
-            <a:ext cx="1252803" cy="834750"/>
-          </a:xfrm>
-          <a:prstGeom prst="rect">
-            <a:avLst/>
-          </a:prstGeom>
-          <a:noFill/>
-          <a:extLst>
-            <a:ext uri="{909E8E84-426E-40DD-AFC4-6F175D3DCCD1}">
-              <a14:hiddenFill xmlns:a14="http://schemas.microsoft.com/office/drawing/2010/main">
-                <a:solidFill>
-                  <a:srgbClr val="FFFFFF"/>
-                </a:solidFill>
-              </a14:hiddenFill>
-            </a:ext>
-          </a:extLst>
-        </p:spPr>
-      </p:pic>
-      <p:cxnSp>
-        <p:nvCxnSpPr>
-          <p:cNvPr id="27" name="Connecteur droit 26">
-            <a:extLst>
-              <a:ext uri="{FF2B5EF4-FFF2-40B4-BE49-F238E27FC236}">
-                <a16:creationId xmlns:a16="http://schemas.microsoft.com/office/drawing/2014/main" id="{BC166031-8E90-EE75-909A-BA1B893D540D}"/>
-              </a:ext>
-            </a:extLst>
-          </p:cNvPr>
-          <p:cNvCxnSpPr>
-            <a:cxnSpLocks/>
-          </p:cNvCxnSpPr>
-          <p:nvPr/>
-        </p:nvCxnSpPr>
-        <p:spPr>
-          <a:xfrm>
-            <a:off x="2096857" y="-373503"/>
-            <a:ext cx="7096125" cy="0"/>
-          </a:xfrm>
-          <a:prstGeom prst="line">
-            <a:avLst/>
-          </a:prstGeom>
-          <a:ln>
-            <a:solidFill>
-              <a:schemeClr val="bg1"/>
-            </a:solidFill>
-          </a:ln>
-        </p:spPr>
-        <p:style>
-          <a:lnRef idx="1">
-            <a:schemeClr val="accent1"/>
-          </a:lnRef>
-          <a:fillRef idx="0">
-            <a:schemeClr val="accent1"/>
-          </a:fillRef>
-          <a:effectRef idx="0">
-            <a:schemeClr val="accent1"/>
-          </a:effectRef>
-          <a:fontRef idx="minor">
-            <a:schemeClr val="tx1"/>
-          </a:fontRef>
-        </p:style>
-      </p:cxnSp>
-      <p:sp>
-        <p:nvSpPr>
-          <p:cNvPr id="28" name="ZoneTexte 27">
-            <a:extLst>
-              <a:ext uri="{FF2B5EF4-FFF2-40B4-BE49-F238E27FC236}">
-                <a16:creationId xmlns:a16="http://schemas.microsoft.com/office/drawing/2014/main" id="{A5C956D1-D52B-6D3B-B8B5-309373AF32E8}"/>
-              </a:ext>
-            </a:extLst>
-          </p:cNvPr>
-          <p:cNvSpPr txBox="1"/>
-          <p:nvPr/>
-        </p:nvSpPr>
-        <p:spPr>
-          <a:xfrm>
-            <a:off x="1494449" y="-1756497"/>
-            <a:ext cx="8380564" cy="1569660"/>
-          </a:xfrm>
-          <a:prstGeom prst="rect">
-            <a:avLst/>
-          </a:prstGeom>
-          <a:noFill/>
-        </p:spPr>
-        <p:txBody>
-          <a:bodyPr wrap="square" rtlCol="0">
-            <a:spAutoFit/>
-          </a:bodyPr>
-          <a:lstStyle/>
-          <a:p>
-            <a:pPr algn="ctr"/>
-            <a:r>
-              <a:rPr lang="fr-CA" sz="9600" dirty="0">
-                <a:solidFill>
-                  <a:schemeClr val="bg1"/>
-                </a:solidFill>
-                <a:latin typeface="Bahnschrift SemiBold Condensed" panose="020B0502040204020203" pitchFamily="34" charset="0"/>
-              </a:rPr>
-              <a:t>COMMENT JOUER ?</a:t>
-            </a:r>
-          </a:p>
-        </p:txBody>
-      </p:sp>
-      <p:sp>
-        <p:nvSpPr>
-          <p:cNvPr id="5" name="Triangle rectangle 4">
-            <a:extLst>
-              <a:ext uri="{FF2B5EF4-FFF2-40B4-BE49-F238E27FC236}">
-                <a16:creationId xmlns:a16="http://schemas.microsoft.com/office/drawing/2014/main" id="{B39C6BC1-67CF-3206-C064-66426029E4E5}"/>
-              </a:ext>
-            </a:extLst>
-          </p:cNvPr>
-          <p:cNvSpPr/>
-          <p:nvPr/>
-        </p:nvSpPr>
-        <p:spPr>
-          <a:xfrm rot="10800000" flipV="1">
-            <a:off x="0" y="245150"/>
-            <a:ext cx="12192000" cy="6612850"/>
-          </a:xfrm>
-          <a:prstGeom prst="rtTriangle">
-            <a:avLst/>
-          </a:prstGeom>
-          <a:solidFill>
-            <a:srgbClr val="2A7507"/>
-          </a:solidFill>
-        </p:spPr>
-        <p:style>
-          <a:lnRef idx="3">
-            <a:schemeClr val="lt1"/>
-          </a:lnRef>
-          <a:fillRef idx="1">
-            <a:schemeClr val="accent2"/>
-          </a:fillRef>
-          <a:effectRef idx="1">
-            <a:schemeClr val="accent2"/>
-          </a:effectRef>
-          <a:fontRef idx="minor">
-            <a:schemeClr val="lt1"/>
-          </a:fontRef>
-        </p:style>
-        <p:txBody>
-          <a:bodyPr rtlCol="0" anchor="ctr"/>
-          <a:lstStyle/>
-          <a:p>
-            <a:pPr algn="ctr"/>
-            <a:endParaRPr lang="fr-CA" dirty="0"/>
-          </a:p>
-        </p:txBody>
-      </p:sp>
-      <p:sp>
-        <p:nvSpPr>
-          <p:cNvPr id="2" name="Rectangle 1">
-            <a:extLst>
-              <a:ext uri="{FF2B5EF4-FFF2-40B4-BE49-F238E27FC236}">
-                <a16:creationId xmlns:a16="http://schemas.microsoft.com/office/drawing/2014/main" id="{30861708-0A7B-BA81-4854-FB30052273AB}"/>
-              </a:ext>
-            </a:extLst>
-          </p:cNvPr>
-          <p:cNvSpPr/>
-          <p:nvPr/>
-        </p:nvSpPr>
-        <p:spPr>
-          <a:xfrm rot="19885905">
-            <a:off x="-1099651" y="3266739"/>
-            <a:ext cx="14443473" cy="337479"/>
-          </a:xfrm>
-          <a:prstGeom prst="rect">
-            <a:avLst/>
-          </a:prstGeom>
-        </p:spPr>
-        <p:style>
-          <a:lnRef idx="2">
-            <a:schemeClr val="dk1">
-              <a:shade val="50000"/>
-            </a:schemeClr>
-          </a:lnRef>
-          <a:fillRef idx="1">
-            <a:schemeClr val="dk1"/>
-          </a:fillRef>
-          <a:effectRef idx="0">
-            <a:schemeClr val="dk1"/>
-          </a:effectRef>
-          <a:fontRef idx="minor">
-            <a:schemeClr val="lt1"/>
-          </a:fontRef>
-        </p:style>
-        <p:txBody>
-          <a:bodyPr rtlCol="0" anchor="ctr"/>
-          <a:lstStyle/>
-          <a:p>
-            <a:pPr algn="ctr"/>
-            <a:endParaRPr lang="fr-CA"/>
-          </a:p>
-        </p:txBody>
-      </p:sp>
-      <p:pic>
-        <p:nvPicPr>
-          <p:cNvPr id="4098" name="Picture 2" descr="Xbox - Free logo icons">
-            <a:extLst>
-              <a:ext uri="{FF2B5EF4-FFF2-40B4-BE49-F238E27FC236}">
-                <a16:creationId xmlns:a16="http://schemas.microsoft.com/office/drawing/2014/main" id="{6EB7EFAA-730E-0B33-ADA2-AD2DC395C01B}"/>
-              </a:ext>
-            </a:extLst>
-          </p:cNvPr>
-          <p:cNvPicPr>
-            <a:picLocks noChangeAspect="1" noChangeArrowheads="1"/>
-          </p:cNvPicPr>
-          <p:nvPr/>
-        </p:nvPicPr>
-        <p:blipFill>
-          <a:blip r:embed="rId5">
-            <a:extLst>
-              <a:ext uri="{28A0092B-C50C-407E-A947-70E740481C1C}">
-                <a14:useLocalDpi xmlns:a14="http://schemas.microsoft.com/office/drawing/2010/main" val="0"/>
-              </a:ext>
-            </a:extLst>
-          </a:blip>
-          <a:srcRect/>
-          <a:stretch>
-            <a:fillRect/>
-          </a:stretch>
-        </p:blipFill>
-        <p:spPr bwMode="auto">
-          <a:xfrm>
-            <a:off x="8208781" y="2820686"/>
-            <a:ext cx="3332464" cy="3332464"/>
-          </a:xfrm>
-          <a:prstGeom prst="ellipse">
-            <a:avLst/>
-          </a:prstGeom>
-          <a:ln w="63500" cap="rnd">
-            <a:solidFill>
-              <a:srgbClr val="333333"/>
-            </a:solidFill>
-          </a:ln>
-          <a:effectLst>
-            <a:outerShdw blurRad="381000" dist="292100" dir="5400000" sx="-80000" sy="-18000" rotWithShape="0">
-              <a:srgbClr val="000000">
-                <a:alpha val="0"/>
-              </a:srgbClr>
-            </a:outerShdw>
-          </a:effectLst>
-          <a:scene3d>
-            <a:camera prst="orthographicFront"/>
-            <a:lightRig rig="contrasting" dir="t">
-              <a:rot lat="0" lon="0" rev="3000000"/>
-            </a:lightRig>
-          </a:scene3d>
-          <a:sp3d contourW="7620">
-            <a:bevelT w="95250" h="31750"/>
-            <a:contourClr>
-              <a:srgbClr val="333333"/>
-            </a:contourClr>
-          </a:sp3d>
-          <a:extLst>
-            <a:ext uri="{909E8E84-426E-40DD-AFC4-6F175D3DCCD1}">
-              <a14:hiddenFill xmlns:a14="http://schemas.microsoft.com/office/drawing/2010/main">
-                <a:solidFill>
-                  <a:srgbClr val="FFFFFF"/>
-                </a:solidFill>
-              </a14:hiddenFill>
-            </a:ext>
-          </a:extLst>
-        </p:spPr>
-      </p:pic>
       <p:grpSp>
         <p:nvGrpSpPr>
           <p:cNvPr id="3" name="Groupe 2">
@@ -7936,8 +7362,8 @@
         </p:nvGrpSpPr>
         <p:grpSpPr>
           <a:xfrm>
-            <a:off x="650756" y="641324"/>
-            <a:ext cx="3332464" cy="3332464"/>
+            <a:off x="10691162" y="248078"/>
+            <a:ext cx="1120175" cy="1100839"/>
             <a:chOff x="1755007" y="304590"/>
             <a:chExt cx="4010981" cy="4010981"/>
           </a:xfrm>
@@ -7957,7 +7383,7 @@
             <p:nvPr/>
           </p:nvPicPr>
           <p:blipFill>
-            <a:blip r:embed="rId6">
+            <a:blip r:embed="rId2">
               <a:extLst>
                 <a:ext uri="{28A0092B-C50C-407E-A947-70E740481C1C}">
                   <a14:useLocalDpi xmlns:a14="http://schemas.microsoft.com/office/drawing/2010/main" val="0"/>
@@ -8017,7 +7443,7 @@
             <p:nvPr/>
           </p:nvPicPr>
           <p:blipFill>
-            <a:blip r:embed="rId7">
+            <a:blip r:embed="rId3">
               <a:extLst>
                 <a:ext uri="{28A0092B-C50C-407E-A947-70E740481C1C}">
                   <a14:useLocalDpi xmlns:a14="http://schemas.microsoft.com/office/drawing/2010/main" val="0"/>
@@ -8039,127 +7465,48 @@
           </p:spPr>
         </p:pic>
       </p:grpSp>
-      <p:sp>
-        <p:nvSpPr>
-          <p:cNvPr id="7" name="ZoneTexte 6">
-            <a:extLst>
-              <a:ext uri="{FF2B5EF4-FFF2-40B4-BE49-F238E27FC236}">
-                <a16:creationId xmlns:a16="http://schemas.microsoft.com/office/drawing/2014/main" id="{7ABFE786-B5D8-ADD2-9AFD-BCD3AFBE482A}"/>
-              </a:ext>
-            </a:extLst>
-          </p:cNvPr>
-          <p:cNvSpPr txBox="1"/>
-          <p:nvPr/>
-        </p:nvSpPr>
-        <p:spPr>
-          <a:xfrm>
-            <a:off x="1931803" y="615786"/>
-            <a:ext cx="8380564" cy="1815882"/>
-          </a:xfrm>
-          <a:prstGeom prst="rect">
-            <a:avLst/>
-          </a:prstGeom>
-          <a:noFill/>
-        </p:spPr>
-        <p:txBody>
-          <a:bodyPr wrap="square" rtlCol="0">
-            <a:spAutoFit/>
-          </a:bodyPr>
-          <a:lstStyle/>
-          <a:p>
-            <a:pPr algn="ctr"/>
-            <a:r>
-              <a:rPr lang="fr-CA" sz="8000" dirty="0">
-                <a:solidFill>
-                  <a:schemeClr val="bg1"/>
-                </a:solidFill>
-                <a:latin typeface="Bahnschrift SemiBold Condensed" panose="020B0502040204020203" pitchFamily="34" charset="0"/>
-              </a:rPr>
-              <a:t>± 140$CAD</a:t>
-            </a:r>
-          </a:p>
-          <a:p>
-            <a:pPr algn="ctr"/>
-            <a:r>
-              <a:rPr lang="fr-CA" sz="2800" dirty="0">
-                <a:solidFill>
-                  <a:schemeClr val="bg1"/>
-                </a:solidFill>
-                <a:latin typeface="Bahnschrift SemiBold Condensed" panose="020B0502040204020203" pitchFamily="34" charset="0"/>
-              </a:rPr>
-              <a:t>(équipements compris)</a:t>
-            </a:r>
-          </a:p>
-        </p:txBody>
-      </p:sp>
-      <p:sp>
-        <p:nvSpPr>
-          <p:cNvPr id="10" name="ZoneTexte 9">
-            <a:extLst>
-              <a:ext uri="{FF2B5EF4-FFF2-40B4-BE49-F238E27FC236}">
-                <a16:creationId xmlns:a16="http://schemas.microsoft.com/office/drawing/2014/main" id="{EF2BC40C-E845-4BE3-B151-24FC9F9C90F8}"/>
-              </a:ext>
-            </a:extLst>
-          </p:cNvPr>
-          <p:cNvSpPr txBox="1"/>
-          <p:nvPr/>
-        </p:nvSpPr>
-        <p:spPr>
-          <a:xfrm>
-            <a:off x="1662911" y="4544581"/>
-            <a:ext cx="8380564" cy="1815882"/>
-          </a:xfrm>
-          <a:prstGeom prst="rect">
-            <a:avLst/>
-          </a:prstGeom>
-          <a:noFill/>
-        </p:spPr>
-        <p:txBody>
-          <a:bodyPr wrap="square" rtlCol="0">
-            <a:spAutoFit/>
-          </a:bodyPr>
-          <a:lstStyle/>
-          <a:p>
-            <a:pPr algn="ctr"/>
-            <a:r>
-              <a:rPr lang="fr-CA" sz="8000" dirty="0">
-                <a:solidFill>
-                  <a:schemeClr val="bg1"/>
-                </a:solidFill>
-                <a:latin typeface="Bahnschrift SemiBold Condensed" panose="020B0502040204020203" pitchFamily="34" charset="0"/>
-              </a:rPr>
-              <a:t> </a:t>
-            </a:r>
-            <a:r>
-              <a:rPr lang="fr-CA" sz="6000" dirty="0">
-                <a:solidFill>
-                  <a:schemeClr val="bg1"/>
-                </a:solidFill>
-                <a:latin typeface="Bahnschrift SemiBold Condensed" panose="020B0502040204020203" pitchFamily="34" charset="0"/>
-              </a:rPr>
-              <a:t>130$CAD + taxes</a:t>
-            </a:r>
-          </a:p>
-          <a:p>
-            <a:pPr algn="ctr"/>
-            <a:r>
-              <a:rPr lang="fr-CA" sz="2800" dirty="0">
-                <a:solidFill>
-                  <a:schemeClr val="bg1"/>
-                </a:solidFill>
-                <a:latin typeface="Bahnschrift SemiBold Condensed" panose="020B0502040204020203" pitchFamily="34" charset="0"/>
-              </a:rPr>
-              <a:t>(rien compris)</a:t>
-            </a:r>
-          </a:p>
-        </p:txBody>
-      </p:sp>
       <p:pic>
         <p:nvPicPr>
-          <p:cNvPr id="13" name="Picture 4" descr="Xbox Adaptive Controller - Microsoft Store Canada">
-            <a:extLst>
-              <a:ext uri="{FF2B5EF4-FFF2-40B4-BE49-F238E27FC236}">
-                <a16:creationId xmlns:a16="http://schemas.microsoft.com/office/drawing/2014/main" id="{B9647763-A895-E264-9FE2-690805FCEAB5}"/>
+          <p:cNvPr id="8" name="Image 7">
+            <a:extLst>
+              <a:ext uri="{FF2B5EF4-FFF2-40B4-BE49-F238E27FC236}">
+                <a16:creationId xmlns:a16="http://schemas.microsoft.com/office/drawing/2014/main" id="{54FB255D-4A56-B756-C7AB-1B253BE52779}"/>
+              </a:ext>
+            </a:extLst>
+          </p:cNvPr>
+          <p:cNvPicPr>
+            <a:picLocks noChangeAspect="1"/>
+          </p:cNvPicPr>
+          <p:nvPr/>
+        </p:nvPicPr>
+        <p:blipFill>
+          <a:blip r:embed="rId4">
+            <a:extLst>
+              <a:ext uri="{28A0092B-C50C-407E-A947-70E740481C1C}">
+                <a14:useLocalDpi xmlns:a14="http://schemas.microsoft.com/office/drawing/2010/main" val="0"/>
+              </a:ext>
+            </a:extLst>
+          </a:blip>
+          <a:stretch>
+            <a:fillRect/>
+          </a:stretch>
+        </p:blipFill>
+        <p:spPr>
+          <a:xfrm>
+            <a:off x="13458160" y="5055192"/>
+            <a:ext cx="2990322" cy="2854655"/>
+          </a:xfrm>
+          <a:prstGeom prst="rect">
+            <a:avLst/>
+          </a:prstGeom>
+        </p:spPr>
+      </p:pic>
+      <p:pic>
+        <p:nvPicPr>
+          <p:cNvPr id="3080" name="Picture 8" descr="Pc - Free computer icons">
+            <a:extLst>
+              <a:ext uri="{FF2B5EF4-FFF2-40B4-BE49-F238E27FC236}">
+                <a16:creationId xmlns:a16="http://schemas.microsoft.com/office/drawing/2014/main" id="{F51CF9C0-BE68-4C5A-F860-D08BF32F1380}"/>
               </a:ext>
             </a:extLst>
           </p:cNvPr>
@@ -8169,7 +7516,7 @@
           <p:nvPr/>
         </p:nvPicPr>
         <p:blipFill>
-          <a:blip r:embed="rId8">
+          <a:blip r:embed="rId5">
             <a:extLst>
               <a:ext uri="{28A0092B-C50C-407E-A947-70E740481C1C}">
                 <a14:useLocalDpi xmlns:a14="http://schemas.microsoft.com/office/drawing/2010/main" val="0"/>
@@ -8183,8 +7530,8 @@
         </p:blipFill>
         <p:spPr bwMode="auto">
           <a:xfrm>
-            <a:off x="-3168272" y="-1820023"/>
-            <a:ext cx="3984959" cy="1941630"/>
+            <a:off x="4344125" y="-3279954"/>
+            <a:ext cx="2826705" cy="2826705"/>
           </a:xfrm>
           <a:prstGeom prst="rect">
             <a:avLst/>
@@ -8203,40 +7550,10 @@
       </p:pic>
       <p:pic>
         <p:nvPicPr>
-          <p:cNvPr id="14" name="Image 13">
-            <a:extLst>
-              <a:ext uri="{FF2B5EF4-FFF2-40B4-BE49-F238E27FC236}">
-                <a16:creationId xmlns:a16="http://schemas.microsoft.com/office/drawing/2014/main" id="{D63F6015-5B51-DCD2-3F0A-AFB9DBB10361}"/>
-              </a:ext>
-            </a:extLst>
-          </p:cNvPr>
-          <p:cNvPicPr>
-            <a:picLocks noChangeAspect="1"/>
-          </p:cNvPicPr>
-          <p:nvPr/>
-        </p:nvPicPr>
-        <p:blipFill>
-          <a:blip r:embed="rId9"/>
-          <a:stretch>
-            <a:fillRect/>
-          </a:stretch>
-        </p:blipFill>
-        <p:spPr>
-          <a:xfrm>
-            <a:off x="-4410750" y="1449242"/>
-            <a:ext cx="3564509" cy="1420090"/>
-          </a:xfrm>
-          <a:prstGeom prst="rect">
-            <a:avLst/>
-          </a:prstGeom>
-        </p:spPr>
-      </p:pic>
-      <p:pic>
-        <p:nvPicPr>
-          <p:cNvPr id="15" name="Picture 6" descr="image-1">
-            <a:extLst>
-              <a:ext uri="{FF2B5EF4-FFF2-40B4-BE49-F238E27FC236}">
-                <a16:creationId xmlns:a16="http://schemas.microsoft.com/office/drawing/2014/main" id="{F4AC9F12-80A1-F055-FC27-9BC6A574AB11}"/>
+          <p:cNvPr id="9" name="Picture 14">
+            <a:extLst>
+              <a:ext uri="{FF2B5EF4-FFF2-40B4-BE49-F238E27FC236}">
+                <a16:creationId xmlns:a16="http://schemas.microsoft.com/office/drawing/2014/main" id="{44305A05-230F-1BB5-5038-0CCF7F4DB9DD}"/>
               </a:ext>
             </a:extLst>
           </p:cNvPr>
@@ -8246,7 +7563,7 @@
           <p:nvPr/>
         </p:nvPicPr>
         <p:blipFill>
-          <a:blip r:embed="rId10">
+          <a:blip r:embed="rId6">
             <a:extLst>
               <a:ext uri="{28A0092B-C50C-407E-A947-70E740481C1C}">
                 <a14:useLocalDpi xmlns:a14="http://schemas.microsoft.com/office/drawing/2010/main" val="0"/>
@@ -8260,8 +7577,8 @@
         </p:blipFill>
         <p:spPr bwMode="auto">
           <a:xfrm>
-            <a:off x="-3136801" y="7951656"/>
-            <a:ext cx="3159155" cy="1777024"/>
+            <a:off x="-459237" y="7825088"/>
+            <a:ext cx="1252803" cy="834750"/>
           </a:xfrm>
           <a:prstGeom prst="rect">
             <a:avLst/>
@@ -8278,292 +7595,12 @@
           </a:extLst>
         </p:spPr>
       </p:pic>
-      <p:sp>
-        <p:nvSpPr>
-          <p:cNvPr id="16" name="ZoneTexte 15">
-            <a:extLst>
-              <a:ext uri="{FF2B5EF4-FFF2-40B4-BE49-F238E27FC236}">
-                <a16:creationId xmlns:a16="http://schemas.microsoft.com/office/drawing/2014/main" id="{8CB0022F-7726-8378-0284-C26C736A1202}"/>
-              </a:ext>
-            </a:extLst>
-          </p:cNvPr>
-          <p:cNvSpPr txBox="1"/>
-          <p:nvPr/>
-        </p:nvSpPr>
-        <p:spPr>
-          <a:xfrm>
-            <a:off x="-3915957" y="-67662"/>
-            <a:ext cx="3765415" cy="1323439"/>
-          </a:xfrm>
-          <a:prstGeom prst="rect">
-            <a:avLst/>
-          </a:prstGeom>
-          <a:noFill/>
-        </p:spPr>
-        <p:txBody>
-          <a:bodyPr wrap="square" rtlCol="0">
-            <a:spAutoFit/>
-          </a:bodyPr>
-          <a:lstStyle/>
-          <a:p>
-            <a:pPr algn="ctr"/>
-            <a:r>
-              <a:rPr lang="fr-CA" sz="8000" dirty="0">
-                <a:solidFill>
-                  <a:schemeClr val="bg1"/>
-                </a:solidFill>
-                <a:latin typeface="Bahnschrift SemiBold Condensed" panose="020B0502040204020203" pitchFamily="34" charset="0"/>
-              </a:rPr>
-              <a:t>+</a:t>
-            </a:r>
-            <a:endParaRPr lang="fr-CA" sz="2800" dirty="0">
-              <a:solidFill>
-                <a:schemeClr val="bg1"/>
-              </a:solidFill>
-              <a:latin typeface="Bahnschrift SemiBold Condensed" panose="020B0502040204020203" pitchFamily="34" charset="0"/>
-            </a:endParaRPr>
-          </a:p>
-        </p:txBody>
-      </p:sp>
-      <p:sp>
-        <p:nvSpPr>
-          <p:cNvPr id="29" name="ZoneTexte 28">
-            <a:extLst>
-              <a:ext uri="{FF2B5EF4-FFF2-40B4-BE49-F238E27FC236}">
-                <a16:creationId xmlns:a16="http://schemas.microsoft.com/office/drawing/2014/main" id="{4BACBD6D-B25B-DDBC-DD85-E770A563DAA9}"/>
-              </a:ext>
-            </a:extLst>
-          </p:cNvPr>
-          <p:cNvSpPr txBox="1"/>
-          <p:nvPr/>
-        </p:nvSpPr>
-        <p:spPr>
-          <a:xfrm>
-            <a:off x="-3995488" y="3195742"/>
-            <a:ext cx="3765415" cy="1107996"/>
-          </a:xfrm>
-          <a:prstGeom prst="rect">
-            <a:avLst/>
-          </a:prstGeom>
-          <a:noFill/>
-        </p:spPr>
-        <p:txBody>
-          <a:bodyPr wrap="square" rtlCol="0">
-            <a:spAutoFit/>
-          </a:bodyPr>
-          <a:lstStyle/>
-          <a:p>
-            <a:pPr algn="ctr"/>
-            <a:r>
-              <a:rPr lang="fr-CA" sz="6600" dirty="0">
-                <a:solidFill>
-                  <a:schemeClr val="bg1"/>
-                </a:solidFill>
-                <a:latin typeface="Bahnschrift SemiBold Condensed" panose="020B0502040204020203" pitchFamily="34" charset="0"/>
-              </a:rPr>
-              <a:t> </a:t>
-            </a:r>
-            <a:r>
-              <a:rPr lang="fr-CA" sz="6000" dirty="0">
-                <a:solidFill>
-                  <a:schemeClr val="bg1"/>
-                </a:solidFill>
-                <a:latin typeface="Bahnschrift SemiBold Condensed" panose="020B0502040204020203" pitchFamily="34" charset="0"/>
-              </a:rPr>
-              <a:t>100$CAD / ch. </a:t>
-            </a:r>
-            <a:endParaRPr lang="fr-CA" sz="2000" dirty="0">
-              <a:solidFill>
-                <a:schemeClr val="bg1"/>
-              </a:solidFill>
-              <a:latin typeface="Bahnschrift SemiBold Condensed" panose="020B0502040204020203" pitchFamily="34" charset="0"/>
-            </a:endParaRPr>
-          </a:p>
-        </p:txBody>
-      </p:sp>
-      <p:sp>
-        <p:nvSpPr>
-          <p:cNvPr id="30" name="ZoneTexte 29">
-            <a:extLst>
-              <a:ext uri="{FF2B5EF4-FFF2-40B4-BE49-F238E27FC236}">
-                <a16:creationId xmlns:a16="http://schemas.microsoft.com/office/drawing/2014/main" id="{5EED66C2-0BC1-D88E-8099-B347B255CD7F}"/>
-              </a:ext>
-            </a:extLst>
-          </p:cNvPr>
-          <p:cNvSpPr txBox="1"/>
-          <p:nvPr/>
-        </p:nvSpPr>
-        <p:spPr>
-          <a:xfrm>
-            <a:off x="-4717254" y="4432231"/>
-            <a:ext cx="3765415" cy="1015663"/>
-          </a:xfrm>
-          <a:prstGeom prst="rect">
-            <a:avLst/>
-          </a:prstGeom>
-          <a:noFill/>
-        </p:spPr>
-        <p:txBody>
-          <a:bodyPr wrap="square" rtlCol="0">
-            <a:spAutoFit/>
-          </a:bodyPr>
-          <a:lstStyle/>
-          <a:p>
-            <a:pPr algn="ctr"/>
-            <a:r>
-              <a:rPr lang="fr-CA" sz="6000" dirty="0">
-                <a:solidFill>
-                  <a:schemeClr val="bg1"/>
-                </a:solidFill>
-                <a:latin typeface="Bahnschrift SemiBold Condensed" panose="020B0502040204020203" pitchFamily="34" charset="0"/>
-              </a:rPr>
-              <a:t>+/ou</a:t>
-            </a:r>
-            <a:endParaRPr lang="fr-CA" dirty="0">
-              <a:solidFill>
-                <a:schemeClr val="bg1"/>
-              </a:solidFill>
-              <a:latin typeface="Bahnschrift SemiBold Condensed" panose="020B0502040204020203" pitchFamily="34" charset="0"/>
-            </a:endParaRPr>
-          </a:p>
-        </p:txBody>
-      </p:sp>
-      <p:sp>
-        <p:nvSpPr>
-          <p:cNvPr id="31" name="ZoneTexte 30">
-            <a:extLst>
-              <a:ext uri="{FF2B5EF4-FFF2-40B4-BE49-F238E27FC236}">
-                <a16:creationId xmlns:a16="http://schemas.microsoft.com/office/drawing/2014/main" id="{F38C28BA-3CA2-58BE-2C3C-45BDA20529D6}"/>
-              </a:ext>
-            </a:extLst>
-          </p:cNvPr>
-          <p:cNvSpPr txBox="1"/>
-          <p:nvPr/>
-        </p:nvSpPr>
-        <p:spPr>
-          <a:xfrm>
-            <a:off x="-4511204" y="5587068"/>
-            <a:ext cx="3765415" cy="1969770"/>
-          </a:xfrm>
-          <a:prstGeom prst="rect">
-            <a:avLst/>
-          </a:prstGeom>
-          <a:noFill/>
-        </p:spPr>
-        <p:txBody>
-          <a:bodyPr wrap="square" rtlCol="0">
-            <a:spAutoFit/>
-          </a:bodyPr>
-          <a:lstStyle/>
-          <a:p>
-            <a:pPr algn="ctr"/>
-            <a:r>
-              <a:rPr lang="fr-CA" sz="6600" dirty="0">
-                <a:solidFill>
-                  <a:schemeClr val="bg1"/>
-                </a:solidFill>
-                <a:latin typeface="Bahnschrift SemiBold Condensed" panose="020B0502040204020203" pitchFamily="34" charset="0"/>
-              </a:rPr>
-              <a:t> </a:t>
-            </a:r>
-            <a:r>
-              <a:rPr lang="fr-CA" sz="6000" dirty="0">
-                <a:solidFill>
-                  <a:schemeClr val="bg1"/>
-                </a:solidFill>
-                <a:latin typeface="Bahnschrift SemiBold Condensed" panose="020B0502040204020203" pitchFamily="34" charset="0"/>
-              </a:rPr>
-              <a:t>140$CAD</a:t>
-            </a:r>
-          </a:p>
-          <a:p>
-            <a:pPr algn="ctr"/>
-            <a:r>
-              <a:rPr lang="fr-CA" sz="2800" dirty="0">
-                <a:solidFill>
-                  <a:schemeClr val="bg1"/>
-                </a:solidFill>
-                <a:latin typeface="Bahnschrift SemiBold Condensed" panose="020B0502040204020203" pitchFamily="34" charset="0"/>
-              </a:rPr>
-              <a:t>(ne convient pas à tous) </a:t>
-            </a:r>
-          </a:p>
-          <a:p>
-            <a:pPr algn="ctr"/>
-            <a:r>
-              <a:rPr lang="fr-CA" sz="2800" dirty="0">
-                <a:solidFill>
-                  <a:schemeClr val="bg1"/>
-                </a:solidFill>
-                <a:latin typeface="Bahnschrift SemiBold Condensed" panose="020B0502040204020203" pitchFamily="34" charset="0"/>
-              </a:rPr>
-              <a:t>(Ne contient pas de joystick)</a:t>
-            </a:r>
-          </a:p>
-        </p:txBody>
-      </p:sp>
-      <p:sp>
-        <p:nvSpPr>
-          <p:cNvPr id="32" name="ZoneTexte 31">
-            <a:extLst>
-              <a:ext uri="{FF2B5EF4-FFF2-40B4-BE49-F238E27FC236}">
-                <a16:creationId xmlns:a16="http://schemas.microsoft.com/office/drawing/2014/main" id="{5EB912DD-B428-D997-C09E-A3EFEB6E3E87}"/>
-              </a:ext>
-            </a:extLst>
-          </p:cNvPr>
-          <p:cNvSpPr txBox="1"/>
-          <p:nvPr/>
-        </p:nvSpPr>
-        <p:spPr>
-          <a:xfrm>
-            <a:off x="13442626" y="-1043353"/>
-            <a:ext cx="3939634" cy="1754326"/>
-          </a:xfrm>
-          <a:prstGeom prst="rect">
-            <a:avLst/>
-          </a:prstGeom>
-          <a:noFill/>
-        </p:spPr>
-        <p:txBody>
-          <a:bodyPr wrap="square" rtlCol="0">
-            <a:spAutoFit/>
-          </a:bodyPr>
-          <a:lstStyle/>
-          <a:p>
-            <a:pPr algn="ctr"/>
-            <a:r>
-              <a:rPr lang="fr-CA" sz="7200" dirty="0">
-                <a:solidFill>
-                  <a:schemeClr val="bg1"/>
-                </a:solidFill>
-                <a:latin typeface="Bahnschrift SemiBold Condensed" panose="020B0502040204020203" pitchFamily="34" charset="0"/>
-              </a:rPr>
-              <a:t> </a:t>
-            </a:r>
-            <a:r>
-              <a:rPr lang="fr-CA" sz="3600" dirty="0">
-                <a:solidFill>
-                  <a:schemeClr val="bg1"/>
-                </a:solidFill>
-                <a:latin typeface="Bahnschrift SemiBold Condensed" panose="020B0502040204020203" pitchFamily="34" charset="0"/>
-              </a:rPr>
-              <a:t>Une manette à besoin de minimum 12 boutons</a:t>
-            </a:r>
-            <a:endParaRPr lang="fr-CA" sz="3200" dirty="0">
-              <a:solidFill>
-                <a:schemeClr val="bg1"/>
-              </a:solidFill>
-              <a:latin typeface="Bahnschrift SemiBold Condensed" panose="020B0502040204020203" pitchFamily="34" charset="0"/>
-            </a:endParaRPr>
-          </a:p>
-        </p:txBody>
-      </p:sp>
       <p:pic>
         <p:nvPicPr>
-          <p:cNvPr id="33" name="Picture 2" descr="Microsoft's Xbox Adaptive Controller Gives Disabled Gamers a Power-Up |  WIRED">
-            <a:extLst>
-              <a:ext uri="{FF2B5EF4-FFF2-40B4-BE49-F238E27FC236}">
-                <a16:creationId xmlns:a16="http://schemas.microsoft.com/office/drawing/2014/main" id="{45F37BE7-37BD-ED1D-E308-886A9F16C3C1}"/>
+          <p:cNvPr id="12" name="Picture 14">
+            <a:extLst>
+              <a:ext uri="{FF2B5EF4-FFF2-40B4-BE49-F238E27FC236}">
+                <a16:creationId xmlns:a16="http://schemas.microsoft.com/office/drawing/2014/main" id="{8FE5561C-035B-302A-549A-9C0C9B07CED2}"/>
               </a:ext>
             </a:extLst>
           </p:cNvPr>
@@ -8573,7 +7610,7 @@
           <p:nvPr/>
         </p:nvPicPr>
         <p:blipFill>
-          <a:blip r:embed="rId11">
+          <a:blip r:embed="rId6">
             <a:extLst>
               <a:ext uri="{28A0092B-C50C-407E-A947-70E740481C1C}">
                 <a14:useLocalDpi xmlns:a14="http://schemas.microsoft.com/office/drawing/2010/main" val="0"/>
@@ -8587,25 +7624,13 @@
         </p:blipFill>
         <p:spPr bwMode="auto">
           <a:xfrm>
-            <a:off x="13590145" y="1963564"/>
-            <a:ext cx="3644595" cy="2049610"/>
-          </a:xfrm>
-          <a:prstGeom prst="rect">
-            <a:avLst/>
-          </a:prstGeom>
-          <a:ln w="127000" cap="sq">
-            <a:solidFill>
-              <a:srgbClr val="000000"/>
-            </a:solidFill>
-            <a:miter lim="800000"/>
-          </a:ln>
-          <a:effectLst>
-            <a:outerShdw blurRad="57150" dist="50800" dir="2700000" algn="tl" rotWithShape="0">
-              <a:srgbClr val="000000">
-                <a:alpha val="40000"/>
-              </a:srgbClr>
-            </a:outerShdw>
-          </a:effectLst>
+            <a:off x="10131916" y="7485907"/>
+            <a:ext cx="1252803" cy="834750"/>
+          </a:xfrm>
+          <a:prstGeom prst="rect">
+            <a:avLst/>
+          </a:prstGeom>
+          <a:noFill/>
           <a:extLst>
             <a:ext uri="{909E8E84-426E-40DD-AFC4-6F175D3DCCD1}">
               <a14:hiddenFill xmlns:a14="http://schemas.microsoft.com/office/drawing/2010/main">
@@ -8617,12 +7642,55 @@
           </a:extLst>
         </p:spPr>
       </p:pic>
-      <p:sp>
-        <p:nvSpPr>
-          <p:cNvPr id="34" name="ZoneTexte 33">
-            <a:extLst>
-              <a:ext uri="{FF2B5EF4-FFF2-40B4-BE49-F238E27FC236}">
-                <a16:creationId xmlns:a16="http://schemas.microsoft.com/office/drawing/2014/main" id="{91D42F9B-6E52-C7EA-30CE-EF2B7B0AEB67}"/>
+      <p:cxnSp>
+        <p:nvCxnSpPr>
+          <p:cNvPr id="27" name="Connecteur droit 26">
+            <a:extLst>
+              <a:ext uri="{FF2B5EF4-FFF2-40B4-BE49-F238E27FC236}">
+                <a16:creationId xmlns:a16="http://schemas.microsoft.com/office/drawing/2014/main" id="{BC166031-8E90-EE75-909A-BA1B893D540D}"/>
+              </a:ext>
+            </a:extLst>
+          </p:cNvPr>
+          <p:cNvCxnSpPr>
+            <a:cxnSpLocks/>
+          </p:cNvCxnSpPr>
+          <p:nvPr/>
+        </p:nvCxnSpPr>
+        <p:spPr>
+          <a:xfrm>
+            <a:off x="485080" y="1454465"/>
+            <a:ext cx="11852063" cy="0"/>
+          </a:xfrm>
+          <a:prstGeom prst="line">
+            <a:avLst/>
+          </a:prstGeom>
+          <a:ln>
+            <a:solidFill>
+              <a:schemeClr val="bg1"/>
+            </a:solidFill>
+          </a:ln>
+        </p:spPr>
+        <p:style>
+          <a:lnRef idx="1">
+            <a:schemeClr val="accent1"/>
+          </a:lnRef>
+          <a:fillRef idx="0">
+            <a:schemeClr val="accent1"/>
+          </a:fillRef>
+          <a:effectRef idx="0">
+            <a:schemeClr val="accent1"/>
+          </a:effectRef>
+          <a:fontRef idx="minor">
+            <a:schemeClr val="tx1"/>
+          </a:fontRef>
+        </p:style>
+      </p:cxnSp>
+      <p:sp>
+        <p:nvSpPr>
+          <p:cNvPr id="28" name="ZoneTexte 27">
+            <a:extLst>
+              <a:ext uri="{FF2B5EF4-FFF2-40B4-BE49-F238E27FC236}">
+                <a16:creationId xmlns:a16="http://schemas.microsoft.com/office/drawing/2014/main" id="{A5C956D1-D52B-6D3B-B8B5-309373AF32E8}"/>
               </a:ext>
             </a:extLst>
           </p:cNvPr>
@@ -8631,8 +7699,8 @@
         </p:nvSpPr>
         <p:spPr>
           <a:xfrm>
-            <a:off x="13138122" y="5893542"/>
-            <a:ext cx="3765415" cy="2831544"/>
+            <a:off x="2015650" y="6856545"/>
+            <a:ext cx="8380564" cy="1569660"/>
           </a:xfrm>
           <a:prstGeom prst="rect">
             <a:avLst/>
@@ -8647,56 +7715,116 @@
           <a:p>
             <a:pPr algn="ctr"/>
             <a:r>
-              <a:rPr lang="fr-CA" sz="6600" dirty="0">
+              <a:rPr lang="fr-CA" sz="9600" dirty="0">
                 <a:solidFill>
                   <a:schemeClr val="bg1"/>
                 </a:solidFill>
                 <a:latin typeface="Bahnschrift SemiBold Condensed" panose="020B0502040204020203" pitchFamily="34" charset="0"/>
               </a:rPr>
-              <a:t> MINIMUM</a:t>
-            </a:r>
-          </a:p>
+              <a:t>COMMENT JOUER ?</a:t>
+            </a:r>
+          </a:p>
+        </p:txBody>
+      </p:sp>
+      <p:sp>
+        <p:nvSpPr>
+          <p:cNvPr id="32" name="Triangle rectangle 31">
+            <a:extLst>
+              <a:ext uri="{FF2B5EF4-FFF2-40B4-BE49-F238E27FC236}">
+                <a16:creationId xmlns:a16="http://schemas.microsoft.com/office/drawing/2014/main" id="{C9DBCD3C-4B52-1699-42A4-C52D3A9DAA05}"/>
+              </a:ext>
+            </a:extLst>
+          </p:cNvPr>
+          <p:cNvSpPr/>
+          <p:nvPr/>
+        </p:nvSpPr>
+        <p:spPr>
+          <a:xfrm rot="10800000" flipV="1">
+            <a:off x="5606192" y="5055193"/>
+            <a:ext cx="12192000" cy="6612850"/>
+          </a:xfrm>
+          <a:prstGeom prst="rtTriangle">
+            <a:avLst/>
+          </a:prstGeom>
+          <a:solidFill>
+            <a:srgbClr val="2A7507"/>
+          </a:solidFill>
+        </p:spPr>
+        <p:style>
+          <a:lnRef idx="3">
+            <a:schemeClr val="lt1"/>
+          </a:lnRef>
+          <a:fillRef idx="1">
+            <a:schemeClr val="accent2"/>
+          </a:fillRef>
+          <a:effectRef idx="1">
+            <a:schemeClr val="accent2"/>
+          </a:effectRef>
+          <a:fontRef idx="minor">
+            <a:schemeClr val="lt1"/>
+          </a:fontRef>
+        </p:style>
+        <p:txBody>
+          <a:bodyPr rtlCol="0" anchor="ctr"/>
+          <a:lstStyle/>
           <a:p>
             <a:pPr algn="ctr"/>
-            <a:r>
-              <a:rPr lang="fr-CA" sz="6000" dirty="0">
-                <a:solidFill>
-                  <a:schemeClr val="bg1"/>
-                </a:solidFill>
-                <a:latin typeface="Bahnschrift SemiBold Condensed" panose="020B0502040204020203" pitchFamily="34" charset="0"/>
-              </a:rPr>
-              <a:t>270$CAD</a:t>
-            </a:r>
-          </a:p>
+            <a:endParaRPr lang="fr-CA" dirty="0"/>
+          </a:p>
+        </p:txBody>
+      </p:sp>
+      <p:sp>
+        <p:nvSpPr>
+          <p:cNvPr id="33" name="Rectangle 32">
+            <a:extLst>
+              <a:ext uri="{FF2B5EF4-FFF2-40B4-BE49-F238E27FC236}">
+                <a16:creationId xmlns:a16="http://schemas.microsoft.com/office/drawing/2014/main" id="{0CDBD379-23C7-ECCA-543B-B1F20276AD75}"/>
+              </a:ext>
+            </a:extLst>
+          </p:cNvPr>
+          <p:cNvSpPr/>
+          <p:nvPr/>
+        </p:nvSpPr>
+        <p:spPr>
+          <a:xfrm rot="16200000">
+            <a:off x="-8185396" y="10826774"/>
+            <a:ext cx="14443473" cy="337479"/>
+          </a:xfrm>
+          <a:prstGeom prst="rect">
+            <a:avLst/>
+          </a:prstGeom>
+        </p:spPr>
+        <p:style>
+          <a:lnRef idx="2">
+            <a:schemeClr val="dk1">
+              <a:shade val="50000"/>
+            </a:schemeClr>
+          </a:lnRef>
+          <a:fillRef idx="1">
+            <a:schemeClr val="dk1"/>
+          </a:fillRef>
+          <a:effectRef idx="0">
+            <a:schemeClr val="dk1"/>
+          </a:effectRef>
+          <a:fontRef idx="minor">
+            <a:schemeClr val="lt1"/>
+          </a:fontRef>
+        </p:style>
+        <p:txBody>
+          <a:bodyPr rtlCol="0" anchor="ctr"/>
+          <a:lstStyle/>
           <a:p>
             <a:pPr algn="ctr"/>
-            <a:r>
-              <a:rPr lang="fr-CA" sz="3200" dirty="0">
-                <a:solidFill>
-                  <a:schemeClr val="bg1"/>
-                </a:solidFill>
-                <a:latin typeface="Bahnschrift SemiBold Condensed" panose="020B0502040204020203" pitchFamily="34" charset="0"/>
-              </a:rPr>
-              <a:t>+ TAXES </a:t>
-            </a:r>
-          </a:p>
-          <a:p>
-            <a:pPr algn="ctr"/>
-            <a:endParaRPr lang="fr-CA" sz="2000" dirty="0">
-              <a:solidFill>
-                <a:schemeClr val="bg1"/>
-              </a:solidFill>
-              <a:latin typeface="Bahnschrift SemiBold Condensed" panose="020B0502040204020203" pitchFamily="34" charset="0"/>
-            </a:endParaRPr>
-          </a:p>
-        </p:txBody>
-      </p:sp>
-      <p:sp>
-        <p:nvSpPr>
-          <p:cNvPr id="35" name="ZoneTexte 34">
-            <a:extLst>
-              <a:ext uri="{FF2B5EF4-FFF2-40B4-BE49-F238E27FC236}">
-                <a16:creationId xmlns:a16="http://schemas.microsoft.com/office/drawing/2014/main" id="{49758D14-9756-C170-AF9C-1D8A822BFBAD}"/>
+            <a:endParaRPr lang="fr-CA"/>
+          </a:p>
+        </p:txBody>
+      </p:sp>
+      <p:sp>
+        <p:nvSpPr>
+          <p:cNvPr id="34" name="ZoneTexte 33">
+            <a:extLst>
+              <a:ext uri="{FF2B5EF4-FFF2-40B4-BE49-F238E27FC236}">
+                <a16:creationId xmlns:a16="http://schemas.microsoft.com/office/drawing/2014/main" id="{3F22C4AD-E040-346B-E532-51B52038D860}"/>
               </a:ext>
             </a:extLst>
           </p:cNvPr>
@@ -8705,8 +7833,8 @@
         </p:nvSpPr>
         <p:spPr>
           <a:xfrm>
-            <a:off x="-538436" y="-2644058"/>
-            <a:ext cx="3115549" cy="1323439"/>
+            <a:off x="-2043192" y="-2683068"/>
+            <a:ext cx="8380564" cy="1815882"/>
           </a:xfrm>
           <a:prstGeom prst="rect">
             <a:avLst/>
@@ -8727,30 +7855,406 @@
                 </a:solidFill>
                 <a:latin typeface="Bahnschrift SemiBold Condensed" panose="020B0502040204020203" pitchFamily="34" charset="0"/>
               </a:rPr>
-              <a:t> </a:t>
-            </a:r>
-            <a:r>
-              <a:rPr lang="fr-CA" sz="6000" dirty="0">
+              <a:t>± 120$CAD</a:t>
+            </a:r>
+          </a:p>
+          <a:p>
+            <a:pPr algn="ctr"/>
+            <a:r>
+              <a:rPr lang="fr-CA" sz="2800" dirty="0">
                 <a:solidFill>
                   <a:schemeClr val="bg1"/>
                 </a:solidFill>
                 <a:latin typeface="Bahnschrift SemiBold Condensed" panose="020B0502040204020203" pitchFamily="34" charset="0"/>
               </a:rPr>
-              <a:t>130$CAD </a:t>
-            </a:r>
-            <a:endParaRPr lang="fr-CA" sz="2800" dirty="0">
-              <a:solidFill>
-                <a:schemeClr val="bg1"/>
-              </a:solidFill>
-              <a:latin typeface="Bahnschrift SemiBold Condensed" panose="020B0502040204020203" pitchFamily="34" charset="0"/>
-            </a:endParaRPr>
+              <a:t>(tous compris)</a:t>
+            </a:r>
+          </a:p>
+        </p:txBody>
+      </p:sp>
+      <p:sp>
+        <p:nvSpPr>
+          <p:cNvPr id="35" name="ZoneTexte 34">
+            <a:extLst>
+              <a:ext uri="{FF2B5EF4-FFF2-40B4-BE49-F238E27FC236}">
+                <a16:creationId xmlns:a16="http://schemas.microsoft.com/office/drawing/2014/main" id="{39EDF483-E6D1-13EB-FD4B-496A5E27CCF2}"/>
+              </a:ext>
+            </a:extLst>
+          </p:cNvPr>
+          <p:cNvSpPr txBox="1"/>
+          <p:nvPr/>
+        </p:nvSpPr>
+        <p:spPr>
+          <a:xfrm>
+            <a:off x="3800443" y="-1852555"/>
+            <a:ext cx="7144851" cy="1569660"/>
+          </a:xfrm>
+          <a:prstGeom prst="rect">
+            <a:avLst/>
+          </a:prstGeom>
+          <a:noFill/>
+        </p:spPr>
+        <p:txBody>
+          <a:bodyPr wrap="square" rtlCol="0">
+            <a:spAutoFit/>
+          </a:bodyPr>
+          <a:lstStyle/>
+          <a:p>
+            <a:r>
+              <a:rPr lang="fr-CA" sz="9600" dirty="0">
+                <a:solidFill>
+                  <a:schemeClr val="bg1"/>
+                </a:solidFill>
+                <a:latin typeface="Bahnschrift SemiBold Condensed" panose="020B0502040204020203" pitchFamily="34" charset="0"/>
+              </a:rPr>
+              <a:t>C’EST POUR QUI ?</a:t>
+            </a:r>
+          </a:p>
+        </p:txBody>
+      </p:sp>
+      <p:sp>
+        <p:nvSpPr>
+          <p:cNvPr id="36" name="ZoneTexte 35">
+            <a:extLst>
+              <a:ext uri="{FF2B5EF4-FFF2-40B4-BE49-F238E27FC236}">
+                <a16:creationId xmlns:a16="http://schemas.microsoft.com/office/drawing/2014/main" id="{057B77E4-D73C-44BA-803F-04BE1F6C8C89}"/>
+              </a:ext>
+            </a:extLst>
+          </p:cNvPr>
+          <p:cNvSpPr txBox="1"/>
+          <p:nvPr/>
+        </p:nvSpPr>
+        <p:spPr>
+          <a:xfrm>
+            <a:off x="-436523" y="7057084"/>
+            <a:ext cx="8380564" cy="1815882"/>
+          </a:xfrm>
+          <a:prstGeom prst="rect">
+            <a:avLst/>
+          </a:prstGeom>
+          <a:noFill/>
+        </p:spPr>
+        <p:txBody>
+          <a:bodyPr wrap="square" rtlCol="0">
+            <a:spAutoFit/>
+          </a:bodyPr>
+          <a:lstStyle/>
+          <a:p>
+            <a:pPr algn="ctr"/>
+            <a:r>
+              <a:rPr lang="fr-CA" sz="8000" dirty="0">
+                <a:solidFill>
+                  <a:schemeClr val="bg1"/>
+                </a:solidFill>
+                <a:latin typeface="Bahnschrift SemiBold Condensed" panose="020B0502040204020203" pitchFamily="34" charset="0"/>
+              </a:rPr>
+              <a:t> </a:t>
+            </a:r>
+            <a:r>
+              <a:rPr lang="fr-CA" sz="6000" dirty="0">
+                <a:solidFill>
+                  <a:schemeClr val="bg1"/>
+                </a:solidFill>
+                <a:latin typeface="Bahnschrift SemiBold Condensed" panose="020B0502040204020203" pitchFamily="34" charset="0"/>
+              </a:rPr>
+              <a:t>130$CAD + taxes</a:t>
+            </a:r>
+          </a:p>
+          <a:p>
+            <a:pPr algn="ctr"/>
+            <a:r>
+              <a:rPr lang="fr-CA" sz="2800" dirty="0">
+                <a:solidFill>
+                  <a:schemeClr val="bg1"/>
+                </a:solidFill>
+                <a:latin typeface="Bahnschrift SemiBold Condensed" panose="020B0502040204020203" pitchFamily="34" charset="0"/>
+              </a:rPr>
+              <a:t>(rien compris)</a:t>
+            </a:r>
+          </a:p>
+        </p:txBody>
+      </p:sp>
+      <p:pic>
+        <p:nvPicPr>
+          <p:cNvPr id="37" name="Picture 2" descr="Xbox - Free logo icons">
+            <a:extLst>
+              <a:ext uri="{FF2B5EF4-FFF2-40B4-BE49-F238E27FC236}">
+                <a16:creationId xmlns:a16="http://schemas.microsoft.com/office/drawing/2014/main" id="{DF52327F-2AA5-06F0-595E-43C8C59C59FA}"/>
+              </a:ext>
+            </a:extLst>
+          </p:cNvPr>
+          <p:cNvPicPr>
+            <a:picLocks noChangeAspect="1" noChangeArrowheads="1"/>
+          </p:cNvPicPr>
+          <p:nvPr/>
+        </p:nvPicPr>
+        <p:blipFill>
+          <a:blip r:embed="rId7">
+            <a:extLst>
+              <a:ext uri="{28A0092B-C50C-407E-A947-70E740481C1C}">
+                <a14:useLocalDpi xmlns:a14="http://schemas.microsoft.com/office/drawing/2010/main" val="0"/>
+              </a:ext>
+            </a:extLst>
+          </a:blip>
+          <a:srcRect/>
+          <a:stretch>
+            <a:fillRect/>
+          </a:stretch>
+        </p:blipFill>
+        <p:spPr bwMode="auto">
+          <a:xfrm>
+            <a:off x="13580881" y="136576"/>
+            <a:ext cx="3332464" cy="3332464"/>
+          </a:xfrm>
+          <a:prstGeom prst="ellipse">
+            <a:avLst/>
+          </a:prstGeom>
+          <a:ln w="63500" cap="rnd">
+            <a:solidFill>
+              <a:srgbClr val="333333"/>
+            </a:solidFill>
+          </a:ln>
+          <a:effectLst>
+            <a:outerShdw blurRad="381000" dist="292100" dir="5400000" sx="-80000" sy="-18000" rotWithShape="0">
+              <a:srgbClr val="000000">
+                <a:alpha val="0"/>
+              </a:srgbClr>
+            </a:outerShdw>
+          </a:effectLst>
+          <a:scene3d>
+            <a:camera prst="orthographicFront"/>
+            <a:lightRig rig="contrasting" dir="t">
+              <a:rot lat="0" lon="0" rev="3000000"/>
+            </a:lightRig>
+          </a:scene3d>
+          <a:sp3d contourW="7620">
+            <a:bevelT w="95250" h="31750"/>
+            <a:contourClr>
+              <a:srgbClr val="333333"/>
+            </a:contourClr>
+          </a:sp3d>
+          <a:extLst>
+            <a:ext uri="{909E8E84-426E-40DD-AFC4-6F175D3DCCD1}">
+              <a14:hiddenFill xmlns:a14="http://schemas.microsoft.com/office/drawing/2010/main">
+                <a:solidFill>
+                  <a:srgbClr val="FFFFFF"/>
+                </a:solidFill>
+              </a14:hiddenFill>
+            </a:ext>
+          </a:extLst>
+        </p:spPr>
+      </p:pic>
+      <p:sp>
+        <p:nvSpPr>
+          <p:cNvPr id="2" name="ZoneTexte 1">
+            <a:extLst>
+              <a:ext uri="{FF2B5EF4-FFF2-40B4-BE49-F238E27FC236}">
+                <a16:creationId xmlns:a16="http://schemas.microsoft.com/office/drawing/2014/main" id="{EA6134A2-395D-315C-0DD8-F3C3DD873843}"/>
+              </a:ext>
+            </a:extLst>
+          </p:cNvPr>
+          <p:cNvSpPr txBox="1"/>
+          <p:nvPr/>
+        </p:nvSpPr>
+        <p:spPr>
+          <a:xfrm>
+            <a:off x="380663" y="69278"/>
+            <a:ext cx="7144851" cy="1569660"/>
+          </a:xfrm>
+          <a:prstGeom prst="rect">
+            <a:avLst/>
+          </a:prstGeom>
+          <a:noFill/>
+        </p:spPr>
+        <p:txBody>
+          <a:bodyPr wrap="square" rtlCol="0">
+            <a:spAutoFit/>
+          </a:bodyPr>
+          <a:lstStyle/>
+          <a:p>
+            <a:r>
+              <a:rPr lang="fr-CA" sz="9600" dirty="0">
+                <a:solidFill>
+                  <a:schemeClr val="bg1"/>
+                </a:solidFill>
+                <a:latin typeface="Bahnschrift SemiBold Condensed" panose="020B0502040204020203" pitchFamily="34" charset="0"/>
+              </a:rPr>
+              <a:t>NOS CLIENTS </a:t>
+            </a:r>
+          </a:p>
+        </p:txBody>
+      </p:sp>
+      <p:pic>
+        <p:nvPicPr>
+          <p:cNvPr id="1028" name="Picture 4" descr="Client icon | Free SVG">
+            <a:extLst>
+              <a:ext uri="{FF2B5EF4-FFF2-40B4-BE49-F238E27FC236}">
+                <a16:creationId xmlns:a16="http://schemas.microsoft.com/office/drawing/2014/main" id="{29AFA07C-0894-420F-0BF5-7E9403B55567}"/>
+              </a:ext>
+            </a:extLst>
+          </p:cNvPr>
+          <p:cNvPicPr>
+            <a:picLocks noChangeAspect="1" noChangeArrowheads="1"/>
+          </p:cNvPicPr>
+          <p:nvPr/>
+        </p:nvPicPr>
+        <p:blipFill>
+          <a:blip r:embed="rId8">
+            <a:extLst>
+              <a:ext uri="{28A0092B-C50C-407E-A947-70E740481C1C}">
+                <a14:useLocalDpi xmlns:a14="http://schemas.microsoft.com/office/drawing/2010/main" val="0"/>
+              </a:ext>
+            </a:extLst>
+          </a:blip>
+          <a:srcRect/>
+          <a:stretch>
+            <a:fillRect/>
+          </a:stretch>
+        </p:blipFill>
+        <p:spPr bwMode="auto">
+          <a:xfrm>
+            <a:off x="4880747" y="2259368"/>
+            <a:ext cx="3332464" cy="3332464"/>
+          </a:xfrm>
+          <a:prstGeom prst="rect">
+            <a:avLst/>
+          </a:prstGeom>
+          <a:noFill/>
+          <a:extLst>
+            <a:ext uri="{909E8E84-426E-40DD-AFC4-6F175D3DCCD1}">
+              <a14:hiddenFill xmlns:a14="http://schemas.microsoft.com/office/drawing/2010/main">
+                <a:solidFill>
+                  <a:srgbClr val="FFFFFF"/>
+                </a:solidFill>
+              </a14:hiddenFill>
+            </a:ext>
+          </a:extLst>
+        </p:spPr>
+      </p:pic>
+      <p:sp>
+        <p:nvSpPr>
+          <p:cNvPr id="7" name="ZoneTexte 6">
+            <a:extLst>
+              <a:ext uri="{FF2B5EF4-FFF2-40B4-BE49-F238E27FC236}">
+                <a16:creationId xmlns:a16="http://schemas.microsoft.com/office/drawing/2014/main" id="{05BE2E32-D7BF-4B2D-81C2-1C3A96EC33AA}"/>
+              </a:ext>
+            </a:extLst>
+          </p:cNvPr>
+          <p:cNvSpPr txBox="1"/>
+          <p:nvPr/>
+        </p:nvSpPr>
+        <p:spPr>
+          <a:xfrm>
+            <a:off x="1220437" y="2259368"/>
+            <a:ext cx="5413829" cy="1015663"/>
+          </a:xfrm>
+          <a:prstGeom prst="rect">
+            <a:avLst/>
+          </a:prstGeom>
+          <a:noFill/>
+        </p:spPr>
+        <p:txBody>
+          <a:bodyPr wrap="square" rtlCol="0">
+            <a:spAutoFit/>
+          </a:bodyPr>
+          <a:lstStyle/>
+          <a:p>
+            <a:r>
+              <a:rPr lang="fr-CA" sz="6000" dirty="0">
+                <a:solidFill>
+                  <a:schemeClr val="bg1"/>
+                </a:solidFill>
+                <a:latin typeface="Bahnschrift SemiBold Condensed" panose="020B0502040204020203" pitchFamily="34" charset="0"/>
+              </a:rPr>
+              <a:t>LES ÉCOLES</a:t>
+            </a:r>
+          </a:p>
+        </p:txBody>
+      </p:sp>
+      <p:sp>
+        <p:nvSpPr>
+          <p:cNvPr id="10" name="ZoneTexte 9">
+            <a:extLst>
+              <a:ext uri="{FF2B5EF4-FFF2-40B4-BE49-F238E27FC236}">
+                <a16:creationId xmlns:a16="http://schemas.microsoft.com/office/drawing/2014/main" id="{6100850A-64FD-8BCA-A6AC-F24FECA3701C}"/>
+              </a:ext>
+            </a:extLst>
+          </p:cNvPr>
+          <p:cNvSpPr txBox="1"/>
+          <p:nvPr/>
+        </p:nvSpPr>
+        <p:spPr>
+          <a:xfrm>
+            <a:off x="1220437" y="3853379"/>
+            <a:ext cx="5413829" cy="1938992"/>
+          </a:xfrm>
+          <a:prstGeom prst="rect">
+            <a:avLst/>
+          </a:prstGeom>
+          <a:noFill/>
+        </p:spPr>
+        <p:txBody>
+          <a:bodyPr wrap="square" rtlCol="0">
+            <a:spAutoFit/>
+          </a:bodyPr>
+          <a:lstStyle/>
+          <a:p>
+            <a:r>
+              <a:rPr lang="fr-CA" sz="6000" dirty="0">
+                <a:solidFill>
+                  <a:schemeClr val="bg1"/>
+                </a:solidFill>
+                <a:latin typeface="Bahnschrift SemiBold Condensed" panose="020B0502040204020203" pitchFamily="34" charset="0"/>
+              </a:rPr>
+              <a:t>LES CENTRES ADAPTÉS</a:t>
+            </a:r>
+          </a:p>
+        </p:txBody>
+      </p:sp>
+      <p:sp>
+        <p:nvSpPr>
+          <p:cNvPr id="11" name="ZoneTexte 10">
+            <a:extLst>
+              <a:ext uri="{FF2B5EF4-FFF2-40B4-BE49-F238E27FC236}">
+                <a16:creationId xmlns:a16="http://schemas.microsoft.com/office/drawing/2014/main" id="{62925F32-89FE-93A3-3476-66FB3C7510C8}"/>
+              </a:ext>
+            </a:extLst>
+          </p:cNvPr>
+          <p:cNvSpPr txBox="1"/>
+          <p:nvPr/>
+        </p:nvSpPr>
+        <p:spPr>
+          <a:xfrm>
+            <a:off x="8403810" y="2490657"/>
+            <a:ext cx="3647666" cy="2862322"/>
+          </a:xfrm>
+          <a:prstGeom prst="rect">
+            <a:avLst/>
+          </a:prstGeom>
+          <a:noFill/>
+        </p:spPr>
+        <p:txBody>
+          <a:bodyPr wrap="square" rtlCol="0">
+            <a:spAutoFit/>
+          </a:bodyPr>
+          <a:lstStyle/>
+          <a:p>
+            <a:r>
+              <a:rPr lang="fr-CA" sz="6000" dirty="0">
+                <a:solidFill>
+                  <a:schemeClr val="bg1"/>
+                </a:solidFill>
+                <a:latin typeface="Bahnschrift SemiBold Condensed" panose="020B0502040204020203" pitchFamily="34" charset="0"/>
+              </a:rPr>
+              <a:t>PERSONNES À MOBILITÉ RÉDUITE</a:t>
+            </a:r>
           </a:p>
         </p:txBody>
       </p:sp>
     </p:spTree>
     <p:extLst>
       <p:ext uri="{BB962C8B-B14F-4D97-AF65-F5344CB8AC3E}">
-        <p14:creationId xmlns:p14="http://schemas.microsoft.com/office/powerpoint/2010/main" val="1380256260"/>
+        <p14:creationId xmlns:p14="http://schemas.microsoft.com/office/powerpoint/2010/main" val="1808145412"/>
       </p:ext>
     </p:extLst>
   </p:cSld>
@@ -8778,7 +8282,7 @@
     <p:bg>
       <p:bgPr>
         <a:solidFill>
-          <a:srgbClr val="2A7507"/>
+          <a:srgbClr val="EF4C45"/>
         </a:solidFill>
         <a:effectLst/>
       </p:bgPr>
@@ -8797,43 +8301,125 @@
           <a:chExt cx="0" cy="0"/>
         </a:xfrm>
       </p:grpSpPr>
-      <p:sp>
-        <p:nvSpPr>
-          <p:cNvPr id="25" name="Rectangle 24">
-            <a:extLst>
-              <a:ext uri="{FF2B5EF4-FFF2-40B4-BE49-F238E27FC236}">
-                <a16:creationId xmlns:a16="http://schemas.microsoft.com/office/drawing/2014/main" id="{874A1738-BFC6-233A-4E04-FE0B2B626F67}"/>
-              </a:ext>
-            </a:extLst>
-          </p:cNvPr>
-          <p:cNvSpPr/>
-          <p:nvPr/>
-        </p:nvSpPr>
-        <p:spPr>
-          <a:xfrm>
-            <a:off x="-427047" y="7613875"/>
-            <a:ext cx="13046093" cy="7604834"/>
-          </a:xfrm>
-          <a:prstGeom prst="rect">
-            <a:avLst/>
-          </a:prstGeom>
-          <a:solidFill>
-            <a:srgbClr val="EF4C45"/>
-          </a:solidFill>
+      <p:cxnSp>
+        <p:nvCxnSpPr>
+          <p:cNvPr id="27" name="Connecteur droit 26">
+            <a:extLst>
+              <a:ext uri="{FF2B5EF4-FFF2-40B4-BE49-F238E27FC236}">
+                <a16:creationId xmlns:a16="http://schemas.microsoft.com/office/drawing/2014/main" id="{BC166031-8E90-EE75-909A-BA1B893D540D}"/>
+              </a:ext>
+            </a:extLst>
+          </p:cNvPr>
+          <p:cNvCxnSpPr>
+            <a:cxnSpLocks/>
+          </p:cNvCxnSpPr>
+          <p:nvPr/>
+        </p:nvCxnSpPr>
+        <p:spPr>
+          <a:xfrm>
+            <a:off x="2096857" y="-373503"/>
+            <a:ext cx="7096125" cy="0"/>
+          </a:xfrm>
+          <a:prstGeom prst="line">
+            <a:avLst/>
+          </a:prstGeom>
+          <a:ln>
+            <a:solidFill>
+              <a:schemeClr val="bg1"/>
+            </a:solidFill>
+          </a:ln>
         </p:spPr>
         <p:style>
-          <a:lnRef idx="2">
-            <a:schemeClr val="accent1">
-              <a:shade val="50000"/>
-            </a:schemeClr>
+          <a:lnRef idx="1">
+            <a:schemeClr val="accent1"/>
           </a:lnRef>
-          <a:fillRef idx="1">
+          <a:fillRef idx="0">
             <a:schemeClr val="accent1"/>
           </a:fillRef>
           <a:effectRef idx="0">
             <a:schemeClr val="accent1"/>
           </a:effectRef>
           <a:fontRef idx="minor">
+            <a:schemeClr val="tx1"/>
+          </a:fontRef>
+        </p:style>
+      </p:cxnSp>
+      <p:sp>
+        <p:nvSpPr>
+          <p:cNvPr id="28" name="ZoneTexte 27">
+            <a:extLst>
+              <a:ext uri="{FF2B5EF4-FFF2-40B4-BE49-F238E27FC236}">
+                <a16:creationId xmlns:a16="http://schemas.microsoft.com/office/drawing/2014/main" id="{A5C956D1-D52B-6D3B-B8B5-309373AF32E8}"/>
+              </a:ext>
+            </a:extLst>
+          </p:cNvPr>
+          <p:cNvSpPr txBox="1"/>
+          <p:nvPr/>
+        </p:nvSpPr>
+        <p:spPr>
+          <a:xfrm>
+            <a:off x="1494449" y="-1756497"/>
+            <a:ext cx="8380564" cy="1569660"/>
+          </a:xfrm>
+          <a:prstGeom prst="rect">
+            <a:avLst/>
+          </a:prstGeom>
+          <a:noFill/>
+        </p:spPr>
+        <p:txBody>
+          <a:bodyPr wrap="square" rtlCol="0">
+            <a:spAutoFit/>
+          </a:bodyPr>
+          <a:lstStyle/>
+          <a:p>
+            <a:pPr algn="ctr"/>
+            <a:r>
+              <a:rPr lang="fr-CA" sz="9600" dirty="0">
+                <a:solidFill>
+                  <a:schemeClr val="bg1"/>
+                </a:solidFill>
+                <a:latin typeface="Bahnschrift SemiBold Condensed" panose="020B0502040204020203" pitchFamily="34" charset="0"/>
+              </a:rPr>
+              <a:t>COMMENT JOUER ?</a:t>
+            </a:r>
+          </a:p>
+        </p:txBody>
+      </p:sp>
+      <p:sp>
+        <p:nvSpPr>
+          <p:cNvPr id="5" name="Triangle rectangle 4">
+            <a:extLst>
+              <a:ext uri="{FF2B5EF4-FFF2-40B4-BE49-F238E27FC236}">
+                <a16:creationId xmlns:a16="http://schemas.microsoft.com/office/drawing/2014/main" id="{B39C6BC1-67CF-3206-C064-66426029E4E5}"/>
+              </a:ext>
+            </a:extLst>
+          </p:cNvPr>
+          <p:cNvSpPr/>
+          <p:nvPr/>
+        </p:nvSpPr>
+        <p:spPr>
+          <a:xfrm rot="10800000" flipV="1">
+            <a:off x="0" y="245150"/>
+            <a:ext cx="12192000" cy="6612850"/>
+          </a:xfrm>
+          <a:prstGeom prst="rtTriangle">
+            <a:avLst/>
+          </a:prstGeom>
+          <a:solidFill>
+            <a:srgbClr val="2A7507"/>
+          </a:solidFill>
+        </p:spPr>
+        <p:style>
+          <a:lnRef idx="3">
+            <a:schemeClr val="lt1"/>
+          </a:lnRef>
+          <a:fillRef idx="1">
+            <a:schemeClr val="accent2"/>
+          </a:fillRef>
+          <a:effectRef idx="1">
+            <a:schemeClr val="accent2"/>
+          </a:effectRef>
+          <a:fontRef idx="minor">
             <a:schemeClr val="lt1"/>
           </a:fontRef>
         </p:style>
@@ -8842,7 +8428,7 @@
           <a:lstStyle/>
           <a:p>
             <a:pPr algn="ctr"/>
-            <a:endParaRPr lang="fr-CA"/>
+            <a:endParaRPr lang="fr-CA" dirty="0"/>
           </a:p>
         </p:txBody>
       </p:sp>
@@ -8859,9 +8445,9 @@
           <p:nvPr/>
         </p:nvSpPr>
         <p:spPr>
-          <a:xfrm rot="16200000">
-            <a:off x="524250" y="3165845"/>
-            <a:ext cx="14443473" cy="61474"/>
+          <a:xfrm rot="19885905">
+            <a:off x="-1099651" y="3266739"/>
+            <a:ext cx="14443473" cy="337479"/>
           </a:xfrm>
           <a:prstGeom prst="rect">
             <a:avLst/>
@@ -8921,8 +8507,8 @@
         </p:blipFill>
         <p:spPr bwMode="auto">
           <a:xfrm>
-            <a:off x="10937934" y="5664010"/>
-            <a:ext cx="1085460" cy="1085460"/>
+            <a:off x="8208781" y="2820686"/>
+            <a:ext cx="3332464" cy="3332464"/>
           </a:xfrm>
           <a:prstGeom prst="ellipse">
             <a:avLst/>
@@ -8976,7 +8562,7 @@
         </p:nvGrpSpPr>
         <p:grpSpPr>
           <a:xfrm>
-            <a:off x="-4673596" y="615786"/>
+            <a:off x="650756" y="641324"/>
             <a:ext cx="3332464" cy="3332464"/>
             <a:chOff x="1755007" y="304590"/>
             <a:chExt cx="4010981" cy="4010981"/>
@@ -9093,6 +8679,1046 @@
         </p:nvSpPr>
         <p:spPr>
           <a:xfrm>
+            <a:off x="1931803" y="615786"/>
+            <a:ext cx="8380564" cy="1815882"/>
+          </a:xfrm>
+          <a:prstGeom prst="rect">
+            <a:avLst/>
+          </a:prstGeom>
+          <a:noFill/>
+        </p:spPr>
+        <p:txBody>
+          <a:bodyPr wrap="square" rtlCol="0">
+            <a:spAutoFit/>
+          </a:bodyPr>
+          <a:lstStyle/>
+          <a:p>
+            <a:pPr algn="ctr"/>
+            <a:r>
+              <a:rPr lang="fr-CA" sz="8000" dirty="0">
+                <a:solidFill>
+                  <a:schemeClr val="bg1"/>
+                </a:solidFill>
+                <a:latin typeface="Bahnschrift SemiBold Condensed" panose="020B0502040204020203" pitchFamily="34" charset="0"/>
+              </a:rPr>
+              <a:t>± 140$CAD</a:t>
+            </a:r>
+          </a:p>
+          <a:p>
+            <a:pPr algn="ctr"/>
+            <a:r>
+              <a:rPr lang="fr-CA" sz="2800" dirty="0">
+                <a:solidFill>
+                  <a:schemeClr val="bg1"/>
+                </a:solidFill>
+                <a:latin typeface="Bahnschrift SemiBold Condensed" panose="020B0502040204020203" pitchFamily="34" charset="0"/>
+              </a:rPr>
+              <a:t>(équipements compris)</a:t>
+            </a:r>
+          </a:p>
+        </p:txBody>
+      </p:sp>
+      <p:sp>
+        <p:nvSpPr>
+          <p:cNvPr id="10" name="ZoneTexte 9">
+            <a:extLst>
+              <a:ext uri="{FF2B5EF4-FFF2-40B4-BE49-F238E27FC236}">
+                <a16:creationId xmlns:a16="http://schemas.microsoft.com/office/drawing/2014/main" id="{EF2BC40C-E845-4BE3-B151-24FC9F9C90F8}"/>
+              </a:ext>
+            </a:extLst>
+          </p:cNvPr>
+          <p:cNvSpPr txBox="1"/>
+          <p:nvPr/>
+        </p:nvSpPr>
+        <p:spPr>
+          <a:xfrm>
+            <a:off x="1662911" y="4544581"/>
+            <a:ext cx="8380564" cy="1815882"/>
+          </a:xfrm>
+          <a:prstGeom prst="rect">
+            <a:avLst/>
+          </a:prstGeom>
+          <a:noFill/>
+        </p:spPr>
+        <p:txBody>
+          <a:bodyPr wrap="square" rtlCol="0">
+            <a:spAutoFit/>
+          </a:bodyPr>
+          <a:lstStyle/>
+          <a:p>
+            <a:pPr algn="ctr"/>
+            <a:r>
+              <a:rPr lang="fr-CA" sz="8000" dirty="0">
+                <a:solidFill>
+                  <a:schemeClr val="bg1"/>
+                </a:solidFill>
+                <a:latin typeface="Bahnschrift SemiBold Condensed" panose="020B0502040204020203" pitchFamily="34" charset="0"/>
+              </a:rPr>
+              <a:t> </a:t>
+            </a:r>
+            <a:r>
+              <a:rPr lang="fr-CA" sz="6000" dirty="0">
+                <a:solidFill>
+                  <a:schemeClr val="bg1"/>
+                </a:solidFill>
+                <a:latin typeface="Bahnschrift SemiBold Condensed" panose="020B0502040204020203" pitchFamily="34" charset="0"/>
+              </a:rPr>
+              <a:t>130$CAD + taxes</a:t>
+            </a:r>
+          </a:p>
+          <a:p>
+            <a:pPr algn="ctr"/>
+            <a:r>
+              <a:rPr lang="fr-CA" sz="2800" dirty="0">
+                <a:solidFill>
+                  <a:schemeClr val="bg1"/>
+                </a:solidFill>
+                <a:latin typeface="Bahnschrift SemiBold Condensed" panose="020B0502040204020203" pitchFamily="34" charset="0"/>
+              </a:rPr>
+              <a:t>(rien compris)</a:t>
+            </a:r>
+          </a:p>
+        </p:txBody>
+      </p:sp>
+      <p:pic>
+        <p:nvPicPr>
+          <p:cNvPr id="13" name="Picture 4" descr="Xbox Adaptive Controller - Microsoft Store Canada">
+            <a:extLst>
+              <a:ext uri="{FF2B5EF4-FFF2-40B4-BE49-F238E27FC236}">
+                <a16:creationId xmlns:a16="http://schemas.microsoft.com/office/drawing/2014/main" id="{B9647763-A895-E264-9FE2-690805FCEAB5}"/>
+              </a:ext>
+            </a:extLst>
+          </p:cNvPr>
+          <p:cNvPicPr>
+            <a:picLocks noChangeAspect="1" noChangeArrowheads="1"/>
+          </p:cNvPicPr>
+          <p:nvPr/>
+        </p:nvPicPr>
+        <p:blipFill>
+          <a:blip r:embed="rId5">
+            <a:extLst>
+              <a:ext uri="{28A0092B-C50C-407E-A947-70E740481C1C}">
+                <a14:useLocalDpi xmlns:a14="http://schemas.microsoft.com/office/drawing/2010/main" val="0"/>
+              </a:ext>
+            </a:extLst>
+          </a:blip>
+          <a:srcRect/>
+          <a:stretch>
+            <a:fillRect/>
+          </a:stretch>
+        </p:blipFill>
+        <p:spPr bwMode="auto">
+          <a:xfrm>
+            <a:off x="-3168272" y="-1820023"/>
+            <a:ext cx="3984959" cy="1941630"/>
+          </a:xfrm>
+          <a:prstGeom prst="rect">
+            <a:avLst/>
+          </a:prstGeom>
+          <a:noFill/>
+          <a:extLst>
+            <a:ext uri="{909E8E84-426E-40DD-AFC4-6F175D3DCCD1}">
+              <a14:hiddenFill xmlns:a14="http://schemas.microsoft.com/office/drawing/2010/main">
+                <a:solidFill>
+                  <a:srgbClr val="FFFFFF"/>
+                </a:solidFill>
+              </a14:hiddenFill>
+            </a:ext>
+          </a:extLst>
+        </p:spPr>
+      </p:pic>
+      <p:pic>
+        <p:nvPicPr>
+          <p:cNvPr id="14" name="Image 13">
+            <a:extLst>
+              <a:ext uri="{FF2B5EF4-FFF2-40B4-BE49-F238E27FC236}">
+                <a16:creationId xmlns:a16="http://schemas.microsoft.com/office/drawing/2014/main" id="{D63F6015-5B51-DCD2-3F0A-AFB9DBB10361}"/>
+              </a:ext>
+            </a:extLst>
+          </p:cNvPr>
+          <p:cNvPicPr>
+            <a:picLocks noChangeAspect="1"/>
+          </p:cNvPicPr>
+          <p:nvPr/>
+        </p:nvPicPr>
+        <p:blipFill>
+          <a:blip r:embed="rId6"/>
+          <a:stretch>
+            <a:fillRect/>
+          </a:stretch>
+        </p:blipFill>
+        <p:spPr>
+          <a:xfrm>
+            <a:off x="-4410750" y="1449242"/>
+            <a:ext cx="3564509" cy="1420090"/>
+          </a:xfrm>
+          <a:prstGeom prst="rect">
+            <a:avLst/>
+          </a:prstGeom>
+        </p:spPr>
+      </p:pic>
+      <p:pic>
+        <p:nvPicPr>
+          <p:cNvPr id="15" name="Picture 6" descr="image-1">
+            <a:extLst>
+              <a:ext uri="{FF2B5EF4-FFF2-40B4-BE49-F238E27FC236}">
+                <a16:creationId xmlns:a16="http://schemas.microsoft.com/office/drawing/2014/main" id="{F4AC9F12-80A1-F055-FC27-9BC6A574AB11}"/>
+              </a:ext>
+            </a:extLst>
+          </p:cNvPr>
+          <p:cNvPicPr>
+            <a:picLocks noChangeAspect="1" noChangeArrowheads="1"/>
+          </p:cNvPicPr>
+          <p:nvPr/>
+        </p:nvPicPr>
+        <p:blipFill>
+          <a:blip r:embed="rId7">
+            <a:extLst>
+              <a:ext uri="{28A0092B-C50C-407E-A947-70E740481C1C}">
+                <a14:useLocalDpi xmlns:a14="http://schemas.microsoft.com/office/drawing/2010/main" val="0"/>
+              </a:ext>
+            </a:extLst>
+          </a:blip>
+          <a:srcRect/>
+          <a:stretch>
+            <a:fillRect/>
+          </a:stretch>
+        </p:blipFill>
+        <p:spPr bwMode="auto">
+          <a:xfrm>
+            <a:off x="-3136801" y="7951656"/>
+            <a:ext cx="3159155" cy="1777024"/>
+          </a:xfrm>
+          <a:prstGeom prst="rect">
+            <a:avLst/>
+          </a:prstGeom>
+          <a:noFill/>
+          <a:extLst>
+            <a:ext uri="{909E8E84-426E-40DD-AFC4-6F175D3DCCD1}">
+              <a14:hiddenFill xmlns:a14="http://schemas.microsoft.com/office/drawing/2010/main">
+                <a:solidFill>
+                  <a:srgbClr val="FFFFFF"/>
+                </a:solidFill>
+              </a14:hiddenFill>
+            </a:ext>
+          </a:extLst>
+        </p:spPr>
+      </p:pic>
+      <p:sp>
+        <p:nvSpPr>
+          <p:cNvPr id="16" name="ZoneTexte 15">
+            <a:extLst>
+              <a:ext uri="{FF2B5EF4-FFF2-40B4-BE49-F238E27FC236}">
+                <a16:creationId xmlns:a16="http://schemas.microsoft.com/office/drawing/2014/main" id="{8CB0022F-7726-8378-0284-C26C736A1202}"/>
+              </a:ext>
+            </a:extLst>
+          </p:cNvPr>
+          <p:cNvSpPr txBox="1"/>
+          <p:nvPr/>
+        </p:nvSpPr>
+        <p:spPr>
+          <a:xfrm>
+            <a:off x="-3915957" y="-67662"/>
+            <a:ext cx="3765415" cy="1323439"/>
+          </a:xfrm>
+          <a:prstGeom prst="rect">
+            <a:avLst/>
+          </a:prstGeom>
+          <a:noFill/>
+        </p:spPr>
+        <p:txBody>
+          <a:bodyPr wrap="square" rtlCol="0">
+            <a:spAutoFit/>
+          </a:bodyPr>
+          <a:lstStyle/>
+          <a:p>
+            <a:pPr algn="ctr"/>
+            <a:r>
+              <a:rPr lang="fr-CA" sz="8000" dirty="0">
+                <a:solidFill>
+                  <a:schemeClr val="bg1"/>
+                </a:solidFill>
+                <a:latin typeface="Bahnschrift SemiBold Condensed" panose="020B0502040204020203" pitchFamily="34" charset="0"/>
+              </a:rPr>
+              <a:t>+</a:t>
+            </a:r>
+            <a:endParaRPr lang="fr-CA" sz="2800" dirty="0">
+              <a:solidFill>
+                <a:schemeClr val="bg1"/>
+              </a:solidFill>
+              <a:latin typeface="Bahnschrift SemiBold Condensed" panose="020B0502040204020203" pitchFamily="34" charset="0"/>
+            </a:endParaRPr>
+          </a:p>
+        </p:txBody>
+      </p:sp>
+      <p:sp>
+        <p:nvSpPr>
+          <p:cNvPr id="29" name="ZoneTexte 28">
+            <a:extLst>
+              <a:ext uri="{FF2B5EF4-FFF2-40B4-BE49-F238E27FC236}">
+                <a16:creationId xmlns:a16="http://schemas.microsoft.com/office/drawing/2014/main" id="{4BACBD6D-B25B-DDBC-DD85-E770A563DAA9}"/>
+              </a:ext>
+            </a:extLst>
+          </p:cNvPr>
+          <p:cNvSpPr txBox="1"/>
+          <p:nvPr/>
+        </p:nvSpPr>
+        <p:spPr>
+          <a:xfrm>
+            <a:off x="-3995488" y="3195742"/>
+            <a:ext cx="3765415" cy="1107996"/>
+          </a:xfrm>
+          <a:prstGeom prst="rect">
+            <a:avLst/>
+          </a:prstGeom>
+          <a:noFill/>
+        </p:spPr>
+        <p:txBody>
+          <a:bodyPr wrap="square" rtlCol="0">
+            <a:spAutoFit/>
+          </a:bodyPr>
+          <a:lstStyle/>
+          <a:p>
+            <a:pPr algn="ctr"/>
+            <a:r>
+              <a:rPr lang="fr-CA" sz="6600" dirty="0">
+                <a:solidFill>
+                  <a:schemeClr val="bg1"/>
+                </a:solidFill>
+                <a:latin typeface="Bahnschrift SemiBold Condensed" panose="020B0502040204020203" pitchFamily="34" charset="0"/>
+              </a:rPr>
+              <a:t> </a:t>
+            </a:r>
+            <a:r>
+              <a:rPr lang="fr-CA" sz="6000" dirty="0">
+                <a:solidFill>
+                  <a:schemeClr val="bg1"/>
+                </a:solidFill>
+                <a:latin typeface="Bahnschrift SemiBold Condensed" panose="020B0502040204020203" pitchFamily="34" charset="0"/>
+              </a:rPr>
+              <a:t>100$CAD / ch. </a:t>
+            </a:r>
+            <a:endParaRPr lang="fr-CA" sz="2000" dirty="0">
+              <a:solidFill>
+                <a:schemeClr val="bg1"/>
+              </a:solidFill>
+              <a:latin typeface="Bahnschrift SemiBold Condensed" panose="020B0502040204020203" pitchFamily="34" charset="0"/>
+            </a:endParaRPr>
+          </a:p>
+        </p:txBody>
+      </p:sp>
+      <p:sp>
+        <p:nvSpPr>
+          <p:cNvPr id="30" name="ZoneTexte 29">
+            <a:extLst>
+              <a:ext uri="{FF2B5EF4-FFF2-40B4-BE49-F238E27FC236}">
+                <a16:creationId xmlns:a16="http://schemas.microsoft.com/office/drawing/2014/main" id="{5EED66C2-0BC1-D88E-8099-B347B255CD7F}"/>
+              </a:ext>
+            </a:extLst>
+          </p:cNvPr>
+          <p:cNvSpPr txBox="1"/>
+          <p:nvPr/>
+        </p:nvSpPr>
+        <p:spPr>
+          <a:xfrm>
+            <a:off x="-4717254" y="4432231"/>
+            <a:ext cx="3765415" cy="1015663"/>
+          </a:xfrm>
+          <a:prstGeom prst="rect">
+            <a:avLst/>
+          </a:prstGeom>
+          <a:noFill/>
+        </p:spPr>
+        <p:txBody>
+          <a:bodyPr wrap="square" rtlCol="0">
+            <a:spAutoFit/>
+          </a:bodyPr>
+          <a:lstStyle/>
+          <a:p>
+            <a:pPr algn="ctr"/>
+            <a:r>
+              <a:rPr lang="fr-CA" sz="6000" dirty="0">
+                <a:solidFill>
+                  <a:schemeClr val="bg1"/>
+                </a:solidFill>
+                <a:latin typeface="Bahnschrift SemiBold Condensed" panose="020B0502040204020203" pitchFamily="34" charset="0"/>
+              </a:rPr>
+              <a:t>+/ou</a:t>
+            </a:r>
+            <a:endParaRPr lang="fr-CA" dirty="0">
+              <a:solidFill>
+                <a:schemeClr val="bg1"/>
+              </a:solidFill>
+              <a:latin typeface="Bahnschrift SemiBold Condensed" panose="020B0502040204020203" pitchFamily="34" charset="0"/>
+            </a:endParaRPr>
+          </a:p>
+        </p:txBody>
+      </p:sp>
+      <p:sp>
+        <p:nvSpPr>
+          <p:cNvPr id="31" name="ZoneTexte 30">
+            <a:extLst>
+              <a:ext uri="{FF2B5EF4-FFF2-40B4-BE49-F238E27FC236}">
+                <a16:creationId xmlns:a16="http://schemas.microsoft.com/office/drawing/2014/main" id="{F38C28BA-3CA2-58BE-2C3C-45BDA20529D6}"/>
+              </a:ext>
+            </a:extLst>
+          </p:cNvPr>
+          <p:cNvSpPr txBox="1"/>
+          <p:nvPr/>
+        </p:nvSpPr>
+        <p:spPr>
+          <a:xfrm>
+            <a:off x="-4511204" y="5587068"/>
+            <a:ext cx="3765415" cy="1969770"/>
+          </a:xfrm>
+          <a:prstGeom prst="rect">
+            <a:avLst/>
+          </a:prstGeom>
+          <a:noFill/>
+        </p:spPr>
+        <p:txBody>
+          <a:bodyPr wrap="square" rtlCol="0">
+            <a:spAutoFit/>
+          </a:bodyPr>
+          <a:lstStyle/>
+          <a:p>
+            <a:pPr algn="ctr"/>
+            <a:r>
+              <a:rPr lang="fr-CA" sz="6600" dirty="0">
+                <a:solidFill>
+                  <a:schemeClr val="bg1"/>
+                </a:solidFill>
+                <a:latin typeface="Bahnschrift SemiBold Condensed" panose="020B0502040204020203" pitchFamily="34" charset="0"/>
+              </a:rPr>
+              <a:t> </a:t>
+            </a:r>
+            <a:r>
+              <a:rPr lang="fr-CA" sz="6000" dirty="0">
+                <a:solidFill>
+                  <a:schemeClr val="bg1"/>
+                </a:solidFill>
+                <a:latin typeface="Bahnschrift SemiBold Condensed" panose="020B0502040204020203" pitchFamily="34" charset="0"/>
+              </a:rPr>
+              <a:t>140$CAD</a:t>
+            </a:r>
+          </a:p>
+          <a:p>
+            <a:pPr algn="ctr"/>
+            <a:r>
+              <a:rPr lang="fr-CA" sz="2800" dirty="0">
+                <a:solidFill>
+                  <a:schemeClr val="bg1"/>
+                </a:solidFill>
+                <a:latin typeface="Bahnschrift SemiBold Condensed" panose="020B0502040204020203" pitchFamily="34" charset="0"/>
+              </a:rPr>
+              <a:t>(ne convient pas à tous) </a:t>
+            </a:r>
+          </a:p>
+          <a:p>
+            <a:pPr algn="ctr"/>
+            <a:r>
+              <a:rPr lang="fr-CA" sz="2800" dirty="0">
+                <a:solidFill>
+                  <a:schemeClr val="bg1"/>
+                </a:solidFill>
+                <a:latin typeface="Bahnschrift SemiBold Condensed" panose="020B0502040204020203" pitchFamily="34" charset="0"/>
+              </a:rPr>
+              <a:t>(Ne contient pas de joystick)</a:t>
+            </a:r>
+          </a:p>
+        </p:txBody>
+      </p:sp>
+      <p:sp>
+        <p:nvSpPr>
+          <p:cNvPr id="32" name="ZoneTexte 31">
+            <a:extLst>
+              <a:ext uri="{FF2B5EF4-FFF2-40B4-BE49-F238E27FC236}">
+                <a16:creationId xmlns:a16="http://schemas.microsoft.com/office/drawing/2014/main" id="{5EB912DD-B428-D997-C09E-A3EFEB6E3E87}"/>
+              </a:ext>
+            </a:extLst>
+          </p:cNvPr>
+          <p:cNvSpPr txBox="1"/>
+          <p:nvPr/>
+        </p:nvSpPr>
+        <p:spPr>
+          <a:xfrm>
+            <a:off x="13442626" y="-1043353"/>
+            <a:ext cx="3939634" cy="1754326"/>
+          </a:xfrm>
+          <a:prstGeom prst="rect">
+            <a:avLst/>
+          </a:prstGeom>
+          <a:noFill/>
+        </p:spPr>
+        <p:txBody>
+          <a:bodyPr wrap="square" rtlCol="0">
+            <a:spAutoFit/>
+          </a:bodyPr>
+          <a:lstStyle/>
+          <a:p>
+            <a:pPr algn="ctr"/>
+            <a:r>
+              <a:rPr lang="fr-CA" sz="7200" dirty="0">
+                <a:solidFill>
+                  <a:schemeClr val="bg1"/>
+                </a:solidFill>
+                <a:latin typeface="Bahnschrift SemiBold Condensed" panose="020B0502040204020203" pitchFamily="34" charset="0"/>
+              </a:rPr>
+              <a:t> </a:t>
+            </a:r>
+            <a:r>
+              <a:rPr lang="fr-CA" sz="3600" dirty="0">
+                <a:solidFill>
+                  <a:schemeClr val="bg1"/>
+                </a:solidFill>
+                <a:latin typeface="Bahnschrift SemiBold Condensed" panose="020B0502040204020203" pitchFamily="34" charset="0"/>
+              </a:rPr>
+              <a:t>Une manette à besoin de minimum 12 boutons</a:t>
+            </a:r>
+            <a:endParaRPr lang="fr-CA" sz="3200" dirty="0">
+              <a:solidFill>
+                <a:schemeClr val="bg1"/>
+              </a:solidFill>
+              <a:latin typeface="Bahnschrift SemiBold Condensed" panose="020B0502040204020203" pitchFamily="34" charset="0"/>
+            </a:endParaRPr>
+          </a:p>
+        </p:txBody>
+      </p:sp>
+      <p:pic>
+        <p:nvPicPr>
+          <p:cNvPr id="33" name="Picture 2" descr="Microsoft's Xbox Adaptive Controller Gives Disabled Gamers a Power-Up |  WIRED">
+            <a:extLst>
+              <a:ext uri="{FF2B5EF4-FFF2-40B4-BE49-F238E27FC236}">
+                <a16:creationId xmlns:a16="http://schemas.microsoft.com/office/drawing/2014/main" id="{45F37BE7-37BD-ED1D-E308-886A9F16C3C1}"/>
+              </a:ext>
+            </a:extLst>
+          </p:cNvPr>
+          <p:cNvPicPr>
+            <a:picLocks noChangeAspect="1" noChangeArrowheads="1"/>
+          </p:cNvPicPr>
+          <p:nvPr/>
+        </p:nvPicPr>
+        <p:blipFill>
+          <a:blip r:embed="rId8">
+            <a:extLst>
+              <a:ext uri="{28A0092B-C50C-407E-A947-70E740481C1C}">
+                <a14:useLocalDpi xmlns:a14="http://schemas.microsoft.com/office/drawing/2010/main" val="0"/>
+              </a:ext>
+            </a:extLst>
+          </a:blip>
+          <a:srcRect/>
+          <a:stretch>
+            <a:fillRect/>
+          </a:stretch>
+        </p:blipFill>
+        <p:spPr bwMode="auto">
+          <a:xfrm>
+            <a:off x="13590145" y="1963564"/>
+            <a:ext cx="3644595" cy="2049610"/>
+          </a:xfrm>
+          <a:prstGeom prst="rect">
+            <a:avLst/>
+          </a:prstGeom>
+          <a:ln w="127000" cap="sq">
+            <a:solidFill>
+              <a:srgbClr val="000000"/>
+            </a:solidFill>
+            <a:miter lim="800000"/>
+          </a:ln>
+          <a:effectLst>
+            <a:outerShdw blurRad="57150" dist="50800" dir="2700000" algn="tl" rotWithShape="0">
+              <a:srgbClr val="000000">
+                <a:alpha val="40000"/>
+              </a:srgbClr>
+            </a:outerShdw>
+          </a:effectLst>
+          <a:extLst>
+            <a:ext uri="{909E8E84-426E-40DD-AFC4-6F175D3DCCD1}">
+              <a14:hiddenFill xmlns:a14="http://schemas.microsoft.com/office/drawing/2010/main">
+                <a:solidFill>
+                  <a:srgbClr val="FFFFFF"/>
+                </a:solidFill>
+              </a14:hiddenFill>
+            </a:ext>
+          </a:extLst>
+        </p:spPr>
+      </p:pic>
+      <p:sp>
+        <p:nvSpPr>
+          <p:cNvPr id="34" name="ZoneTexte 33">
+            <a:extLst>
+              <a:ext uri="{FF2B5EF4-FFF2-40B4-BE49-F238E27FC236}">
+                <a16:creationId xmlns:a16="http://schemas.microsoft.com/office/drawing/2014/main" id="{91D42F9B-6E52-C7EA-30CE-EF2B7B0AEB67}"/>
+              </a:ext>
+            </a:extLst>
+          </p:cNvPr>
+          <p:cNvSpPr txBox="1"/>
+          <p:nvPr/>
+        </p:nvSpPr>
+        <p:spPr>
+          <a:xfrm>
+            <a:off x="13138122" y="5893542"/>
+            <a:ext cx="3765415" cy="2831544"/>
+          </a:xfrm>
+          <a:prstGeom prst="rect">
+            <a:avLst/>
+          </a:prstGeom>
+          <a:noFill/>
+        </p:spPr>
+        <p:txBody>
+          <a:bodyPr wrap="square" rtlCol="0">
+            <a:spAutoFit/>
+          </a:bodyPr>
+          <a:lstStyle/>
+          <a:p>
+            <a:pPr algn="ctr"/>
+            <a:r>
+              <a:rPr lang="fr-CA" sz="6600" dirty="0">
+                <a:solidFill>
+                  <a:schemeClr val="bg1"/>
+                </a:solidFill>
+                <a:latin typeface="Bahnschrift SemiBold Condensed" panose="020B0502040204020203" pitchFamily="34" charset="0"/>
+              </a:rPr>
+              <a:t> MINIMUM</a:t>
+            </a:r>
+          </a:p>
+          <a:p>
+            <a:pPr algn="ctr"/>
+            <a:r>
+              <a:rPr lang="fr-CA" sz="6000" dirty="0">
+                <a:solidFill>
+                  <a:schemeClr val="bg1"/>
+                </a:solidFill>
+                <a:latin typeface="Bahnschrift SemiBold Condensed" panose="020B0502040204020203" pitchFamily="34" charset="0"/>
+              </a:rPr>
+              <a:t>270$CAD</a:t>
+            </a:r>
+          </a:p>
+          <a:p>
+            <a:pPr algn="ctr"/>
+            <a:r>
+              <a:rPr lang="fr-CA" sz="3200" dirty="0">
+                <a:solidFill>
+                  <a:schemeClr val="bg1"/>
+                </a:solidFill>
+                <a:latin typeface="Bahnschrift SemiBold Condensed" panose="020B0502040204020203" pitchFamily="34" charset="0"/>
+              </a:rPr>
+              <a:t>+ TAXES </a:t>
+            </a:r>
+          </a:p>
+          <a:p>
+            <a:pPr algn="ctr"/>
+            <a:endParaRPr lang="fr-CA" sz="2000" dirty="0">
+              <a:solidFill>
+                <a:schemeClr val="bg1"/>
+              </a:solidFill>
+              <a:latin typeface="Bahnschrift SemiBold Condensed" panose="020B0502040204020203" pitchFamily="34" charset="0"/>
+            </a:endParaRPr>
+          </a:p>
+        </p:txBody>
+      </p:sp>
+      <p:sp>
+        <p:nvSpPr>
+          <p:cNvPr id="35" name="ZoneTexte 34">
+            <a:extLst>
+              <a:ext uri="{FF2B5EF4-FFF2-40B4-BE49-F238E27FC236}">
+                <a16:creationId xmlns:a16="http://schemas.microsoft.com/office/drawing/2014/main" id="{49758D14-9756-C170-AF9C-1D8A822BFBAD}"/>
+              </a:ext>
+            </a:extLst>
+          </p:cNvPr>
+          <p:cNvSpPr txBox="1"/>
+          <p:nvPr/>
+        </p:nvSpPr>
+        <p:spPr>
+          <a:xfrm>
+            <a:off x="-538436" y="-2644058"/>
+            <a:ext cx="3115549" cy="1323439"/>
+          </a:xfrm>
+          <a:prstGeom prst="rect">
+            <a:avLst/>
+          </a:prstGeom>
+          <a:noFill/>
+        </p:spPr>
+        <p:txBody>
+          <a:bodyPr wrap="square" rtlCol="0">
+            <a:spAutoFit/>
+          </a:bodyPr>
+          <a:lstStyle/>
+          <a:p>
+            <a:pPr algn="ctr"/>
+            <a:r>
+              <a:rPr lang="fr-CA" sz="8000" dirty="0">
+                <a:solidFill>
+                  <a:schemeClr val="bg1"/>
+                </a:solidFill>
+                <a:latin typeface="Bahnschrift SemiBold Condensed" panose="020B0502040204020203" pitchFamily="34" charset="0"/>
+              </a:rPr>
+              <a:t> </a:t>
+            </a:r>
+            <a:r>
+              <a:rPr lang="fr-CA" sz="6000" dirty="0">
+                <a:solidFill>
+                  <a:schemeClr val="bg1"/>
+                </a:solidFill>
+                <a:latin typeface="Bahnschrift SemiBold Condensed" panose="020B0502040204020203" pitchFamily="34" charset="0"/>
+              </a:rPr>
+              <a:t>130$CAD </a:t>
+            </a:r>
+            <a:endParaRPr lang="fr-CA" sz="2800" dirty="0">
+              <a:solidFill>
+                <a:schemeClr val="bg1"/>
+              </a:solidFill>
+              <a:latin typeface="Bahnschrift SemiBold Condensed" panose="020B0502040204020203" pitchFamily="34" charset="0"/>
+            </a:endParaRPr>
+          </a:p>
+        </p:txBody>
+      </p:sp>
+    </p:spTree>
+    <p:extLst>
+      <p:ext uri="{BB962C8B-B14F-4D97-AF65-F5344CB8AC3E}">
+        <p14:creationId xmlns:p14="http://schemas.microsoft.com/office/powerpoint/2010/main" val="1380256260"/>
+      </p:ext>
+    </p:extLst>
+  </p:cSld>
+  <p:clrMapOvr>
+    <a:masterClrMapping/>
+  </p:clrMapOvr>
+  <mc:AlternateContent xmlns:mc="http://schemas.openxmlformats.org/markup-compatibility/2006" xmlns:p159="http://schemas.microsoft.com/office/powerpoint/2015/09/main">
+    <mc:Choice Requires="p159">
+      <p:transition xmlns:p14="http://schemas.microsoft.com/office/powerpoint/2010/main" spd="slow" p14:dur="2000">
+        <p159:morph option="byObject"/>
+      </p:transition>
+    </mc:Choice>
+    <mc:Fallback xmlns="">
+      <p:transition spd="slow">
+        <p:fade/>
+      </p:transition>
+    </mc:Fallback>
+  </mc:AlternateContent>
+</p:sld>
+</file>
+
+<file path=ppt/slides/slide7.xml><?xml version="1.0" encoding="utf-8"?>
+<p:sld xmlns:a="http://schemas.openxmlformats.org/drawingml/2006/main" xmlns:r="http://schemas.openxmlformats.org/officeDocument/2006/relationships" xmlns:p="http://schemas.openxmlformats.org/presentationml/2006/main">
+  <p:cSld>
+    <p:bg>
+      <p:bgPr>
+        <a:solidFill>
+          <a:srgbClr val="2A7507"/>
+        </a:solidFill>
+        <a:effectLst/>
+      </p:bgPr>
+    </p:bg>
+    <p:spTree>
+      <p:nvGrpSpPr>
+        <p:cNvPr id="1" name=""/>
+        <p:cNvGrpSpPr/>
+        <p:nvPr/>
+      </p:nvGrpSpPr>
+      <p:grpSpPr>
+        <a:xfrm>
+          <a:off x="0" y="0"/>
+          <a:ext cx="0" cy="0"/>
+          <a:chOff x="0" y="0"/>
+          <a:chExt cx="0" cy="0"/>
+        </a:xfrm>
+      </p:grpSpPr>
+      <p:sp>
+        <p:nvSpPr>
+          <p:cNvPr id="25" name="Rectangle 24">
+            <a:extLst>
+              <a:ext uri="{FF2B5EF4-FFF2-40B4-BE49-F238E27FC236}">
+                <a16:creationId xmlns:a16="http://schemas.microsoft.com/office/drawing/2014/main" id="{874A1738-BFC6-233A-4E04-FE0B2B626F67}"/>
+              </a:ext>
+            </a:extLst>
+          </p:cNvPr>
+          <p:cNvSpPr/>
+          <p:nvPr/>
+        </p:nvSpPr>
+        <p:spPr>
+          <a:xfrm>
+            <a:off x="-427047" y="7613875"/>
+            <a:ext cx="13046093" cy="7604834"/>
+          </a:xfrm>
+          <a:prstGeom prst="rect">
+            <a:avLst/>
+          </a:prstGeom>
+          <a:solidFill>
+            <a:srgbClr val="EF4C45"/>
+          </a:solidFill>
+        </p:spPr>
+        <p:style>
+          <a:lnRef idx="2">
+            <a:schemeClr val="accent1">
+              <a:shade val="50000"/>
+            </a:schemeClr>
+          </a:lnRef>
+          <a:fillRef idx="1">
+            <a:schemeClr val="accent1"/>
+          </a:fillRef>
+          <a:effectRef idx="0">
+            <a:schemeClr val="accent1"/>
+          </a:effectRef>
+          <a:fontRef idx="minor">
+            <a:schemeClr val="lt1"/>
+          </a:fontRef>
+        </p:style>
+        <p:txBody>
+          <a:bodyPr rtlCol="0" anchor="ctr"/>
+          <a:lstStyle/>
+          <a:p>
+            <a:pPr algn="ctr"/>
+            <a:endParaRPr lang="fr-CA"/>
+          </a:p>
+        </p:txBody>
+      </p:sp>
+      <p:sp>
+        <p:nvSpPr>
+          <p:cNvPr id="2" name="Rectangle 1">
+            <a:extLst>
+              <a:ext uri="{FF2B5EF4-FFF2-40B4-BE49-F238E27FC236}">
+                <a16:creationId xmlns:a16="http://schemas.microsoft.com/office/drawing/2014/main" id="{30861708-0A7B-BA81-4854-FB30052273AB}"/>
+              </a:ext>
+            </a:extLst>
+          </p:cNvPr>
+          <p:cNvSpPr/>
+          <p:nvPr/>
+        </p:nvSpPr>
+        <p:spPr>
+          <a:xfrm rot="16200000">
+            <a:off x="524250" y="3165845"/>
+            <a:ext cx="14443473" cy="61474"/>
+          </a:xfrm>
+          <a:prstGeom prst="rect">
+            <a:avLst/>
+          </a:prstGeom>
+        </p:spPr>
+        <p:style>
+          <a:lnRef idx="2">
+            <a:schemeClr val="dk1">
+              <a:shade val="50000"/>
+            </a:schemeClr>
+          </a:lnRef>
+          <a:fillRef idx="1">
+            <a:schemeClr val="dk1"/>
+          </a:fillRef>
+          <a:effectRef idx="0">
+            <a:schemeClr val="dk1"/>
+          </a:effectRef>
+          <a:fontRef idx="minor">
+            <a:schemeClr val="lt1"/>
+          </a:fontRef>
+        </p:style>
+        <p:txBody>
+          <a:bodyPr rtlCol="0" anchor="ctr"/>
+          <a:lstStyle/>
+          <a:p>
+            <a:pPr algn="ctr"/>
+            <a:endParaRPr lang="fr-CA"/>
+          </a:p>
+        </p:txBody>
+      </p:sp>
+      <p:pic>
+        <p:nvPicPr>
+          <p:cNvPr id="4098" name="Picture 2" descr="Xbox - Free logo icons">
+            <a:extLst>
+              <a:ext uri="{FF2B5EF4-FFF2-40B4-BE49-F238E27FC236}">
+                <a16:creationId xmlns:a16="http://schemas.microsoft.com/office/drawing/2014/main" id="{6EB7EFAA-730E-0B33-ADA2-AD2DC395C01B}"/>
+              </a:ext>
+            </a:extLst>
+          </p:cNvPr>
+          <p:cNvPicPr>
+            <a:picLocks noChangeAspect="1" noChangeArrowheads="1"/>
+          </p:cNvPicPr>
+          <p:nvPr/>
+        </p:nvPicPr>
+        <p:blipFill>
+          <a:blip r:embed="rId2">
+            <a:extLst>
+              <a:ext uri="{28A0092B-C50C-407E-A947-70E740481C1C}">
+                <a14:useLocalDpi xmlns:a14="http://schemas.microsoft.com/office/drawing/2010/main" val="0"/>
+              </a:ext>
+            </a:extLst>
+          </a:blip>
+          <a:srcRect/>
+          <a:stretch>
+            <a:fillRect/>
+          </a:stretch>
+        </p:blipFill>
+        <p:spPr bwMode="auto">
+          <a:xfrm>
+            <a:off x="10937934" y="5664010"/>
+            <a:ext cx="1085460" cy="1085460"/>
+          </a:xfrm>
+          <a:prstGeom prst="ellipse">
+            <a:avLst/>
+          </a:prstGeom>
+          <a:ln w="63500" cap="rnd">
+            <a:solidFill>
+              <a:srgbClr val="333333"/>
+            </a:solidFill>
+          </a:ln>
+          <a:effectLst>
+            <a:outerShdw blurRad="381000" dist="292100" dir="5400000" sx="-80000" sy="-18000" rotWithShape="0">
+              <a:srgbClr val="000000">
+                <a:alpha val="0"/>
+              </a:srgbClr>
+            </a:outerShdw>
+          </a:effectLst>
+          <a:scene3d>
+            <a:camera prst="orthographicFront"/>
+            <a:lightRig rig="contrasting" dir="t">
+              <a:rot lat="0" lon="0" rev="3000000"/>
+            </a:lightRig>
+          </a:scene3d>
+          <a:sp3d contourW="7620">
+            <a:bevelT w="95250" h="31750"/>
+            <a:contourClr>
+              <a:srgbClr val="333333"/>
+            </a:contourClr>
+          </a:sp3d>
+          <a:extLst>
+            <a:ext uri="{909E8E84-426E-40DD-AFC4-6F175D3DCCD1}">
+              <a14:hiddenFill xmlns:a14="http://schemas.microsoft.com/office/drawing/2010/main">
+                <a:solidFill>
+                  <a:srgbClr val="FFFFFF"/>
+                </a:solidFill>
+              </a14:hiddenFill>
+            </a:ext>
+          </a:extLst>
+        </p:spPr>
+      </p:pic>
+      <p:grpSp>
+        <p:nvGrpSpPr>
+          <p:cNvPr id="3" name="Groupe 2">
+            <a:extLst>
+              <a:ext uri="{FF2B5EF4-FFF2-40B4-BE49-F238E27FC236}">
+                <a16:creationId xmlns:a16="http://schemas.microsoft.com/office/drawing/2014/main" id="{DF3EC1D9-EB2D-B3B4-0DC1-DBDDA9125AB9}"/>
+              </a:ext>
+            </a:extLst>
+          </p:cNvPr>
+          <p:cNvGrpSpPr/>
+          <p:nvPr/>
+        </p:nvGrpSpPr>
+        <p:grpSpPr>
+          <a:xfrm>
+            <a:off x="-4673596" y="615786"/>
+            <a:ext cx="3332464" cy="3332464"/>
+            <a:chOff x="1755007" y="304590"/>
+            <a:chExt cx="4010981" cy="4010981"/>
+          </a:xfrm>
+        </p:grpSpPr>
+        <p:pic>
+          <p:nvPicPr>
+            <p:cNvPr id="4" name="Image 3">
+              <a:extLst>
+                <a:ext uri="{FF2B5EF4-FFF2-40B4-BE49-F238E27FC236}">
+                  <a16:creationId xmlns:a16="http://schemas.microsoft.com/office/drawing/2014/main" id="{615F8394-2C41-36AA-4DD2-3011782DD277}"/>
+                </a:ext>
+              </a:extLst>
+            </p:cNvPr>
+            <p:cNvPicPr>
+              <a:picLocks noChangeAspect="1"/>
+            </p:cNvPicPr>
+            <p:nvPr/>
+          </p:nvPicPr>
+          <p:blipFill>
+            <a:blip r:embed="rId3">
+              <a:extLst>
+                <a:ext uri="{28A0092B-C50C-407E-A947-70E740481C1C}">
+                  <a14:useLocalDpi xmlns:a14="http://schemas.microsoft.com/office/drawing/2010/main" val="0"/>
+                </a:ext>
+              </a:extLst>
+            </a:blip>
+            <a:stretch>
+              <a:fillRect/>
+            </a:stretch>
+          </p:blipFill>
+          <p:spPr>
+            <a:xfrm>
+              <a:off x="1755007" y="304590"/>
+              <a:ext cx="4010981" cy="4010981"/>
+            </a:xfrm>
+            <a:prstGeom prst="ellipse">
+              <a:avLst/>
+            </a:prstGeom>
+            <a:ln w="63500" cap="rnd">
+              <a:solidFill>
+                <a:srgbClr val="333333"/>
+              </a:solidFill>
+            </a:ln>
+            <a:effectLst>
+              <a:outerShdw blurRad="381000" dist="292100" dir="5400000" sx="-80000" sy="-18000" rotWithShape="0">
+                <a:srgbClr val="000000">
+                  <a:alpha val="0"/>
+                </a:srgbClr>
+              </a:outerShdw>
+            </a:effectLst>
+            <a:scene3d>
+              <a:camera prst="orthographicFront"/>
+              <a:lightRig rig="contrasting" dir="t">
+                <a:rot lat="0" lon="0" rev="3000000"/>
+              </a:lightRig>
+            </a:scene3d>
+            <a:sp3d contourW="7620">
+              <a:bevelT w="95250" h="31750"/>
+              <a:contourClr>
+                <a:srgbClr val="333333"/>
+              </a:contourClr>
+            </a:sp3d>
+          </p:spPr>
+        </p:pic>
+        <p:pic>
+          <p:nvPicPr>
+            <p:cNvPr id="6" name="Image 5">
+              <a:extLst>
+                <a:ext uri="{FF2B5EF4-FFF2-40B4-BE49-F238E27FC236}">
+                  <a16:creationId xmlns:a16="http://schemas.microsoft.com/office/drawing/2014/main" id="{9DAA3E20-A913-CD7D-0F98-BD3FE4B1BA2D}"/>
+                </a:ext>
+              </a:extLst>
+            </p:cNvPr>
+            <p:cNvPicPr>
+              <a:picLocks noChangeAspect="1"/>
+            </p:cNvPicPr>
+            <p:nvPr/>
+          </p:nvPicPr>
+          <p:blipFill>
+            <a:blip r:embed="rId4">
+              <a:extLst>
+                <a:ext uri="{28A0092B-C50C-407E-A947-70E740481C1C}">
+                  <a14:useLocalDpi xmlns:a14="http://schemas.microsoft.com/office/drawing/2010/main" val="0"/>
+                </a:ext>
+              </a:extLst>
+            </a:blip>
+            <a:stretch>
+              <a:fillRect/>
+            </a:stretch>
+          </p:blipFill>
+          <p:spPr>
+            <a:xfrm>
+              <a:off x="3340105" y="2931320"/>
+              <a:ext cx="840784" cy="959074"/>
+            </a:xfrm>
+            <a:prstGeom prst="rect">
+              <a:avLst/>
+            </a:prstGeom>
+          </p:spPr>
+        </p:pic>
+      </p:grpSp>
+      <p:sp>
+        <p:nvSpPr>
+          <p:cNvPr id="7" name="ZoneTexte 6">
+            <a:extLst>
+              <a:ext uri="{FF2B5EF4-FFF2-40B4-BE49-F238E27FC236}">
+                <a16:creationId xmlns:a16="http://schemas.microsoft.com/office/drawing/2014/main" id="{7ABFE786-B5D8-ADD2-9AFD-BCD3AFBE482A}"/>
+              </a:ext>
+            </a:extLst>
+          </p:cNvPr>
+          <p:cNvSpPr txBox="1"/>
+          <p:nvPr/>
+        </p:nvSpPr>
+        <p:spPr>
+          <a:xfrm>
             <a:off x="-6297797" y="-1923985"/>
             <a:ext cx="8380564" cy="1815882"/>
           </a:xfrm>
@@ -9812,7 +10438,7 @@
 </p:sld>
 </file>
 
-<file path=ppt/slides/slide7.xml><?xml version="1.0" encoding="utf-8"?>
+<file path=ppt/slides/slide8.xml><?xml version="1.0" encoding="utf-8"?>
 <p:sld xmlns:a="http://schemas.openxmlformats.org/drawingml/2006/main" xmlns:r="http://schemas.openxmlformats.org/officeDocument/2006/relationships" xmlns:p="http://schemas.openxmlformats.org/presentationml/2006/main">
   <p:cSld>
     <p:bg>

--- a/Documentation/Presentation_Projet.pptx
+++ b/Documentation/Presentation_Projet.pptx
@@ -5,7 +5,7 @@
     <p:sldMasterId id="2147483648" r:id="rId1"/>
   </p:sldMasterIdLst>
   <p:notesMasterIdLst>
-    <p:notesMasterId r:id="rId10"/>
+    <p:notesMasterId r:id="rId11"/>
   </p:notesMasterIdLst>
   <p:sldIdLst>
     <p:sldId id="256" r:id="rId2"/>
@@ -13,9 +13,10 @@
     <p:sldId id="261" r:id="rId4"/>
     <p:sldId id="257" r:id="rId5"/>
     <p:sldId id="263" r:id="rId6"/>
-    <p:sldId id="259" r:id="rId7"/>
-    <p:sldId id="260" r:id="rId8"/>
-    <p:sldId id="262" r:id="rId9"/>
+    <p:sldId id="264" r:id="rId7"/>
+    <p:sldId id="259" r:id="rId8"/>
+    <p:sldId id="260" r:id="rId9"/>
+    <p:sldId id="262" r:id="rId10"/>
   </p:sldIdLst>
   <p:sldSz cx="12192000" cy="6858000"/>
   <p:notesSz cx="6858000" cy="9144000"/>
@@ -470,6 +471,90 @@
     </a:lvl9pPr>
   </p:notesStyle>
 </p:notesMaster>
+</file>
+
+<file path=ppt/notesSlides/notesSlide1.xml><?xml version="1.0" encoding="utf-8"?>
+<p:notes xmlns:a="http://schemas.openxmlformats.org/drawingml/2006/main" xmlns:r="http://schemas.openxmlformats.org/officeDocument/2006/relationships" xmlns:p="http://schemas.openxmlformats.org/presentationml/2006/main">
+  <p:cSld>
+    <p:spTree>
+      <p:nvGrpSpPr>
+        <p:cNvPr id="1" name=""/>
+        <p:cNvGrpSpPr/>
+        <p:nvPr/>
+      </p:nvGrpSpPr>
+      <p:grpSpPr>
+        <a:xfrm>
+          <a:off x="0" y="0"/>
+          <a:ext cx="0" cy="0"/>
+          <a:chOff x="0" y="0"/>
+          <a:chExt cx="0" cy="0"/>
+        </a:xfrm>
+      </p:grpSpPr>
+      <p:sp>
+        <p:nvSpPr>
+          <p:cNvPr id="2" name="Espace réservé de l'image des diapositives 1"/>
+          <p:cNvSpPr>
+            <a:spLocks noGrp="1" noRot="1" noChangeAspect="1"/>
+          </p:cNvSpPr>
+          <p:nvPr>
+            <p:ph type="sldImg"/>
+          </p:nvPr>
+        </p:nvSpPr>
+        <p:spPr/>
+      </p:sp>
+      <p:sp>
+        <p:nvSpPr>
+          <p:cNvPr id="3" name="Espace réservé des notes 2"/>
+          <p:cNvSpPr>
+            <a:spLocks noGrp="1"/>
+          </p:cNvSpPr>
+          <p:nvPr>
+            <p:ph type="body" idx="1"/>
+          </p:nvPr>
+        </p:nvSpPr>
+        <p:spPr/>
+        <p:txBody>
+          <a:bodyPr/>
+          <a:lstStyle/>
+          <a:p>
+            <a:endParaRPr lang="fr-CA" dirty="0"/>
+          </a:p>
+        </p:txBody>
+      </p:sp>
+      <p:sp>
+        <p:nvSpPr>
+          <p:cNvPr id="4" name="Espace réservé du numéro de diapositive 3"/>
+          <p:cNvSpPr>
+            <a:spLocks noGrp="1"/>
+          </p:cNvSpPr>
+          <p:nvPr>
+            <p:ph type="sldNum" sz="quarter" idx="5"/>
+          </p:nvPr>
+        </p:nvSpPr>
+        <p:spPr/>
+        <p:txBody>
+          <a:bodyPr/>
+          <a:lstStyle/>
+          <a:p>
+            <a:fld id="{D488C3E9-C9D5-4BA4-8AD5-AFA048292372}" type="slidenum">
+              <a:rPr lang="fr-CA" smtClean="0"/>
+              <a:t>1</a:t>
+            </a:fld>
+            <a:endParaRPr lang="fr-CA"/>
+          </a:p>
+        </p:txBody>
+      </p:sp>
+    </p:spTree>
+    <p:extLst>
+      <p:ext uri="{BB962C8B-B14F-4D97-AF65-F5344CB8AC3E}">
+        <p14:creationId xmlns:p14="http://schemas.microsoft.com/office/powerpoint/2010/main" val="2799750467"/>
+      </p:ext>
+    </p:extLst>
+  </p:cSld>
+  <p:clrMapOvr>
+    <a:masterClrMapping/>
+  </p:clrMapOvr>
+</p:notes>
 </file>
 
 <file path=ppt/slideLayouts/slideLayout1.xml><?xml version="1.0" encoding="utf-8"?>
@@ -3957,7 +4042,7 @@
           <p:nvPr/>
         </p:nvPicPr>
         <p:blipFill>
-          <a:blip r:embed="rId2">
+          <a:blip r:embed="rId3">
             <a:extLst>
               <a:ext uri="{28A0092B-C50C-407E-A947-70E740481C1C}">
                 <a14:useLocalDpi xmlns:a14="http://schemas.microsoft.com/office/drawing/2010/main" val="0"/>
@@ -4017,7 +4102,7 @@
           <p:nvPr/>
         </p:nvPicPr>
         <p:blipFill>
-          <a:blip r:embed="rId3">
+          <a:blip r:embed="rId4">
             <a:extLst>
               <a:ext uri="{28A0092B-C50C-407E-A947-70E740481C1C}">
                 <a14:useLocalDpi xmlns:a14="http://schemas.microsoft.com/office/drawing/2010/main" val="0"/>
@@ -4136,7 +4221,7 @@
           <p:nvPr/>
         </p:nvPicPr>
         <p:blipFill>
-          <a:blip r:embed="rId4"/>
+          <a:blip r:embed="rId5"/>
           <a:stretch>
             <a:fillRect/>
           </a:stretch>
@@ -4157,6 +4242,66 @@
             <a:extLst>
               <a:ext uri="{FF2B5EF4-FFF2-40B4-BE49-F238E27FC236}">
                 <a16:creationId xmlns:a16="http://schemas.microsoft.com/office/drawing/2014/main" id="{F6D947DF-CD13-A0C6-52BC-466A4A47ADB0}"/>
+              </a:ext>
+            </a:extLst>
+          </p:cNvPr>
+          <p:cNvPicPr>
+            <a:picLocks noChangeAspect="1"/>
+          </p:cNvPicPr>
+          <p:nvPr/>
+        </p:nvPicPr>
+        <p:blipFill>
+          <a:blip r:embed="rId6"/>
+          <a:stretch>
+            <a:fillRect/>
+          </a:stretch>
+        </p:blipFill>
+        <p:spPr>
+          <a:xfrm>
+            <a:off x="-3305260" y="8318029"/>
+            <a:ext cx="883255" cy="738062"/>
+          </a:xfrm>
+          <a:prstGeom prst="rect">
+            <a:avLst/>
+          </a:prstGeom>
+        </p:spPr>
+      </p:pic>
+      <p:pic>
+        <p:nvPicPr>
+          <p:cNvPr id="13" name="Image 12">
+            <a:extLst>
+              <a:ext uri="{FF2B5EF4-FFF2-40B4-BE49-F238E27FC236}">
+                <a16:creationId xmlns:a16="http://schemas.microsoft.com/office/drawing/2014/main" id="{7E00F3DC-32BE-25D3-8766-585A6DD2590A}"/>
+              </a:ext>
+            </a:extLst>
+          </p:cNvPr>
+          <p:cNvPicPr>
+            <a:picLocks noChangeAspect="1"/>
+          </p:cNvPicPr>
+          <p:nvPr/>
+        </p:nvPicPr>
+        <p:blipFill>
+          <a:blip r:embed="rId7"/>
+          <a:stretch>
+            <a:fillRect/>
+          </a:stretch>
+        </p:blipFill>
+        <p:spPr>
+          <a:xfrm>
+            <a:off x="-2538714" y="7424427"/>
+            <a:ext cx="931003" cy="876238"/>
+          </a:xfrm>
+          <a:prstGeom prst="rect">
+            <a:avLst/>
+          </a:prstGeom>
+        </p:spPr>
+      </p:pic>
+      <p:pic>
+        <p:nvPicPr>
+          <p:cNvPr id="14" name="Image 13">
+            <a:extLst>
+              <a:ext uri="{FF2B5EF4-FFF2-40B4-BE49-F238E27FC236}">
+                <a16:creationId xmlns:a16="http://schemas.microsoft.com/office/drawing/2014/main" id="{BBC55976-1E78-EA91-B9CA-B038037D5D64}"/>
               </a:ext>
             </a:extLst>
           </p:cNvPr>
@@ -4173,66 +4318,6 @@
         </p:blipFill>
         <p:spPr>
           <a:xfrm>
-            <a:off x="-3305260" y="8318029"/>
-            <a:ext cx="883255" cy="738062"/>
-          </a:xfrm>
-          <a:prstGeom prst="rect">
-            <a:avLst/>
-          </a:prstGeom>
-        </p:spPr>
-      </p:pic>
-      <p:pic>
-        <p:nvPicPr>
-          <p:cNvPr id="13" name="Image 12">
-            <a:extLst>
-              <a:ext uri="{FF2B5EF4-FFF2-40B4-BE49-F238E27FC236}">
-                <a16:creationId xmlns:a16="http://schemas.microsoft.com/office/drawing/2014/main" id="{7E00F3DC-32BE-25D3-8766-585A6DD2590A}"/>
-              </a:ext>
-            </a:extLst>
-          </p:cNvPr>
-          <p:cNvPicPr>
-            <a:picLocks noChangeAspect="1"/>
-          </p:cNvPicPr>
-          <p:nvPr/>
-        </p:nvPicPr>
-        <p:blipFill>
-          <a:blip r:embed="rId6"/>
-          <a:stretch>
-            <a:fillRect/>
-          </a:stretch>
-        </p:blipFill>
-        <p:spPr>
-          <a:xfrm>
-            <a:off x="-2538714" y="7424427"/>
-            <a:ext cx="931003" cy="876238"/>
-          </a:xfrm>
-          <a:prstGeom prst="rect">
-            <a:avLst/>
-          </a:prstGeom>
-        </p:spPr>
-      </p:pic>
-      <p:pic>
-        <p:nvPicPr>
-          <p:cNvPr id="14" name="Image 13">
-            <a:extLst>
-              <a:ext uri="{FF2B5EF4-FFF2-40B4-BE49-F238E27FC236}">
-                <a16:creationId xmlns:a16="http://schemas.microsoft.com/office/drawing/2014/main" id="{BBC55976-1E78-EA91-B9CA-B038037D5D64}"/>
-              </a:ext>
-            </a:extLst>
-          </p:cNvPr>
-          <p:cNvPicPr>
-            <a:picLocks noChangeAspect="1"/>
-          </p:cNvPicPr>
-          <p:nvPr/>
-        </p:nvPicPr>
-        <p:blipFill>
-          <a:blip r:embed="rId4"/>
-          <a:stretch>
-            <a:fillRect/>
-          </a:stretch>
-        </p:blipFill>
-        <p:spPr>
-          <a:xfrm>
             <a:off x="-2968147" y="1818475"/>
             <a:ext cx="1523693" cy="2031589"/>
           </a:xfrm>
@@ -4247,36 +4332,6 @@
             <a:extLst>
               <a:ext uri="{FF2B5EF4-FFF2-40B4-BE49-F238E27FC236}">
                 <a16:creationId xmlns:a16="http://schemas.microsoft.com/office/drawing/2014/main" id="{FFFD0E57-D69E-1842-07A6-7D3FC0218812}"/>
-              </a:ext>
-            </a:extLst>
-          </p:cNvPr>
-          <p:cNvPicPr>
-            <a:picLocks noChangeAspect="1"/>
-          </p:cNvPicPr>
-          <p:nvPr/>
-        </p:nvPicPr>
-        <p:blipFill>
-          <a:blip r:embed="rId7"/>
-          <a:stretch>
-            <a:fillRect/>
-          </a:stretch>
-        </p:blipFill>
-        <p:spPr>
-          <a:xfrm>
-            <a:off x="-4013695" y="6351038"/>
-            <a:ext cx="878645" cy="738062"/>
-          </a:xfrm>
-          <a:prstGeom prst="rect">
-            <a:avLst/>
-          </a:prstGeom>
-        </p:spPr>
-      </p:pic>
-      <p:pic>
-        <p:nvPicPr>
-          <p:cNvPr id="18" name="Image 17">
-            <a:extLst>
-              <a:ext uri="{FF2B5EF4-FFF2-40B4-BE49-F238E27FC236}">
-                <a16:creationId xmlns:a16="http://schemas.microsoft.com/office/drawing/2014/main" id="{39C96280-93AD-1FA0-78B9-D5D768388AE9}"/>
               </a:ext>
             </a:extLst>
           </p:cNvPr>
@@ -4293,8 +4348,8 @@
         </p:blipFill>
         <p:spPr>
           <a:xfrm>
-            <a:off x="-2689245" y="5852319"/>
-            <a:ext cx="993578" cy="803028"/>
+            <a:off x="-4013695" y="6351038"/>
+            <a:ext cx="878645" cy="738062"/>
           </a:xfrm>
           <a:prstGeom prst="rect">
             <a:avLst/>
@@ -4303,10 +4358,10 @@
       </p:pic>
       <p:pic>
         <p:nvPicPr>
-          <p:cNvPr id="19" name="Image 18">
-            <a:extLst>
-              <a:ext uri="{FF2B5EF4-FFF2-40B4-BE49-F238E27FC236}">
-                <a16:creationId xmlns:a16="http://schemas.microsoft.com/office/drawing/2014/main" id="{9AA865AD-E8CD-8C01-27CE-3BB10F1A1240}"/>
+          <p:cNvPr id="18" name="Image 17">
+            <a:extLst>
+              <a:ext uri="{FF2B5EF4-FFF2-40B4-BE49-F238E27FC236}">
+                <a16:creationId xmlns:a16="http://schemas.microsoft.com/office/drawing/2014/main" id="{39C96280-93AD-1FA0-78B9-D5D768388AE9}"/>
               </a:ext>
             </a:extLst>
           </p:cNvPr>
@@ -4323,8 +4378,8 @@
         </p:blipFill>
         <p:spPr>
           <a:xfrm>
-            <a:off x="-5081199" y="3726053"/>
-            <a:ext cx="1332415" cy="786607"/>
+            <a:off x="-2689245" y="5852319"/>
+            <a:ext cx="993578" cy="803028"/>
           </a:xfrm>
           <a:prstGeom prst="rect">
             <a:avLst/>
@@ -4333,10 +4388,10 @@
       </p:pic>
       <p:pic>
         <p:nvPicPr>
-          <p:cNvPr id="20" name="Image 19">
-            <a:extLst>
-              <a:ext uri="{FF2B5EF4-FFF2-40B4-BE49-F238E27FC236}">
-                <a16:creationId xmlns:a16="http://schemas.microsoft.com/office/drawing/2014/main" id="{7ED2F8CB-7C63-CCE0-0981-C1E4894EE14F}"/>
+          <p:cNvPr id="19" name="Image 18">
+            <a:extLst>
+              <a:ext uri="{FF2B5EF4-FFF2-40B4-BE49-F238E27FC236}">
+                <a16:creationId xmlns:a16="http://schemas.microsoft.com/office/drawing/2014/main" id="{9AA865AD-E8CD-8C01-27CE-3BB10F1A1240}"/>
               </a:ext>
             </a:extLst>
           </p:cNvPr>
@@ -4353,6 +4408,36 @@
         </p:blipFill>
         <p:spPr>
           <a:xfrm>
+            <a:off x="-5081199" y="3726053"/>
+            <a:ext cx="1332415" cy="786607"/>
+          </a:xfrm>
+          <a:prstGeom prst="rect">
+            <a:avLst/>
+          </a:prstGeom>
+        </p:spPr>
+      </p:pic>
+      <p:pic>
+        <p:nvPicPr>
+          <p:cNvPr id="20" name="Image 19">
+            <a:extLst>
+              <a:ext uri="{FF2B5EF4-FFF2-40B4-BE49-F238E27FC236}">
+                <a16:creationId xmlns:a16="http://schemas.microsoft.com/office/drawing/2014/main" id="{7ED2F8CB-7C63-CCE0-0981-C1E4894EE14F}"/>
+              </a:ext>
+            </a:extLst>
+          </p:cNvPr>
+          <p:cNvPicPr>
+            <a:picLocks noChangeAspect="1"/>
+          </p:cNvPicPr>
+          <p:nvPr/>
+        </p:nvPicPr>
+        <p:blipFill>
+          <a:blip r:embed="rId11"/>
+          <a:stretch>
+            <a:fillRect/>
+          </a:stretch>
+        </p:blipFill>
+        <p:spPr>
+          <a:xfrm>
             <a:off x="-4973101" y="2031524"/>
             <a:ext cx="1332416" cy="786607"/>
           </a:xfrm>
@@ -4376,7 +4461,7 @@
           <p:nvPr/>
         </p:nvPicPr>
         <p:blipFill>
-          <a:blip r:embed="rId11">
+          <a:blip r:embed="rId12">
             <a:extLst>
               <a:ext uri="{28A0092B-C50C-407E-A947-70E740481C1C}">
                 <a14:useLocalDpi xmlns:a14="http://schemas.microsoft.com/office/drawing/2010/main" val="0"/>
@@ -4423,7 +4508,7 @@
           <p:nvPr/>
         </p:nvPicPr>
         <p:blipFill>
-          <a:blip r:embed="rId12">
+          <a:blip r:embed="rId13">
             <a:extLst>
               <a:ext uri="{28A0092B-C50C-407E-A947-70E740481C1C}">
                 <a14:useLocalDpi xmlns:a14="http://schemas.microsoft.com/office/drawing/2010/main" val="0"/>
@@ -4455,6 +4540,46 @@
           </a:extLst>
         </p:spPr>
       </p:pic>
+      <p:sp>
+        <p:nvSpPr>
+          <p:cNvPr id="3" name="ZoneTexte 2">
+            <a:extLst>
+              <a:ext uri="{FF2B5EF4-FFF2-40B4-BE49-F238E27FC236}">
+                <a16:creationId xmlns:a16="http://schemas.microsoft.com/office/drawing/2014/main" id="{02126D74-7519-DBBC-B4A0-5B679A3131C9}"/>
+              </a:ext>
+            </a:extLst>
+          </p:cNvPr>
+          <p:cNvSpPr txBox="1"/>
+          <p:nvPr/>
+        </p:nvSpPr>
+        <p:spPr>
+          <a:xfrm>
+            <a:off x="8987670" y="6501957"/>
+            <a:ext cx="4899996" cy="338554"/>
+          </a:xfrm>
+          <a:prstGeom prst="rect">
+            <a:avLst/>
+          </a:prstGeom>
+          <a:noFill/>
+        </p:spPr>
+        <p:txBody>
+          <a:bodyPr wrap="square" rtlCol="0">
+            <a:spAutoFit/>
+          </a:bodyPr>
+          <a:lstStyle/>
+          <a:p>
+            <a:r>
+              <a:rPr lang="fr-CA" sz="1600" dirty="0">
+                <a:solidFill>
+                  <a:schemeClr val="bg1"/>
+                </a:solidFill>
+                <a:latin typeface="Bahnschrift SemiBold Condensed" panose="020B0502040204020203" pitchFamily="34" charset="0"/>
+              </a:rPr>
+              <a:t>Présenté par Mathis Savoie et Jackob Breton</a:t>
+            </a:r>
+          </a:p>
+        </p:txBody>
+      </p:sp>
     </p:spTree>
     <p:extLst>
       <p:ext uri="{BB962C8B-B14F-4D97-AF65-F5344CB8AC3E}">
@@ -5083,7 +5208,7 @@
         </p:blipFill>
         <p:spPr>
           <a:xfrm>
-            <a:off x="3031234" y="2033370"/>
+            <a:off x="3047136" y="1930866"/>
             <a:ext cx="1523693" cy="2031589"/>
           </a:xfrm>
           <a:prstGeom prst="rect">
@@ -5686,6 +5811,9 @@
                     <p:cTn id="3" fill="hold">
                       <p:stCondLst>
                         <p:cond delay="indefinite"/>
+                        <p:cond evt="onBegin" delay="0">
+                          <p:tn val="2"/>
+                        </p:cond>
                       </p:stCondLst>
                       <p:childTnLst>
                         <p:par>
@@ -5695,9 +5823,9 @@
                             </p:stCondLst>
                             <p:childTnLst>
                               <p:par>
-                                <p:cTn id="5" presetID="1" presetClass="entr" presetSubtype="0" fill="hold" nodeType="clickEffect">
+                                <p:cTn id="5" presetID="1" presetClass="entr" presetSubtype="0" fill="hold" nodeType="withEffect">
                                   <p:stCondLst>
-                                    <p:cond delay="1000"/>
+                                    <p:cond delay="500"/>
                                   </p:stCondLst>
                                   <p:childTnLst>
                                     <p:set>
@@ -5721,33 +5849,15 @@
                                   </p:childTnLst>
                                 </p:cTn>
                               </p:par>
-                            </p:childTnLst>
-                          </p:cTn>
-                        </p:par>
-                      </p:childTnLst>
-                    </p:cTn>
-                  </p:par>
-                  <p:par>
-                    <p:cTn id="7" fill="hold">
-                      <p:stCondLst>
-                        <p:cond delay="indefinite"/>
-                      </p:stCondLst>
-                      <p:childTnLst>
-                        <p:par>
-                          <p:cTn id="8" fill="hold">
-                            <p:stCondLst>
-                              <p:cond delay="0"/>
-                            </p:stCondLst>
-                            <p:childTnLst>
                               <p:par>
-                                <p:cTn id="9" presetID="1" presetClass="entr" presetSubtype="0" fill="hold" nodeType="clickEffect">
+                                <p:cTn id="7" presetID="1" presetClass="entr" presetSubtype="0" fill="hold" nodeType="withEffect">
                                   <p:stCondLst>
-                                    <p:cond delay="1000"/>
+                                    <p:cond delay="500"/>
                                   </p:stCondLst>
                                   <p:childTnLst>
                                     <p:set>
                                       <p:cBhvr>
-                                        <p:cTn id="10" dur="1" fill="hold">
+                                        <p:cTn id="8" dur="1" fill="hold">
                                           <p:stCondLst>
                                             <p:cond delay="0"/>
                                           </p:stCondLst>
@@ -7728,103 +7838,10 @@
       </p:sp>
       <p:sp>
         <p:nvSpPr>
-          <p:cNvPr id="32" name="Triangle rectangle 31">
-            <a:extLst>
-              <a:ext uri="{FF2B5EF4-FFF2-40B4-BE49-F238E27FC236}">
-                <a16:creationId xmlns:a16="http://schemas.microsoft.com/office/drawing/2014/main" id="{C9DBCD3C-4B52-1699-42A4-C52D3A9DAA05}"/>
-              </a:ext>
-            </a:extLst>
-          </p:cNvPr>
-          <p:cNvSpPr/>
-          <p:nvPr/>
-        </p:nvSpPr>
-        <p:spPr>
-          <a:xfrm rot="10800000" flipV="1">
-            <a:off x="5606192" y="5055193"/>
-            <a:ext cx="12192000" cy="6612850"/>
-          </a:xfrm>
-          <a:prstGeom prst="rtTriangle">
-            <a:avLst/>
-          </a:prstGeom>
-          <a:solidFill>
-            <a:srgbClr val="2A7507"/>
-          </a:solidFill>
-        </p:spPr>
-        <p:style>
-          <a:lnRef idx="3">
-            <a:schemeClr val="lt1"/>
-          </a:lnRef>
-          <a:fillRef idx="1">
-            <a:schemeClr val="accent2"/>
-          </a:fillRef>
-          <a:effectRef idx="1">
-            <a:schemeClr val="accent2"/>
-          </a:effectRef>
-          <a:fontRef idx="minor">
-            <a:schemeClr val="lt1"/>
-          </a:fontRef>
-        </p:style>
-        <p:txBody>
-          <a:bodyPr rtlCol="0" anchor="ctr"/>
-          <a:lstStyle/>
-          <a:p>
-            <a:pPr algn="ctr"/>
-            <a:endParaRPr lang="fr-CA" dirty="0"/>
-          </a:p>
-        </p:txBody>
-      </p:sp>
-      <p:sp>
-        <p:nvSpPr>
-          <p:cNvPr id="33" name="Rectangle 32">
-            <a:extLst>
-              <a:ext uri="{FF2B5EF4-FFF2-40B4-BE49-F238E27FC236}">
-                <a16:creationId xmlns:a16="http://schemas.microsoft.com/office/drawing/2014/main" id="{0CDBD379-23C7-ECCA-543B-B1F20276AD75}"/>
-              </a:ext>
-            </a:extLst>
-          </p:cNvPr>
-          <p:cNvSpPr/>
-          <p:nvPr/>
-        </p:nvSpPr>
-        <p:spPr>
-          <a:xfrm rot="16200000">
-            <a:off x="-8185396" y="10826774"/>
-            <a:ext cx="14443473" cy="337479"/>
-          </a:xfrm>
-          <a:prstGeom prst="rect">
-            <a:avLst/>
-          </a:prstGeom>
-        </p:spPr>
-        <p:style>
-          <a:lnRef idx="2">
-            <a:schemeClr val="dk1">
-              <a:shade val="50000"/>
-            </a:schemeClr>
-          </a:lnRef>
-          <a:fillRef idx="1">
-            <a:schemeClr val="dk1"/>
-          </a:fillRef>
-          <a:effectRef idx="0">
-            <a:schemeClr val="dk1"/>
-          </a:effectRef>
-          <a:fontRef idx="minor">
-            <a:schemeClr val="lt1"/>
-          </a:fontRef>
-        </p:style>
-        <p:txBody>
-          <a:bodyPr rtlCol="0" anchor="ctr"/>
-          <a:lstStyle/>
-          <a:p>
-            <a:pPr algn="ctr"/>
-            <a:endParaRPr lang="fr-CA"/>
-          </a:p>
-        </p:txBody>
-      </p:sp>
-      <p:sp>
-        <p:nvSpPr>
-          <p:cNvPr id="34" name="ZoneTexte 33">
-            <a:extLst>
-              <a:ext uri="{FF2B5EF4-FFF2-40B4-BE49-F238E27FC236}">
-                <a16:creationId xmlns:a16="http://schemas.microsoft.com/office/drawing/2014/main" id="{3F22C4AD-E040-346B-E532-51B52038D860}"/>
+          <p:cNvPr id="35" name="ZoneTexte 34">
+            <a:extLst>
+              <a:ext uri="{FF2B5EF4-FFF2-40B4-BE49-F238E27FC236}">
+                <a16:creationId xmlns:a16="http://schemas.microsoft.com/office/drawing/2014/main" id="{39EDF483-E6D1-13EB-FD4B-496A5E27CCF2}"/>
               </a:ext>
             </a:extLst>
           </p:cNvPr>
@@ -7833,8 +7850,8 @@
         </p:nvSpPr>
         <p:spPr>
           <a:xfrm>
-            <a:off x="-2043192" y="-2683068"/>
-            <a:ext cx="8380564" cy="1815882"/>
+            <a:off x="3800443" y="-1852555"/>
+            <a:ext cx="7144851" cy="1569660"/>
           </a:xfrm>
           <a:prstGeom prst="rect">
             <a:avLst/>
@@ -7847,37 +7864,24 @@
           </a:bodyPr>
           <a:lstStyle/>
           <a:p>
-            <a:pPr algn="ctr"/>
-            <a:r>
-              <a:rPr lang="fr-CA" sz="8000" dirty="0">
+            <a:r>
+              <a:rPr lang="fr-CA" sz="9600" dirty="0">
                 <a:solidFill>
                   <a:schemeClr val="bg1"/>
                 </a:solidFill>
                 <a:latin typeface="Bahnschrift SemiBold Condensed" panose="020B0502040204020203" pitchFamily="34" charset="0"/>
               </a:rPr>
-              <a:t>± 120$CAD</a:t>
-            </a:r>
-          </a:p>
-          <a:p>
-            <a:pPr algn="ctr"/>
-            <a:r>
-              <a:rPr lang="fr-CA" sz="2800" dirty="0">
-                <a:solidFill>
-                  <a:schemeClr val="bg1"/>
-                </a:solidFill>
-                <a:latin typeface="Bahnschrift SemiBold Condensed" panose="020B0502040204020203" pitchFamily="34" charset="0"/>
-              </a:rPr>
-              <a:t>(tous compris)</a:t>
-            </a:r>
-          </a:p>
-        </p:txBody>
-      </p:sp>
-      <p:sp>
-        <p:nvSpPr>
-          <p:cNvPr id="35" name="ZoneTexte 34">
-            <a:extLst>
-              <a:ext uri="{FF2B5EF4-FFF2-40B4-BE49-F238E27FC236}">
-                <a16:creationId xmlns:a16="http://schemas.microsoft.com/office/drawing/2014/main" id="{39EDF483-E6D1-13EB-FD4B-496A5E27CCF2}"/>
+              <a:t>C’EST POUR QUI ?</a:t>
+            </a:r>
+          </a:p>
+        </p:txBody>
+      </p:sp>
+      <p:sp>
+        <p:nvSpPr>
+          <p:cNvPr id="2" name="ZoneTexte 1">
+            <a:extLst>
+              <a:ext uri="{FF2B5EF4-FFF2-40B4-BE49-F238E27FC236}">
+                <a16:creationId xmlns:a16="http://schemas.microsoft.com/office/drawing/2014/main" id="{EA6134A2-395D-315C-0DD8-F3C3DD873843}"/>
               </a:ext>
             </a:extLst>
           </p:cNvPr>
@@ -7886,7 +7890,7 @@
         </p:nvSpPr>
         <p:spPr>
           <a:xfrm>
-            <a:off x="3800443" y="-1852555"/>
+            <a:off x="380663" y="69278"/>
             <a:ext cx="7144851" cy="1569660"/>
           </a:xfrm>
           <a:prstGeom prst="rect">
@@ -7907,79 +7911,17 @@
                 </a:solidFill>
                 <a:latin typeface="Bahnschrift SemiBold Condensed" panose="020B0502040204020203" pitchFamily="34" charset="0"/>
               </a:rPr>
-              <a:t>C’EST POUR QUI ?</a:t>
-            </a:r>
-          </a:p>
-        </p:txBody>
-      </p:sp>
-      <p:sp>
-        <p:nvSpPr>
-          <p:cNvPr id="36" name="ZoneTexte 35">
-            <a:extLst>
-              <a:ext uri="{FF2B5EF4-FFF2-40B4-BE49-F238E27FC236}">
-                <a16:creationId xmlns:a16="http://schemas.microsoft.com/office/drawing/2014/main" id="{057B77E4-D73C-44BA-803F-04BE1F6C8C89}"/>
-              </a:ext>
-            </a:extLst>
-          </p:cNvPr>
-          <p:cNvSpPr txBox="1"/>
-          <p:nvPr/>
-        </p:nvSpPr>
-        <p:spPr>
-          <a:xfrm>
-            <a:off x="-436523" y="7057084"/>
-            <a:ext cx="8380564" cy="1815882"/>
-          </a:xfrm>
-          <a:prstGeom prst="rect">
-            <a:avLst/>
-          </a:prstGeom>
-          <a:noFill/>
-        </p:spPr>
-        <p:txBody>
-          <a:bodyPr wrap="square" rtlCol="0">
-            <a:spAutoFit/>
-          </a:bodyPr>
-          <a:lstStyle/>
-          <a:p>
-            <a:pPr algn="ctr"/>
-            <a:r>
-              <a:rPr lang="fr-CA" sz="8000" dirty="0">
-                <a:solidFill>
-                  <a:schemeClr val="bg1"/>
-                </a:solidFill>
-                <a:latin typeface="Bahnschrift SemiBold Condensed" panose="020B0502040204020203" pitchFamily="34" charset="0"/>
-              </a:rPr>
-              <a:t> </a:t>
-            </a:r>
-            <a:r>
-              <a:rPr lang="fr-CA" sz="6000" dirty="0">
-                <a:solidFill>
-                  <a:schemeClr val="bg1"/>
-                </a:solidFill>
-                <a:latin typeface="Bahnschrift SemiBold Condensed" panose="020B0502040204020203" pitchFamily="34" charset="0"/>
-              </a:rPr>
-              <a:t>130$CAD + taxes</a:t>
-            </a:r>
-          </a:p>
-          <a:p>
-            <a:pPr algn="ctr"/>
-            <a:r>
-              <a:rPr lang="fr-CA" sz="2800" dirty="0">
-                <a:solidFill>
-                  <a:schemeClr val="bg1"/>
-                </a:solidFill>
-                <a:latin typeface="Bahnschrift SemiBold Condensed" panose="020B0502040204020203" pitchFamily="34" charset="0"/>
-              </a:rPr>
-              <a:t>(rien compris)</a:t>
+              <a:t>NOS CLIENTS </a:t>
             </a:r>
           </a:p>
         </p:txBody>
       </p:sp>
       <p:pic>
         <p:nvPicPr>
-          <p:cNvPr id="37" name="Picture 2" descr="Xbox - Free logo icons">
-            <a:extLst>
-              <a:ext uri="{FF2B5EF4-FFF2-40B4-BE49-F238E27FC236}">
-                <a16:creationId xmlns:a16="http://schemas.microsoft.com/office/drawing/2014/main" id="{DF52327F-2AA5-06F0-595E-43C8C59C59FA}"/>
+          <p:cNvPr id="1028" name="Picture 4" descr="Client icon | Free SVG">
+            <a:extLst>
+              <a:ext uri="{FF2B5EF4-FFF2-40B4-BE49-F238E27FC236}">
+                <a16:creationId xmlns:a16="http://schemas.microsoft.com/office/drawing/2014/main" id="{29AFA07C-0894-420F-0BF5-7E9403B55567}"/>
               </a:ext>
             </a:extLst>
           </p:cNvPr>
@@ -7990,116 +7932,6 @@
         </p:nvPicPr>
         <p:blipFill>
           <a:blip r:embed="rId7">
-            <a:extLst>
-              <a:ext uri="{28A0092B-C50C-407E-A947-70E740481C1C}">
-                <a14:useLocalDpi xmlns:a14="http://schemas.microsoft.com/office/drawing/2010/main" val="0"/>
-              </a:ext>
-            </a:extLst>
-          </a:blip>
-          <a:srcRect/>
-          <a:stretch>
-            <a:fillRect/>
-          </a:stretch>
-        </p:blipFill>
-        <p:spPr bwMode="auto">
-          <a:xfrm>
-            <a:off x="13580881" y="136576"/>
-            <a:ext cx="3332464" cy="3332464"/>
-          </a:xfrm>
-          <a:prstGeom prst="ellipse">
-            <a:avLst/>
-          </a:prstGeom>
-          <a:ln w="63500" cap="rnd">
-            <a:solidFill>
-              <a:srgbClr val="333333"/>
-            </a:solidFill>
-          </a:ln>
-          <a:effectLst>
-            <a:outerShdw blurRad="381000" dist="292100" dir="5400000" sx="-80000" sy="-18000" rotWithShape="0">
-              <a:srgbClr val="000000">
-                <a:alpha val="0"/>
-              </a:srgbClr>
-            </a:outerShdw>
-          </a:effectLst>
-          <a:scene3d>
-            <a:camera prst="orthographicFront"/>
-            <a:lightRig rig="contrasting" dir="t">
-              <a:rot lat="0" lon="0" rev="3000000"/>
-            </a:lightRig>
-          </a:scene3d>
-          <a:sp3d contourW="7620">
-            <a:bevelT w="95250" h="31750"/>
-            <a:contourClr>
-              <a:srgbClr val="333333"/>
-            </a:contourClr>
-          </a:sp3d>
-          <a:extLst>
-            <a:ext uri="{909E8E84-426E-40DD-AFC4-6F175D3DCCD1}">
-              <a14:hiddenFill xmlns:a14="http://schemas.microsoft.com/office/drawing/2010/main">
-                <a:solidFill>
-                  <a:srgbClr val="FFFFFF"/>
-                </a:solidFill>
-              </a14:hiddenFill>
-            </a:ext>
-          </a:extLst>
-        </p:spPr>
-      </p:pic>
-      <p:sp>
-        <p:nvSpPr>
-          <p:cNvPr id="2" name="ZoneTexte 1">
-            <a:extLst>
-              <a:ext uri="{FF2B5EF4-FFF2-40B4-BE49-F238E27FC236}">
-                <a16:creationId xmlns:a16="http://schemas.microsoft.com/office/drawing/2014/main" id="{EA6134A2-395D-315C-0DD8-F3C3DD873843}"/>
-              </a:ext>
-            </a:extLst>
-          </p:cNvPr>
-          <p:cNvSpPr txBox="1"/>
-          <p:nvPr/>
-        </p:nvSpPr>
-        <p:spPr>
-          <a:xfrm>
-            <a:off x="380663" y="69278"/>
-            <a:ext cx="7144851" cy="1569660"/>
-          </a:xfrm>
-          <a:prstGeom prst="rect">
-            <a:avLst/>
-          </a:prstGeom>
-          <a:noFill/>
-        </p:spPr>
-        <p:txBody>
-          <a:bodyPr wrap="square" rtlCol="0">
-            <a:spAutoFit/>
-          </a:bodyPr>
-          <a:lstStyle/>
-          <a:p>
-            <a:r>
-              <a:rPr lang="fr-CA" sz="9600" dirty="0">
-                <a:solidFill>
-                  <a:schemeClr val="bg1"/>
-                </a:solidFill>
-                <a:latin typeface="Bahnschrift SemiBold Condensed" panose="020B0502040204020203" pitchFamily="34" charset="0"/>
-              </a:rPr>
-              <a:t>NOS CLIENTS </a:t>
-            </a:r>
-          </a:p>
-        </p:txBody>
-      </p:sp>
-      <p:pic>
-        <p:nvPicPr>
-          <p:cNvPr id="1028" name="Picture 4" descr="Client icon | Free SVG">
-            <a:extLst>
-              <a:ext uri="{FF2B5EF4-FFF2-40B4-BE49-F238E27FC236}">
-                <a16:creationId xmlns:a16="http://schemas.microsoft.com/office/drawing/2014/main" id="{29AFA07C-0894-420F-0BF5-7E9403B55567}"/>
-              </a:ext>
-            </a:extLst>
-          </p:cNvPr>
-          <p:cNvPicPr>
-            <a:picLocks noChangeAspect="1" noChangeArrowheads="1"/>
-          </p:cNvPicPr>
-          <p:nvPr/>
-        </p:nvPicPr>
-        <p:blipFill>
-          <a:blip r:embed="rId8">
             <a:extLst>
               <a:ext uri="{28A0092B-C50C-407E-A947-70E740481C1C}">
                 <a14:useLocalDpi xmlns:a14="http://schemas.microsoft.com/office/drawing/2010/main" val="0"/>
@@ -8301,90 +8133,6 @@
           <a:chExt cx="0" cy="0"/>
         </a:xfrm>
       </p:grpSpPr>
-      <p:cxnSp>
-        <p:nvCxnSpPr>
-          <p:cNvPr id="27" name="Connecteur droit 26">
-            <a:extLst>
-              <a:ext uri="{FF2B5EF4-FFF2-40B4-BE49-F238E27FC236}">
-                <a16:creationId xmlns:a16="http://schemas.microsoft.com/office/drawing/2014/main" id="{BC166031-8E90-EE75-909A-BA1B893D540D}"/>
-              </a:ext>
-            </a:extLst>
-          </p:cNvPr>
-          <p:cNvCxnSpPr>
-            <a:cxnSpLocks/>
-          </p:cNvCxnSpPr>
-          <p:nvPr/>
-        </p:nvCxnSpPr>
-        <p:spPr>
-          <a:xfrm>
-            <a:off x="2096857" y="-373503"/>
-            <a:ext cx="7096125" cy="0"/>
-          </a:xfrm>
-          <a:prstGeom prst="line">
-            <a:avLst/>
-          </a:prstGeom>
-          <a:ln>
-            <a:solidFill>
-              <a:schemeClr val="bg1"/>
-            </a:solidFill>
-          </a:ln>
-        </p:spPr>
-        <p:style>
-          <a:lnRef idx="1">
-            <a:schemeClr val="accent1"/>
-          </a:lnRef>
-          <a:fillRef idx="0">
-            <a:schemeClr val="accent1"/>
-          </a:fillRef>
-          <a:effectRef idx="0">
-            <a:schemeClr val="accent1"/>
-          </a:effectRef>
-          <a:fontRef idx="minor">
-            <a:schemeClr val="tx1"/>
-          </a:fontRef>
-        </p:style>
-      </p:cxnSp>
-      <p:sp>
-        <p:nvSpPr>
-          <p:cNvPr id="28" name="ZoneTexte 27">
-            <a:extLst>
-              <a:ext uri="{FF2B5EF4-FFF2-40B4-BE49-F238E27FC236}">
-                <a16:creationId xmlns:a16="http://schemas.microsoft.com/office/drawing/2014/main" id="{A5C956D1-D52B-6D3B-B8B5-309373AF32E8}"/>
-              </a:ext>
-            </a:extLst>
-          </p:cNvPr>
-          <p:cNvSpPr txBox="1"/>
-          <p:nvPr/>
-        </p:nvSpPr>
-        <p:spPr>
-          <a:xfrm>
-            <a:off x="1494449" y="-1756497"/>
-            <a:ext cx="8380564" cy="1569660"/>
-          </a:xfrm>
-          <a:prstGeom prst="rect">
-            <a:avLst/>
-          </a:prstGeom>
-          <a:noFill/>
-        </p:spPr>
-        <p:txBody>
-          <a:bodyPr wrap="square" rtlCol="0">
-            <a:spAutoFit/>
-          </a:bodyPr>
-          <a:lstStyle/>
-          <a:p>
-            <a:pPr algn="ctr"/>
-            <a:r>
-              <a:rPr lang="fr-CA" sz="9600" dirty="0">
-                <a:solidFill>
-                  <a:schemeClr val="bg1"/>
-                </a:solidFill>
-                <a:latin typeface="Bahnschrift SemiBold Condensed" panose="020B0502040204020203" pitchFamily="34" charset="0"/>
-              </a:rPr>
-              <a:t>COMMENT JOUER ?</a:t>
-            </a:r>
-          </a:p>
-        </p:txBody>
-      </p:sp>
       <p:sp>
         <p:nvSpPr>
           <p:cNvPr id="5" name="Triangle rectangle 4">
@@ -8399,7 +8147,7 @@
         </p:nvSpPr>
         <p:spPr>
           <a:xfrm rot="10800000" flipV="1">
-            <a:off x="0" y="245150"/>
+            <a:off x="3638550" y="6380549"/>
             <a:ext cx="12192000" cy="6612850"/>
           </a:xfrm>
           <a:prstGeom prst="rtTriangle">
@@ -8446,7 +8194,7 @@
         </p:nvSpPr>
         <p:spPr>
           <a:xfrm rot="19885905">
-            <a:off x="-1099651" y="3266739"/>
+            <a:off x="1867695" y="8905247"/>
             <a:ext cx="14443473" cy="337479"/>
           </a:xfrm>
           <a:prstGeom prst="rect">
@@ -8507,7 +8255,7 @@
         </p:blipFill>
         <p:spPr bwMode="auto">
           <a:xfrm>
-            <a:off x="8208781" y="2820686"/>
+            <a:off x="14615233" y="1555888"/>
             <a:ext cx="3332464" cy="3332464"/>
           </a:xfrm>
           <a:prstGeom prst="ellipse">
@@ -8562,8 +8310,8 @@
         </p:nvGrpSpPr>
         <p:grpSpPr>
           <a:xfrm>
-            <a:off x="650756" y="641324"/>
-            <a:ext cx="3332464" cy="3332464"/>
+            <a:off x="6991828" y="1460459"/>
+            <a:ext cx="4195206" cy="3942142"/>
             <a:chOff x="1755007" y="304590"/>
             <a:chExt cx="4010981" cy="4010981"/>
           </a:xfrm>
@@ -8679,7 +8427,7 @@
         </p:nvSpPr>
         <p:spPr>
           <a:xfrm>
-            <a:off x="1931803" y="615786"/>
+            <a:off x="-6717653" y="-662792"/>
             <a:ext cx="8380564" cy="1815882"/>
           </a:xfrm>
           <a:prstGeom prst="rect">
@@ -8732,7 +8480,7 @@
         </p:nvSpPr>
         <p:spPr>
           <a:xfrm>
-            <a:off x="1662911" y="4544581"/>
+            <a:off x="-3842539" y="9982549"/>
             <a:ext cx="8380564" cy="1815882"/>
           </a:xfrm>
           <a:prstGeom prst="rect">
@@ -8780,12 +8528,95 @@
           </a:p>
         </p:txBody>
       </p:sp>
+      <p:cxnSp>
+        <p:nvCxnSpPr>
+          <p:cNvPr id="8" name="Connecteur droit 7">
+            <a:extLst>
+              <a:ext uri="{FF2B5EF4-FFF2-40B4-BE49-F238E27FC236}">
+                <a16:creationId xmlns:a16="http://schemas.microsoft.com/office/drawing/2014/main" id="{18A72F62-C5C3-177F-DCB4-558510116B8D}"/>
+              </a:ext>
+            </a:extLst>
+          </p:cNvPr>
+          <p:cNvCxnSpPr>
+            <a:cxnSpLocks/>
+          </p:cNvCxnSpPr>
+          <p:nvPr/>
+        </p:nvCxnSpPr>
+        <p:spPr>
+          <a:xfrm>
+            <a:off x="14615233" y="0"/>
+            <a:ext cx="11852063" cy="0"/>
+          </a:xfrm>
+          <a:prstGeom prst="line">
+            <a:avLst/>
+          </a:prstGeom>
+          <a:ln>
+            <a:solidFill>
+              <a:schemeClr val="bg1"/>
+            </a:solidFill>
+          </a:ln>
+        </p:spPr>
+        <p:style>
+          <a:lnRef idx="1">
+            <a:schemeClr val="accent1"/>
+          </a:lnRef>
+          <a:fillRef idx="0">
+            <a:schemeClr val="accent1"/>
+          </a:fillRef>
+          <a:effectRef idx="0">
+            <a:schemeClr val="accent1"/>
+          </a:effectRef>
+          <a:fontRef idx="minor">
+            <a:schemeClr val="tx1"/>
+          </a:fontRef>
+        </p:style>
+      </p:cxnSp>
+      <p:sp>
+        <p:nvSpPr>
+          <p:cNvPr id="9" name="ZoneTexte 8">
+            <a:extLst>
+              <a:ext uri="{FF2B5EF4-FFF2-40B4-BE49-F238E27FC236}">
+                <a16:creationId xmlns:a16="http://schemas.microsoft.com/office/drawing/2014/main" id="{D6C8A219-0FBF-0D0E-3D31-1BE03315307E}"/>
+              </a:ext>
+            </a:extLst>
+          </p:cNvPr>
+          <p:cNvSpPr txBox="1"/>
+          <p:nvPr/>
+        </p:nvSpPr>
+        <p:spPr>
+          <a:xfrm>
+            <a:off x="66123" y="-1872005"/>
+            <a:ext cx="7144851" cy="1569660"/>
+          </a:xfrm>
+          <a:prstGeom prst="rect">
+            <a:avLst/>
+          </a:prstGeom>
+          <a:noFill/>
+        </p:spPr>
+        <p:txBody>
+          <a:bodyPr wrap="square" rtlCol="0">
+            <a:spAutoFit/>
+          </a:bodyPr>
+          <a:lstStyle/>
+          <a:p>
+            <a:r>
+              <a:rPr lang="fr-CA" sz="9600" dirty="0">
+                <a:solidFill>
+                  <a:schemeClr val="bg1"/>
+                </a:solidFill>
+                <a:latin typeface="Bahnschrift SemiBold Condensed" panose="020B0502040204020203" pitchFamily="34" charset="0"/>
+              </a:rPr>
+              <a:t>NOS CLIENTS </a:t>
+            </a:r>
+          </a:p>
+        </p:txBody>
+      </p:sp>
       <p:pic>
         <p:nvPicPr>
-          <p:cNvPr id="13" name="Picture 4" descr="Xbox Adaptive Controller - Microsoft Store Canada">
-            <a:extLst>
-              <a:ext uri="{FF2B5EF4-FFF2-40B4-BE49-F238E27FC236}">
-                <a16:creationId xmlns:a16="http://schemas.microsoft.com/office/drawing/2014/main" id="{B9647763-A895-E264-9FE2-690805FCEAB5}"/>
+          <p:cNvPr id="11" name="Picture 4" descr="Client icon | Free SVG">
+            <a:extLst>
+              <a:ext uri="{FF2B5EF4-FFF2-40B4-BE49-F238E27FC236}">
+                <a16:creationId xmlns:a16="http://schemas.microsoft.com/office/drawing/2014/main" id="{FCDBB9B4-B48B-6DCA-35AD-8B271D2E6AB3}"/>
               </a:ext>
             </a:extLst>
           </p:cNvPr>
@@ -8809,8 +8640,8 @@
         </p:blipFill>
         <p:spPr bwMode="auto">
           <a:xfrm>
-            <a:off x="-3168272" y="-1820023"/>
-            <a:ext cx="3984959" cy="1941630"/>
+            <a:off x="5071346" y="-4314214"/>
+            <a:ext cx="3332464" cy="3332464"/>
           </a:xfrm>
           <a:prstGeom prst="rect">
             <a:avLst/>
@@ -8827,89 +8658,12 @@
           </a:extLst>
         </p:spPr>
       </p:pic>
-      <p:pic>
-        <p:nvPicPr>
-          <p:cNvPr id="14" name="Image 13">
-            <a:extLst>
-              <a:ext uri="{FF2B5EF4-FFF2-40B4-BE49-F238E27FC236}">
-                <a16:creationId xmlns:a16="http://schemas.microsoft.com/office/drawing/2014/main" id="{D63F6015-5B51-DCD2-3F0A-AFB9DBB10361}"/>
-              </a:ext>
-            </a:extLst>
-          </p:cNvPr>
-          <p:cNvPicPr>
-            <a:picLocks noChangeAspect="1"/>
-          </p:cNvPicPr>
-          <p:nvPr/>
-        </p:nvPicPr>
-        <p:blipFill>
-          <a:blip r:embed="rId6"/>
-          <a:stretch>
-            <a:fillRect/>
-          </a:stretch>
-        </p:blipFill>
-        <p:spPr>
-          <a:xfrm>
-            <a:off x="-4410750" y="1449242"/>
-            <a:ext cx="3564509" cy="1420090"/>
-          </a:xfrm>
-          <a:prstGeom prst="rect">
-            <a:avLst/>
-          </a:prstGeom>
-        </p:spPr>
-      </p:pic>
-      <p:pic>
-        <p:nvPicPr>
-          <p:cNvPr id="15" name="Picture 6" descr="image-1">
-            <a:extLst>
-              <a:ext uri="{FF2B5EF4-FFF2-40B4-BE49-F238E27FC236}">
-                <a16:creationId xmlns:a16="http://schemas.microsoft.com/office/drawing/2014/main" id="{F4AC9F12-80A1-F055-FC27-9BC6A574AB11}"/>
-              </a:ext>
-            </a:extLst>
-          </p:cNvPr>
-          <p:cNvPicPr>
-            <a:picLocks noChangeAspect="1" noChangeArrowheads="1"/>
-          </p:cNvPicPr>
-          <p:nvPr/>
-        </p:nvPicPr>
-        <p:blipFill>
-          <a:blip r:embed="rId7">
-            <a:extLst>
-              <a:ext uri="{28A0092B-C50C-407E-A947-70E740481C1C}">
-                <a14:useLocalDpi xmlns:a14="http://schemas.microsoft.com/office/drawing/2010/main" val="0"/>
-              </a:ext>
-            </a:extLst>
-          </a:blip>
-          <a:srcRect/>
-          <a:stretch>
-            <a:fillRect/>
-          </a:stretch>
-        </p:blipFill>
-        <p:spPr bwMode="auto">
-          <a:xfrm>
-            <a:off x="-3136801" y="7951656"/>
-            <a:ext cx="3159155" cy="1777024"/>
-          </a:xfrm>
-          <a:prstGeom prst="rect">
-            <a:avLst/>
-          </a:prstGeom>
-          <a:noFill/>
-          <a:extLst>
-            <a:ext uri="{909E8E84-426E-40DD-AFC4-6F175D3DCCD1}">
-              <a14:hiddenFill xmlns:a14="http://schemas.microsoft.com/office/drawing/2010/main">
-                <a:solidFill>
-                  <a:srgbClr val="FFFFFF"/>
-                </a:solidFill>
-              </a14:hiddenFill>
-            </a:ext>
-          </a:extLst>
-        </p:spPr>
-      </p:pic>
-      <p:sp>
-        <p:nvSpPr>
-          <p:cNvPr id="16" name="ZoneTexte 15">
-            <a:extLst>
-              <a:ext uri="{FF2B5EF4-FFF2-40B4-BE49-F238E27FC236}">
-                <a16:creationId xmlns:a16="http://schemas.microsoft.com/office/drawing/2014/main" id="{8CB0022F-7726-8378-0284-C26C736A1202}"/>
+      <p:sp>
+        <p:nvSpPr>
+          <p:cNvPr id="12" name="ZoneTexte 11">
+            <a:extLst>
+              <a:ext uri="{FF2B5EF4-FFF2-40B4-BE49-F238E27FC236}">
+                <a16:creationId xmlns:a16="http://schemas.microsoft.com/office/drawing/2014/main" id="{169DA3BC-31C1-08CB-A006-A47CCD19F3F5}"/>
               </a:ext>
             </a:extLst>
           </p:cNvPr>
@@ -8918,8 +8672,8 @@
         </p:nvSpPr>
         <p:spPr>
           <a:xfrm>
-            <a:off x="-3915957" y="-67662"/>
-            <a:ext cx="3765415" cy="1323439"/>
+            <a:off x="-7067681" y="4739867"/>
+            <a:ext cx="5413829" cy="1015663"/>
           </a:xfrm>
           <a:prstGeom prst="rect">
             <a:avLst/>
@@ -8932,31 +8686,24 @@
           </a:bodyPr>
           <a:lstStyle/>
           <a:p>
-            <a:pPr algn="ctr"/>
-            <a:r>
-              <a:rPr lang="fr-CA" sz="8000" dirty="0">
+            <a:r>
+              <a:rPr lang="fr-CA" sz="6000" dirty="0">
                 <a:solidFill>
                   <a:schemeClr val="bg1"/>
                 </a:solidFill>
                 <a:latin typeface="Bahnschrift SemiBold Condensed" panose="020B0502040204020203" pitchFamily="34" charset="0"/>
               </a:rPr>
-              <a:t>+</a:t>
-            </a:r>
-            <a:endParaRPr lang="fr-CA" sz="2800" dirty="0">
-              <a:solidFill>
-                <a:schemeClr val="bg1"/>
-              </a:solidFill>
-              <a:latin typeface="Bahnschrift SemiBold Condensed" panose="020B0502040204020203" pitchFamily="34" charset="0"/>
-            </a:endParaRPr>
-          </a:p>
-        </p:txBody>
-      </p:sp>
-      <p:sp>
-        <p:nvSpPr>
-          <p:cNvPr id="29" name="ZoneTexte 28">
-            <a:extLst>
-              <a:ext uri="{FF2B5EF4-FFF2-40B4-BE49-F238E27FC236}">
-                <a16:creationId xmlns:a16="http://schemas.microsoft.com/office/drawing/2014/main" id="{4BACBD6D-B25B-DDBC-DD85-E770A563DAA9}"/>
+              <a:t>LES ÉCOLES</a:t>
+            </a:r>
+          </a:p>
+        </p:txBody>
+      </p:sp>
+      <p:sp>
+        <p:nvSpPr>
+          <p:cNvPr id="17" name="ZoneTexte 16">
+            <a:extLst>
+              <a:ext uri="{FF2B5EF4-FFF2-40B4-BE49-F238E27FC236}">
+                <a16:creationId xmlns:a16="http://schemas.microsoft.com/office/drawing/2014/main" id="{707FF9DE-D323-AA01-7075-8F0773DF111E}"/>
               </a:ext>
             </a:extLst>
           </p:cNvPr>
@@ -8965,8 +8712,8 @@
         </p:nvSpPr>
         <p:spPr>
           <a:xfrm>
-            <a:off x="-3995488" y="3195742"/>
-            <a:ext cx="3765415" cy="1107996"/>
+            <a:off x="-5347706" y="7212053"/>
+            <a:ext cx="5413829" cy="1938992"/>
           </a:xfrm>
           <a:prstGeom prst="rect">
             <a:avLst/>
@@ -8979,40 +8726,24 @@
           </a:bodyPr>
           <a:lstStyle/>
           <a:p>
-            <a:pPr algn="ctr"/>
-            <a:r>
-              <a:rPr lang="fr-CA" sz="6600" dirty="0">
+            <a:r>
+              <a:rPr lang="fr-CA" sz="6000" dirty="0">
                 <a:solidFill>
                   <a:schemeClr val="bg1"/>
                 </a:solidFill>
                 <a:latin typeface="Bahnschrift SemiBold Condensed" panose="020B0502040204020203" pitchFamily="34" charset="0"/>
               </a:rPr>
-              <a:t> </a:t>
-            </a:r>
-            <a:r>
-              <a:rPr lang="fr-CA" sz="6000" dirty="0">
-                <a:solidFill>
-                  <a:schemeClr val="bg1"/>
-                </a:solidFill>
-                <a:latin typeface="Bahnschrift SemiBold Condensed" panose="020B0502040204020203" pitchFamily="34" charset="0"/>
-              </a:rPr>
-              <a:t>100$CAD / ch. </a:t>
-            </a:r>
-            <a:endParaRPr lang="fr-CA" sz="2000" dirty="0">
-              <a:solidFill>
-                <a:schemeClr val="bg1"/>
-              </a:solidFill>
-              <a:latin typeface="Bahnschrift SemiBold Condensed" panose="020B0502040204020203" pitchFamily="34" charset="0"/>
-            </a:endParaRPr>
-          </a:p>
-        </p:txBody>
-      </p:sp>
-      <p:sp>
-        <p:nvSpPr>
-          <p:cNvPr id="30" name="ZoneTexte 29">
-            <a:extLst>
-              <a:ext uri="{FF2B5EF4-FFF2-40B4-BE49-F238E27FC236}">
-                <a16:creationId xmlns:a16="http://schemas.microsoft.com/office/drawing/2014/main" id="{5EED66C2-0BC1-D88E-8099-B347B255CD7F}"/>
+              <a:t>LES CENTRES ADAPTÉS</a:t>
+            </a:r>
+          </a:p>
+        </p:txBody>
+      </p:sp>
+      <p:sp>
+        <p:nvSpPr>
+          <p:cNvPr id="18" name="ZoneTexte 17">
+            <a:extLst>
+              <a:ext uri="{FF2B5EF4-FFF2-40B4-BE49-F238E27FC236}">
+                <a16:creationId xmlns:a16="http://schemas.microsoft.com/office/drawing/2014/main" id="{04D24A97-C73B-F342-72CA-3BE3A64523E9}"/>
               </a:ext>
             </a:extLst>
           </p:cNvPr>
@@ -9021,8 +8752,8 @@
         </p:nvSpPr>
         <p:spPr>
           <a:xfrm>
-            <a:off x="-4717254" y="4432231"/>
-            <a:ext cx="3765415" cy="1015663"/>
+            <a:off x="20750813" y="5780892"/>
+            <a:ext cx="3647666" cy="2862322"/>
           </a:xfrm>
           <a:prstGeom prst="rect">
             <a:avLst/>
@@ -9035,7 +8766,6 @@
           </a:bodyPr>
           <a:lstStyle/>
           <a:p>
-            <a:pPr algn="ctr"/>
             <a:r>
               <a:rPr lang="fr-CA" sz="6000" dirty="0">
                 <a:solidFill>
@@ -9043,340 +8773,15 @@
                 </a:solidFill>
                 <a:latin typeface="Bahnschrift SemiBold Condensed" panose="020B0502040204020203" pitchFamily="34" charset="0"/>
               </a:rPr>
-              <a:t>+/ou</a:t>
-            </a:r>
-            <a:endParaRPr lang="fr-CA" dirty="0">
-              <a:solidFill>
-                <a:schemeClr val="bg1"/>
-              </a:solidFill>
-              <a:latin typeface="Bahnschrift SemiBold Condensed" panose="020B0502040204020203" pitchFamily="34" charset="0"/>
-            </a:endParaRPr>
-          </a:p>
-        </p:txBody>
-      </p:sp>
-      <p:sp>
-        <p:nvSpPr>
-          <p:cNvPr id="31" name="ZoneTexte 30">
-            <a:extLst>
-              <a:ext uri="{FF2B5EF4-FFF2-40B4-BE49-F238E27FC236}">
-                <a16:creationId xmlns:a16="http://schemas.microsoft.com/office/drawing/2014/main" id="{F38C28BA-3CA2-58BE-2C3C-45BDA20529D6}"/>
-              </a:ext>
-            </a:extLst>
-          </p:cNvPr>
-          <p:cNvSpPr txBox="1"/>
-          <p:nvPr/>
-        </p:nvSpPr>
-        <p:spPr>
-          <a:xfrm>
-            <a:off x="-4511204" y="5587068"/>
-            <a:ext cx="3765415" cy="1969770"/>
-          </a:xfrm>
-          <a:prstGeom prst="rect">
-            <a:avLst/>
-          </a:prstGeom>
-          <a:noFill/>
-        </p:spPr>
-        <p:txBody>
-          <a:bodyPr wrap="square" rtlCol="0">
-            <a:spAutoFit/>
-          </a:bodyPr>
-          <a:lstStyle/>
-          <a:p>
-            <a:pPr algn="ctr"/>
-            <a:r>
-              <a:rPr lang="fr-CA" sz="6600" dirty="0">
-                <a:solidFill>
-                  <a:schemeClr val="bg1"/>
-                </a:solidFill>
-                <a:latin typeface="Bahnschrift SemiBold Condensed" panose="020B0502040204020203" pitchFamily="34" charset="0"/>
-              </a:rPr>
-              <a:t> </a:t>
-            </a:r>
-            <a:r>
-              <a:rPr lang="fr-CA" sz="6000" dirty="0">
-                <a:solidFill>
-                  <a:schemeClr val="bg1"/>
-                </a:solidFill>
-                <a:latin typeface="Bahnschrift SemiBold Condensed" panose="020B0502040204020203" pitchFamily="34" charset="0"/>
-              </a:rPr>
-              <a:t>140$CAD</a:t>
-            </a:r>
-          </a:p>
-          <a:p>
-            <a:pPr algn="ctr"/>
-            <a:r>
-              <a:rPr lang="fr-CA" sz="2800" dirty="0">
-                <a:solidFill>
-                  <a:schemeClr val="bg1"/>
-                </a:solidFill>
-                <a:latin typeface="Bahnschrift SemiBold Condensed" panose="020B0502040204020203" pitchFamily="34" charset="0"/>
-              </a:rPr>
-              <a:t>(ne convient pas à tous) </a:t>
-            </a:r>
-          </a:p>
-          <a:p>
-            <a:pPr algn="ctr"/>
-            <a:r>
-              <a:rPr lang="fr-CA" sz="2800" dirty="0">
-                <a:solidFill>
-                  <a:schemeClr val="bg1"/>
-                </a:solidFill>
-                <a:latin typeface="Bahnschrift SemiBold Condensed" panose="020B0502040204020203" pitchFamily="34" charset="0"/>
-              </a:rPr>
-              <a:t>(Ne contient pas de joystick)</a:t>
-            </a:r>
-          </a:p>
-        </p:txBody>
-      </p:sp>
-      <p:sp>
-        <p:nvSpPr>
-          <p:cNvPr id="32" name="ZoneTexte 31">
-            <a:extLst>
-              <a:ext uri="{FF2B5EF4-FFF2-40B4-BE49-F238E27FC236}">
-                <a16:creationId xmlns:a16="http://schemas.microsoft.com/office/drawing/2014/main" id="{5EB912DD-B428-D997-C09E-A3EFEB6E3E87}"/>
-              </a:ext>
-            </a:extLst>
-          </p:cNvPr>
-          <p:cNvSpPr txBox="1"/>
-          <p:nvPr/>
-        </p:nvSpPr>
-        <p:spPr>
-          <a:xfrm>
-            <a:off x="13442626" y="-1043353"/>
-            <a:ext cx="3939634" cy="1754326"/>
-          </a:xfrm>
-          <a:prstGeom prst="rect">
-            <a:avLst/>
-          </a:prstGeom>
-          <a:noFill/>
-        </p:spPr>
-        <p:txBody>
-          <a:bodyPr wrap="square" rtlCol="0">
-            <a:spAutoFit/>
-          </a:bodyPr>
-          <a:lstStyle/>
-          <a:p>
-            <a:pPr algn="ctr"/>
-            <a:r>
-              <a:rPr lang="fr-CA" sz="7200" dirty="0">
-                <a:solidFill>
-                  <a:schemeClr val="bg1"/>
-                </a:solidFill>
-                <a:latin typeface="Bahnschrift SemiBold Condensed" panose="020B0502040204020203" pitchFamily="34" charset="0"/>
-              </a:rPr>
-              <a:t> </a:t>
-            </a:r>
-            <a:r>
-              <a:rPr lang="fr-CA" sz="3600" dirty="0">
-                <a:solidFill>
-                  <a:schemeClr val="bg1"/>
-                </a:solidFill>
-                <a:latin typeface="Bahnschrift SemiBold Condensed" panose="020B0502040204020203" pitchFamily="34" charset="0"/>
-              </a:rPr>
-              <a:t>Une manette à besoin de minimum 12 boutons</a:t>
-            </a:r>
-            <a:endParaRPr lang="fr-CA" sz="3200" dirty="0">
-              <a:solidFill>
-                <a:schemeClr val="bg1"/>
-              </a:solidFill>
-              <a:latin typeface="Bahnschrift SemiBold Condensed" panose="020B0502040204020203" pitchFamily="34" charset="0"/>
-            </a:endParaRPr>
-          </a:p>
-        </p:txBody>
-      </p:sp>
-      <p:pic>
-        <p:nvPicPr>
-          <p:cNvPr id="33" name="Picture 2" descr="Microsoft's Xbox Adaptive Controller Gives Disabled Gamers a Power-Up |  WIRED">
-            <a:extLst>
-              <a:ext uri="{FF2B5EF4-FFF2-40B4-BE49-F238E27FC236}">
-                <a16:creationId xmlns:a16="http://schemas.microsoft.com/office/drawing/2014/main" id="{45F37BE7-37BD-ED1D-E308-886A9F16C3C1}"/>
-              </a:ext>
-            </a:extLst>
-          </p:cNvPr>
-          <p:cNvPicPr>
-            <a:picLocks noChangeAspect="1" noChangeArrowheads="1"/>
-          </p:cNvPicPr>
-          <p:nvPr/>
-        </p:nvPicPr>
-        <p:blipFill>
-          <a:blip r:embed="rId8">
-            <a:extLst>
-              <a:ext uri="{28A0092B-C50C-407E-A947-70E740481C1C}">
-                <a14:useLocalDpi xmlns:a14="http://schemas.microsoft.com/office/drawing/2010/main" val="0"/>
-              </a:ext>
-            </a:extLst>
-          </a:blip>
-          <a:srcRect/>
-          <a:stretch>
-            <a:fillRect/>
-          </a:stretch>
-        </p:blipFill>
-        <p:spPr bwMode="auto">
-          <a:xfrm>
-            <a:off x="13590145" y="1963564"/>
-            <a:ext cx="3644595" cy="2049610"/>
-          </a:xfrm>
-          <a:prstGeom prst="rect">
-            <a:avLst/>
-          </a:prstGeom>
-          <a:ln w="127000" cap="sq">
-            <a:solidFill>
-              <a:srgbClr val="000000"/>
-            </a:solidFill>
-            <a:miter lim="800000"/>
-          </a:ln>
-          <a:effectLst>
-            <a:outerShdw blurRad="57150" dist="50800" dir="2700000" algn="tl" rotWithShape="0">
-              <a:srgbClr val="000000">
-                <a:alpha val="40000"/>
-              </a:srgbClr>
-            </a:outerShdw>
-          </a:effectLst>
-          <a:extLst>
-            <a:ext uri="{909E8E84-426E-40DD-AFC4-6F175D3DCCD1}">
-              <a14:hiddenFill xmlns:a14="http://schemas.microsoft.com/office/drawing/2010/main">
-                <a:solidFill>
-                  <a:srgbClr val="FFFFFF"/>
-                </a:solidFill>
-              </a14:hiddenFill>
-            </a:ext>
-          </a:extLst>
-        </p:spPr>
-      </p:pic>
-      <p:sp>
-        <p:nvSpPr>
-          <p:cNvPr id="34" name="ZoneTexte 33">
-            <a:extLst>
-              <a:ext uri="{FF2B5EF4-FFF2-40B4-BE49-F238E27FC236}">
-                <a16:creationId xmlns:a16="http://schemas.microsoft.com/office/drawing/2014/main" id="{91D42F9B-6E52-C7EA-30CE-EF2B7B0AEB67}"/>
-              </a:ext>
-            </a:extLst>
-          </p:cNvPr>
-          <p:cNvSpPr txBox="1"/>
-          <p:nvPr/>
-        </p:nvSpPr>
-        <p:spPr>
-          <a:xfrm>
-            <a:off x="13138122" y="5893542"/>
-            <a:ext cx="3765415" cy="2831544"/>
-          </a:xfrm>
-          <a:prstGeom prst="rect">
-            <a:avLst/>
-          </a:prstGeom>
-          <a:noFill/>
-        </p:spPr>
-        <p:txBody>
-          <a:bodyPr wrap="square" rtlCol="0">
-            <a:spAutoFit/>
-          </a:bodyPr>
-          <a:lstStyle/>
-          <a:p>
-            <a:pPr algn="ctr"/>
-            <a:r>
-              <a:rPr lang="fr-CA" sz="6600" dirty="0">
-                <a:solidFill>
-                  <a:schemeClr val="bg1"/>
-                </a:solidFill>
-                <a:latin typeface="Bahnschrift SemiBold Condensed" panose="020B0502040204020203" pitchFamily="34" charset="0"/>
-              </a:rPr>
-              <a:t> MINIMUM</a:t>
-            </a:r>
-          </a:p>
-          <a:p>
-            <a:pPr algn="ctr"/>
-            <a:r>
-              <a:rPr lang="fr-CA" sz="6000" dirty="0">
-                <a:solidFill>
-                  <a:schemeClr val="bg1"/>
-                </a:solidFill>
-                <a:latin typeface="Bahnschrift SemiBold Condensed" panose="020B0502040204020203" pitchFamily="34" charset="0"/>
-              </a:rPr>
-              <a:t>270$CAD</a:t>
-            </a:r>
-          </a:p>
-          <a:p>
-            <a:pPr algn="ctr"/>
-            <a:r>
-              <a:rPr lang="fr-CA" sz="3200" dirty="0">
-                <a:solidFill>
-                  <a:schemeClr val="bg1"/>
-                </a:solidFill>
-                <a:latin typeface="Bahnschrift SemiBold Condensed" panose="020B0502040204020203" pitchFamily="34" charset="0"/>
-              </a:rPr>
-              <a:t>+ TAXES </a:t>
-            </a:r>
-          </a:p>
-          <a:p>
-            <a:pPr algn="ctr"/>
-            <a:endParaRPr lang="fr-CA" sz="2000" dirty="0">
-              <a:solidFill>
-                <a:schemeClr val="bg1"/>
-              </a:solidFill>
-              <a:latin typeface="Bahnschrift SemiBold Condensed" panose="020B0502040204020203" pitchFamily="34" charset="0"/>
-            </a:endParaRPr>
-          </a:p>
-        </p:txBody>
-      </p:sp>
-      <p:sp>
-        <p:nvSpPr>
-          <p:cNvPr id="35" name="ZoneTexte 34">
-            <a:extLst>
-              <a:ext uri="{FF2B5EF4-FFF2-40B4-BE49-F238E27FC236}">
-                <a16:creationId xmlns:a16="http://schemas.microsoft.com/office/drawing/2014/main" id="{49758D14-9756-C170-AF9C-1D8A822BFBAD}"/>
-              </a:ext>
-            </a:extLst>
-          </p:cNvPr>
-          <p:cNvSpPr txBox="1"/>
-          <p:nvPr/>
-        </p:nvSpPr>
-        <p:spPr>
-          <a:xfrm>
-            <a:off x="-538436" y="-2644058"/>
-            <a:ext cx="3115549" cy="1323439"/>
-          </a:xfrm>
-          <a:prstGeom prst="rect">
-            <a:avLst/>
-          </a:prstGeom>
-          <a:noFill/>
-        </p:spPr>
-        <p:txBody>
-          <a:bodyPr wrap="square" rtlCol="0">
-            <a:spAutoFit/>
-          </a:bodyPr>
-          <a:lstStyle/>
-          <a:p>
-            <a:pPr algn="ctr"/>
-            <a:r>
-              <a:rPr lang="fr-CA" sz="8000" dirty="0">
-                <a:solidFill>
-                  <a:schemeClr val="bg1"/>
-                </a:solidFill>
-                <a:latin typeface="Bahnschrift SemiBold Condensed" panose="020B0502040204020203" pitchFamily="34" charset="0"/>
-              </a:rPr>
-              <a:t> </a:t>
-            </a:r>
-            <a:r>
-              <a:rPr lang="fr-CA" sz="6000" dirty="0">
-                <a:solidFill>
-                  <a:schemeClr val="bg1"/>
-                </a:solidFill>
-                <a:latin typeface="Bahnschrift SemiBold Condensed" panose="020B0502040204020203" pitchFamily="34" charset="0"/>
-              </a:rPr>
-              <a:t>130$CAD </a:t>
-            </a:r>
-            <a:endParaRPr lang="fr-CA" sz="2800" dirty="0">
-              <a:solidFill>
-                <a:schemeClr val="bg1"/>
-              </a:solidFill>
-              <a:latin typeface="Bahnschrift SemiBold Condensed" panose="020B0502040204020203" pitchFamily="34" charset="0"/>
-            </a:endParaRPr>
+              <a:t>PERSONNES À MOBILITÉ RÉDUITE</a:t>
+            </a:r>
           </a:p>
         </p:txBody>
       </p:sp>
     </p:spTree>
     <p:extLst>
       <p:ext uri="{BB962C8B-B14F-4D97-AF65-F5344CB8AC3E}">
-        <p14:creationId xmlns:p14="http://schemas.microsoft.com/office/powerpoint/2010/main" val="1380256260"/>
+        <p14:creationId xmlns:p14="http://schemas.microsoft.com/office/powerpoint/2010/main" val="4015542415"/>
       </p:ext>
     </p:extLst>
   </p:cSld>
@@ -9404,7 +8809,7 @@
     <p:bg>
       <p:bgPr>
         <a:solidFill>
-          <a:srgbClr val="2A7507"/>
+          <a:srgbClr val="EF4C45"/>
         </a:solidFill>
         <a:effectLst/>
       </p:bgPr>
@@ -9423,43 +8828,125 @@
           <a:chExt cx="0" cy="0"/>
         </a:xfrm>
       </p:grpSpPr>
-      <p:sp>
-        <p:nvSpPr>
-          <p:cNvPr id="25" name="Rectangle 24">
-            <a:extLst>
-              <a:ext uri="{FF2B5EF4-FFF2-40B4-BE49-F238E27FC236}">
-                <a16:creationId xmlns:a16="http://schemas.microsoft.com/office/drawing/2014/main" id="{874A1738-BFC6-233A-4E04-FE0B2B626F67}"/>
-              </a:ext>
-            </a:extLst>
-          </p:cNvPr>
-          <p:cNvSpPr/>
-          <p:nvPr/>
-        </p:nvSpPr>
-        <p:spPr>
-          <a:xfrm>
-            <a:off x="-427047" y="7613875"/>
-            <a:ext cx="13046093" cy="7604834"/>
-          </a:xfrm>
-          <a:prstGeom prst="rect">
-            <a:avLst/>
-          </a:prstGeom>
-          <a:solidFill>
-            <a:srgbClr val="EF4C45"/>
-          </a:solidFill>
+      <p:cxnSp>
+        <p:nvCxnSpPr>
+          <p:cNvPr id="27" name="Connecteur droit 26">
+            <a:extLst>
+              <a:ext uri="{FF2B5EF4-FFF2-40B4-BE49-F238E27FC236}">
+                <a16:creationId xmlns:a16="http://schemas.microsoft.com/office/drawing/2014/main" id="{BC166031-8E90-EE75-909A-BA1B893D540D}"/>
+              </a:ext>
+            </a:extLst>
+          </p:cNvPr>
+          <p:cNvCxnSpPr>
+            <a:cxnSpLocks/>
+          </p:cNvCxnSpPr>
+          <p:nvPr/>
+        </p:nvCxnSpPr>
+        <p:spPr>
+          <a:xfrm>
+            <a:off x="2096857" y="-373503"/>
+            <a:ext cx="7096125" cy="0"/>
+          </a:xfrm>
+          <a:prstGeom prst="line">
+            <a:avLst/>
+          </a:prstGeom>
+          <a:ln>
+            <a:solidFill>
+              <a:schemeClr val="bg1"/>
+            </a:solidFill>
+          </a:ln>
         </p:spPr>
         <p:style>
-          <a:lnRef idx="2">
-            <a:schemeClr val="accent1">
-              <a:shade val="50000"/>
-            </a:schemeClr>
+          <a:lnRef idx="1">
+            <a:schemeClr val="accent1"/>
           </a:lnRef>
-          <a:fillRef idx="1">
+          <a:fillRef idx="0">
             <a:schemeClr val="accent1"/>
           </a:fillRef>
           <a:effectRef idx="0">
             <a:schemeClr val="accent1"/>
           </a:effectRef>
           <a:fontRef idx="minor">
+            <a:schemeClr val="tx1"/>
+          </a:fontRef>
+        </p:style>
+      </p:cxnSp>
+      <p:sp>
+        <p:nvSpPr>
+          <p:cNvPr id="28" name="ZoneTexte 27">
+            <a:extLst>
+              <a:ext uri="{FF2B5EF4-FFF2-40B4-BE49-F238E27FC236}">
+                <a16:creationId xmlns:a16="http://schemas.microsoft.com/office/drawing/2014/main" id="{A5C956D1-D52B-6D3B-B8B5-309373AF32E8}"/>
+              </a:ext>
+            </a:extLst>
+          </p:cNvPr>
+          <p:cNvSpPr txBox="1"/>
+          <p:nvPr/>
+        </p:nvSpPr>
+        <p:spPr>
+          <a:xfrm>
+            <a:off x="1494449" y="-1756497"/>
+            <a:ext cx="8380564" cy="1569660"/>
+          </a:xfrm>
+          <a:prstGeom prst="rect">
+            <a:avLst/>
+          </a:prstGeom>
+          <a:noFill/>
+        </p:spPr>
+        <p:txBody>
+          <a:bodyPr wrap="square" rtlCol="0">
+            <a:spAutoFit/>
+          </a:bodyPr>
+          <a:lstStyle/>
+          <a:p>
+            <a:pPr algn="ctr"/>
+            <a:r>
+              <a:rPr lang="fr-CA" sz="9600" dirty="0">
+                <a:solidFill>
+                  <a:schemeClr val="bg1"/>
+                </a:solidFill>
+                <a:latin typeface="Bahnschrift SemiBold Condensed" panose="020B0502040204020203" pitchFamily="34" charset="0"/>
+              </a:rPr>
+              <a:t>COMMENT JOUER ?</a:t>
+            </a:r>
+          </a:p>
+        </p:txBody>
+      </p:sp>
+      <p:sp>
+        <p:nvSpPr>
+          <p:cNvPr id="5" name="Triangle rectangle 4">
+            <a:extLst>
+              <a:ext uri="{FF2B5EF4-FFF2-40B4-BE49-F238E27FC236}">
+                <a16:creationId xmlns:a16="http://schemas.microsoft.com/office/drawing/2014/main" id="{B39C6BC1-67CF-3206-C064-66426029E4E5}"/>
+              </a:ext>
+            </a:extLst>
+          </p:cNvPr>
+          <p:cNvSpPr/>
+          <p:nvPr/>
+        </p:nvSpPr>
+        <p:spPr>
+          <a:xfrm rot="10800000" flipV="1">
+            <a:off x="0" y="245150"/>
+            <a:ext cx="12192000" cy="6612850"/>
+          </a:xfrm>
+          <a:prstGeom prst="rtTriangle">
+            <a:avLst/>
+          </a:prstGeom>
+          <a:solidFill>
+            <a:srgbClr val="2A7507"/>
+          </a:solidFill>
+        </p:spPr>
+        <p:style>
+          <a:lnRef idx="3">
+            <a:schemeClr val="lt1"/>
+          </a:lnRef>
+          <a:fillRef idx="1">
+            <a:schemeClr val="accent2"/>
+          </a:fillRef>
+          <a:effectRef idx="1">
+            <a:schemeClr val="accent2"/>
+          </a:effectRef>
+          <a:fontRef idx="minor">
             <a:schemeClr val="lt1"/>
           </a:fontRef>
         </p:style>
@@ -9468,7 +8955,7 @@
           <a:lstStyle/>
           <a:p>
             <a:pPr algn="ctr"/>
-            <a:endParaRPr lang="fr-CA"/>
+            <a:endParaRPr lang="fr-CA" dirty="0"/>
           </a:p>
         </p:txBody>
       </p:sp>
@@ -9485,9 +8972,9 @@
           <p:nvPr/>
         </p:nvSpPr>
         <p:spPr>
-          <a:xfrm rot="16200000">
-            <a:off x="524250" y="3165845"/>
-            <a:ext cx="14443473" cy="61474"/>
+          <a:xfrm rot="19885905">
+            <a:off x="-1099651" y="3266739"/>
+            <a:ext cx="14443473" cy="337479"/>
           </a:xfrm>
           <a:prstGeom prst="rect">
             <a:avLst/>
@@ -9547,8 +9034,8 @@
         </p:blipFill>
         <p:spPr bwMode="auto">
           <a:xfrm>
-            <a:off x="10937934" y="5664010"/>
-            <a:ext cx="1085460" cy="1085460"/>
+            <a:off x="8208781" y="2820686"/>
+            <a:ext cx="3332464" cy="3332464"/>
           </a:xfrm>
           <a:prstGeom prst="ellipse">
             <a:avLst/>
@@ -9602,7 +9089,7 @@
         </p:nvGrpSpPr>
         <p:grpSpPr>
           <a:xfrm>
-            <a:off x="-4673596" y="615786"/>
+            <a:off x="650756" y="641324"/>
             <a:ext cx="3332464" cy="3332464"/>
             <a:chOff x="1755007" y="304590"/>
             <a:chExt cx="4010981" cy="4010981"/>
@@ -9719,6 +9206,1046 @@
         </p:nvSpPr>
         <p:spPr>
           <a:xfrm>
+            <a:off x="1931803" y="615786"/>
+            <a:ext cx="8380564" cy="1815882"/>
+          </a:xfrm>
+          <a:prstGeom prst="rect">
+            <a:avLst/>
+          </a:prstGeom>
+          <a:noFill/>
+        </p:spPr>
+        <p:txBody>
+          <a:bodyPr wrap="square" rtlCol="0">
+            <a:spAutoFit/>
+          </a:bodyPr>
+          <a:lstStyle/>
+          <a:p>
+            <a:pPr algn="ctr"/>
+            <a:r>
+              <a:rPr lang="fr-CA" sz="8000" dirty="0">
+                <a:solidFill>
+                  <a:schemeClr val="bg1"/>
+                </a:solidFill>
+                <a:latin typeface="Bahnschrift SemiBold Condensed" panose="020B0502040204020203" pitchFamily="34" charset="0"/>
+              </a:rPr>
+              <a:t>± 140$CAD</a:t>
+            </a:r>
+          </a:p>
+          <a:p>
+            <a:pPr algn="ctr"/>
+            <a:r>
+              <a:rPr lang="fr-CA" sz="2800" dirty="0">
+                <a:solidFill>
+                  <a:schemeClr val="bg1"/>
+                </a:solidFill>
+                <a:latin typeface="Bahnschrift SemiBold Condensed" panose="020B0502040204020203" pitchFamily="34" charset="0"/>
+              </a:rPr>
+              <a:t>(équipements compris)</a:t>
+            </a:r>
+          </a:p>
+        </p:txBody>
+      </p:sp>
+      <p:sp>
+        <p:nvSpPr>
+          <p:cNvPr id="10" name="ZoneTexte 9">
+            <a:extLst>
+              <a:ext uri="{FF2B5EF4-FFF2-40B4-BE49-F238E27FC236}">
+                <a16:creationId xmlns:a16="http://schemas.microsoft.com/office/drawing/2014/main" id="{EF2BC40C-E845-4BE3-B151-24FC9F9C90F8}"/>
+              </a:ext>
+            </a:extLst>
+          </p:cNvPr>
+          <p:cNvSpPr txBox="1"/>
+          <p:nvPr/>
+        </p:nvSpPr>
+        <p:spPr>
+          <a:xfrm>
+            <a:off x="1662911" y="4544581"/>
+            <a:ext cx="8380564" cy="1815882"/>
+          </a:xfrm>
+          <a:prstGeom prst="rect">
+            <a:avLst/>
+          </a:prstGeom>
+          <a:noFill/>
+        </p:spPr>
+        <p:txBody>
+          <a:bodyPr wrap="square" rtlCol="0">
+            <a:spAutoFit/>
+          </a:bodyPr>
+          <a:lstStyle/>
+          <a:p>
+            <a:pPr algn="ctr"/>
+            <a:r>
+              <a:rPr lang="fr-CA" sz="8000" dirty="0">
+                <a:solidFill>
+                  <a:schemeClr val="bg1"/>
+                </a:solidFill>
+                <a:latin typeface="Bahnschrift SemiBold Condensed" panose="020B0502040204020203" pitchFamily="34" charset="0"/>
+              </a:rPr>
+              <a:t> </a:t>
+            </a:r>
+            <a:r>
+              <a:rPr lang="fr-CA" sz="6000" dirty="0">
+                <a:solidFill>
+                  <a:schemeClr val="bg1"/>
+                </a:solidFill>
+                <a:latin typeface="Bahnschrift SemiBold Condensed" panose="020B0502040204020203" pitchFamily="34" charset="0"/>
+              </a:rPr>
+              <a:t>130$CAD + taxes</a:t>
+            </a:r>
+          </a:p>
+          <a:p>
+            <a:pPr algn="ctr"/>
+            <a:r>
+              <a:rPr lang="fr-CA" sz="2800" dirty="0">
+                <a:solidFill>
+                  <a:schemeClr val="bg1"/>
+                </a:solidFill>
+                <a:latin typeface="Bahnschrift SemiBold Condensed" panose="020B0502040204020203" pitchFamily="34" charset="0"/>
+              </a:rPr>
+              <a:t>(rien compris)</a:t>
+            </a:r>
+          </a:p>
+        </p:txBody>
+      </p:sp>
+      <p:pic>
+        <p:nvPicPr>
+          <p:cNvPr id="13" name="Picture 4" descr="Xbox Adaptive Controller - Microsoft Store Canada">
+            <a:extLst>
+              <a:ext uri="{FF2B5EF4-FFF2-40B4-BE49-F238E27FC236}">
+                <a16:creationId xmlns:a16="http://schemas.microsoft.com/office/drawing/2014/main" id="{B9647763-A895-E264-9FE2-690805FCEAB5}"/>
+              </a:ext>
+            </a:extLst>
+          </p:cNvPr>
+          <p:cNvPicPr>
+            <a:picLocks noChangeAspect="1" noChangeArrowheads="1"/>
+          </p:cNvPicPr>
+          <p:nvPr/>
+        </p:nvPicPr>
+        <p:blipFill>
+          <a:blip r:embed="rId5">
+            <a:extLst>
+              <a:ext uri="{28A0092B-C50C-407E-A947-70E740481C1C}">
+                <a14:useLocalDpi xmlns:a14="http://schemas.microsoft.com/office/drawing/2010/main" val="0"/>
+              </a:ext>
+            </a:extLst>
+          </a:blip>
+          <a:srcRect/>
+          <a:stretch>
+            <a:fillRect/>
+          </a:stretch>
+        </p:blipFill>
+        <p:spPr bwMode="auto">
+          <a:xfrm>
+            <a:off x="-3168272" y="-1820023"/>
+            <a:ext cx="3984959" cy="1941630"/>
+          </a:xfrm>
+          <a:prstGeom prst="rect">
+            <a:avLst/>
+          </a:prstGeom>
+          <a:noFill/>
+          <a:extLst>
+            <a:ext uri="{909E8E84-426E-40DD-AFC4-6F175D3DCCD1}">
+              <a14:hiddenFill xmlns:a14="http://schemas.microsoft.com/office/drawing/2010/main">
+                <a:solidFill>
+                  <a:srgbClr val="FFFFFF"/>
+                </a:solidFill>
+              </a14:hiddenFill>
+            </a:ext>
+          </a:extLst>
+        </p:spPr>
+      </p:pic>
+      <p:pic>
+        <p:nvPicPr>
+          <p:cNvPr id="14" name="Image 13">
+            <a:extLst>
+              <a:ext uri="{FF2B5EF4-FFF2-40B4-BE49-F238E27FC236}">
+                <a16:creationId xmlns:a16="http://schemas.microsoft.com/office/drawing/2014/main" id="{D63F6015-5B51-DCD2-3F0A-AFB9DBB10361}"/>
+              </a:ext>
+            </a:extLst>
+          </p:cNvPr>
+          <p:cNvPicPr>
+            <a:picLocks noChangeAspect="1"/>
+          </p:cNvPicPr>
+          <p:nvPr/>
+        </p:nvPicPr>
+        <p:blipFill>
+          <a:blip r:embed="rId6"/>
+          <a:stretch>
+            <a:fillRect/>
+          </a:stretch>
+        </p:blipFill>
+        <p:spPr>
+          <a:xfrm>
+            <a:off x="-4410750" y="1449242"/>
+            <a:ext cx="3564509" cy="1420090"/>
+          </a:xfrm>
+          <a:prstGeom prst="rect">
+            <a:avLst/>
+          </a:prstGeom>
+        </p:spPr>
+      </p:pic>
+      <p:pic>
+        <p:nvPicPr>
+          <p:cNvPr id="15" name="Picture 6" descr="image-1">
+            <a:extLst>
+              <a:ext uri="{FF2B5EF4-FFF2-40B4-BE49-F238E27FC236}">
+                <a16:creationId xmlns:a16="http://schemas.microsoft.com/office/drawing/2014/main" id="{F4AC9F12-80A1-F055-FC27-9BC6A574AB11}"/>
+              </a:ext>
+            </a:extLst>
+          </p:cNvPr>
+          <p:cNvPicPr>
+            <a:picLocks noChangeAspect="1" noChangeArrowheads="1"/>
+          </p:cNvPicPr>
+          <p:nvPr/>
+        </p:nvPicPr>
+        <p:blipFill>
+          <a:blip r:embed="rId7">
+            <a:extLst>
+              <a:ext uri="{28A0092B-C50C-407E-A947-70E740481C1C}">
+                <a14:useLocalDpi xmlns:a14="http://schemas.microsoft.com/office/drawing/2010/main" val="0"/>
+              </a:ext>
+            </a:extLst>
+          </a:blip>
+          <a:srcRect/>
+          <a:stretch>
+            <a:fillRect/>
+          </a:stretch>
+        </p:blipFill>
+        <p:spPr bwMode="auto">
+          <a:xfrm>
+            <a:off x="-3136801" y="7951656"/>
+            <a:ext cx="3159155" cy="1777024"/>
+          </a:xfrm>
+          <a:prstGeom prst="rect">
+            <a:avLst/>
+          </a:prstGeom>
+          <a:noFill/>
+          <a:extLst>
+            <a:ext uri="{909E8E84-426E-40DD-AFC4-6F175D3DCCD1}">
+              <a14:hiddenFill xmlns:a14="http://schemas.microsoft.com/office/drawing/2010/main">
+                <a:solidFill>
+                  <a:srgbClr val="FFFFFF"/>
+                </a:solidFill>
+              </a14:hiddenFill>
+            </a:ext>
+          </a:extLst>
+        </p:spPr>
+      </p:pic>
+      <p:sp>
+        <p:nvSpPr>
+          <p:cNvPr id="16" name="ZoneTexte 15">
+            <a:extLst>
+              <a:ext uri="{FF2B5EF4-FFF2-40B4-BE49-F238E27FC236}">
+                <a16:creationId xmlns:a16="http://schemas.microsoft.com/office/drawing/2014/main" id="{8CB0022F-7726-8378-0284-C26C736A1202}"/>
+              </a:ext>
+            </a:extLst>
+          </p:cNvPr>
+          <p:cNvSpPr txBox="1"/>
+          <p:nvPr/>
+        </p:nvSpPr>
+        <p:spPr>
+          <a:xfrm>
+            <a:off x="-3915957" y="-67662"/>
+            <a:ext cx="3765415" cy="1323439"/>
+          </a:xfrm>
+          <a:prstGeom prst="rect">
+            <a:avLst/>
+          </a:prstGeom>
+          <a:noFill/>
+        </p:spPr>
+        <p:txBody>
+          <a:bodyPr wrap="square" rtlCol="0">
+            <a:spAutoFit/>
+          </a:bodyPr>
+          <a:lstStyle/>
+          <a:p>
+            <a:pPr algn="ctr"/>
+            <a:r>
+              <a:rPr lang="fr-CA" sz="8000" dirty="0">
+                <a:solidFill>
+                  <a:schemeClr val="bg1"/>
+                </a:solidFill>
+                <a:latin typeface="Bahnschrift SemiBold Condensed" panose="020B0502040204020203" pitchFamily="34" charset="0"/>
+              </a:rPr>
+              <a:t>+</a:t>
+            </a:r>
+            <a:endParaRPr lang="fr-CA" sz="2800" dirty="0">
+              <a:solidFill>
+                <a:schemeClr val="bg1"/>
+              </a:solidFill>
+              <a:latin typeface="Bahnschrift SemiBold Condensed" panose="020B0502040204020203" pitchFamily="34" charset="0"/>
+            </a:endParaRPr>
+          </a:p>
+        </p:txBody>
+      </p:sp>
+      <p:sp>
+        <p:nvSpPr>
+          <p:cNvPr id="29" name="ZoneTexte 28">
+            <a:extLst>
+              <a:ext uri="{FF2B5EF4-FFF2-40B4-BE49-F238E27FC236}">
+                <a16:creationId xmlns:a16="http://schemas.microsoft.com/office/drawing/2014/main" id="{4BACBD6D-B25B-DDBC-DD85-E770A563DAA9}"/>
+              </a:ext>
+            </a:extLst>
+          </p:cNvPr>
+          <p:cNvSpPr txBox="1"/>
+          <p:nvPr/>
+        </p:nvSpPr>
+        <p:spPr>
+          <a:xfrm>
+            <a:off x="-3995488" y="3195742"/>
+            <a:ext cx="3765415" cy="1107996"/>
+          </a:xfrm>
+          <a:prstGeom prst="rect">
+            <a:avLst/>
+          </a:prstGeom>
+          <a:noFill/>
+        </p:spPr>
+        <p:txBody>
+          <a:bodyPr wrap="square" rtlCol="0">
+            <a:spAutoFit/>
+          </a:bodyPr>
+          <a:lstStyle/>
+          <a:p>
+            <a:pPr algn="ctr"/>
+            <a:r>
+              <a:rPr lang="fr-CA" sz="6600" dirty="0">
+                <a:solidFill>
+                  <a:schemeClr val="bg1"/>
+                </a:solidFill>
+                <a:latin typeface="Bahnschrift SemiBold Condensed" panose="020B0502040204020203" pitchFamily="34" charset="0"/>
+              </a:rPr>
+              <a:t> </a:t>
+            </a:r>
+            <a:r>
+              <a:rPr lang="fr-CA" sz="6000" dirty="0">
+                <a:solidFill>
+                  <a:schemeClr val="bg1"/>
+                </a:solidFill>
+                <a:latin typeface="Bahnschrift SemiBold Condensed" panose="020B0502040204020203" pitchFamily="34" charset="0"/>
+              </a:rPr>
+              <a:t>100$CAD / ch. </a:t>
+            </a:r>
+            <a:endParaRPr lang="fr-CA" sz="2000" dirty="0">
+              <a:solidFill>
+                <a:schemeClr val="bg1"/>
+              </a:solidFill>
+              <a:latin typeface="Bahnschrift SemiBold Condensed" panose="020B0502040204020203" pitchFamily="34" charset="0"/>
+            </a:endParaRPr>
+          </a:p>
+        </p:txBody>
+      </p:sp>
+      <p:sp>
+        <p:nvSpPr>
+          <p:cNvPr id="30" name="ZoneTexte 29">
+            <a:extLst>
+              <a:ext uri="{FF2B5EF4-FFF2-40B4-BE49-F238E27FC236}">
+                <a16:creationId xmlns:a16="http://schemas.microsoft.com/office/drawing/2014/main" id="{5EED66C2-0BC1-D88E-8099-B347B255CD7F}"/>
+              </a:ext>
+            </a:extLst>
+          </p:cNvPr>
+          <p:cNvSpPr txBox="1"/>
+          <p:nvPr/>
+        </p:nvSpPr>
+        <p:spPr>
+          <a:xfrm>
+            <a:off x="-4717254" y="4432231"/>
+            <a:ext cx="3765415" cy="1015663"/>
+          </a:xfrm>
+          <a:prstGeom prst="rect">
+            <a:avLst/>
+          </a:prstGeom>
+          <a:noFill/>
+        </p:spPr>
+        <p:txBody>
+          <a:bodyPr wrap="square" rtlCol="0">
+            <a:spAutoFit/>
+          </a:bodyPr>
+          <a:lstStyle/>
+          <a:p>
+            <a:pPr algn="ctr"/>
+            <a:r>
+              <a:rPr lang="fr-CA" sz="6000" dirty="0">
+                <a:solidFill>
+                  <a:schemeClr val="bg1"/>
+                </a:solidFill>
+                <a:latin typeface="Bahnschrift SemiBold Condensed" panose="020B0502040204020203" pitchFamily="34" charset="0"/>
+              </a:rPr>
+              <a:t>+/ou</a:t>
+            </a:r>
+            <a:endParaRPr lang="fr-CA" dirty="0">
+              <a:solidFill>
+                <a:schemeClr val="bg1"/>
+              </a:solidFill>
+              <a:latin typeface="Bahnschrift SemiBold Condensed" panose="020B0502040204020203" pitchFamily="34" charset="0"/>
+            </a:endParaRPr>
+          </a:p>
+        </p:txBody>
+      </p:sp>
+      <p:sp>
+        <p:nvSpPr>
+          <p:cNvPr id="31" name="ZoneTexte 30">
+            <a:extLst>
+              <a:ext uri="{FF2B5EF4-FFF2-40B4-BE49-F238E27FC236}">
+                <a16:creationId xmlns:a16="http://schemas.microsoft.com/office/drawing/2014/main" id="{F38C28BA-3CA2-58BE-2C3C-45BDA20529D6}"/>
+              </a:ext>
+            </a:extLst>
+          </p:cNvPr>
+          <p:cNvSpPr txBox="1"/>
+          <p:nvPr/>
+        </p:nvSpPr>
+        <p:spPr>
+          <a:xfrm>
+            <a:off x="-4511204" y="5587068"/>
+            <a:ext cx="3765415" cy="1969770"/>
+          </a:xfrm>
+          <a:prstGeom prst="rect">
+            <a:avLst/>
+          </a:prstGeom>
+          <a:noFill/>
+        </p:spPr>
+        <p:txBody>
+          <a:bodyPr wrap="square" rtlCol="0">
+            <a:spAutoFit/>
+          </a:bodyPr>
+          <a:lstStyle/>
+          <a:p>
+            <a:pPr algn="ctr"/>
+            <a:r>
+              <a:rPr lang="fr-CA" sz="6600" dirty="0">
+                <a:solidFill>
+                  <a:schemeClr val="bg1"/>
+                </a:solidFill>
+                <a:latin typeface="Bahnschrift SemiBold Condensed" panose="020B0502040204020203" pitchFamily="34" charset="0"/>
+              </a:rPr>
+              <a:t> </a:t>
+            </a:r>
+            <a:r>
+              <a:rPr lang="fr-CA" sz="6000" dirty="0">
+                <a:solidFill>
+                  <a:schemeClr val="bg1"/>
+                </a:solidFill>
+                <a:latin typeface="Bahnschrift SemiBold Condensed" panose="020B0502040204020203" pitchFamily="34" charset="0"/>
+              </a:rPr>
+              <a:t>140$CAD</a:t>
+            </a:r>
+          </a:p>
+          <a:p>
+            <a:pPr algn="ctr"/>
+            <a:r>
+              <a:rPr lang="fr-CA" sz="2800" dirty="0">
+                <a:solidFill>
+                  <a:schemeClr val="bg1"/>
+                </a:solidFill>
+                <a:latin typeface="Bahnschrift SemiBold Condensed" panose="020B0502040204020203" pitchFamily="34" charset="0"/>
+              </a:rPr>
+              <a:t>(ne convient pas à tous) </a:t>
+            </a:r>
+          </a:p>
+          <a:p>
+            <a:pPr algn="ctr"/>
+            <a:r>
+              <a:rPr lang="fr-CA" sz="2800" dirty="0">
+                <a:solidFill>
+                  <a:schemeClr val="bg1"/>
+                </a:solidFill>
+                <a:latin typeface="Bahnschrift SemiBold Condensed" panose="020B0502040204020203" pitchFamily="34" charset="0"/>
+              </a:rPr>
+              <a:t>(Ne contient pas de joystick)</a:t>
+            </a:r>
+          </a:p>
+        </p:txBody>
+      </p:sp>
+      <p:sp>
+        <p:nvSpPr>
+          <p:cNvPr id="32" name="ZoneTexte 31">
+            <a:extLst>
+              <a:ext uri="{FF2B5EF4-FFF2-40B4-BE49-F238E27FC236}">
+                <a16:creationId xmlns:a16="http://schemas.microsoft.com/office/drawing/2014/main" id="{5EB912DD-B428-D997-C09E-A3EFEB6E3E87}"/>
+              </a:ext>
+            </a:extLst>
+          </p:cNvPr>
+          <p:cNvSpPr txBox="1"/>
+          <p:nvPr/>
+        </p:nvSpPr>
+        <p:spPr>
+          <a:xfrm>
+            <a:off x="13442626" y="-1043353"/>
+            <a:ext cx="3939634" cy="1754326"/>
+          </a:xfrm>
+          <a:prstGeom prst="rect">
+            <a:avLst/>
+          </a:prstGeom>
+          <a:noFill/>
+        </p:spPr>
+        <p:txBody>
+          <a:bodyPr wrap="square" rtlCol="0">
+            <a:spAutoFit/>
+          </a:bodyPr>
+          <a:lstStyle/>
+          <a:p>
+            <a:pPr algn="ctr"/>
+            <a:r>
+              <a:rPr lang="fr-CA" sz="7200" dirty="0">
+                <a:solidFill>
+                  <a:schemeClr val="bg1"/>
+                </a:solidFill>
+                <a:latin typeface="Bahnschrift SemiBold Condensed" panose="020B0502040204020203" pitchFamily="34" charset="0"/>
+              </a:rPr>
+              <a:t> </a:t>
+            </a:r>
+            <a:r>
+              <a:rPr lang="fr-CA" sz="3600" dirty="0">
+                <a:solidFill>
+                  <a:schemeClr val="bg1"/>
+                </a:solidFill>
+                <a:latin typeface="Bahnschrift SemiBold Condensed" panose="020B0502040204020203" pitchFamily="34" charset="0"/>
+              </a:rPr>
+              <a:t>Une manette à besoin de minimum 12 boutons</a:t>
+            </a:r>
+            <a:endParaRPr lang="fr-CA" sz="3200" dirty="0">
+              <a:solidFill>
+                <a:schemeClr val="bg1"/>
+              </a:solidFill>
+              <a:latin typeface="Bahnschrift SemiBold Condensed" panose="020B0502040204020203" pitchFamily="34" charset="0"/>
+            </a:endParaRPr>
+          </a:p>
+        </p:txBody>
+      </p:sp>
+      <p:pic>
+        <p:nvPicPr>
+          <p:cNvPr id="33" name="Picture 2" descr="Microsoft's Xbox Adaptive Controller Gives Disabled Gamers a Power-Up |  WIRED">
+            <a:extLst>
+              <a:ext uri="{FF2B5EF4-FFF2-40B4-BE49-F238E27FC236}">
+                <a16:creationId xmlns:a16="http://schemas.microsoft.com/office/drawing/2014/main" id="{45F37BE7-37BD-ED1D-E308-886A9F16C3C1}"/>
+              </a:ext>
+            </a:extLst>
+          </p:cNvPr>
+          <p:cNvPicPr>
+            <a:picLocks noChangeAspect="1" noChangeArrowheads="1"/>
+          </p:cNvPicPr>
+          <p:nvPr/>
+        </p:nvPicPr>
+        <p:blipFill>
+          <a:blip r:embed="rId8">
+            <a:extLst>
+              <a:ext uri="{28A0092B-C50C-407E-A947-70E740481C1C}">
+                <a14:useLocalDpi xmlns:a14="http://schemas.microsoft.com/office/drawing/2010/main" val="0"/>
+              </a:ext>
+            </a:extLst>
+          </a:blip>
+          <a:srcRect/>
+          <a:stretch>
+            <a:fillRect/>
+          </a:stretch>
+        </p:blipFill>
+        <p:spPr bwMode="auto">
+          <a:xfrm>
+            <a:off x="13590145" y="1963564"/>
+            <a:ext cx="3644595" cy="2049610"/>
+          </a:xfrm>
+          <a:prstGeom prst="rect">
+            <a:avLst/>
+          </a:prstGeom>
+          <a:ln w="127000" cap="sq">
+            <a:solidFill>
+              <a:srgbClr val="000000"/>
+            </a:solidFill>
+            <a:miter lim="800000"/>
+          </a:ln>
+          <a:effectLst>
+            <a:outerShdw blurRad="57150" dist="50800" dir="2700000" algn="tl" rotWithShape="0">
+              <a:srgbClr val="000000">
+                <a:alpha val="40000"/>
+              </a:srgbClr>
+            </a:outerShdw>
+          </a:effectLst>
+          <a:extLst>
+            <a:ext uri="{909E8E84-426E-40DD-AFC4-6F175D3DCCD1}">
+              <a14:hiddenFill xmlns:a14="http://schemas.microsoft.com/office/drawing/2010/main">
+                <a:solidFill>
+                  <a:srgbClr val="FFFFFF"/>
+                </a:solidFill>
+              </a14:hiddenFill>
+            </a:ext>
+          </a:extLst>
+        </p:spPr>
+      </p:pic>
+      <p:sp>
+        <p:nvSpPr>
+          <p:cNvPr id="34" name="ZoneTexte 33">
+            <a:extLst>
+              <a:ext uri="{FF2B5EF4-FFF2-40B4-BE49-F238E27FC236}">
+                <a16:creationId xmlns:a16="http://schemas.microsoft.com/office/drawing/2014/main" id="{91D42F9B-6E52-C7EA-30CE-EF2B7B0AEB67}"/>
+              </a:ext>
+            </a:extLst>
+          </p:cNvPr>
+          <p:cNvSpPr txBox="1"/>
+          <p:nvPr/>
+        </p:nvSpPr>
+        <p:spPr>
+          <a:xfrm>
+            <a:off x="13138122" y="5893542"/>
+            <a:ext cx="3765415" cy="2831544"/>
+          </a:xfrm>
+          <a:prstGeom prst="rect">
+            <a:avLst/>
+          </a:prstGeom>
+          <a:noFill/>
+        </p:spPr>
+        <p:txBody>
+          <a:bodyPr wrap="square" rtlCol="0">
+            <a:spAutoFit/>
+          </a:bodyPr>
+          <a:lstStyle/>
+          <a:p>
+            <a:pPr algn="ctr"/>
+            <a:r>
+              <a:rPr lang="fr-CA" sz="6600" dirty="0">
+                <a:solidFill>
+                  <a:schemeClr val="bg1"/>
+                </a:solidFill>
+                <a:latin typeface="Bahnschrift SemiBold Condensed" panose="020B0502040204020203" pitchFamily="34" charset="0"/>
+              </a:rPr>
+              <a:t> MINIMUM</a:t>
+            </a:r>
+          </a:p>
+          <a:p>
+            <a:pPr algn="ctr"/>
+            <a:r>
+              <a:rPr lang="fr-CA" sz="6000" dirty="0">
+                <a:solidFill>
+                  <a:schemeClr val="bg1"/>
+                </a:solidFill>
+                <a:latin typeface="Bahnschrift SemiBold Condensed" panose="020B0502040204020203" pitchFamily="34" charset="0"/>
+              </a:rPr>
+              <a:t>270$CAD</a:t>
+            </a:r>
+          </a:p>
+          <a:p>
+            <a:pPr algn="ctr"/>
+            <a:r>
+              <a:rPr lang="fr-CA" sz="3200" dirty="0">
+                <a:solidFill>
+                  <a:schemeClr val="bg1"/>
+                </a:solidFill>
+                <a:latin typeface="Bahnschrift SemiBold Condensed" panose="020B0502040204020203" pitchFamily="34" charset="0"/>
+              </a:rPr>
+              <a:t>+ TAXES </a:t>
+            </a:r>
+          </a:p>
+          <a:p>
+            <a:pPr algn="ctr"/>
+            <a:endParaRPr lang="fr-CA" sz="2000" dirty="0">
+              <a:solidFill>
+                <a:schemeClr val="bg1"/>
+              </a:solidFill>
+              <a:latin typeface="Bahnschrift SemiBold Condensed" panose="020B0502040204020203" pitchFamily="34" charset="0"/>
+            </a:endParaRPr>
+          </a:p>
+        </p:txBody>
+      </p:sp>
+      <p:sp>
+        <p:nvSpPr>
+          <p:cNvPr id="35" name="ZoneTexte 34">
+            <a:extLst>
+              <a:ext uri="{FF2B5EF4-FFF2-40B4-BE49-F238E27FC236}">
+                <a16:creationId xmlns:a16="http://schemas.microsoft.com/office/drawing/2014/main" id="{49758D14-9756-C170-AF9C-1D8A822BFBAD}"/>
+              </a:ext>
+            </a:extLst>
+          </p:cNvPr>
+          <p:cNvSpPr txBox="1"/>
+          <p:nvPr/>
+        </p:nvSpPr>
+        <p:spPr>
+          <a:xfrm>
+            <a:off x="-538436" y="-2644058"/>
+            <a:ext cx="3115549" cy="1323439"/>
+          </a:xfrm>
+          <a:prstGeom prst="rect">
+            <a:avLst/>
+          </a:prstGeom>
+          <a:noFill/>
+        </p:spPr>
+        <p:txBody>
+          <a:bodyPr wrap="square" rtlCol="0">
+            <a:spAutoFit/>
+          </a:bodyPr>
+          <a:lstStyle/>
+          <a:p>
+            <a:pPr algn="ctr"/>
+            <a:r>
+              <a:rPr lang="fr-CA" sz="8000" dirty="0">
+                <a:solidFill>
+                  <a:schemeClr val="bg1"/>
+                </a:solidFill>
+                <a:latin typeface="Bahnschrift SemiBold Condensed" panose="020B0502040204020203" pitchFamily="34" charset="0"/>
+              </a:rPr>
+              <a:t> </a:t>
+            </a:r>
+            <a:r>
+              <a:rPr lang="fr-CA" sz="6000" dirty="0">
+                <a:solidFill>
+                  <a:schemeClr val="bg1"/>
+                </a:solidFill>
+                <a:latin typeface="Bahnschrift SemiBold Condensed" panose="020B0502040204020203" pitchFamily="34" charset="0"/>
+              </a:rPr>
+              <a:t>130$CAD </a:t>
+            </a:r>
+            <a:endParaRPr lang="fr-CA" sz="2800" dirty="0">
+              <a:solidFill>
+                <a:schemeClr val="bg1"/>
+              </a:solidFill>
+              <a:latin typeface="Bahnschrift SemiBold Condensed" panose="020B0502040204020203" pitchFamily="34" charset="0"/>
+            </a:endParaRPr>
+          </a:p>
+        </p:txBody>
+      </p:sp>
+    </p:spTree>
+    <p:extLst>
+      <p:ext uri="{BB962C8B-B14F-4D97-AF65-F5344CB8AC3E}">
+        <p14:creationId xmlns:p14="http://schemas.microsoft.com/office/powerpoint/2010/main" val="1380256260"/>
+      </p:ext>
+    </p:extLst>
+  </p:cSld>
+  <p:clrMapOvr>
+    <a:masterClrMapping/>
+  </p:clrMapOvr>
+  <mc:AlternateContent xmlns:mc="http://schemas.openxmlformats.org/markup-compatibility/2006" xmlns:p159="http://schemas.microsoft.com/office/powerpoint/2015/09/main">
+    <mc:Choice Requires="p159">
+      <p:transition xmlns:p14="http://schemas.microsoft.com/office/powerpoint/2010/main" spd="slow" p14:dur="2000">
+        <p159:morph option="byObject"/>
+      </p:transition>
+    </mc:Choice>
+    <mc:Fallback xmlns="">
+      <p:transition spd="slow">
+        <p:fade/>
+      </p:transition>
+    </mc:Fallback>
+  </mc:AlternateContent>
+</p:sld>
+</file>
+
+<file path=ppt/slides/slide8.xml><?xml version="1.0" encoding="utf-8"?>
+<p:sld xmlns:a="http://schemas.openxmlformats.org/drawingml/2006/main" xmlns:r="http://schemas.openxmlformats.org/officeDocument/2006/relationships" xmlns:p="http://schemas.openxmlformats.org/presentationml/2006/main">
+  <p:cSld>
+    <p:bg>
+      <p:bgPr>
+        <a:solidFill>
+          <a:srgbClr val="2A7507"/>
+        </a:solidFill>
+        <a:effectLst/>
+      </p:bgPr>
+    </p:bg>
+    <p:spTree>
+      <p:nvGrpSpPr>
+        <p:cNvPr id="1" name=""/>
+        <p:cNvGrpSpPr/>
+        <p:nvPr/>
+      </p:nvGrpSpPr>
+      <p:grpSpPr>
+        <a:xfrm>
+          <a:off x="0" y="0"/>
+          <a:ext cx="0" cy="0"/>
+          <a:chOff x="0" y="0"/>
+          <a:chExt cx="0" cy="0"/>
+        </a:xfrm>
+      </p:grpSpPr>
+      <p:sp>
+        <p:nvSpPr>
+          <p:cNvPr id="25" name="Rectangle 24">
+            <a:extLst>
+              <a:ext uri="{FF2B5EF4-FFF2-40B4-BE49-F238E27FC236}">
+                <a16:creationId xmlns:a16="http://schemas.microsoft.com/office/drawing/2014/main" id="{874A1738-BFC6-233A-4E04-FE0B2B626F67}"/>
+              </a:ext>
+            </a:extLst>
+          </p:cNvPr>
+          <p:cNvSpPr/>
+          <p:nvPr/>
+        </p:nvSpPr>
+        <p:spPr>
+          <a:xfrm>
+            <a:off x="-427047" y="7613875"/>
+            <a:ext cx="13046093" cy="7604834"/>
+          </a:xfrm>
+          <a:prstGeom prst="rect">
+            <a:avLst/>
+          </a:prstGeom>
+          <a:solidFill>
+            <a:srgbClr val="EF4C45"/>
+          </a:solidFill>
+        </p:spPr>
+        <p:style>
+          <a:lnRef idx="2">
+            <a:schemeClr val="accent1">
+              <a:shade val="50000"/>
+            </a:schemeClr>
+          </a:lnRef>
+          <a:fillRef idx="1">
+            <a:schemeClr val="accent1"/>
+          </a:fillRef>
+          <a:effectRef idx="0">
+            <a:schemeClr val="accent1"/>
+          </a:effectRef>
+          <a:fontRef idx="minor">
+            <a:schemeClr val="lt1"/>
+          </a:fontRef>
+        </p:style>
+        <p:txBody>
+          <a:bodyPr rtlCol="0" anchor="ctr"/>
+          <a:lstStyle/>
+          <a:p>
+            <a:pPr algn="ctr"/>
+            <a:endParaRPr lang="fr-CA"/>
+          </a:p>
+        </p:txBody>
+      </p:sp>
+      <p:sp>
+        <p:nvSpPr>
+          <p:cNvPr id="2" name="Rectangle 1">
+            <a:extLst>
+              <a:ext uri="{FF2B5EF4-FFF2-40B4-BE49-F238E27FC236}">
+                <a16:creationId xmlns:a16="http://schemas.microsoft.com/office/drawing/2014/main" id="{30861708-0A7B-BA81-4854-FB30052273AB}"/>
+              </a:ext>
+            </a:extLst>
+          </p:cNvPr>
+          <p:cNvSpPr/>
+          <p:nvPr/>
+        </p:nvSpPr>
+        <p:spPr>
+          <a:xfrm rot="16200000">
+            <a:off x="524250" y="3165845"/>
+            <a:ext cx="14443473" cy="61474"/>
+          </a:xfrm>
+          <a:prstGeom prst="rect">
+            <a:avLst/>
+          </a:prstGeom>
+        </p:spPr>
+        <p:style>
+          <a:lnRef idx="2">
+            <a:schemeClr val="dk1">
+              <a:shade val="50000"/>
+            </a:schemeClr>
+          </a:lnRef>
+          <a:fillRef idx="1">
+            <a:schemeClr val="dk1"/>
+          </a:fillRef>
+          <a:effectRef idx="0">
+            <a:schemeClr val="dk1"/>
+          </a:effectRef>
+          <a:fontRef idx="minor">
+            <a:schemeClr val="lt1"/>
+          </a:fontRef>
+        </p:style>
+        <p:txBody>
+          <a:bodyPr rtlCol="0" anchor="ctr"/>
+          <a:lstStyle/>
+          <a:p>
+            <a:pPr algn="ctr"/>
+            <a:endParaRPr lang="fr-CA"/>
+          </a:p>
+        </p:txBody>
+      </p:sp>
+      <p:pic>
+        <p:nvPicPr>
+          <p:cNvPr id="4098" name="Picture 2" descr="Xbox - Free logo icons">
+            <a:extLst>
+              <a:ext uri="{FF2B5EF4-FFF2-40B4-BE49-F238E27FC236}">
+                <a16:creationId xmlns:a16="http://schemas.microsoft.com/office/drawing/2014/main" id="{6EB7EFAA-730E-0B33-ADA2-AD2DC395C01B}"/>
+              </a:ext>
+            </a:extLst>
+          </p:cNvPr>
+          <p:cNvPicPr>
+            <a:picLocks noChangeAspect="1" noChangeArrowheads="1"/>
+          </p:cNvPicPr>
+          <p:nvPr/>
+        </p:nvPicPr>
+        <p:blipFill>
+          <a:blip r:embed="rId2">
+            <a:extLst>
+              <a:ext uri="{28A0092B-C50C-407E-A947-70E740481C1C}">
+                <a14:useLocalDpi xmlns:a14="http://schemas.microsoft.com/office/drawing/2010/main" val="0"/>
+              </a:ext>
+            </a:extLst>
+          </a:blip>
+          <a:srcRect/>
+          <a:stretch>
+            <a:fillRect/>
+          </a:stretch>
+        </p:blipFill>
+        <p:spPr bwMode="auto">
+          <a:xfrm>
+            <a:off x="10937934" y="5664010"/>
+            <a:ext cx="1085460" cy="1085460"/>
+          </a:xfrm>
+          <a:prstGeom prst="ellipse">
+            <a:avLst/>
+          </a:prstGeom>
+          <a:ln w="63500" cap="rnd">
+            <a:solidFill>
+              <a:srgbClr val="333333"/>
+            </a:solidFill>
+          </a:ln>
+          <a:effectLst>
+            <a:outerShdw blurRad="381000" dist="292100" dir="5400000" sx="-80000" sy="-18000" rotWithShape="0">
+              <a:srgbClr val="000000">
+                <a:alpha val="0"/>
+              </a:srgbClr>
+            </a:outerShdw>
+          </a:effectLst>
+          <a:scene3d>
+            <a:camera prst="orthographicFront"/>
+            <a:lightRig rig="contrasting" dir="t">
+              <a:rot lat="0" lon="0" rev="3000000"/>
+            </a:lightRig>
+          </a:scene3d>
+          <a:sp3d contourW="7620">
+            <a:bevelT w="95250" h="31750"/>
+            <a:contourClr>
+              <a:srgbClr val="333333"/>
+            </a:contourClr>
+          </a:sp3d>
+          <a:extLst>
+            <a:ext uri="{909E8E84-426E-40DD-AFC4-6F175D3DCCD1}">
+              <a14:hiddenFill xmlns:a14="http://schemas.microsoft.com/office/drawing/2010/main">
+                <a:solidFill>
+                  <a:srgbClr val="FFFFFF"/>
+                </a:solidFill>
+              </a14:hiddenFill>
+            </a:ext>
+          </a:extLst>
+        </p:spPr>
+      </p:pic>
+      <p:grpSp>
+        <p:nvGrpSpPr>
+          <p:cNvPr id="3" name="Groupe 2">
+            <a:extLst>
+              <a:ext uri="{FF2B5EF4-FFF2-40B4-BE49-F238E27FC236}">
+                <a16:creationId xmlns:a16="http://schemas.microsoft.com/office/drawing/2014/main" id="{DF3EC1D9-EB2D-B3B4-0DC1-DBDDA9125AB9}"/>
+              </a:ext>
+            </a:extLst>
+          </p:cNvPr>
+          <p:cNvGrpSpPr/>
+          <p:nvPr/>
+        </p:nvGrpSpPr>
+        <p:grpSpPr>
+          <a:xfrm>
+            <a:off x="-4673596" y="615786"/>
+            <a:ext cx="3332464" cy="3332464"/>
+            <a:chOff x="1755007" y="304590"/>
+            <a:chExt cx="4010981" cy="4010981"/>
+          </a:xfrm>
+        </p:grpSpPr>
+        <p:pic>
+          <p:nvPicPr>
+            <p:cNvPr id="4" name="Image 3">
+              <a:extLst>
+                <a:ext uri="{FF2B5EF4-FFF2-40B4-BE49-F238E27FC236}">
+                  <a16:creationId xmlns:a16="http://schemas.microsoft.com/office/drawing/2014/main" id="{615F8394-2C41-36AA-4DD2-3011782DD277}"/>
+                </a:ext>
+              </a:extLst>
+            </p:cNvPr>
+            <p:cNvPicPr>
+              <a:picLocks noChangeAspect="1"/>
+            </p:cNvPicPr>
+            <p:nvPr/>
+          </p:nvPicPr>
+          <p:blipFill>
+            <a:blip r:embed="rId3">
+              <a:extLst>
+                <a:ext uri="{28A0092B-C50C-407E-A947-70E740481C1C}">
+                  <a14:useLocalDpi xmlns:a14="http://schemas.microsoft.com/office/drawing/2010/main" val="0"/>
+                </a:ext>
+              </a:extLst>
+            </a:blip>
+            <a:stretch>
+              <a:fillRect/>
+            </a:stretch>
+          </p:blipFill>
+          <p:spPr>
+            <a:xfrm>
+              <a:off x="1755007" y="304590"/>
+              <a:ext cx="4010981" cy="4010981"/>
+            </a:xfrm>
+            <a:prstGeom prst="ellipse">
+              <a:avLst/>
+            </a:prstGeom>
+            <a:ln w="63500" cap="rnd">
+              <a:solidFill>
+                <a:srgbClr val="333333"/>
+              </a:solidFill>
+            </a:ln>
+            <a:effectLst>
+              <a:outerShdw blurRad="381000" dist="292100" dir="5400000" sx="-80000" sy="-18000" rotWithShape="0">
+                <a:srgbClr val="000000">
+                  <a:alpha val="0"/>
+                </a:srgbClr>
+              </a:outerShdw>
+            </a:effectLst>
+            <a:scene3d>
+              <a:camera prst="orthographicFront"/>
+              <a:lightRig rig="contrasting" dir="t">
+                <a:rot lat="0" lon="0" rev="3000000"/>
+              </a:lightRig>
+            </a:scene3d>
+            <a:sp3d contourW="7620">
+              <a:bevelT w="95250" h="31750"/>
+              <a:contourClr>
+                <a:srgbClr val="333333"/>
+              </a:contourClr>
+            </a:sp3d>
+          </p:spPr>
+        </p:pic>
+        <p:pic>
+          <p:nvPicPr>
+            <p:cNvPr id="6" name="Image 5">
+              <a:extLst>
+                <a:ext uri="{FF2B5EF4-FFF2-40B4-BE49-F238E27FC236}">
+                  <a16:creationId xmlns:a16="http://schemas.microsoft.com/office/drawing/2014/main" id="{9DAA3E20-A913-CD7D-0F98-BD3FE4B1BA2D}"/>
+                </a:ext>
+              </a:extLst>
+            </p:cNvPr>
+            <p:cNvPicPr>
+              <a:picLocks noChangeAspect="1"/>
+            </p:cNvPicPr>
+            <p:nvPr/>
+          </p:nvPicPr>
+          <p:blipFill>
+            <a:blip r:embed="rId4">
+              <a:extLst>
+                <a:ext uri="{28A0092B-C50C-407E-A947-70E740481C1C}">
+                  <a14:useLocalDpi xmlns:a14="http://schemas.microsoft.com/office/drawing/2010/main" val="0"/>
+                </a:ext>
+              </a:extLst>
+            </a:blip>
+            <a:stretch>
+              <a:fillRect/>
+            </a:stretch>
+          </p:blipFill>
+          <p:spPr>
+            <a:xfrm>
+              <a:off x="3340105" y="2931320"/>
+              <a:ext cx="840784" cy="959074"/>
+            </a:xfrm>
+            <a:prstGeom prst="rect">
+              <a:avLst/>
+            </a:prstGeom>
+          </p:spPr>
+        </p:pic>
+      </p:grpSp>
+      <p:sp>
+        <p:nvSpPr>
+          <p:cNvPr id="7" name="ZoneTexte 6">
+            <a:extLst>
+              <a:ext uri="{FF2B5EF4-FFF2-40B4-BE49-F238E27FC236}">
+                <a16:creationId xmlns:a16="http://schemas.microsoft.com/office/drawing/2014/main" id="{7ABFE786-B5D8-ADD2-9AFD-BCD3AFBE482A}"/>
+              </a:ext>
+            </a:extLst>
+          </p:cNvPr>
+          <p:cNvSpPr txBox="1"/>
+          <p:nvPr/>
+        </p:nvSpPr>
+        <p:spPr>
+          <a:xfrm>
             <a:off x="-6297797" y="-1923985"/>
             <a:ext cx="8380564" cy="1815882"/>
           </a:xfrm>
@@ -10438,7 +10965,7 @@
 </p:sld>
 </file>
 
-<file path=ppt/slides/slide8.xml><?xml version="1.0" encoding="utf-8"?>
+<file path=ppt/slides/slide9.xml><?xml version="1.0" encoding="utf-8"?>
 <p:sld xmlns:a="http://schemas.openxmlformats.org/drawingml/2006/main" xmlns:r="http://schemas.openxmlformats.org/officeDocument/2006/relationships" xmlns:p="http://schemas.openxmlformats.org/presentationml/2006/main">
   <p:cSld>
     <p:bg>

--- a/Documentation/Presentation_Projet.pptx
+++ b/Documentation/Presentation_Projet.pptx
@@ -8296,6 +8296,1518 @@
           </a:extLst>
         </p:spPr>
       </p:pic>
+      <p:sp>
+        <p:nvSpPr>
+          <p:cNvPr id="7" name="ZoneTexte 6">
+            <a:extLst>
+              <a:ext uri="{FF2B5EF4-FFF2-40B4-BE49-F238E27FC236}">
+                <a16:creationId xmlns:a16="http://schemas.microsoft.com/office/drawing/2014/main" id="{7ABFE786-B5D8-ADD2-9AFD-BCD3AFBE482A}"/>
+              </a:ext>
+            </a:extLst>
+          </p:cNvPr>
+          <p:cNvSpPr txBox="1"/>
+          <p:nvPr/>
+        </p:nvSpPr>
+        <p:spPr>
+          <a:xfrm>
+            <a:off x="-6717653" y="-662792"/>
+            <a:ext cx="8380564" cy="1815882"/>
+          </a:xfrm>
+          <a:prstGeom prst="rect">
+            <a:avLst/>
+          </a:prstGeom>
+          <a:noFill/>
+        </p:spPr>
+        <p:txBody>
+          <a:bodyPr wrap="square" rtlCol="0">
+            <a:spAutoFit/>
+          </a:bodyPr>
+          <a:lstStyle/>
+          <a:p>
+            <a:pPr algn="ctr"/>
+            <a:r>
+              <a:rPr lang="fr-CA" sz="8000">
+                <a:solidFill>
+                  <a:schemeClr val="bg1"/>
+                </a:solidFill>
+                <a:latin typeface="Bahnschrift SemiBold Condensed" panose="020B0502040204020203" pitchFamily="34" charset="0"/>
+              </a:rPr>
+              <a:t>± 130</a:t>
+            </a:r>
+            <a:r>
+              <a:rPr lang="fr-CA" sz="8000" dirty="0">
+                <a:solidFill>
+                  <a:schemeClr val="bg1"/>
+                </a:solidFill>
+                <a:latin typeface="Bahnschrift SemiBold Condensed" panose="020B0502040204020203" pitchFamily="34" charset="0"/>
+              </a:rPr>
+              <a:t>$CAD</a:t>
+            </a:r>
+          </a:p>
+          <a:p>
+            <a:pPr algn="ctr"/>
+            <a:r>
+              <a:rPr lang="fr-CA" sz="2800" dirty="0">
+                <a:solidFill>
+                  <a:schemeClr val="bg1"/>
+                </a:solidFill>
+                <a:latin typeface="Bahnschrift SemiBold Condensed" panose="020B0502040204020203" pitchFamily="34" charset="0"/>
+              </a:rPr>
+              <a:t>(équipements compris)</a:t>
+            </a:r>
+          </a:p>
+        </p:txBody>
+      </p:sp>
+      <p:sp>
+        <p:nvSpPr>
+          <p:cNvPr id="10" name="ZoneTexte 9">
+            <a:extLst>
+              <a:ext uri="{FF2B5EF4-FFF2-40B4-BE49-F238E27FC236}">
+                <a16:creationId xmlns:a16="http://schemas.microsoft.com/office/drawing/2014/main" id="{EF2BC40C-E845-4BE3-B151-24FC9F9C90F8}"/>
+              </a:ext>
+            </a:extLst>
+          </p:cNvPr>
+          <p:cNvSpPr txBox="1"/>
+          <p:nvPr/>
+        </p:nvSpPr>
+        <p:spPr>
+          <a:xfrm>
+            <a:off x="-3842539" y="9982549"/>
+            <a:ext cx="8380564" cy="1815882"/>
+          </a:xfrm>
+          <a:prstGeom prst="rect">
+            <a:avLst/>
+          </a:prstGeom>
+          <a:noFill/>
+        </p:spPr>
+        <p:txBody>
+          <a:bodyPr wrap="square" rtlCol="0">
+            <a:spAutoFit/>
+          </a:bodyPr>
+          <a:lstStyle/>
+          <a:p>
+            <a:pPr algn="ctr"/>
+            <a:r>
+              <a:rPr lang="fr-CA" sz="8000" dirty="0">
+                <a:solidFill>
+                  <a:schemeClr val="bg1"/>
+                </a:solidFill>
+                <a:latin typeface="Bahnschrift SemiBold Condensed" panose="020B0502040204020203" pitchFamily="34" charset="0"/>
+              </a:rPr>
+              <a:t> </a:t>
+            </a:r>
+            <a:r>
+              <a:rPr lang="fr-CA" sz="6000" dirty="0">
+                <a:solidFill>
+                  <a:schemeClr val="bg1"/>
+                </a:solidFill>
+                <a:latin typeface="Bahnschrift SemiBold Condensed" panose="020B0502040204020203" pitchFamily="34" charset="0"/>
+              </a:rPr>
+              <a:t>130$CAD + taxes</a:t>
+            </a:r>
+          </a:p>
+          <a:p>
+            <a:pPr algn="ctr"/>
+            <a:r>
+              <a:rPr lang="fr-CA" sz="2800" dirty="0">
+                <a:solidFill>
+                  <a:schemeClr val="bg1"/>
+                </a:solidFill>
+                <a:latin typeface="Bahnschrift SemiBold Condensed" panose="020B0502040204020203" pitchFamily="34" charset="0"/>
+              </a:rPr>
+              <a:t>(rien compris)</a:t>
+            </a:r>
+          </a:p>
+        </p:txBody>
+      </p:sp>
+      <p:cxnSp>
+        <p:nvCxnSpPr>
+          <p:cNvPr id="8" name="Connecteur droit 7">
+            <a:extLst>
+              <a:ext uri="{FF2B5EF4-FFF2-40B4-BE49-F238E27FC236}">
+                <a16:creationId xmlns:a16="http://schemas.microsoft.com/office/drawing/2014/main" id="{18A72F62-C5C3-177F-DCB4-558510116B8D}"/>
+              </a:ext>
+            </a:extLst>
+          </p:cNvPr>
+          <p:cNvCxnSpPr>
+            <a:cxnSpLocks/>
+          </p:cNvCxnSpPr>
+          <p:nvPr/>
+        </p:nvCxnSpPr>
+        <p:spPr>
+          <a:xfrm>
+            <a:off x="14615233" y="0"/>
+            <a:ext cx="11852063" cy="0"/>
+          </a:xfrm>
+          <a:prstGeom prst="line">
+            <a:avLst/>
+          </a:prstGeom>
+          <a:ln>
+            <a:solidFill>
+              <a:schemeClr val="bg1"/>
+            </a:solidFill>
+          </a:ln>
+        </p:spPr>
+        <p:style>
+          <a:lnRef idx="1">
+            <a:schemeClr val="accent1"/>
+          </a:lnRef>
+          <a:fillRef idx="0">
+            <a:schemeClr val="accent1"/>
+          </a:fillRef>
+          <a:effectRef idx="0">
+            <a:schemeClr val="accent1"/>
+          </a:effectRef>
+          <a:fontRef idx="minor">
+            <a:schemeClr val="tx1"/>
+          </a:fontRef>
+        </p:style>
+      </p:cxnSp>
+      <p:sp>
+        <p:nvSpPr>
+          <p:cNvPr id="9" name="ZoneTexte 8">
+            <a:extLst>
+              <a:ext uri="{FF2B5EF4-FFF2-40B4-BE49-F238E27FC236}">
+                <a16:creationId xmlns:a16="http://schemas.microsoft.com/office/drawing/2014/main" id="{D6C8A219-0FBF-0D0E-3D31-1BE03315307E}"/>
+              </a:ext>
+            </a:extLst>
+          </p:cNvPr>
+          <p:cNvSpPr txBox="1"/>
+          <p:nvPr/>
+        </p:nvSpPr>
+        <p:spPr>
+          <a:xfrm>
+            <a:off x="66123" y="-1872005"/>
+            <a:ext cx="7144851" cy="1569660"/>
+          </a:xfrm>
+          <a:prstGeom prst="rect">
+            <a:avLst/>
+          </a:prstGeom>
+          <a:noFill/>
+        </p:spPr>
+        <p:txBody>
+          <a:bodyPr wrap="square" rtlCol="0">
+            <a:spAutoFit/>
+          </a:bodyPr>
+          <a:lstStyle/>
+          <a:p>
+            <a:r>
+              <a:rPr lang="fr-CA" sz="9600" dirty="0">
+                <a:solidFill>
+                  <a:schemeClr val="bg1"/>
+                </a:solidFill>
+                <a:latin typeface="Bahnschrift SemiBold Condensed" panose="020B0502040204020203" pitchFamily="34" charset="0"/>
+              </a:rPr>
+              <a:t>NOS CLIENTS </a:t>
+            </a:r>
+          </a:p>
+        </p:txBody>
+      </p:sp>
+      <p:pic>
+        <p:nvPicPr>
+          <p:cNvPr id="11" name="Picture 4" descr="Client icon | Free SVG">
+            <a:extLst>
+              <a:ext uri="{FF2B5EF4-FFF2-40B4-BE49-F238E27FC236}">
+                <a16:creationId xmlns:a16="http://schemas.microsoft.com/office/drawing/2014/main" id="{FCDBB9B4-B48B-6DCA-35AD-8B271D2E6AB3}"/>
+              </a:ext>
+            </a:extLst>
+          </p:cNvPr>
+          <p:cNvPicPr>
+            <a:picLocks noChangeAspect="1" noChangeArrowheads="1"/>
+          </p:cNvPicPr>
+          <p:nvPr/>
+        </p:nvPicPr>
+        <p:blipFill>
+          <a:blip r:embed="rId3">
+            <a:extLst>
+              <a:ext uri="{28A0092B-C50C-407E-A947-70E740481C1C}">
+                <a14:useLocalDpi xmlns:a14="http://schemas.microsoft.com/office/drawing/2010/main" val="0"/>
+              </a:ext>
+            </a:extLst>
+          </a:blip>
+          <a:srcRect/>
+          <a:stretch>
+            <a:fillRect/>
+          </a:stretch>
+        </p:blipFill>
+        <p:spPr bwMode="auto">
+          <a:xfrm>
+            <a:off x="5071346" y="-4314214"/>
+            <a:ext cx="3332464" cy="3332464"/>
+          </a:xfrm>
+          <a:prstGeom prst="rect">
+            <a:avLst/>
+          </a:prstGeom>
+          <a:noFill/>
+          <a:extLst>
+            <a:ext uri="{909E8E84-426E-40DD-AFC4-6F175D3DCCD1}">
+              <a14:hiddenFill xmlns:a14="http://schemas.microsoft.com/office/drawing/2010/main">
+                <a:solidFill>
+                  <a:srgbClr val="FFFFFF"/>
+                </a:solidFill>
+              </a14:hiddenFill>
+            </a:ext>
+          </a:extLst>
+        </p:spPr>
+      </p:pic>
+      <p:sp>
+        <p:nvSpPr>
+          <p:cNvPr id="12" name="ZoneTexte 11">
+            <a:extLst>
+              <a:ext uri="{FF2B5EF4-FFF2-40B4-BE49-F238E27FC236}">
+                <a16:creationId xmlns:a16="http://schemas.microsoft.com/office/drawing/2014/main" id="{169DA3BC-31C1-08CB-A006-A47CCD19F3F5}"/>
+              </a:ext>
+            </a:extLst>
+          </p:cNvPr>
+          <p:cNvSpPr txBox="1"/>
+          <p:nvPr/>
+        </p:nvSpPr>
+        <p:spPr>
+          <a:xfrm>
+            <a:off x="-7067681" y="4739867"/>
+            <a:ext cx="5413829" cy="1015663"/>
+          </a:xfrm>
+          <a:prstGeom prst="rect">
+            <a:avLst/>
+          </a:prstGeom>
+          <a:noFill/>
+        </p:spPr>
+        <p:txBody>
+          <a:bodyPr wrap="square" rtlCol="0">
+            <a:spAutoFit/>
+          </a:bodyPr>
+          <a:lstStyle/>
+          <a:p>
+            <a:r>
+              <a:rPr lang="fr-CA" sz="6000" dirty="0">
+                <a:solidFill>
+                  <a:schemeClr val="bg1"/>
+                </a:solidFill>
+                <a:latin typeface="Bahnschrift SemiBold Condensed" panose="020B0502040204020203" pitchFamily="34" charset="0"/>
+              </a:rPr>
+              <a:t>LES ÉCOLES</a:t>
+            </a:r>
+          </a:p>
+        </p:txBody>
+      </p:sp>
+      <p:sp>
+        <p:nvSpPr>
+          <p:cNvPr id="17" name="ZoneTexte 16">
+            <a:extLst>
+              <a:ext uri="{FF2B5EF4-FFF2-40B4-BE49-F238E27FC236}">
+                <a16:creationId xmlns:a16="http://schemas.microsoft.com/office/drawing/2014/main" id="{707FF9DE-D323-AA01-7075-8F0773DF111E}"/>
+              </a:ext>
+            </a:extLst>
+          </p:cNvPr>
+          <p:cNvSpPr txBox="1"/>
+          <p:nvPr/>
+        </p:nvSpPr>
+        <p:spPr>
+          <a:xfrm>
+            <a:off x="-5347706" y="7212053"/>
+            <a:ext cx="5413829" cy="1938992"/>
+          </a:xfrm>
+          <a:prstGeom prst="rect">
+            <a:avLst/>
+          </a:prstGeom>
+          <a:noFill/>
+        </p:spPr>
+        <p:txBody>
+          <a:bodyPr wrap="square" rtlCol="0">
+            <a:spAutoFit/>
+          </a:bodyPr>
+          <a:lstStyle/>
+          <a:p>
+            <a:r>
+              <a:rPr lang="fr-CA" sz="6000" dirty="0">
+                <a:solidFill>
+                  <a:schemeClr val="bg1"/>
+                </a:solidFill>
+                <a:latin typeface="Bahnschrift SemiBold Condensed" panose="020B0502040204020203" pitchFamily="34" charset="0"/>
+              </a:rPr>
+              <a:t>LES CENTRES ADAPTÉS</a:t>
+            </a:r>
+          </a:p>
+        </p:txBody>
+      </p:sp>
+      <p:sp>
+        <p:nvSpPr>
+          <p:cNvPr id="18" name="ZoneTexte 17">
+            <a:extLst>
+              <a:ext uri="{FF2B5EF4-FFF2-40B4-BE49-F238E27FC236}">
+                <a16:creationId xmlns:a16="http://schemas.microsoft.com/office/drawing/2014/main" id="{04D24A97-C73B-F342-72CA-3BE3A64523E9}"/>
+              </a:ext>
+            </a:extLst>
+          </p:cNvPr>
+          <p:cNvSpPr txBox="1"/>
+          <p:nvPr/>
+        </p:nvSpPr>
+        <p:spPr>
+          <a:xfrm>
+            <a:off x="20750813" y="5780892"/>
+            <a:ext cx="3647666" cy="2862322"/>
+          </a:xfrm>
+          <a:prstGeom prst="rect">
+            <a:avLst/>
+          </a:prstGeom>
+          <a:noFill/>
+        </p:spPr>
+        <p:txBody>
+          <a:bodyPr wrap="square" rtlCol="0">
+            <a:spAutoFit/>
+          </a:bodyPr>
+          <a:lstStyle/>
+          <a:p>
+            <a:r>
+              <a:rPr lang="fr-CA" sz="6000" dirty="0">
+                <a:solidFill>
+                  <a:schemeClr val="bg1"/>
+                </a:solidFill>
+                <a:latin typeface="Bahnschrift SemiBold Condensed" panose="020B0502040204020203" pitchFamily="34" charset="0"/>
+              </a:rPr>
+              <a:t>PERSONNES À MOBILITÉ RÉDUITE</a:t>
+            </a:r>
+          </a:p>
+        </p:txBody>
+      </p:sp>
+      <p:cxnSp>
+        <p:nvCxnSpPr>
+          <p:cNvPr id="13" name="Connecteur droit 12">
+            <a:extLst>
+              <a:ext uri="{FF2B5EF4-FFF2-40B4-BE49-F238E27FC236}">
+                <a16:creationId xmlns:a16="http://schemas.microsoft.com/office/drawing/2014/main" id="{A298A190-6C4C-5BE7-8C22-0A37FBF0544F}"/>
+              </a:ext>
+            </a:extLst>
+          </p:cNvPr>
+          <p:cNvCxnSpPr>
+            <a:cxnSpLocks/>
+          </p:cNvCxnSpPr>
+          <p:nvPr/>
+        </p:nvCxnSpPr>
+        <p:spPr>
+          <a:xfrm>
+            <a:off x="-855785" y="1506518"/>
+            <a:ext cx="12520247" cy="0"/>
+          </a:xfrm>
+          <a:prstGeom prst="line">
+            <a:avLst/>
+          </a:prstGeom>
+          <a:ln>
+            <a:solidFill>
+              <a:schemeClr val="bg1"/>
+            </a:solidFill>
+          </a:ln>
+        </p:spPr>
+        <p:style>
+          <a:lnRef idx="1">
+            <a:schemeClr val="accent1"/>
+          </a:lnRef>
+          <a:fillRef idx="0">
+            <a:schemeClr val="accent1"/>
+          </a:fillRef>
+          <a:effectRef idx="0">
+            <a:schemeClr val="accent1"/>
+          </a:effectRef>
+          <a:fontRef idx="minor">
+            <a:schemeClr val="tx1"/>
+          </a:fontRef>
+        </p:style>
+      </p:cxnSp>
+      <p:sp>
+        <p:nvSpPr>
+          <p:cNvPr id="15" name="ZoneTexte 14">
+            <a:extLst>
+              <a:ext uri="{FF2B5EF4-FFF2-40B4-BE49-F238E27FC236}">
+                <a16:creationId xmlns:a16="http://schemas.microsoft.com/office/drawing/2014/main" id="{53CF0677-C5D3-883C-FE4F-859A124258C6}"/>
+              </a:ext>
+            </a:extLst>
+          </p:cNvPr>
+          <p:cNvSpPr txBox="1"/>
+          <p:nvPr/>
+        </p:nvSpPr>
+        <p:spPr>
+          <a:xfrm>
+            <a:off x="7027634" y="98510"/>
+            <a:ext cx="5413829" cy="1569660"/>
+          </a:xfrm>
+          <a:prstGeom prst="rect">
+            <a:avLst/>
+          </a:prstGeom>
+          <a:noFill/>
+        </p:spPr>
+        <p:txBody>
+          <a:bodyPr wrap="square" rtlCol="0">
+            <a:spAutoFit/>
+          </a:bodyPr>
+          <a:lstStyle/>
+          <a:p>
+            <a:r>
+              <a:rPr lang="fr-CA" sz="9600" dirty="0">
+                <a:solidFill>
+                  <a:schemeClr val="bg1"/>
+                </a:solidFill>
+                <a:latin typeface="Bahnschrift SemiBold Condensed" panose="020B0502040204020203" pitchFamily="34" charset="0"/>
+              </a:rPr>
+              <a:t>LES COÛTS</a:t>
+            </a:r>
+          </a:p>
+        </p:txBody>
+      </p:sp>
+      <p:graphicFrame>
+        <p:nvGraphicFramePr>
+          <p:cNvPr id="23" name="Tableau 22">
+            <a:extLst>
+              <a:ext uri="{FF2B5EF4-FFF2-40B4-BE49-F238E27FC236}">
+                <a16:creationId xmlns:a16="http://schemas.microsoft.com/office/drawing/2014/main" id="{2874DD0F-FC38-4737-7DFE-279E712209DA}"/>
+              </a:ext>
+            </a:extLst>
+          </p:cNvPr>
+          <p:cNvGraphicFramePr>
+            <a:graphicFrameLocks noGrp="1"/>
+          </p:cNvGraphicFramePr>
+          <p:nvPr>
+            <p:extLst>
+              <p:ext uri="{D42A27DB-BD31-4B8C-83A1-F6EECF244321}">
+                <p14:modId xmlns:p14="http://schemas.microsoft.com/office/powerpoint/2010/main" val="2737861919"/>
+              </p:ext>
+            </p:extLst>
+          </p:nvPr>
+        </p:nvGraphicFramePr>
+        <p:xfrm>
+          <a:off x="1662911" y="1888249"/>
+          <a:ext cx="4257072" cy="4235216"/>
+        </p:xfrm>
+        <a:graphic>
+          <a:graphicData uri="http://schemas.openxmlformats.org/drawingml/2006/table">
+            <a:tbl>
+              <a:tblPr>
+                <a:effectLst>
+                  <a:outerShdw blurRad="50800" dist="38100" dir="2700000" algn="tl" rotWithShape="0">
+                    <a:prstClr val="black">
+                      <a:alpha val="40000"/>
+                    </a:prstClr>
+                  </a:outerShdw>
+                </a:effectLst>
+              </a:tblPr>
+              <a:tblGrid>
+                <a:gridCol w="3038043">
+                  <a:extLst>
+                    <a:ext uri="{9D8B030D-6E8A-4147-A177-3AD203B41FA5}">
+                      <a16:colId xmlns:a16="http://schemas.microsoft.com/office/drawing/2014/main" val="257987770"/>
+                    </a:ext>
+                  </a:extLst>
+                </a:gridCol>
+                <a:gridCol w="1219029">
+                  <a:extLst>
+                    <a:ext uri="{9D8B030D-6E8A-4147-A177-3AD203B41FA5}">
+                      <a16:colId xmlns:a16="http://schemas.microsoft.com/office/drawing/2014/main" val="2811092480"/>
+                    </a:ext>
+                  </a:extLst>
+                </a:gridCol>
+              </a:tblGrid>
+              <a:tr h="705869">
+                <a:tc>
+                  <a:txBody>
+                    <a:bodyPr/>
+                    <a:lstStyle/>
+                    <a:p>
+                      <a:pPr algn="ctr"/>
+                      <a:r>
+                        <a:rPr lang="fr-CA" sz="2500" b="1" noProof="0" dirty="0">
+                          <a:solidFill>
+                            <a:schemeClr val="bg1"/>
+                          </a:solidFill>
+                          <a:latin typeface="Bahnschrift SemiBold Condensed" panose="020B0502040204020203" pitchFamily="34" charset="0"/>
+                        </a:rPr>
+                        <a:t>Ordinateur</a:t>
+                      </a:r>
+                    </a:p>
+                  </a:txBody>
+                  <a:tcPr anchor="ctr">
+                    <a:lnL w="12700" cmpd="sng">
+                      <a:solidFill>
+                        <a:schemeClr val="bg1"/>
+                      </a:solidFill>
+                      <a:prstDash val="solid"/>
+                    </a:lnL>
+                    <a:lnR w="12700" cap="flat" cmpd="sng" algn="ctr">
+                      <a:solidFill>
+                        <a:schemeClr val="bg1"/>
+                      </a:solidFill>
+                      <a:prstDash val="solid"/>
+                      <a:round/>
+                      <a:headEnd type="none" w="med" len="med"/>
+                      <a:tailEnd type="none" w="med" len="med"/>
+                    </a:lnR>
+                    <a:lnT w="12700" cmpd="sng">
+                      <a:solidFill>
+                        <a:schemeClr val="bg1"/>
+                      </a:solidFill>
+                      <a:prstDash val="solid"/>
+                    </a:lnT>
+                    <a:lnB w="12700" cap="flat" cmpd="sng" algn="ctr">
+                      <a:solidFill>
+                        <a:schemeClr val="bg1"/>
+                      </a:solidFill>
+                      <a:prstDash val="solid"/>
+                      <a:round/>
+                      <a:headEnd type="none" w="med" len="med"/>
+                      <a:tailEnd type="none" w="med" len="med"/>
+                    </a:lnB>
+                  </a:tcPr>
+                </a:tc>
+                <a:tc>
+                  <a:txBody>
+                    <a:bodyPr/>
+                    <a:lstStyle/>
+                    <a:p>
+                      <a:pPr algn="ctr"/>
+                      <a:r>
+                        <a:rPr lang="en-CA" sz="2500" b="0" dirty="0">
+                          <a:solidFill>
+                            <a:schemeClr val="bg1"/>
+                          </a:solidFill>
+                          <a:latin typeface="Bahnschrift SemiBold Condensed" panose="020B0502040204020203" pitchFamily="34" charset="0"/>
+                        </a:rPr>
+                        <a:t>33$</a:t>
+                      </a:r>
+                    </a:p>
+                  </a:txBody>
+                  <a:tcPr anchor="ctr">
+                    <a:lnL w="12700" cap="flat" cmpd="sng" algn="ctr">
+                      <a:solidFill>
+                        <a:schemeClr val="bg1"/>
+                      </a:solidFill>
+                      <a:prstDash val="solid"/>
+                      <a:round/>
+                      <a:headEnd type="none" w="med" len="med"/>
+                      <a:tailEnd type="none" w="med" len="med"/>
+                    </a:lnL>
+                    <a:lnR w="12700" cmpd="sng">
+                      <a:solidFill>
+                        <a:schemeClr val="bg1"/>
+                      </a:solidFill>
+                      <a:prstDash val="solid"/>
+                    </a:lnR>
+                    <a:lnT w="12700" cap="flat" cmpd="sng" algn="ctr">
+                      <a:solidFill>
+                        <a:schemeClr val="bg1"/>
+                      </a:solidFill>
+                      <a:prstDash val="solid"/>
+                      <a:round/>
+                      <a:headEnd type="none" w="med" len="med"/>
+                      <a:tailEnd type="none" w="med" len="med"/>
+                    </a:lnT>
+                    <a:lnB w="12700" cap="flat" cmpd="sng" algn="ctr">
+                      <a:solidFill>
+                        <a:schemeClr val="bg1"/>
+                      </a:solidFill>
+                      <a:prstDash val="solid"/>
+                      <a:round/>
+                      <a:headEnd type="none" w="med" len="med"/>
+                      <a:tailEnd type="none" w="med" len="med"/>
+                    </a:lnB>
+                  </a:tcPr>
+                </a:tc>
+                <a:extLst>
+                  <a:ext uri="{0D108BD9-81ED-4DB2-BD59-A6C34878D82A}">
+                    <a16:rowId xmlns:a16="http://schemas.microsoft.com/office/drawing/2014/main" val="967966175"/>
+                  </a:ext>
+                </a:extLst>
+              </a:tr>
+              <a:tr h="705869">
+                <a:tc>
+                  <a:txBody>
+                    <a:bodyPr/>
+                    <a:lstStyle/>
+                    <a:p>
+                      <a:pPr algn="ctr"/>
+                      <a:r>
+                        <a:rPr lang="en-CA" sz="2500" b="1" dirty="0">
+                          <a:solidFill>
+                            <a:schemeClr val="bg1"/>
+                          </a:solidFill>
+                          <a:latin typeface="Bahnschrift SemiBold Condensed" panose="020B0502040204020203" pitchFamily="34" charset="0"/>
+                        </a:rPr>
+                        <a:t>Joystick</a:t>
+                      </a:r>
+                    </a:p>
+                  </a:txBody>
+                  <a:tcPr anchor="ctr">
+                    <a:lnL w="12700" cap="flat" cmpd="sng" algn="ctr">
+                      <a:solidFill>
+                        <a:schemeClr val="bg1"/>
+                      </a:solidFill>
+                      <a:prstDash val="solid"/>
+                      <a:round/>
+                      <a:headEnd type="none" w="med" len="med"/>
+                      <a:tailEnd type="none" w="med" len="med"/>
+                    </a:lnL>
+                    <a:lnR w="12700" cap="flat" cmpd="sng" algn="ctr">
+                      <a:solidFill>
+                        <a:schemeClr val="bg1"/>
+                      </a:solidFill>
+                      <a:prstDash val="solid"/>
+                      <a:round/>
+                      <a:headEnd type="none" w="med" len="med"/>
+                      <a:tailEnd type="none" w="med" len="med"/>
+                    </a:lnR>
+                    <a:lnT w="12700" cap="flat" cmpd="sng" algn="ctr">
+                      <a:solidFill>
+                        <a:schemeClr val="bg1"/>
+                      </a:solidFill>
+                      <a:prstDash val="solid"/>
+                      <a:round/>
+                      <a:headEnd type="none" w="med" len="med"/>
+                      <a:tailEnd type="none" w="med" len="med"/>
+                    </a:lnT>
+                    <a:lnB w="12700" cap="flat" cmpd="sng" algn="ctr">
+                      <a:solidFill>
+                        <a:schemeClr val="bg1"/>
+                      </a:solidFill>
+                      <a:prstDash val="solid"/>
+                      <a:round/>
+                      <a:headEnd type="none" w="med" len="med"/>
+                      <a:tailEnd type="none" w="med" len="med"/>
+                    </a:lnB>
+                  </a:tcPr>
+                </a:tc>
+                <a:tc>
+                  <a:txBody>
+                    <a:bodyPr/>
+                    <a:lstStyle/>
+                    <a:p>
+                      <a:pPr algn="ctr"/>
+                      <a:r>
+                        <a:rPr lang="en-CA" sz="2500" b="1" dirty="0">
+                          <a:solidFill>
+                            <a:schemeClr val="bg1"/>
+                          </a:solidFill>
+                          <a:latin typeface="Bahnschrift SemiBold Condensed" panose="020B0502040204020203" pitchFamily="34" charset="0"/>
+                        </a:rPr>
+                        <a:t>32$</a:t>
+                      </a:r>
+                    </a:p>
+                  </a:txBody>
+                  <a:tcPr anchor="ctr">
+                    <a:lnL w="12700" cap="flat" cmpd="sng" algn="ctr">
+                      <a:solidFill>
+                        <a:schemeClr val="bg1"/>
+                      </a:solidFill>
+                      <a:prstDash val="solid"/>
+                      <a:round/>
+                      <a:headEnd type="none" w="med" len="med"/>
+                      <a:tailEnd type="none" w="med" len="med"/>
+                    </a:lnL>
+                    <a:lnR w="12700" cap="flat" cmpd="sng" algn="ctr">
+                      <a:solidFill>
+                        <a:schemeClr val="bg1"/>
+                      </a:solidFill>
+                      <a:prstDash val="solid"/>
+                      <a:round/>
+                      <a:headEnd type="none" w="med" len="med"/>
+                      <a:tailEnd type="none" w="med" len="med"/>
+                    </a:lnR>
+                    <a:lnT w="12700" cap="flat" cmpd="sng" algn="ctr">
+                      <a:solidFill>
+                        <a:schemeClr val="bg1"/>
+                      </a:solidFill>
+                      <a:prstDash val="solid"/>
+                      <a:round/>
+                      <a:headEnd type="none" w="med" len="med"/>
+                      <a:tailEnd type="none" w="med" len="med"/>
+                    </a:lnT>
+                    <a:lnB w="12700" cap="flat" cmpd="sng" algn="ctr">
+                      <a:solidFill>
+                        <a:schemeClr val="bg1"/>
+                      </a:solidFill>
+                      <a:prstDash val="solid"/>
+                      <a:round/>
+                      <a:headEnd type="none" w="med" len="med"/>
+                      <a:tailEnd type="none" w="med" len="med"/>
+                    </a:lnB>
+                  </a:tcPr>
+                </a:tc>
+                <a:extLst>
+                  <a:ext uri="{0D108BD9-81ED-4DB2-BD59-A6C34878D82A}">
+                    <a16:rowId xmlns:a16="http://schemas.microsoft.com/office/drawing/2014/main" val="3903104917"/>
+                  </a:ext>
+                </a:extLst>
+              </a:tr>
+              <a:tr h="705870">
+                <a:tc>
+                  <a:txBody>
+                    <a:bodyPr/>
+                    <a:lstStyle/>
+                    <a:p>
+                      <a:pPr algn="ctr"/>
+                      <a:r>
+                        <a:rPr lang="en-CA" sz="2500" b="1" dirty="0">
+                          <a:solidFill>
+                            <a:schemeClr val="bg1"/>
+                          </a:solidFill>
+                          <a:latin typeface="Bahnschrift SemiBold Condensed" panose="020B0502040204020203" pitchFamily="34" charset="0"/>
+                        </a:rPr>
+                        <a:t>Boutons</a:t>
+                      </a:r>
+                    </a:p>
+                  </a:txBody>
+                  <a:tcPr anchor="ctr">
+                    <a:lnL w="12700" cap="flat" cmpd="sng" algn="ctr">
+                      <a:solidFill>
+                        <a:schemeClr val="bg1"/>
+                      </a:solidFill>
+                      <a:prstDash val="solid"/>
+                      <a:round/>
+                      <a:headEnd type="none" w="med" len="med"/>
+                      <a:tailEnd type="none" w="med" len="med"/>
+                    </a:lnL>
+                    <a:lnR w="12700" cap="flat" cmpd="sng" algn="ctr">
+                      <a:solidFill>
+                        <a:schemeClr val="bg1"/>
+                      </a:solidFill>
+                      <a:prstDash val="solid"/>
+                      <a:round/>
+                      <a:headEnd type="none" w="med" len="med"/>
+                      <a:tailEnd type="none" w="med" len="med"/>
+                    </a:lnR>
+                    <a:lnT w="12700" cap="flat" cmpd="sng" algn="ctr">
+                      <a:solidFill>
+                        <a:schemeClr val="bg1"/>
+                      </a:solidFill>
+                      <a:prstDash val="solid"/>
+                      <a:round/>
+                      <a:headEnd type="none" w="med" len="med"/>
+                      <a:tailEnd type="none" w="med" len="med"/>
+                    </a:lnT>
+                    <a:lnB w="12700" cap="flat" cmpd="sng" algn="ctr">
+                      <a:solidFill>
+                        <a:schemeClr val="bg1"/>
+                      </a:solidFill>
+                      <a:prstDash val="solid"/>
+                      <a:round/>
+                      <a:headEnd type="none" w="med" len="med"/>
+                      <a:tailEnd type="none" w="med" len="med"/>
+                    </a:lnB>
+                  </a:tcPr>
+                </a:tc>
+                <a:tc>
+                  <a:txBody>
+                    <a:bodyPr/>
+                    <a:lstStyle/>
+                    <a:p>
+                      <a:pPr algn="ctr"/>
+                      <a:r>
+                        <a:rPr lang="en-CA" sz="2500" b="1" dirty="0">
+                          <a:solidFill>
+                            <a:schemeClr val="bg1"/>
+                          </a:solidFill>
+                          <a:latin typeface="Bahnschrift SemiBold Condensed" panose="020B0502040204020203" pitchFamily="34" charset="0"/>
+                        </a:rPr>
+                        <a:t>20$</a:t>
+                      </a:r>
+                    </a:p>
+                  </a:txBody>
+                  <a:tcPr anchor="ctr">
+                    <a:lnL w="12700" cap="flat" cmpd="sng" algn="ctr">
+                      <a:solidFill>
+                        <a:schemeClr val="bg1"/>
+                      </a:solidFill>
+                      <a:prstDash val="solid"/>
+                      <a:round/>
+                      <a:headEnd type="none" w="med" len="med"/>
+                      <a:tailEnd type="none" w="med" len="med"/>
+                    </a:lnL>
+                    <a:lnR w="12700" cap="flat" cmpd="sng" algn="ctr">
+                      <a:solidFill>
+                        <a:schemeClr val="bg1"/>
+                      </a:solidFill>
+                      <a:prstDash val="solid"/>
+                      <a:round/>
+                      <a:headEnd type="none" w="med" len="med"/>
+                      <a:tailEnd type="none" w="med" len="med"/>
+                    </a:lnR>
+                    <a:lnT w="12700" cap="flat" cmpd="sng" algn="ctr">
+                      <a:solidFill>
+                        <a:schemeClr val="bg1"/>
+                      </a:solidFill>
+                      <a:prstDash val="solid"/>
+                      <a:round/>
+                      <a:headEnd type="none" w="med" len="med"/>
+                      <a:tailEnd type="none" w="med" len="med"/>
+                    </a:lnT>
+                    <a:lnB w="12700" cap="flat" cmpd="sng" algn="ctr">
+                      <a:solidFill>
+                        <a:schemeClr val="bg1"/>
+                      </a:solidFill>
+                      <a:prstDash val="solid"/>
+                      <a:round/>
+                      <a:headEnd type="none" w="med" len="med"/>
+                      <a:tailEnd type="none" w="med" len="med"/>
+                    </a:lnB>
+                  </a:tcPr>
+                </a:tc>
+                <a:extLst>
+                  <a:ext uri="{0D108BD9-81ED-4DB2-BD59-A6C34878D82A}">
+                    <a16:rowId xmlns:a16="http://schemas.microsoft.com/office/drawing/2014/main" val="897302474"/>
+                  </a:ext>
+                </a:extLst>
+              </a:tr>
+              <a:tr h="705870">
+                <a:tc>
+                  <a:txBody>
+                    <a:bodyPr/>
+                    <a:lstStyle/>
+                    <a:p>
+                      <a:pPr algn="ctr"/>
+                      <a:r>
+                        <a:rPr lang="fr-CA" sz="2500" b="1" noProof="0" dirty="0">
+                          <a:solidFill>
+                            <a:schemeClr val="bg1"/>
+                          </a:solidFill>
+                          <a:latin typeface="Bahnschrift SemiBold Condensed" panose="020B0502040204020203" pitchFamily="34" charset="0"/>
+                        </a:rPr>
+                        <a:t>Boîtier</a:t>
+                      </a:r>
+                    </a:p>
+                  </a:txBody>
+                  <a:tcPr anchor="ctr">
+                    <a:lnL w="12700" cap="flat" cmpd="sng" algn="ctr">
+                      <a:solidFill>
+                        <a:schemeClr val="bg1"/>
+                      </a:solidFill>
+                      <a:prstDash val="solid"/>
+                      <a:round/>
+                      <a:headEnd type="none" w="med" len="med"/>
+                      <a:tailEnd type="none" w="med" len="med"/>
+                    </a:lnL>
+                    <a:lnR w="12700" cap="flat" cmpd="sng" algn="ctr">
+                      <a:solidFill>
+                        <a:schemeClr val="bg1"/>
+                      </a:solidFill>
+                      <a:prstDash val="solid"/>
+                      <a:round/>
+                      <a:headEnd type="none" w="med" len="med"/>
+                      <a:tailEnd type="none" w="med" len="med"/>
+                    </a:lnR>
+                    <a:lnT w="12700" cap="flat" cmpd="sng" algn="ctr">
+                      <a:solidFill>
+                        <a:schemeClr val="bg1"/>
+                      </a:solidFill>
+                      <a:prstDash val="solid"/>
+                      <a:round/>
+                      <a:headEnd type="none" w="med" len="med"/>
+                      <a:tailEnd type="none" w="med" len="med"/>
+                    </a:lnT>
+                    <a:lnB w="12700" cap="flat" cmpd="sng" algn="ctr">
+                      <a:solidFill>
+                        <a:schemeClr val="bg1"/>
+                      </a:solidFill>
+                      <a:prstDash val="solid"/>
+                      <a:round/>
+                      <a:headEnd type="none" w="med" len="med"/>
+                      <a:tailEnd type="none" w="med" len="med"/>
+                    </a:lnB>
+                  </a:tcPr>
+                </a:tc>
+                <a:tc>
+                  <a:txBody>
+                    <a:bodyPr/>
+                    <a:lstStyle/>
+                    <a:p>
+                      <a:pPr algn="ctr"/>
+                      <a:r>
+                        <a:rPr lang="en-CA" sz="2500" b="1" dirty="0">
+                          <a:solidFill>
+                            <a:schemeClr val="bg1"/>
+                          </a:solidFill>
+                          <a:latin typeface="Bahnschrift SemiBold Condensed" panose="020B0502040204020203" pitchFamily="34" charset="0"/>
+                        </a:rPr>
+                        <a:t>10$</a:t>
+                      </a:r>
+                    </a:p>
+                  </a:txBody>
+                  <a:tcPr anchor="ctr">
+                    <a:lnL w="12700" cap="flat" cmpd="sng" algn="ctr">
+                      <a:solidFill>
+                        <a:schemeClr val="bg1"/>
+                      </a:solidFill>
+                      <a:prstDash val="solid"/>
+                      <a:round/>
+                      <a:headEnd type="none" w="med" len="med"/>
+                      <a:tailEnd type="none" w="med" len="med"/>
+                    </a:lnL>
+                    <a:lnR w="12700" cap="flat" cmpd="sng" algn="ctr">
+                      <a:solidFill>
+                        <a:schemeClr val="bg1"/>
+                      </a:solidFill>
+                      <a:prstDash val="solid"/>
+                      <a:round/>
+                      <a:headEnd type="none" w="med" len="med"/>
+                      <a:tailEnd type="none" w="med" len="med"/>
+                    </a:lnR>
+                    <a:lnT w="12700" cap="flat" cmpd="sng" algn="ctr">
+                      <a:solidFill>
+                        <a:schemeClr val="bg1"/>
+                      </a:solidFill>
+                      <a:prstDash val="solid"/>
+                      <a:round/>
+                      <a:headEnd type="none" w="med" len="med"/>
+                      <a:tailEnd type="none" w="med" len="med"/>
+                    </a:lnT>
+                    <a:lnB w="12700" cap="flat" cmpd="sng" algn="ctr">
+                      <a:solidFill>
+                        <a:schemeClr val="bg1"/>
+                      </a:solidFill>
+                      <a:prstDash val="solid"/>
+                      <a:round/>
+                      <a:headEnd type="none" w="med" len="med"/>
+                      <a:tailEnd type="none" w="med" len="med"/>
+                    </a:lnB>
+                  </a:tcPr>
+                </a:tc>
+                <a:extLst>
+                  <a:ext uri="{0D108BD9-81ED-4DB2-BD59-A6C34878D82A}">
+                    <a16:rowId xmlns:a16="http://schemas.microsoft.com/office/drawing/2014/main" val="2939287432"/>
+                  </a:ext>
+                </a:extLst>
+              </a:tr>
+              <a:tr h="705869">
+                <a:tc>
+                  <a:txBody>
+                    <a:bodyPr/>
+                    <a:lstStyle/>
+                    <a:p>
+                      <a:pPr algn="ctr"/>
+                      <a:r>
+                        <a:rPr lang="fr-CA" sz="2500" b="1" noProof="0" dirty="0">
+                          <a:solidFill>
+                            <a:schemeClr val="bg1"/>
+                          </a:solidFill>
+                          <a:latin typeface="Bahnschrift SemiBold Condensed" panose="020B0502040204020203" pitchFamily="34" charset="0"/>
+                        </a:rPr>
+                        <a:t>Électronique</a:t>
+                      </a:r>
+                    </a:p>
+                  </a:txBody>
+                  <a:tcPr anchor="ctr">
+                    <a:lnL w="12700" cap="flat" cmpd="sng" algn="ctr">
+                      <a:solidFill>
+                        <a:schemeClr val="bg1"/>
+                      </a:solidFill>
+                      <a:prstDash val="solid"/>
+                      <a:round/>
+                      <a:headEnd type="none" w="med" len="med"/>
+                      <a:tailEnd type="none" w="med" len="med"/>
+                    </a:lnL>
+                    <a:lnR w="12700" cap="flat" cmpd="sng" algn="ctr">
+                      <a:solidFill>
+                        <a:schemeClr val="bg1"/>
+                      </a:solidFill>
+                      <a:prstDash val="solid"/>
+                      <a:round/>
+                      <a:headEnd type="none" w="med" len="med"/>
+                      <a:tailEnd type="none" w="med" len="med"/>
+                    </a:lnR>
+                    <a:lnT w="12700" cap="flat" cmpd="sng" algn="ctr">
+                      <a:solidFill>
+                        <a:schemeClr val="bg1"/>
+                      </a:solidFill>
+                      <a:prstDash val="solid"/>
+                      <a:round/>
+                      <a:headEnd type="none" w="med" len="med"/>
+                      <a:tailEnd type="none" w="med" len="med"/>
+                    </a:lnT>
+                    <a:lnB w="12700" cap="flat" cmpd="sng" algn="ctr">
+                      <a:solidFill>
+                        <a:schemeClr val="bg1"/>
+                      </a:solidFill>
+                      <a:prstDash val="solid"/>
+                      <a:round/>
+                      <a:headEnd type="none" w="med" len="med"/>
+                      <a:tailEnd type="none" w="med" len="med"/>
+                    </a:lnB>
+                  </a:tcPr>
+                </a:tc>
+                <a:tc>
+                  <a:txBody>
+                    <a:bodyPr/>
+                    <a:lstStyle/>
+                    <a:p>
+                      <a:pPr algn="ctr"/>
+                      <a:r>
+                        <a:rPr lang="en-CA" sz="2500" b="1" dirty="0">
+                          <a:solidFill>
+                            <a:schemeClr val="bg1"/>
+                          </a:solidFill>
+                          <a:latin typeface="Bahnschrift SemiBold Condensed" panose="020B0502040204020203" pitchFamily="34" charset="0"/>
+                        </a:rPr>
+                        <a:t>35$</a:t>
+                      </a:r>
+                    </a:p>
+                  </a:txBody>
+                  <a:tcPr anchor="ctr">
+                    <a:lnL w="12700" cap="flat" cmpd="sng" algn="ctr">
+                      <a:solidFill>
+                        <a:schemeClr val="bg1"/>
+                      </a:solidFill>
+                      <a:prstDash val="solid"/>
+                      <a:round/>
+                      <a:headEnd type="none" w="med" len="med"/>
+                      <a:tailEnd type="none" w="med" len="med"/>
+                    </a:lnL>
+                    <a:lnR w="12700" cap="flat" cmpd="sng" algn="ctr">
+                      <a:solidFill>
+                        <a:schemeClr val="bg1"/>
+                      </a:solidFill>
+                      <a:prstDash val="solid"/>
+                      <a:round/>
+                      <a:headEnd type="none" w="med" len="med"/>
+                      <a:tailEnd type="none" w="med" len="med"/>
+                    </a:lnR>
+                    <a:lnT w="12700" cap="flat" cmpd="sng" algn="ctr">
+                      <a:solidFill>
+                        <a:schemeClr val="bg1"/>
+                      </a:solidFill>
+                      <a:prstDash val="solid"/>
+                      <a:round/>
+                      <a:headEnd type="none" w="med" len="med"/>
+                      <a:tailEnd type="none" w="med" len="med"/>
+                    </a:lnT>
+                    <a:lnB w="12700" cap="flat" cmpd="sng" algn="ctr">
+                      <a:solidFill>
+                        <a:schemeClr val="bg1"/>
+                      </a:solidFill>
+                      <a:prstDash val="solid"/>
+                      <a:round/>
+                      <a:headEnd type="none" w="med" len="med"/>
+                      <a:tailEnd type="none" w="med" len="med"/>
+                    </a:lnB>
+                  </a:tcPr>
+                </a:tc>
+                <a:extLst>
+                  <a:ext uri="{0D108BD9-81ED-4DB2-BD59-A6C34878D82A}">
+                    <a16:rowId xmlns:a16="http://schemas.microsoft.com/office/drawing/2014/main" val="3883187285"/>
+                  </a:ext>
+                </a:extLst>
+              </a:tr>
+              <a:tr h="705869">
+                <a:tc>
+                  <a:txBody>
+                    <a:bodyPr/>
+                    <a:lstStyle/>
+                    <a:p>
+                      <a:pPr algn="ctr"/>
+                      <a:r>
+                        <a:rPr lang="en-CA" sz="2500" b="1" dirty="0">
+                          <a:solidFill>
+                            <a:schemeClr val="bg1"/>
+                          </a:solidFill>
+                          <a:latin typeface="Bahnschrift SemiBold Condensed" panose="020B0502040204020203" pitchFamily="34" charset="0"/>
+                        </a:rPr>
+                        <a:t>Total</a:t>
+                      </a:r>
+                    </a:p>
+                  </a:txBody>
+                  <a:tcPr anchor="ctr">
+                    <a:lnL w="12700" cap="flat" cmpd="sng" algn="ctr">
+                      <a:solidFill>
+                        <a:schemeClr val="bg1"/>
+                      </a:solidFill>
+                      <a:prstDash val="solid"/>
+                      <a:round/>
+                      <a:headEnd type="none" w="med" len="med"/>
+                      <a:tailEnd type="none" w="med" len="med"/>
+                    </a:lnL>
+                    <a:lnR w="12700" cap="flat" cmpd="sng" algn="ctr">
+                      <a:solidFill>
+                        <a:schemeClr val="bg1"/>
+                      </a:solidFill>
+                      <a:prstDash val="solid"/>
+                      <a:round/>
+                      <a:headEnd type="none" w="med" len="med"/>
+                      <a:tailEnd type="none" w="med" len="med"/>
+                    </a:lnR>
+                    <a:lnT w="12700" cap="flat" cmpd="sng" algn="ctr">
+                      <a:solidFill>
+                        <a:schemeClr val="bg1"/>
+                      </a:solidFill>
+                      <a:prstDash val="solid"/>
+                      <a:round/>
+                      <a:headEnd type="none" w="med" len="med"/>
+                      <a:tailEnd type="none" w="med" len="med"/>
+                    </a:lnT>
+                    <a:lnB w="12700" cmpd="sng">
+                      <a:solidFill>
+                        <a:schemeClr val="bg1"/>
+                      </a:solidFill>
+                      <a:prstDash val="solid"/>
+                    </a:lnB>
+                  </a:tcPr>
+                </a:tc>
+                <a:tc>
+                  <a:txBody>
+                    <a:bodyPr/>
+                    <a:lstStyle/>
+                    <a:p>
+                      <a:pPr algn="ctr"/>
+                      <a:r>
+                        <a:rPr lang="en-CA" sz="2500" b="1" dirty="0">
+                          <a:solidFill>
+                            <a:schemeClr val="bg1"/>
+                          </a:solidFill>
+                          <a:latin typeface="Bahnschrift SemiBold Condensed" panose="020B0502040204020203" pitchFamily="34" charset="0"/>
+                        </a:rPr>
+                        <a:t>130$</a:t>
+                      </a:r>
+                    </a:p>
+                  </a:txBody>
+                  <a:tcPr anchor="ctr">
+                    <a:lnL w="12700" cap="flat" cmpd="sng" algn="ctr">
+                      <a:solidFill>
+                        <a:schemeClr val="bg1"/>
+                      </a:solidFill>
+                      <a:prstDash val="solid"/>
+                      <a:round/>
+                      <a:headEnd type="none" w="med" len="med"/>
+                      <a:tailEnd type="none" w="med" len="med"/>
+                    </a:lnL>
+                    <a:lnR w="12700" cap="flat" cmpd="sng" algn="ctr">
+                      <a:solidFill>
+                        <a:schemeClr val="bg1"/>
+                      </a:solidFill>
+                      <a:prstDash val="solid"/>
+                      <a:round/>
+                      <a:headEnd type="none" w="med" len="med"/>
+                      <a:tailEnd type="none" w="med" len="med"/>
+                    </a:lnR>
+                    <a:lnT w="12700" cap="flat" cmpd="sng" algn="ctr">
+                      <a:solidFill>
+                        <a:schemeClr val="bg1"/>
+                      </a:solidFill>
+                      <a:prstDash val="solid"/>
+                      <a:round/>
+                      <a:headEnd type="none" w="med" len="med"/>
+                      <a:tailEnd type="none" w="med" len="med"/>
+                    </a:lnT>
+                    <a:lnB w="12700" cap="flat" cmpd="sng" algn="ctr">
+                      <a:solidFill>
+                        <a:schemeClr val="bg1"/>
+                      </a:solidFill>
+                      <a:prstDash val="solid"/>
+                      <a:round/>
+                      <a:headEnd type="none" w="med" len="med"/>
+                      <a:tailEnd type="none" w="med" len="med"/>
+                    </a:lnB>
+                  </a:tcPr>
+                </a:tc>
+                <a:extLst>
+                  <a:ext uri="{0D108BD9-81ED-4DB2-BD59-A6C34878D82A}">
+                    <a16:rowId xmlns:a16="http://schemas.microsoft.com/office/drawing/2014/main" val="30935214"/>
+                  </a:ext>
+                </a:extLst>
+              </a:tr>
+            </a:tbl>
+          </a:graphicData>
+        </a:graphic>
+      </p:graphicFrame>
+    </p:spTree>
+    <p:extLst>
+      <p:ext uri="{BB962C8B-B14F-4D97-AF65-F5344CB8AC3E}">
+        <p14:creationId xmlns:p14="http://schemas.microsoft.com/office/powerpoint/2010/main" val="4015542415"/>
+      </p:ext>
+    </p:extLst>
+  </p:cSld>
+  <p:clrMapOvr>
+    <a:masterClrMapping/>
+  </p:clrMapOvr>
+  <mc:AlternateContent xmlns:mc="http://schemas.openxmlformats.org/markup-compatibility/2006" xmlns:p159="http://schemas.microsoft.com/office/powerpoint/2015/09/main">
+    <mc:Choice Requires="p159">
+      <p:transition xmlns:p14="http://schemas.microsoft.com/office/powerpoint/2010/main" spd="slow" p14:dur="2000">
+        <p159:morph option="byObject"/>
+      </p:transition>
+    </mc:Choice>
+    <mc:Fallback xmlns="">
+      <p:transition spd="slow">
+        <p:fade/>
+      </p:transition>
+    </mc:Fallback>
+  </mc:AlternateContent>
+</p:sld>
+</file>
+
+<file path=ppt/slides/slide7.xml><?xml version="1.0" encoding="utf-8"?>
+<p:sld xmlns:a="http://schemas.openxmlformats.org/drawingml/2006/main" xmlns:r="http://schemas.openxmlformats.org/officeDocument/2006/relationships" xmlns:p="http://schemas.openxmlformats.org/presentationml/2006/main">
+  <p:cSld>
+    <p:bg>
+      <p:bgPr>
+        <a:solidFill>
+          <a:srgbClr val="EF4C45"/>
+        </a:solidFill>
+        <a:effectLst/>
+      </p:bgPr>
+    </p:bg>
+    <p:spTree>
+      <p:nvGrpSpPr>
+        <p:cNvPr id="1" name=""/>
+        <p:cNvGrpSpPr/>
+        <p:nvPr/>
+      </p:nvGrpSpPr>
+      <p:grpSpPr>
+        <a:xfrm>
+          <a:off x="0" y="0"/>
+          <a:ext cx="0" cy="0"/>
+          <a:chOff x="0" y="0"/>
+          <a:chExt cx="0" cy="0"/>
+        </a:xfrm>
+      </p:grpSpPr>
+      <p:cxnSp>
+        <p:nvCxnSpPr>
+          <p:cNvPr id="27" name="Connecteur droit 26">
+            <a:extLst>
+              <a:ext uri="{FF2B5EF4-FFF2-40B4-BE49-F238E27FC236}">
+                <a16:creationId xmlns:a16="http://schemas.microsoft.com/office/drawing/2014/main" id="{BC166031-8E90-EE75-909A-BA1B893D540D}"/>
+              </a:ext>
+            </a:extLst>
+          </p:cNvPr>
+          <p:cNvCxnSpPr>
+            <a:cxnSpLocks/>
+          </p:cNvCxnSpPr>
+          <p:nvPr/>
+        </p:nvCxnSpPr>
+        <p:spPr>
+          <a:xfrm>
+            <a:off x="2096857" y="-373503"/>
+            <a:ext cx="7096125" cy="0"/>
+          </a:xfrm>
+          <a:prstGeom prst="line">
+            <a:avLst/>
+          </a:prstGeom>
+          <a:ln>
+            <a:solidFill>
+              <a:schemeClr val="bg1"/>
+            </a:solidFill>
+          </a:ln>
+        </p:spPr>
+        <p:style>
+          <a:lnRef idx="1">
+            <a:schemeClr val="accent1"/>
+          </a:lnRef>
+          <a:fillRef idx="0">
+            <a:schemeClr val="accent1"/>
+          </a:fillRef>
+          <a:effectRef idx="0">
+            <a:schemeClr val="accent1"/>
+          </a:effectRef>
+          <a:fontRef idx="minor">
+            <a:schemeClr val="tx1"/>
+          </a:fontRef>
+        </p:style>
+      </p:cxnSp>
+      <p:sp>
+        <p:nvSpPr>
+          <p:cNvPr id="28" name="ZoneTexte 27">
+            <a:extLst>
+              <a:ext uri="{FF2B5EF4-FFF2-40B4-BE49-F238E27FC236}">
+                <a16:creationId xmlns:a16="http://schemas.microsoft.com/office/drawing/2014/main" id="{A5C956D1-D52B-6D3B-B8B5-309373AF32E8}"/>
+              </a:ext>
+            </a:extLst>
+          </p:cNvPr>
+          <p:cNvSpPr txBox="1"/>
+          <p:nvPr/>
+        </p:nvSpPr>
+        <p:spPr>
+          <a:xfrm>
+            <a:off x="1494449" y="-1756497"/>
+            <a:ext cx="8380564" cy="1569660"/>
+          </a:xfrm>
+          <a:prstGeom prst="rect">
+            <a:avLst/>
+          </a:prstGeom>
+          <a:noFill/>
+        </p:spPr>
+        <p:txBody>
+          <a:bodyPr wrap="square" rtlCol="0">
+            <a:spAutoFit/>
+          </a:bodyPr>
+          <a:lstStyle/>
+          <a:p>
+            <a:pPr algn="ctr"/>
+            <a:r>
+              <a:rPr lang="fr-CA" sz="9600" dirty="0">
+                <a:solidFill>
+                  <a:schemeClr val="bg1"/>
+                </a:solidFill>
+                <a:latin typeface="Bahnschrift SemiBold Condensed" panose="020B0502040204020203" pitchFamily="34" charset="0"/>
+              </a:rPr>
+              <a:t>COMMENT JOUER ?</a:t>
+            </a:r>
+          </a:p>
+        </p:txBody>
+      </p:sp>
+      <p:sp>
+        <p:nvSpPr>
+          <p:cNvPr id="5" name="Triangle rectangle 4">
+            <a:extLst>
+              <a:ext uri="{FF2B5EF4-FFF2-40B4-BE49-F238E27FC236}">
+                <a16:creationId xmlns:a16="http://schemas.microsoft.com/office/drawing/2014/main" id="{B39C6BC1-67CF-3206-C064-66426029E4E5}"/>
+              </a:ext>
+            </a:extLst>
+          </p:cNvPr>
+          <p:cNvSpPr/>
+          <p:nvPr/>
+        </p:nvSpPr>
+        <p:spPr>
+          <a:xfrm rot="10800000" flipV="1">
+            <a:off x="0" y="245150"/>
+            <a:ext cx="12192000" cy="6612850"/>
+          </a:xfrm>
+          <a:prstGeom prst="rtTriangle">
+            <a:avLst/>
+          </a:prstGeom>
+          <a:solidFill>
+            <a:srgbClr val="2A7507"/>
+          </a:solidFill>
+        </p:spPr>
+        <p:style>
+          <a:lnRef idx="3">
+            <a:schemeClr val="lt1"/>
+          </a:lnRef>
+          <a:fillRef idx="1">
+            <a:schemeClr val="accent2"/>
+          </a:fillRef>
+          <a:effectRef idx="1">
+            <a:schemeClr val="accent2"/>
+          </a:effectRef>
+          <a:fontRef idx="minor">
+            <a:schemeClr val="lt1"/>
+          </a:fontRef>
+        </p:style>
+        <p:txBody>
+          <a:bodyPr rtlCol="0" anchor="ctr"/>
+          <a:lstStyle/>
+          <a:p>
+            <a:pPr algn="ctr"/>
+            <a:endParaRPr lang="fr-CA" dirty="0"/>
+          </a:p>
+        </p:txBody>
+      </p:sp>
+      <p:sp>
+        <p:nvSpPr>
+          <p:cNvPr id="2" name="Rectangle 1">
+            <a:extLst>
+              <a:ext uri="{FF2B5EF4-FFF2-40B4-BE49-F238E27FC236}">
+                <a16:creationId xmlns:a16="http://schemas.microsoft.com/office/drawing/2014/main" id="{30861708-0A7B-BA81-4854-FB30052273AB}"/>
+              </a:ext>
+            </a:extLst>
+          </p:cNvPr>
+          <p:cNvSpPr/>
+          <p:nvPr/>
+        </p:nvSpPr>
+        <p:spPr>
+          <a:xfrm rot="19885905">
+            <a:off x="-1099651" y="3266739"/>
+            <a:ext cx="14443473" cy="337479"/>
+          </a:xfrm>
+          <a:prstGeom prst="rect">
+            <a:avLst/>
+          </a:prstGeom>
+        </p:spPr>
+        <p:style>
+          <a:lnRef idx="2">
+            <a:schemeClr val="dk1">
+              <a:shade val="50000"/>
+            </a:schemeClr>
+          </a:lnRef>
+          <a:fillRef idx="1">
+            <a:schemeClr val="dk1"/>
+          </a:fillRef>
+          <a:effectRef idx="0">
+            <a:schemeClr val="dk1"/>
+          </a:effectRef>
+          <a:fontRef idx="minor">
+            <a:schemeClr val="lt1"/>
+          </a:fontRef>
+        </p:style>
+        <p:txBody>
+          <a:bodyPr rtlCol="0" anchor="ctr"/>
+          <a:lstStyle/>
+          <a:p>
+            <a:pPr algn="ctr"/>
+            <a:endParaRPr lang="fr-CA"/>
+          </a:p>
+        </p:txBody>
+      </p:sp>
+      <p:pic>
+        <p:nvPicPr>
+          <p:cNvPr id="4098" name="Picture 2" descr="Xbox - Free logo icons">
+            <a:extLst>
+              <a:ext uri="{FF2B5EF4-FFF2-40B4-BE49-F238E27FC236}">
+                <a16:creationId xmlns:a16="http://schemas.microsoft.com/office/drawing/2014/main" id="{6EB7EFAA-730E-0B33-ADA2-AD2DC395C01B}"/>
+              </a:ext>
+            </a:extLst>
+          </p:cNvPr>
+          <p:cNvPicPr>
+            <a:picLocks noChangeAspect="1" noChangeArrowheads="1"/>
+          </p:cNvPicPr>
+          <p:nvPr/>
+        </p:nvPicPr>
+        <p:blipFill>
+          <a:blip r:embed="rId2">
+            <a:extLst>
+              <a:ext uri="{28A0092B-C50C-407E-A947-70E740481C1C}">
+                <a14:useLocalDpi xmlns:a14="http://schemas.microsoft.com/office/drawing/2010/main" val="0"/>
+              </a:ext>
+            </a:extLst>
+          </a:blip>
+          <a:srcRect/>
+          <a:stretch>
+            <a:fillRect/>
+          </a:stretch>
+        </p:blipFill>
+        <p:spPr bwMode="auto">
+          <a:xfrm>
+            <a:off x="8208781" y="2820686"/>
+            <a:ext cx="3332464" cy="3332464"/>
+          </a:xfrm>
+          <a:prstGeom prst="ellipse">
+            <a:avLst/>
+          </a:prstGeom>
+          <a:ln w="63500" cap="rnd">
+            <a:solidFill>
+              <a:srgbClr val="333333"/>
+            </a:solidFill>
+          </a:ln>
+          <a:effectLst>
+            <a:outerShdw blurRad="381000" dist="292100" dir="5400000" sx="-80000" sy="-18000" rotWithShape="0">
+              <a:srgbClr val="000000">
+                <a:alpha val="0"/>
+              </a:srgbClr>
+            </a:outerShdw>
+          </a:effectLst>
+          <a:scene3d>
+            <a:camera prst="orthographicFront"/>
+            <a:lightRig rig="contrasting" dir="t">
+              <a:rot lat="0" lon="0" rev="3000000"/>
+            </a:lightRig>
+          </a:scene3d>
+          <a:sp3d contourW="7620">
+            <a:bevelT w="95250" h="31750"/>
+            <a:contourClr>
+              <a:srgbClr val="333333"/>
+            </a:contourClr>
+          </a:sp3d>
+          <a:extLst>
+            <a:ext uri="{909E8E84-426E-40DD-AFC4-6F175D3DCCD1}">
+              <a14:hiddenFill xmlns:a14="http://schemas.microsoft.com/office/drawing/2010/main">
+                <a:solidFill>
+                  <a:srgbClr val="FFFFFF"/>
+                </a:solidFill>
+              </a14:hiddenFill>
+            </a:ext>
+          </a:extLst>
+        </p:spPr>
+      </p:pic>
       <p:grpSp>
         <p:nvGrpSpPr>
           <p:cNvPr id="3" name="Groupe 2">
@@ -8310,8 +9822,8 @@
         </p:nvGrpSpPr>
         <p:grpSpPr>
           <a:xfrm>
-            <a:off x="6991828" y="1460459"/>
-            <a:ext cx="4195206" cy="3942142"/>
+            <a:off x="650756" y="641324"/>
+            <a:ext cx="3332464" cy="3332464"/>
             <a:chOff x="1755007" y="304590"/>
             <a:chExt cx="4010981" cy="4010981"/>
           </a:xfrm>
@@ -8427,7 +9939,7 @@
         </p:nvSpPr>
         <p:spPr>
           <a:xfrm>
-            <a:off x="-6717653" y="-662792"/>
+            <a:off x="1931803" y="615786"/>
             <a:ext cx="8380564" cy="1815882"/>
           </a:xfrm>
           <a:prstGeom prst="rect">
@@ -8449,786 +9961,7 @@
                 </a:solidFill>
                 <a:latin typeface="Bahnschrift SemiBold Condensed" panose="020B0502040204020203" pitchFamily="34" charset="0"/>
               </a:rPr>
-              <a:t>± 140$CAD</a:t>
-            </a:r>
-          </a:p>
-          <a:p>
-            <a:pPr algn="ctr"/>
-            <a:r>
-              <a:rPr lang="fr-CA" sz="2800" dirty="0">
-                <a:solidFill>
-                  <a:schemeClr val="bg1"/>
-                </a:solidFill>
-                <a:latin typeface="Bahnschrift SemiBold Condensed" panose="020B0502040204020203" pitchFamily="34" charset="0"/>
-              </a:rPr>
-              <a:t>(équipements compris)</a:t>
-            </a:r>
-          </a:p>
-        </p:txBody>
-      </p:sp>
-      <p:sp>
-        <p:nvSpPr>
-          <p:cNvPr id="10" name="ZoneTexte 9">
-            <a:extLst>
-              <a:ext uri="{FF2B5EF4-FFF2-40B4-BE49-F238E27FC236}">
-                <a16:creationId xmlns:a16="http://schemas.microsoft.com/office/drawing/2014/main" id="{EF2BC40C-E845-4BE3-B151-24FC9F9C90F8}"/>
-              </a:ext>
-            </a:extLst>
-          </p:cNvPr>
-          <p:cNvSpPr txBox="1"/>
-          <p:nvPr/>
-        </p:nvSpPr>
-        <p:spPr>
-          <a:xfrm>
-            <a:off x="-3842539" y="9982549"/>
-            <a:ext cx="8380564" cy="1815882"/>
-          </a:xfrm>
-          <a:prstGeom prst="rect">
-            <a:avLst/>
-          </a:prstGeom>
-          <a:noFill/>
-        </p:spPr>
-        <p:txBody>
-          <a:bodyPr wrap="square" rtlCol="0">
-            <a:spAutoFit/>
-          </a:bodyPr>
-          <a:lstStyle/>
-          <a:p>
-            <a:pPr algn="ctr"/>
-            <a:r>
-              <a:rPr lang="fr-CA" sz="8000" dirty="0">
-                <a:solidFill>
-                  <a:schemeClr val="bg1"/>
-                </a:solidFill>
-                <a:latin typeface="Bahnschrift SemiBold Condensed" panose="020B0502040204020203" pitchFamily="34" charset="0"/>
-              </a:rPr>
-              <a:t> </a:t>
-            </a:r>
-            <a:r>
-              <a:rPr lang="fr-CA" sz="6000" dirty="0">
-                <a:solidFill>
-                  <a:schemeClr val="bg1"/>
-                </a:solidFill>
-                <a:latin typeface="Bahnschrift SemiBold Condensed" panose="020B0502040204020203" pitchFamily="34" charset="0"/>
-              </a:rPr>
-              <a:t>130$CAD + taxes</a:t>
-            </a:r>
-          </a:p>
-          <a:p>
-            <a:pPr algn="ctr"/>
-            <a:r>
-              <a:rPr lang="fr-CA" sz="2800" dirty="0">
-                <a:solidFill>
-                  <a:schemeClr val="bg1"/>
-                </a:solidFill>
-                <a:latin typeface="Bahnschrift SemiBold Condensed" panose="020B0502040204020203" pitchFamily="34" charset="0"/>
-              </a:rPr>
-              <a:t>(rien compris)</a:t>
-            </a:r>
-          </a:p>
-        </p:txBody>
-      </p:sp>
-      <p:cxnSp>
-        <p:nvCxnSpPr>
-          <p:cNvPr id="8" name="Connecteur droit 7">
-            <a:extLst>
-              <a:ext uri="{FF2B5EF4-FFF2-40B4-BE49-F238E27FC236}">
-                <a16:creationId xmlns:a16="http://schemas.microsoft.com/office/drawing/2014/main" id="{18A72F62-C5C3-177F-DCB4-558510116B8D}"/>
-              </a:ext>
-            </a:extLst>
-          </p:cNvPr>
-          <p:cNvCxnSpPr>
-            <a:cxnSpLocks/>
-          </p:cNvCxnSpPr>
-          <p:nvPr/>
-        </p:nvCxnSpPr>
-        <p:spPr>
-          <a:xfrm>
-            <a:off x="14615233" y="0"/>
-            <a:ext cx="11852063" cy="0"/>
-          </a:xfrm>
-          <a:prstGeom prst="line">
-            <a:avLst/>
-          </a:prstGeom>
-          <a:ln>
-            <a:solidFill>
-              <a:schemeClr val="bg1"/>
-            </a:solidFill>
-          </a:ln>
-        </p:spPr>
-        <p:style>
-          <a:lnRef idx="1">
-            <a:schemeClr val="accent1"/>
-          </a:lnRef>
-          <a:fillRef idx="0">
-            <a:schemeClr val="accent1"/>
-          </a:fillRef>
-          <a:effectRef idx="0">
-            <a:schemeClr val="accent1"/>
-          </a:effectRef>
-          <a:fontRef idx="minor">
-            <a:schemeClr val="tx1"/>
-          </a:fontRef>
-        </p:style>
-      </p:cxnSp>
-      <p:sp>
-        <p:nvSpPr>
-          <p:cNvPr id="9" name="ZoneTexte 8">
-            <a:extLst>
-              <a:ext uri="{FF2B5EF4-FFF2-40B4-BE49-F238E27FC236}">
-                <a16:creationId xmlns:a16="http://schemas.microsoft.com/office/drawing/2014/main" id="{D6C8A219-0FBF-0D0E-3D31-1BE03315307E}"/>
-              </a:ext>
-            </a:extLst>
-          </p:cNvPr>
-          <p:cNvSpPr txBox="1"/>
-          <p:nvPr/>
-        </p:nvSpPr>
-        <p:spPr>
-          <a:xfrm>
-            <a:off x="66123" y="-1872005"/>
-            <a:ext cx="7144851" cy="1569660"/>
-          </a:xfrm>
-          <a:prstGeom prst="rect">
-            <a:avLst/>
-          </a:prstGeom>
-          <a:noFill/>
-        </p:spPr>
-        <p:txBody>
-          <a:bodyPr wrap="square" rtlCol="0">
-            <a:spAutoFit/>
-          </a:bodyPr>
-          <a:lstStyle/>
-          <a:p>
-            <a:r>
-              <a:rPr lang="fr-CA" sz="9600" dirty="0">
-                <a:solidFill>
-                  <a:schemeClr val="bg1"/>
-                </a:solidFill>
-                <a:latin typeface="Bahnschrift SemiBold Condensed" panose="020B0502040204020203" pitchFamily="34" charset="0"/>
-              </a:rPr>
-              <a:t>NOS CLIENTS </a:t>
-            </a:r>
-          </a:p>
-        </p:txBody>
-      </p:sp>
-      <p:pic>
-        <p:nvPicPr>
-          <p:cNvPr id="11" name="Picture 4" descr="Client icon | Free SVG">
-            <a:extLst>
-              <a:ext uri="{FF2B5EF4-FFF2-40B4-BE49-F238E27FC236}">
-                <a16:creationId xmlns:a16="http://schemas.microsoft.com/office/drawing/2014/main" id="{FCDBB9B4-B48B-6DCA-35AD-8B271D2E6AB3}"/>
-              </a:ext>
-            </a:extLst>
-          </p:cNvPr>
-          <p:cNvPicPr>
-            <a:picLocks noChangeAspect="1" noChangeArrowheads="1"/>
-          </p:cNvPicPr>
-          <p:nvPr/>
-        </p:nvPicPr>
-        <p:blipFill>
-          <a:blip r:embed="rId5">
-            <a:extLst>
-              <a:ext uri="{28A0092B-C50C-407E-A947-70E740481C1C}">
-                <a14:useLocalDpi xmlns:a14="http://schemas.microsoft.com/office/drawing/2010/main" val="0"/>
-              </a:ext>
-            </a:extLst>
-          </a:blip>
-          <a:srcRect/>
-          <a:stretch>
-            <a:fillRect/>
-          </a:stretch>
-        </p:blipFill>
-        <p:spPr bwMode="auto">
-          <a:xfrm>
-            <a:off x="5071346" y="-4314214"/>
-            <a:ext cx="3332464" cy="3332464"/>
-          </a:xfrm>
-          <a:prstGeom prst="rect">
-            <a:avLst/>
-          </a:prstGeom>
-          <a:noFill/>
-          <a:extLst>
-            <a:ext uri="{909E8E84-426E-40DD-AFC4-6F175D3DCCD1}">
-              <a14:hiddenFill xmlns:a14="http://schemas.microsoft.com/office/drawing/2010/main">
-                <a:solidFill>
-                  <a:srgbClr val="FFFFFF"/>
-                </a:solidFill>
-              </a14:hiddenFill>
-            </a:ext>
-          </a:extLst>
-        </p:spPr>
-      </p:pic>
-      <p:sp>
-        <p:nvSpPr>
-          <p:cNvPr id="12" name="ZoneTexte 11">
-            <a:extLst>
-              <a:ext uri="{FF2B5EF4-FFF2-40B4-BE49-F238E27FC236}">
-                <a16:creationId xmlns:a16="http://schemas.microsoft.com/office/drawing/2014/main" id="{169DA3BC-31C1-08CB-A006-A47CCD19F3F5}"/>
-              </a:ext>
-            </a:extLst>
-          </p:cNvPr>
-          <p:cNvSpPr txBox="1"/>
-          <p:nvPr/>
-        </p:nvSpPr>
-        <p:spPr>
-          <a:xfrm>
-            <a:off x="-7067681" y="4739867"/>
-            <a:ext cx="5413829" cy="1015663"/>
-          </a:xfrm>
-          <a:prstGeom prst="rect">
-            <a:avLst/>
-          </a:prstGeom>
-          <a:noFill/>
-        </p:spPr>
-        <p:txBody>
-          <a:bodyPr wrap="square" rtlCol="0">
-            <a:spAutoFit/>
-          </a:bodyPr>
-          <a:lstStyle/>
-          <a:p>
-            <a:r>
-              <a:rPr lang="fr-CA" sz="6000" dirty="0">
-                <a:solidFill>
-                  <a:schemeClr val="bg1"/>
-                </a:solidFill>
-                <a:latin typeface="Bahnschrift SemiBold Condensed" panose="020B0502040204020203" pitchFamily="34" charset="0"/>
-              </a:rPr>
-              <a:t>LES ÉCOLES</a:t>
-            </a:r>
-          </a:p>
-        </p:txBody>
-      </p:sp>
-      <p:sp>
-        <p:nvSpPr>
-          <p:cNvPr id="17" name="ZoneTexte 16">
-            <a:extLst>
-              <a:ext uri="{FF2B5EF4-FFF2-40B4-BE49-F238E27FC236}">
-                <a16:creationId xmlns:a16="http://schemas.microsoft.com/office/drawing/2014/main" id="{707FF9DE-D323-AA01-7075-8F0773DF111E}"/>
-              </a:ext>
-            </a:extLst>
-          </p:cNvPr>
-          <p:cNvSpPr txBox="1"/>
-          <p:nvPr/>
-        </p:nvSpPr>
-        <p:spPr>
-          <a:xfrm>
-            <a:off x="-5347706" y="7212053"/>
-            <a:ext cx="5413829" cy="1938992"/>
-          </a:xfrm>
-          <a:prstGeom prst="rect">
-            <a:avLst/>
-          </a:prstGeom>
-          <a:noFill/>
-        </p:spPr>
-        <p:txBody>
-          <a:bodyPr wrap="square" rtlCol="0">
-            <a:spAutoFit/>
-          </a:bodyPr>
-          <a:lstStyle/>
-          <a:p>
-            <a:r>
-              <a:rPr lang="fr-CA" sz="6000" dirty="0">
-                <a:solidFill>
-                  <a:schemeClr val="bg1"/>
-                </a:solidFill>
-                <a:latin typeface="Bahnschrift SemiBold Condensed" panose="020B0502040204020203" pitchFamily="34" charset="0"/>
-              </a:rPr>
-              <a:t>LES CENTRES ADAPTÉS</a:t>
-            </a:r>
-          </a:p>
-        </p:txBody>
-      </p:sp>
-      <p:sp>
-        <p:nvSpPr>
-          <p:cNvPr id="18" name="ZoneTexte 17">
-            <a:extLst>
-              <a:ext uri="{FF2B5EF4-FFF2-40B4-BE49-F238E27FC236}">
-                <a16:creationId xmlns:a16="http://schemas.microsoft.com/office/drawing/2014/main" id="{04D24A97-C73B-F342-72CA-3BE3A64523E9}"/>
-              </a:ext>
-            </a:extLst>
-          </p:cNvPr>
-          <p:cNvSpPr txBox="1"/>
-          <p:nvPr/>
-        </p:nvSpPr>
-        <p:spPr>
-          <a:xfrm>
-            <a:off x="20750813" y="5780892"/>
-            <a:ext cx="3647666" cy="2862322"/>
-          </a:xfrm>
-          <a:prstGeom prst="rect">
-            <a:avLst/>
-          </a:prstGeom>
-          <a:noFill/>
-        </p:spPr>
-        <p:txBody>
-          <a:bodyPr wrap="square" rtlCol="0">
-            <a:spAutoFit/>
-          </a:bodyPr>
-          <a:lstStyle/>
-          <a:p>
-            <a:r>
-              <a:rPr lang="fr-CA" sz="6000" dirty="0">
-                <a:solidFill>
-                  <a:schemeClr val="bg1"/>
-                </a:solidFill>
-                <a:latin typeface="Bahnschrift SemiBold Condensed" panose="020B0502040204020203" pitchFamily="34" charset="0"/>
-              </a:rPr>
-              <a:t>PERSONNES À MOBILITÉ RÉDUITE</a:t>
-            </a:r>
-          </a:p>
-        </p:txBody>
-      </p:sp>
-    </p:spTree>
-    <p:extLst>
-      <p:ext uri="{BB962C8B-B14F-4D97-AF65-F5344CB8AC3E}">
-        <p14:creationId xmlns:p14="http://schemas.microsoft.com/office/powerpoint/2010/main" val="4015542415"/>
-      </p:ext>
-    </p:extLst>
-  </p:cSld>
-  <p:clrMapOvr>
-    <a:masterClrMapping/>
-  </p:clrMapOvr>
-  <mc:AlternateContent xmlns:mc="http://schemas.openxmlformats.org/markup-compatibility/2006" xmlns:p159="http://schemas.microsoft.com/office/powerpoint/2015/09/main">
-    <mc:Choice Requires="p159">
-      <p:transition xmlns:p14="http://schemas.microsoft.com/office/powerpoint/2010/main" spd="slow" p14:dur="2000">
-        <p159:morph option="byObject"/>
-      </p:transition>
-    </mc:Choice>
-    <mc:Fallback xmlns="">
-      <p:transition spd="slow">
-        <p:fade/>
-      </p:transition>
-    </mc:Fallback>
-  </mc:AlternateContent>
-</p:sld>
-</file>
-
-<file path=ppt/slides/slide7.xml><?xml version="1.0" encoding="utf-8"?>
-<p:sld xmlns:a="http://schemas.openxmlformats.org/drawingml/2006/main" xmlns:r="http://schemas.openxmlformats.org/officeDocument/2006/relationships" xmlns:p="http://schemas.openxmlformats.org/presentationml/2006/main">
-  <p:cSld>
-    <p:bg>
-      <p:bgPr>
-        <a:solidFill>
-          <a:srgbClr val="EF4C45"/>
-        </a:solidFill>
-        <a:effectLst/>
-      </p:bgPr>
-    </p:bg>
-    <p:spTree>
-      <p:nvGrpSpPr>
-        <p:cNvPr id="1" name=""/>
-        <p:cNvGrpSpPr/>
-        <p:nvPr/>
-      </p:nvGrpSpPr>
-      <p:grpSpPr>
-        <a:xfrm>
-          <a:off x="0" y="0"/>
-          <a:ext cx="0" cy="0"/>
-          <a:chOff x="0" y="0"/>
-          <a:chExt cx="0" cy="0"/>
-        </a:xfrm>
-      </p:grpSpPr>
-      <p:cxnSp>
-        <p:nvCxnSpPr>
-          <p:cNvPr id="27" name="Connecteur droit 26">
-            <a:extLst>
-              <a:ext uri="{FF2B5EF4-FFF2-40B4-BE49-F238E27FC236}">
-                <a16:creationId xmlns:a16="http://schemas.microsoft.com/office/drawing/2014/main" id="{BC166031-8E90-EE75-909A-BA1B893D540D}"/>
-              </a:ext>
-            </a:extLst>
-          </p:cNvPr>
-          <p:cNvCxnSpPr>
-            <a:cxnSpLocks/>
-          </p:cNvCxnSpPr>
-          <p:nvPr/>
-        </p:nvCxnSpPr>
-        <p:spPr>
-          <a:xfrm>
-            <a:off x="2096857" y="-373503"/>
-            <a:ext cx="7096125" cy="0"/>
-          </a:xfrm>
-          <a:prstGeom prst="line">
-            <a:avLst/>
-          </a:prstGeom>
-          <a:ln>
-            <a:solidFill>
-              <a:schemeClr val="bg1"/>
-            </a:solidFill>
-          </a:ln>
-        </p:spPr>
-        <p:style>
-          <a:lnRef idx="1">
-            <a:schemeClr val="accent1"/>
-          </a:lnRef>
-          <a:fillRef idx="0">
-            <a:schemeClr val="accent1"/>
-          </a:fillRef>
-          <a:effectRef idx="0">
-            <a:schemeClr val="accent1"/>
-          </a:effectRef>
-          <a:fontRef idx="minor">
-            <a:schemeClr val="tx1"/>
-          </a:fontRef>
-        </p:style>
-      </p:cxnSp>
-      <p:sp>
-        <p:nvSpPr>
-          <p:cNvPr id="28" name="ZoneTexte 27">
-            <a:extLst>
-              <a:ext uri="{FF2B5EF4-FFF2-40B4-BE49-F238E27FC236}">
-                <a16:creationId xmlns:a16="http://schemas.microsoft.com/office/drawing/2014/main" id="{A5C956D1-D52B-6D3B-B8B5-309373AF32E8}"/>
-              </a:ext>
-            </a:extLst>
-          </p:cNvPr>
-          <p:cNvSpPr txBox="1"/>
-          <p:nvPr/>
-        </p:nvSpPr>
-        <p:spPr>
-          <a:xfrm>
-            <a:off x="1494449" y="-1756497"/>
-            <a:ext cx="8380564" cy="1569660"/>
-          </a:xfrm>
-          <a:prstGeom prst="rect">
-            <a:avLst/>
-          </a:prstGeom>
-          <a:noFill/>
-        </p:spPr>
-        <p:txBody>
-          <a:bodyPr wrap="square" rtlCol="0">
-            <a:spAutoFit/>
-          </a:bodyPr>
-          <a:lstStyle/>
-          <a:p>
-            <a:pPr algn="ctr"/>
-            <a:r>
-              <a:rPr lang="fr-CA" sz="9600" dirty="0">
-                <a:solidFill>
-                  <a:schemeClr val="bg1"/>
-                </a:solidFill>
-                <a:latin typeface="Bahnschrift SemiBold Condensed" panose="020B0502040204020203" pitchFamily="34" charset="0"/>
-              </a:rPr>
-              <a:t>COMMENT JOUER ?</a:t>
-            </a:r>
-          </a:p>
-        </p:txBody>
-      </p:sp>
-      <p:sp>
-        <p:nvSpPr>
-          <p:cNvPr id="5" name="Triangle rectangle 4">
-            <a:extLst>
-              <a:ext uri="{FF2B5EF4-FFF2-40B4-BE49-F238E27FC236}">
-                <a16:creationId xmlns:a16="http://schemas.microsoft.com/office/drawing/2014/main" id="{B39C6BC1-67CF-3206-C064-66426029E4E5}"/>
-              </a:ext>
-            </a:extLst>
-          </p:cNvPr>
-          <p:cNvSpPr/>
-          <p:nvPr/>
-        </p:nvSpPr>
-        <p:spPr>
-          <a:xfrm rot="10800000" flipV="1">
-            <a:off x="0" y="245150"/>
-            <a:ext cx="12192000" cy="6612850"/>
-          </a:xfrm>
-          <a:prstGeom prst="rtTriangle">
-            <a:avLst/>
-          </a:prstGeom>
-          <a:solidFill>
-            <a:srgbClr val="2A7507"/>
-          </a:solidFill>
-        </p:spPr>
-        <p:style>
-          <a:lnRef idx="3">
-            <a:schemeClr val="lt1"/>
-          </a:lnRef>
-          <a:fillRef idx="1">
-            <a:schemeClr val="accent2"/>
-          </a:fillRef>
-          <a:effectRef idx="1">
-            <a:schemeClr val="accent2"/>
-          </a:effectRef>
-          <a:fontRef idx="minor">
-            <a:schemeClr val="lt1"/>
-          </a:fontRef>
-        </p:style>
-        <p:txBody>
-          <a:bodyPr rtlCol="0" anchor="ctr"/>
-          <a:lstStyle/>
-          <a:p>
-            <a:pPr algn="ctr"/>
-            <a:endParaRPr lang="fr-CA" dirty="0"/>
-          </a:p>
-        </p:txBody>
-      </p:sp>
-      <p:sp>
-        <p:nvSpPr>
-          <p:cNvPr id="2" name="Rectangle 1">
-            <a:extLst>
-              <a:ext uri="{FF2B5EF4-FFF2-40B4-BE49-F238E27FC236}">
-                <a16:creationId xmlns:a16="http://schemas.microsoft.com/office/drawing/2014/main" id="{30861708-0A7B-BA81-4854-FB30052273AB}"/>
-              </a:ext>
-            </a:extLst>
-          </p:cNvPr>
-          <p:cNvSpPr/>
-          <p:nvPr/>
-        </p:nvSpPr>
-        <p:spPr>
-          <a:xfrm rot="19885905">
-            <a:off x="-1099651" y="3266739"/>
-            <a:ext cx="14443473" cy="337479"/>
-          </a:xfrm>
-          <a:prstGeom prst="rect">
-            <a:avLst/>
-          </a:prstGeom>
-        </p:spPr>
-        <p:style>
-          <a:lnRef idx="2">
-            <a:schemeClr val="dk1">
-              <a:shade val="50000"/>
-            </a:schemeClr>
-          </a:lnRef>
-          <a:fillRef idx="1">
-            <a:schemeClr val="dk1"/>
-          </a:fillRef>
-          <a:effectRef idx="0">
-            <a:schemeClr val="dk1"/>
-          </a:effectRef>
-          <a:fontRef idx="minor">
-            <a:schemeClr val="lt1"/>
-          </a:fontRef>
-        </p:style>
-        <p:txBody>
-          <a:bodyPr rtlCol="0" anchor="ctr"/>
-          <a:lstStyle/>
-          <a:p>
-            <a:pPr algn="ctr"/>
-            <a:endParaRPr lang="fr-CA"/>
-          </a:p>
-        </p:txBody>
-      </p:sp>
-      <p:pic>
-        <p:nvPicPr>
-          <p:cNvPr id="4098" name="Picture 2" descr="Xbox - Free logo icons">
-            <a:extLst>
-              <a:ext uri="{FF2B5EF4-FFF2-40B4-BE49-F238E27FC236}">
-                <a16:creationId xmlns:a16="http://schemas.microsoft.com/office/drawing/2014/main" id="{6EB7EFAA-730E-0B33-ADA2-AD2DC395C01B}"/>
-              </a:ext>
-            </a:extLst>
-          </p:cNvPr>
-          <p:cNvPicPr>
-            <a:picLocks noChangeAspect="1" noChangeArrowheads="1"/>
-          </p:cNvPicPr>
-          <p:nvPr/>
-        </p:nvPicPr>
-        <p:blipFill>
-          <a:blip r:embed="rId2">
-            <a:extLst>
-              <a:ext uri="{28A0092B-C50C-407E-A947-70E740481C1C}">
-                <a14:useLocalDpi xmlns:a14="http://schemas.microsoft.com/office/drawing/2010/main" val="0"/>
-              </a:ext>
-            </a:extLst>
-          </a:blip>
-          <a:srcRect/>
-          <a:stretch>
-            <a:fillRect/>
-          </a:stretch>
-        </p:blipFill>
-        <p:spPr bwMode="auto">
-          <a:xfrm>
-            <a:off x="8208781" y="2820686"/>
-            <a:ext cx="3332464" cy="3332464"/>
-          </a:xfrm>
-          <a:prstGeom prst="ellipse">
-            <a:avLst/>
-          </a:prstGeom>
-          <a:ln w="63500" cap="rnd">
-            <a:solidFill>
-              <a:srgbClr val="333333"/>
-            </a:solidFill>
-          </a:ln>
-          <a:effectLst>
-            <a:outerShdw blurRad="381000" dist="292100" dir="5400000" sx="-80000" sy="-18000" rotWithShape="0">
-              <a:srgbClr val="000000">
-                <a:alpha val="0"/>
-              </a:srgbClr>
-            </a:outerShdw>
-          </a:effectLst>
-          <a:scene3d>
-            <a:camera prst="orthographicFront"/>
-            <a:lightRig rig="contrasting" dir="t">
-              <a:rot lat="0" lon="0" rev="3000000"/>
-            </a:lightRig>
-          </a:scene3d>
-          <a:sp3d contourW="7620">
-            <a:bevelT w="95250" h="31750"/>
-            <a:contourClr>
-              <a:srgbClr val="333333"/>
-            </a:contourClr>
-          </a:sp3d>
-          <a:extLst>
-            <a:ext uri="{909E8E84-426E-40DD-AFC4-6F175D3DCCD1}">
-              <a14:hiddenFill xmlns:a14="http://schemas.microsoft.com/office/drawing/2010/main">
-                <a:solidFill>
-                  <a:srgbClr val="FFFFFF"/>
-                </a:solidFill>
-              </a14:hiddenFill>
-            </a:ext>
-          </a:extLst>
-        </p:spPr>
-      </p:pic>
-      <p:grpSp>
-        <p:nvGrpSpPr>
-          <p:cNvPr id="3" name="Groupe 2">
-            <a:extLst>
-              <a:ext uri="{FF2B5EF4-FFF2-40B4-BE49-F238E27FC236}">
-                <a16:creationId xmlns:a16="http://schemas.microsoft.com/office/drawing/2014/main" id="{DF3EC1D9-EB2D-B3B4-0DC1-DBDDA9125AB9}"/>
-              </a:ext>
-            </a:extLst>
-          </p:cNvPr>
-          <p:cNvGrpSpPr/>
-          <p:nvPr/>
-        </p:nvGrpSpPr>
-        <p:grpSpPr>
-          <a:xfrm>
-            <a:off x="650756" y="641324"/>
-            <a:ext cx="3332464" cy="3332464"/>
-            <a:chOff x="1755007" y="304590"/>
-            <a:chExt cx="4010981" cy="4010981"/>
-          </a:xfrm>
-        </p:grpSpPr>
-        <p:pic>
-          <p:nvPicPr>
-            <p:cNvPr id="4" name="Image 3">
-              <a:extLst>
-                <a:ext uri="{FF2B5EF4-FFF2-40B4-BE49-F238E27FC236}">
-                  <a16:creationId xmlns:a16="http://schemas.microsoft.com/office/drawing/2014/main" id="{615F8394-2C41-36AA-4DD2-3011782DD277}"/>
-                </a:ext>
-              </a:extLst>
-            </p:cNvPr>
-            <p:cNvPicPr>
-              <a:picLocks noChangeAspect="1"/>
-            </p:cNvPicPr>
-            <p:nvPr/>
-          </p:nvPicPr>
-          <p:blipFill>
-            <a:blip r:embed="rId3">
-              <a:extLst>
-                <a:ext uri="{28A0092B-C50C-407E-A947-70E740481C1C}">
-                  <a14:useLocalDpi xmlns:a14="http://schemas.microsoft.com/office/drawing/2010/main" val="0"/>
-                </a:ext>
-              </a:extLst>
-            </a:blip>
-            <a:stretch>
-              <a:fillRect/>
-            </a:stretch>
-          </p:blipFill>
-          <p:spPr>
-            <a:xfrm>
-              <a:off x="1755007" y="304590"/>
-              <a:ext cx="4010981" cy="4010981"/>
-            </a:xfrm>
-            <a:prstGeom prst="ellipse">
-              <a:avLst/>
-            </a:prstGeom>
-            <a:ln w="63500" cap="rnd">
-              <a:solidFill>
-                <a:srgbClr val="333333"/>
-              </a:solidFill>
-            </a:ln>
-            <a:effectLst>
-              <a:outerShdw blurRad="381000" dist="292100" dir="5400000" sx="-80000" sy="-18000" rotWithShape="0">
-                <a:srgbClr val="000000">
-                  <a:alpha val="0"/>
-                </a:srgbClr>
-              </a:outerShdw>
-            </a:effectLst>
-            <a:scene3d>
-              <a:camera prst="orthographicFront"/>
-              <a:lightRig rig="contrasting" dir="t">
-                <a:rot lat="0" lon="0" rev="3000000"/>
-              </a:lightRig>
-            </a:scene3d>
-            <a:sp3d contourW="7620">
-              <a:bevelT w="95250" h="31750"/>
-              <a:contourClr>
-                <a:srgbClr val="333333"/>
-              </a:contourClr>
-            </a:sp3d>
-          </p:spPr>
-        </p:pic>
-        <p:pic>
-          <p:nvPicPr>
-            <p:cNvPr id="6" name="Image 5">
-              <a:extLst>
-                <a:ext uri="{FF2B5EF4-FFF2-40B4-BE49-F238E27FC236}">
-                  <a16:creationId xmlns:a16="http://schemas.microsoft.com/office/drawing/2014/main" id="{9DAA3E20-A913-CD7D-0F98-BD3FE4B1BA2D}"/>
-                </a:ext>
-              </a:extLst>
-            </p:cNvPr>
-            <p:cNvPicPr>
-              <a:picLocks noChangeAspect="1"/>
-            </p:cNvPicPr>
-            <p:nvPr/>
-          </p:nvPicPr>
-          <p:blipFill>
-            <a:blip r:embed="rId4">
-              <a:extLst>
-                <a:ext uri="{28A0092B-C50C-407E-A947-70E740481C1C}">
-                  <a14:useLocalDpi xmlns:a14="http://schemas.microsoft.com/office/drawing/2010/main" val="0"/>
-                </a:ext>
-              </a:extLst>
-            </a:blip>
-            <a:stretch>
-              <a:fillRect/>
-            </a:stretch>
-          </p:blipFill>
-          <p:spPr>
-            <a:xfrm>
-              <a:off x="3340105" y="2931320"/>
-              <a:ext cx="840784" cy="959074"/>
-            </a:xfrm>
-            <a:prstGeom prst="rect">
-              <a:avLst/>
-            </a:prstGeom>
-          </p:spPr>
-        </p:pic>
-      </p:grpSp>
-      <p:sp>
-        <p:nvSpPr>
-          <p:cNvPr id="7" name="ZoneTexte 6">
-            <a:extLst>
-              <a:ext uri="{FF2B5EF4-FFF2-40B4-BE49-F238E27FC236}">
-                <a16:creationId xmlns:a16="http://schemas.microsoft.com/office/drawing/2014/main" id="{7ABFE786-B5D8-ADD2-9AFD-BCD3AFBE482A}"/>
-              </a:ext>
-            </a:extLst>
-          </p:cNvPr>
-          <p:cNvSpPr txBox="1"/>
-          <p:nvPr/>
-        </p:nvSpPr>
-        <p:spPr>
-          <a:xfrm>
-            <a:off x="1931803" y="615786"/>
-            <a:ext cx="8380564" cy="1815882"/>
-          </a:xfrm>
-          <a:prstGeom prst="rect">
-            <a:avLst/>
-          </a:prstGeom>
-          <a:noFill/>
-        </p:spPr>
-        <p:txBody>
-          <a:bodyPr wrap="square" rtlCol="0">
-            <a:spAutoFit/>
-          </a:bodyPr>
-          <a:lstStyle/>
-          <a:p>
-            <a:pPr algn="ctr"/>
-            <a:r>
-              <a:rPr lang="fr-CA" sz="8000" dirty="0">
-                <a:solidFill>
-                  <a:schemeClr val="bg1"/>
-                </a:solidFill>
-                <a:latin typeface="Bahnschrift SemiBold Condensed" panose="020B0502040204020203" pitchFamily="34" charset="0"/>
-              </a:rPr>
-              <a:t>± 140$CAD</a:t>
+              <a:t>± 130$CAD</a:t>
             </a:r>
           </a:p>
           <a:p>

--- a/Documentation/Presentation_Projet.pptx
+++ b/Documentation/Presentation_Projet.pptx
@@ -517,7 +517,10 @@
           <a:bodyPr/>
           <a:lstStyle/>
           <a:p>
-            <a:endParaRPr lang="fr-CA" dirty="0"/>
+            <a:r>
+              <a:rPr lang="fr-CA" dirty="0"/>
+              <a:t>Jackob : Nos nom + génie électrique + nom du projet </a:t>
+            </a:r>
           </a:p>
         </p:txBody>
       </p:sp>
@@ -548,6 +551,820 @@
     <p:extLst>
       <p:ext uri="{BB962C8B-B14F-4D97-AF65-F5344CB8AC3E}">
         <p14:creationId xmlns:p14="http://schemas.microsoft.com/office/powerpoint/2010/main" val="2799750467"/>
+      </p:ext>
+    </p:extLst>
+  </p:cSld>
+  <p:clrMapOvr>
+    <a:masterClrMapping/>
+  </p:clrMapOvr>
+</p:notes>
+</file>
+
+<file path=ppt/notesSlides/notesSlide2.xml><?xml version="1.0" encoding="utf-8"?>
+<p:notes xmlns:a="http://schemas.openxmlformats.org/drawingml/2006/main" xmlns:r="http://schemas.openxmlformats.org/officeDocument/2006/relationships" xmlns:p="http://schemas.openxmlformats.org/presentationml/2006/main">
+  <p:cSld>
+    <p:spTree>
+      <p:nvGrpSpPr>
+        <p:cNvPr id="1" name=""/>
+        <p:cNvGrpSpPr/>
+        <p:nvPr/>
+      </p:nvGrpSpPr>
+      <p:grpSpPr>
+        <a:xfrm>
+          <a:off x="0" y="0"/>
+          <a:ext cx="0" cy="0"/>
+          <a:chOff x="0" y="0"/>
+          <a:chExt cx="0" cy="0"/>
+        </a:xfrm>
+      </p:grpSpPr>
+      <p:sp>
+        <p:nvSpPr>
+          <p:cNvPr id="2" name="Espace réservé de l'image des diapositives 1"/>
+          <p:cNvSpPr>
+            <a:spLocks noGrp="1" noRot="1" noChangeAspect="1"/>
+          </p:cNvSpPr>
+          <p:nvPr>
+            <p:ph type="sldImg"/>
+          </p:nvPr>
+        </p:nvSpPr>
+        <p:spPr/>
+      </p:sp>
+      <p:sp>
+        <p:nvSpPr>
+          <p:cNvPr id="3" name="Espace réservé des notes 2"/>
+          <p:cNvSpPr>
+            <a:spLocks noGrp="1"/>
+          </p:cNvSpPr>
+          <p:nvPr>
+            <p:ph type="body" idx="1"/>
+          </p:nvPr>
+        </p:nvSpPr>
+        <p:spPr/>
+        <p:txBody>
+          <a:bodyPr/>
+          <a:lstStyle/>
+          <a:p>
+            <a:pPr marL="0" indent="0">
+              <a:buFontTx/>
+              <a:buNone/>
+            </a:pPr>
+            <a:r>
+              <a:rPr lang="fr-CA" dirty="0"/>
+              <a:t>JACKOB</a:t>
+            </a:r>
+          </a:p>
+          <a:p>
+            <a:pPr marL="171450" indent="-171450">
+              <a:buFontTx/>
+              <a:buChar char="-"/>
+            </a:pPr>
+            <a:r>
+              <a:rPr lang="fr-CA" dirty="0"/>
+              <a:t>Manette adaptée pour les personnes avec difficulté motrice</a:t>
+            </a:r>
+          </a:p>
+          <a:p>
+            <a:pPr marL="171450" indent="-171450">
+              <a:buFontTx/>
+              <a:buChar char="-"/>
+            </a:pPr>
+            <a:r>
+              <a:rPr lang="fr-CA" dirty="0"/>
+              <a:t>Composé de gros boutons et joysticks de type arcade</a:t>
+            </a:r>
+          </a:p>
+          <a:p>
+            <a:pPr marL="171450" indent="-171450">
+              <a:buFontTx/>
+              <a:buChar char="-"/>
+            </a:pPr>
+            <a:r>
+              <a:rPr lang="fr-CA" dirty="0"/>
+              <a:t>Elle sera beaucoup plus grosse qu’une manette normal afin de facilité son utilisation </a:t>
+            </a:r>
+          </a:p>
+        </p:txBody>
+      </p:sp>
+      <p:sp>
+        <p:nvSpPr>
+          <p:cNvPr id="4" name="Espace réservé du numéro de diapositive 3"/>
+          <p:cNvSpPr>
+            <a:spLocks noGrp="1"/>
+          </p:cNvSpPr>
+          <p:nvPr>
+            <p:ph type="sldNum" sz="quarter" idx="5"/>
+          </p:nvPr>
+        </p:nvSpPr>
+        <p:spPr/>
+        <p:txBody>
+          <a:bodyPr/>
+          <a:lstStyle/>
+          <a:p>
+            <a:fld id="{D488C3E9-C9D5-4BA4-8AD5-AFA048292372}" type="slidenum">
+              <a:rPr lang="fr-CA" smtClean="0"/>
+              <a:t>2</a:t>
+            </a:fld>
+            <a:endParaRPr lang="fr-CA"/>
+          </a:p>
+        </p:txBody>
+      </p:sp>
+    </p:spTree>
+    <p:extLst>
+      <p:ext uri="{BB962C8B-B14F-4D97-AF65-F5344CB8AC3E}">
+        <p14:creationId xmlns:p14="http://schemas.microsoft.com/office/powerpoint/2010/main" val="403240683"/>
+      </p:ext>
+    </p:extLst>
+  </p:cSld>
+  <p:clrMapOvr>
+    <a:masterClrMapping/>
+  </p:clrMapOvr>
+</p:notes>
+</file>
+
+<file path=ppt/notesSlides/notesSlide3.xml><?xml version="1.0" encoding="utf-8"?>
+<p:notes xmlns:a="http://schemas.openxmlformats.org/drawingml/2006/main" xmlns:r="http://schemas.openxmlformats.org/officeDocument/2006/relationships" xmlns:p="http://schemas.openxmlformats.org/presentationml/2006/main">
+  <p:cSld>
+    <p:spTree>
+      <p:nvGrpSpPr>
+        <p:cNvPr id="1" name=""/>
+        <p:cNvGrpSpPr/>
+        <p:nvPr/>
+      </p:nvGrpSpPr>
+      <p:grpSpPr>
+        <a:xfrm>
+          <a:off x="0" y="0"/>
+          <a:ext cx="0" cy="0"/>
+          <a:chOff x="0" y="0"/>
+          <a:chExt cx="0" cy="0"/>
+        </a:xfrm>
+      </p:grpSpPr>
+      <p:sp>
+        <p:nvSpPr>
+          <p:cNvPr id="2" name="Espace réservé de l'image des diapositives 1"/>
+          <p:cNvSpPr>
+            <a:spLocks noGrp="1" noRot="1" noChangeAspect="1"/>
+          </p:cNvSpPr>
+          <p:nvPr>
+            <p:ph type="sldImg"/>
+          </p:nvPr>
+        </p:nvSpPr>
+        <p:spPr/>
+      </p:sp>
+      <p:sp>
+        <p:nvSpPr>
+          <p:cNvPr id="3" name="Espace réservé des notes 2"/>
+          <p:cNvSpPr>
+            <a:spLocks noGrp="1"/>
+          </p:cNvSpPr>
+          <p:nvPr>
+            <p:ph type="body" idx="1"/>
+          </p:nvPr>
+        </p:nvSpPr>
+        <p:spPr/>
+        <p:txBody>
+          <a:bodyPr/>
+          <a:lstStyle/>
+          <a:p>
+            <a:r>
+              <a:rPr lang="fr-CA" dirty="0"/>
+              <a:t>MATHIS</a:t>
+            </a:r>
+          </a:p>
+          <a:p>
+            <a:r>
+              <a:rPr lang="fr-CA" dirty="0"/>
+              <a:t>- Les personnes ayant des déficiences motrices et/ou mentales (manque de dextérité)</a:t>
+            </a:r>
+          </a:p>
+          <a:p>
+            <a:r>
+              <a:rPr lang="fr-CA" dirty="0"/>
+              <a:t>- Mentales car elle ralentie les actions motrices (pense au mouvement avant de le faire)</a:t>
+            </a:r>
+          </a:p>
+          <a:p>
+            <a:r>
+              <a:rPr lang="fr-CA" dirty="0"/>
+              <a:t>- Pour tous, enfants et adultes de partout dans le monde.</a:t>
+            </a:r>
+          </a:p>
+          <a:p>
+            <a:r>
+              <a:rPr lang="fr-CA" dirty="0"/>
+              <a:t>- Pour l’apprentissage et le développement, mais aussi pour leur inclusion avec les autres. (développer)</a:t>
+            </a:r>
+          </a:p>
+        </p:txBody>
+      </p:sp>
+      <p:sp>
+        <p:nvSpPr>
+          <p:cNvPr id="4" name="Espace réservé du numéro de diapositive 3"/>
+          <p:cNvSpPr>
+            <a:spLocks noGrp="1"/>
+          </p:cNvSpPr>
+          <p:nvPr>
+            <p:ph type="sldNum" sz="quarter" idx="5"/>
+          </p:nvPr>
+        </p:nvSpPr>
+        <p:spPr/>
+        <p:txBody>
+          <a:bodyPr/>
+          <a:lstStyle/>
+          <a:p>
+            <a:fld id="{D488C3E9-C9D5-4BA4-8AD5-AFA048292372}" type="slidenum">
+              <a:rPr lang="fr-CA" smtClean="0"/>
+              <a:t>3</a:t>
+            </a:fld>
+            <a:endParaRPr lang="fr-CA"/>
+          </a:p>
+        </p:txBody>
+      </p:sp>
+    </p:spTree>
+    <p:extLst>
+      <p:ext uri="{BB962C8B-B14F-4D97-AF65-F5344CB8AC3E}">
+        <p14:creationId xmlns:p14="http://schemas.microsoft.com/office/powerpoint/2010/main" val="274208087"/>
+      </p:ext>
+    </p:extLst>
+  </p:cSld>
+  <p:clrMapOvr>
+    <a:masterClrMapping/>
+  </p:clrMapOvr>
+</p:notes>
+</file>
+
+<file path=ppt/notesSlides/notesSlide4.xml><?xml version="1.0" encoding="utf-8"?>
+<p:notes xmlns:a="http://schemas.openxmlformats.org/drawingml/2006/main" xmlns:r="http://schemas.openxmlformats.org/officeDocument/2006/relationships" xmlns:p="http://schemas.openxmlformats.org/presentationml/2006/main">
+  <p:cSld>
+    <p:spTree>
+      <p:nvGrpSpPr>
+        <p:cNvPr id="1" name=""/>
+        <p:cNvGrpSpPr/>
+        <p:nvPr/>
+      </p:nvGrpSpPr>
+      <p:grpSpPr>
+        <a:xfrm>
+          <a:off x="0" y="0"/>
+          <a:ext cx="0" cy="0"/>
+          <a:chOff x="0" y="0"/>
+          <a:chExt cx="0" cy="0"/>
+        </a:xfrm>
+      </p:grpSpPr>
+      <p:sp>
+        <p:nvSpPr>
+          <p:cNvPr id="2" name="Espace réservé de l'image des diapositives 1"/>
+          <p:cNvSpPr>
+            <a:spLocks noGrp="1" noRot="1" noChangeAspect="1"/>
+          </p:cNvSpPr>
+          <p:nvPr>
+            <p:ph type="sldImg"/>
+          </p:nvPr>
+        </p:nvSpPr>
+        <p:spPr/>
+      </p:sp>
+      <p:sp>
+        <p:nvSpPr>
+          <p:cNvPr id="3" name="Espace réservé des notes 2"/>
+          <p:cNvSpPr>
+            <a:spLocks noGrp="1"/>
+          </p:cNvSpPr>
+          <p:nvPr>
+            <p:ph type="body" idx="1"/>
+          </p:nvPr>
+        </p:nvSpPr>
+        <p:spPr/>
+        <p:txBody>
+          <a:bodyPr/>
+          <a:lstStyle/>
+          <a:p>
+            <a:r>
+              <a:rPr lang="fr-CA" dirty="0"/>
+              <a:t>MATHIS</a:t>
+            </a:r>
+          </a:p>
+          <a:p>
+            <a:r>
+              <a:rPr lang="fr-CA" dirty="0"/>
+              <a:t>- Suffit de brancher la manette dans un ordinateur pour l’utiliser.</a:t>
+            </a:r>
+          </a:p>
+          <a:p>
+            <a:r>
+              <a:rPr lang="fr-CA" dirty="0"/>
+              <a:t>- Pour plus d’options il sera possible de changer la configuration des boutons sur une application web. </a:t>
+            </a:r>
+          </a:p>
+        </p:txBody>
+      </p:sp>
+      <p:sp>
+        <p:nvSpPr>
+          <p:cNvPr id="4" name="Espace réservé du numéro de diapositive 3"/>
+          <p:cNvSpPr>
+            <a:spLocks noGrp="1"/>
+          </p:cNvSpPr>
+          <p:nvPr>
+            <p:ph type="sldNum" sz="quarter" idx="5"/>
+          </p:nvPr>
+        </p:nvSpPr>
+        <p:spPr/>
+        <p:txBody>
+          <a:bodyPr/>
+          <a:lstStyle/>
+          <a:p>
+            <a:fld id="{D488C3E9-C9D5-4BA4-8AD5-AFA048292372}" type="slidenum">
+              <a:rPr lang="fr-CA" smtClean="0"/>
+              <a:t>4</a:t>
+            </a:fld>
+            <a:endParaRPr lang="fr-CA"/>
+          </a:p>
+        </p:txBody>
+      </p:sp>
+    </p:spTree>
+    <p:extLst>
+      <p:ext uri="{BB962C8B-B14F-4D97-AF65-F5344CB8AC3E}">
+        <p14:creationId xmlns:p14="http://schemas.microsoft.com/office/powerpoint/2010/main" val="610301"/>
+      </p:ext>
+    </p:extLst>
+  </p:cSld>
+  <p:clrMapOvr>
+    <a:masterClrMapping/>
+  </p:clrMapOvr>
+</p:notes>
+</file>
+
+<file path=ppt/notesSlides/notesSlide5.xml><?xml version="1.0" encoding="utf-8"?>
+<p:notes xmlns:a="http://schemas.openxmlformats.org/drawingml/2006/main" xmlns:r="http://schemas.openxmlformats.org/officeDocument/2006/relationships" xmlns:p="http://schemas.openxmlformats.org/presentationml/2006/main">
+  <p:cSld>
+    <p:spTree>
+      <p:nvGrpSpPr>
+        <p:cNvPr id="1" name=""/>
+        <p:cNvGrpSpPr/>
+        <p:nvPr/>
+      </p:nvGrpSpPr>
+      <p:grpSpPr>
+        <a:xfrm>
+          <a:off x="0" y="0"/>
+          <a:ext cx="0" cy="0"/>
+          <a:chOff x="0" y="0"/>
+          <a:chExt cx="0" cy="0"/>
+        </a:xfrm>
+      </p:grpSpPr>
+      <p:sp>
+        <p:nvSpPr>
+          <p:cNvPr id="2" name="Espace réservé de l'image des diapositives 1"/>
+          <p:cNvSpPr>
+            <a:spLocks noGrp="1" noRot="1" noChangeAspect="1"/>
+          </p:cNvSpPr>
+          <p:nvPr>
+            <p:ph type="sldImg"/>
+          </p:nvPr>
+        </p:nvSpPr>
+        <p:spPr/>
+      </p:sp>
+      <p:sp>
+        <p:nvSpPr>
+          <p:cNvPr id="3" name="Espace réservé des notes 2"/>
+          <p:cNvSpPr>
+            <a:spLocks noGrp="1"/>
+          </p:cNvSpPr>
+          <p:nvPr>
+            <p:ph type="body" idx="1"/>
+          </p:nvPr>
+        </p:nvSpPr>
+        <p:spPr/>
+        <p:txBody>
+          <a:bodyPr/>
+          <a:lstStyle/>
+          <a:p>
+            <a:r>
+              <a:rPr lang="fr-CA" dirty="0"/>
+              <a:t>JACKOB</a:t>
+            </a:r>
+          </a:p>
+          <a:p>
+            <a:r>
+              <a:rPr lang="fr-CA" dirty="0"/>
+              <a:t>- Pour l’instant notre projet est en collaboration avec l’école du Touret (explique c’est quoi).</a:t>
+            </a:r>
+          </a:p>
+          <a:p>
+            <a:r>
+              <a:rPr lang="fr-CA" dirty="0"/>
+              <a:t>- Nos clients ciblés sont les personnes avec mobilité réduite.</a:t>
+            </a:r>
+          </a:p>
+          <a:p>
+            <a:r>
+              <a:rPr lang="fr-CA" dirty="0"/>
+              <a:t>- Par la suite, les écoles et les centres adaptés pour aidé à l’apprentissage des élèves handicapé.</a:t>
+            </a:r>
+          </a:p>
+        </p:txBody>
+      </p:sp>
+      <p:sp>
+        <p:nvSpPr>
+          <p:cNvPr id="4" name="Espace réservé du numéro de diapositive 3"/>
+          <p:cNvSpPr>
+            <a:spLocks noGrp="1"/>
+          </p:cNvSpPr>
+          <p:nvPr>
+            <p:ph type="sldNum" sz="quarter" idx="5"/>
+          </p:nvPr>
+        </p:nvSpPr>
+        <p:spPr/>
+        <p:txBody>
+          <a:bodyPr/>
+          <a:lstStyle/>
+          <a:p>
+            <a:fld id="{D488C3E9-C9D5-4BA4-8AD5-AFA048292372}" type="slidenum">
+              <a:rPr lang="fr-CA" smtClean="0"/>
+              <a:t>5</a:t>
+            </a:fld>
+            <a:endParaRPr lang="fr-CA"/>
+          </a:p>
+        </p:txBody>
+      </p:sp>
+    </p:spTree>
+    <p:extLst>
+      <p:ext uri="{BB962C8B-B14F-4D97-AF65-F5344CB8AC3E}">
+        <p14:creationId xmlns:p14="http://schemas.microsoft.com/office/powerpoint/2010/main" val="2067043260"/>
+      </p:ext>
+    </p:extLst>
+  </p:cSld>
+  <p:clrMapOvr>
+    <a:masterClrMapping/>
+  </p:clrMapOvr>
+</p:notes>
+</file>
+
+<file path=ppt/notesSlides/notesSlide6.xml><?xml version="1.0" encoding="utf-8"?>
+<p:notes xmlns:a="http://schemas.openxmlformats.org/drawingml/2006/main" xmlns:r="http://schemas.openxmlformats.org/officeDocument/2006/relationships" xmlns:p="http://schemas.openxmlformats.org/presentationml/2006/main">
+  <p:cSld>
+    <p:spTree>
+      <p:nvGrpSpPr>
+        <p:cNvPr id="1" name=""/>
+        <p:cNvGrpSpPr/>
+        <p:nvPr/>
+      </p:nvGrpSpPr>
+      <p:grpSpPr>
+        <a:xfrm>
+          <a:off x="0" y="0"/>
+          <a:ext cx="0" cy="0"/>
+          <a:chOff x="0" y="0"/>
+          <a:chExt cx="0" cy="0"/>
+        </a:xfrm>
+      </p:grpSpPr>
+      <p:sp>
+        <p:nvSpPr>
+          <p:cNvPr id="2" name="Espace réservé de l'image des diapositives 1"/>
+          <p:cNvSpPr>
+            <a:spLocks noGrp="1" noRot="1" noChangeAspect="1"/>
+          </p:cNvSpPr>
+          <p:nvPr>
+            <p:ph type="sldImg"/>
+          </p:nvPr>
+        </p:nvSpPr>
+        <p:spPr/>
+      </p:sp>
+      <p:sp>
+        <p:nvSpPr>
+          <p:cNvPr id="3" name="Espace réservé des notes 2"/>
+          <p:cNvSpPr>
+            <a:spLocks noGrp="1"/>
+          </p:cNvSpPr>
+          <p:nvPr>
+            <p:ph type="body" idx="1"/>
+          </p:nvPr>
+        </p:nvSpPr>
+        <p:spPr/>
+        <p:txBody>
+          <a:bodyPr/>
+          <a:lstStyle/>
+          <a:p>
+            <a:r>
+              <a:rPr lang="fr-CA" dirty="0"/>
+              <a:t>MATHIS</a:t>
+            </a:r>
+          </a:p>
+        </p:txBody>
+      </p:sp>
+      <p:sp>
+        <p:nvSpPr>
+          <p:cNvPr id="4" name="Espace réservé du numéro de diapositive 3"/>
+          <p:cNvSpPr>
+            <a:spLocks noGrp="1"/>
+          </p:cNvSpPr>
+          <p:nvPr>
+            <p:ph type="sldNum" sz="quarter" idx="5"/>
+          </p:nvPr>
+        </p:nvSpPr>
+        <p:spPr/>
+        <p:txBody>
+          <a:bodyPr/>
+          <a:lstStyle/>
+          <a:p>
+            <a:fld id="{D488C3E9-C9D5-4BA4-8AD5-AFA048292372}" type="slidenum">
+              <a:rPr lang="fr-CA" smtClean="0"/>
+              <a:t>6</a:t>
+            </a:fld>
+            <a:endParaRPr lang="fr-CA"/>
+          </a:p>
+        </p:txBody>
+      </p:sp>
+    </p:spTree>
+    <p:extLst>
+      <p:ext uri="{BB962C8B-B14F-4D97-AF65-F5344CB8AC3E}">
+        <p14:creationId xmlns:p14="http://schemas.microsoft.com/office/powerpoint/2010/main" val="2282588342"/>
+      </p:ext>
+    </p:extLst>
+  </p:cSld>
+  <p:clrMapOvr>
+    <a:masterClrMapping/>
+  </p:clrMapOvr>
+</p:notes>
+</file>
+
+<file path=ppt/notesSlides/notesSlide7.xml><?xml version="1.0" encoding="utf-8"?>
+<p:notes xmlns:a="http://schemas.openxmlformats.org/drawingml/2006/main" xmlns:r="http://schemas.openxmlformats.org/officeDocument/2006/relationships" xmlns:p="http://schemas.openxmlformats.org/presentationml/2006/main">
+  <p:cSld>
+    <p:spTree>
+      <p:nvGrpSpPr>
+        <p:cNvPr id="1" name=""/>
+        <p:cNvGrpSpPr/>
+        <p:nvPr/>
+      </p:nvGrpSpPr>
+      <p:grpSpPr>
+        <a:xfrm>
+          <a:off x="0" y="0"/>
+          <a:ext cx="0" cy="0"/>
+          <a:chOff x="0" y="0"/>
+          <a:chExt cx="0" cy="0"/>
+        </a:xfrm>
+      </p:grpSpPr>
+      <p:sp>
+        <p:nvSpPr>
+          <p:cNvPr id="2" name="Espace réservé de l'image des diapositives 1"/>
+          <p:cNvSpPr>
+            <a:spLocks noGrp="1" noRot="1" noChangeAspect="1"/>
+          </p:cNvSpPr>
+          <p:nvPr>
+            <p:ph type="sldImg"/>
+          </p:nvPr>
+        </p:nvSpPr>
+        <p:spPr/>
+      </p:sp>
+      <p:sp>
+        <p:nvSpPr>
+          <p:cNvPr id="3" name="Espace réservé des notes 2"/>
+          <p:cNvSpPr>
+            <a:spLocks noGrp="1"/>
+          </p:cNvSpPr>
+          <p:nvPr>
+            <p:ph type="body" idx="1"/>
+          </p:nvPr>
+        </p:nvSpPr>
+        <p:spPr/>
+        <p:txBody>
+          <a:bodyPr/>
+          <a:lstStyle/>
+          <a:p>
+            <a:r>
+              <a:rPr lang="fr-CA" dirty="0"/>
+              <a:t>MATHIS</a:t>
+            </a:r>
+          </a:p>
+          <a:p>
+            <a:r>
+              <a:rPr lang="fr-CA" dirty="0"/>
+              <a:t>- Même prix que la concurrence (Microsoft), sauf que Microsoft inclus aucun boutons et joystick.</a:t>
+            </a:r>
+          </a:p>
+        </p:txBody>
+      </p:sp>
+      <p:sp>
+        <p:nvSpPr>
+          <p:cNvPr id="4" name="Espace réservé du numéro de diapositive 3"/>
+          <p:cNvSpPr>
+            <a:spLocks noGrp="1"/>
+          </p:cNvSpPr>
+          <p:nvPr>
+            <p:ph type="sldNum" sz="quarter" idx="5"/>
+          </p:nvPr>
+        </p:nvSpPr>
+        <p:spPr/>
+        <p:txBody>
+          <a:bodyPr/>
+          <a:lstStyle/>
+          <a:p>
+            <a:fld id="{D488C3E9-C9D5-4BA4-8AD5-AFA048292372}" type="slidenum">
+              <a:rPr lang="fr-CA" smtClean="0"/>
+              <a:t>7</a:t>
+            </a:fld>
+            <a:endParaRPr lang="fr-CA"/>
+          </a:p>
+        </p:txBody>
+      </p:sp>
+    </p:spTree>
+    <p:extLst>
+      <p:ext uri="{BB962C8B-B14F-4D97-AF65-F5344CB8AC3E}">
+        <p14:creationId xmlns:p14="http://schemas.microsoft.com/office/powerpoint/2010/main" val="2723134603"/>
+      </p:ext>
+    </p:extLst>
+  </p:cSld>
+  <p:clrMapOvr>
+    <a:masterClrMapping/>
+  </p:clrMapOvr>
+</p:notes>
+</file>
+
+<file path=ppt/notesSlides/notesSlide8.xml><?xml version="1.0" encoding="utf-8"?>
+<p:notes xmlns:a="http://schemas.openxmlformats.org/drawingml/2006/main" xmlns:r="http://schemas.openxmlformats.org/officeDocument/2006/relationships" xmlns:p="http://schemas.openxmlformats.org/presentationml/2006/main">
+  <p:cSld>
+    <p:spTree>
+      <p:nvGrpSpPr>
+        <p:cNvPr id="1" name=""/>
+        <p:cNvGrpSpPr/>
+        <p:nvPr/>
+      </p:nvGrpSpPr>
+      <p:grpSpPr>
+        <a:xfrm>
+          <a:off x="0" y="0"/>
+          <a:ext cx="0" cy="0"/>
+          <a:chOff x="0" y="0"/>
+          <a:chExt cx="0" cy="0"/>
+        </a:xfrm>
+      </p:grpSpPr>
+      <p:sp>
+        <p:nvSpPr>
+          <p:cNvPr id="2" name="Espace réservé de l'image des diapositives 1"/>
+          <p:cNvSpPr>
+            <a:spLocks noGrp="1" noRot="1" noChangeAspect="1"/>
+          </p:cNvSpPr>
+          <p:nvPr>
+            <p:ph type="sldImg"/>
+          </p:nvPr>
+        </p:nvSpPr>
+        <p:spPr/>
+      </p:sp>
+      <p:sp>
+        <p:nvSpPr>
+          <p:cNvPr id="3" name="Espace réservé des notes 2"/>
+          <p:cNvSpPr>
+            <a:spLocks noGrp="1"/>
+          </p:cNvSpPr>
+          <p:nvPr>
+            <p:ph type="body" idx="1"/>
+          </p:nvPr>
+        </p:nvSpPr>
+        <p:spPr/>
+        <p:txBody>
+          <a:bodyPr/>
+          <a:lstStyle/>
+          <a:p>
+            <a:r>
+              <a:rPr lang="fr-CA" dirty="0"/>
+              <a:t>JACKOB</a:t>
+            </a:r>
+          </a:p>
+          <a:p>
+            <a:r>
+              <a:rPr lang="fr-CA" dirty="0"/>
+              <a:t>- Pack à 140$ ne convient à tous, les boutons sont très petits et donc difficile pour personnes avec peu de dextérité.</a:t>
+            </a:r>
+          </a:p>
+          <a:p>
+            <a:r>
+              <a:rPr lang="fr-CA" dirty="0"/>
+              <a:t>- Pour des boutons plus adaptés comme l’école du Touret utilise, il faut ajouté 100$/boutons.</a:t>
+            </a:r>
+          </a:p>
+          <a:p>
+            <a:r>
+              <a:rPr lang="fr-CA" dirty="0"/>
+              <a:t>- De plus une manette de jeux utilise environ 12 boutons.</a:t>
+            </a:r>
+          </a:p>
+          <a:p>
+            <a:r>
+              <a:rPr lang="fr-CA" dirty="0"/>
+              <a:t>- Donc 270$ au minimum sans joystick et qui n’est pas nécessairement adapté pour tout le monde.</a:t>
+            </a:r>
+          </a:p>
+        </p:txBody>
+      </p:sp>
+      <p:sp>
+        <p:nvSpPr>
+          <p:cNvPr id="4" name="Espace réservé du numéro de diapositive 3"/>
+          <p:cNvSpPr>
+            <a:spLocks noGrp="1"/>
+          </p:cNvSpPr>
+          <p:nvPr>
+            <p:ph type="sldNum" sz="quarter" idx="5"/>
+          </p:nvPr>
+        </p:nvSpPr>
+        <p:spPr/>
+        <p:txBody>
+          <a:bodyPr/>
+          <a:lstStyle/>
+          <a:p>
+            <a:fld id="{D488C3E9-C9D5-4BA4-8AD5-AFA048292372}" type="slidenum">
+              <a:rPr lang="fr-CA" smtClean="0"/>
+              <a:t>8</a:t>
+            </a:fld>
+            <a:endParaRPr lang="fr-CA"/>
+          </a:p>
+        </p:txBody>
+      </p:sp>
+    </p:spTree>
+    <p:extLst>
+      <p:ext uri="{BB962C8B-B14F-4D97-AF65-F5344CB8AC3E}">
+        <p14:creationId xmlns:p14="http://schemas.microsoft.com/office/powerpoint/2010/main" val="395912289"/>
+      </p:ext>
+    </p:extLst>
+  </p:cSld>
+  <p:clrMapOvr>
+    <a:masterClrMapping/>
+  </p:clrMapOvr>
+</p:notes>
+</file>
+
+<file path=ppt/notesSlides/notesSlide9.xml><?xml version="1.0" encoding="utf-8"?>
+<p:notes xmlns:a="http://schemas.openxmlformats.org/drawingml/2006/main" xmlns:r="http://schemas.openxmlformats.org/officeDocument/2006/relationships" xmlns:p="http://schemas.openxmlformats.org/presentationml/2006/main">
+  <p:cSld>
+    <p:spTree>
+      <p:nvGrpSpPr>
+        <p:cNvPr id="1" name=""/>
+        <p:cNvGrpSpPr/>
+        <p:nvPr/>
+      </p:nvGrpSpPr>
+      <p:grpSpPr>
+        <a:xfrm>
+          <a:off x="0" y="0"/>
+          <a:ext cx="0" cy="0"/>
+          <a:chOff x="0" y="0"/>
+          <a:chExt cx="0" cy="0"/>
+        </a:xfrm>
+      </p:grpSpPr>
+      <p:sp>
+        <p:nvSpPr>
+          <p:cNvPr id="2" name="Espace réservé de l'image des diapositives 1"/>
+          <p:cNvSpPr>
+            <a:spLocks noGrp="1" noRot="1" noChangeAspect="1"/>
+          </p:cNvSpPr>
+          <p:nvPr>
+            <p:ph type="sldImg"/>
+          </p:nvPr>
+        </p:nvSpPr>
+        <p:spPr/>
+      </p:sp>
+      <p:sp>
+        <p:nvSpPr>
+          <p:cNvPr id="3" name="Espace réservé des notes 2"/>
+          <p:cNvSpPr>
+            <a:spLocks noGrp="1"/>
+          </p:cNvSpPr>
+          <p:nvPr>
+            <p:ph type="body" idx="1"/>
+          </p:nvPr>
+        </p:nvSpPr>
+        <p:spPr/>
+        <p:txBody>
+          <a:bodyPr/>
+          <a:lstStyle/>
+          <a:p>
+            <a:r>
+              <a:rPr lang="fr-CA" dirty="0"/>
+              <a:t>JACKOB</a:t>
+            </a:r>
+          </a:p>
+        </p:txBody>
+      </p:sp>
+      <p:sp>
+        <p:nvSpPr>
+          <p:cNvPr id="4" name="Espace réservé du numéro de diapositive 3"/>
+          <p:cNvSpPr>
+            <a:spLocks noGrp="1"/>
+          </p:cNvSpPr>
+          <p:nvPr>
+            <p:ph type="sldNum" sz="quarter" idx="5"/>
+          </p:nvPr>
+        </p:nvSpPr>
+        <p:spPr/>
+        <p:txBody>
+          <a:bodyPr/>
+          <a:lstStyle/>
+          <a:p>
+            <a:fld id="{D488C3E9-C9D5-4BA4-8AD5-AFA048292372}" type="slidenum">
+              <a:rPr lang="fr-CA" smtClean="0"/>
+              <a:t>9</a:t>
+            </a:fld>
+            <a:endParaRPr lang="fr-CA"/>
+          </a:p>
+        </p:txBody>
+      </p:sp>
+    </p:spTree>
+    <p:extLst>
+      <p:ext uri="{BB962C8B-B14F-4D97-AF65-F5344CB8AC3E}">
+        <p14:creationId xmlns:p14="http://schemas.microsoft.com/office/powerpoint/2010/main" val="2995686994"/>
       </p:ext>
     </p:extLst>
   </p:cSld>
@@ -4208,246 +5025,6 @@
       </p:cxnSp>
       <p:pic>
         <p:nvPicPr>
-          <p:cNvPr id="9" name="Image 8">
-            <a:extLst>
-              <a:ext uri="{FF2B5EF4-FFF2-40B4-BE49-F238E27FC236}">
-                <a16:creationId xmlns:a16="http://schemas.microsoft.com/office/drawing/2014/main" id="{9BE618F3-5E8E-08C1-9399-6E40BB8E9F62}"/>
-              </a:ext>
-            </a:extLst>
-          </p:cNvPr>
-          <p:cNvPicPr>
-            <a:picLocks noChangeAspect="1"/>
-          </p:cNvPicPr>
-          <p:nvPr/>
-        </p:nvPicPr>
-        <p:blipFill>
-          <a:blip r:embed="rId5"/>
-          <a:stretch>
-            <a:fillRect/>
-          </a:stretch>
-        </p:blipFill>
-        <p:spPr>
-          <a:xfrm>
-            <a:off x="-1144034" y="7500076"/>
-            <a:ext cx="1523693" cy="2031589"/>
-          </a:xfrm>
-          <a:prstGeom prst="rect">
-            <a:avLst/>
-          </a:prstGeom>
-        </p:spPr>
-      </p:pic>
-      <p:pic>
-        <p:nvPicPr>
-          <p:cNvPr id="12" name="Image 11">
-            <a:extLst>
-              <a:ext uri="{FF2B5EF4-FFF2-40B4-BE49-F238E27FC236}">
-                <a16:creationId xmlns:a16="http://schemas.microsoft.com/office/drawing/2014/main" id="{F6D947DF-CD13-A0C6-52BC-466A4A47ADB0}"/>
-              </a:ext>
-            </a:extLst>
-          </p:cNvPr>
-          <p:cNvPicPr>
-            <a:picLocks noChangeAspect="1"/>
-          </p:cNvPicPr>
-          <p:nvPr/>
-        </p:nvPicPr>
-        <p:blipFill>
-          <a:blip r:embed="rId6"/>
-          <a:stretch>
-            <a:fillRect/>
-          </a:stretch>
-        </p:blipFill>
-        <p:spPr>
-          <a:xfrm>
-            <a:off x="-3305260" y="8318029"/>
-            <a:ext cx="883255" cy="738062"/>
-          </a:xfrm>
-          <a:prstGeom prst="rect">
-            <a:avLst/>
-          </a:prstGeom>
-        </p:spPr>
-      </p:pic>
-      <p:pic>
-        <p:nvPicPr>
-          <p:cNvPr id="13" name="Image 12">
-            <a:extLst>
-              <a:ext uri="{FF2B5EF4-FFF2-40B4-BE49-F238E27FC236}">
-                <a16:creationId xmlns:a16="http://schemas.microsoft.com/office/drawing/2014/main" id="{7E00F3DC-32BE-25D3-8766-585A6DD2590A}"/>
-              </a:ext>
-            </a:extLst>
-          </p:cNvPr>
-          <p:cNvPicPr>
-            <a:picLocks noChangeAspect="1"/>
-          </p:cNvPicPr>
-          <p:nvPr/>
-        </p:nvPicPr>
-        <p:blipFill>
-          <a:blip r:embed="rId7"/>
-          <a:stretch>
-            <a:fillRect/>
-          </a:stretch>
-        </p:blipFill>
-        <p:spPr>
-          <a:xfrm>
-            <a:off x="-2538714" y="7424427"/>
-            <a:ext cx="931003" cy="876238"/>
-          </a:xfrm>
-          <a:prstGeom prst="rect">
-            <a:avLst/>
-          </a:prstGeom>
-        </p:spPr>
-      </p:pic>
-      <p:pic>
-        <p:nvPicPr>
-          <p:cNvPr id="14" name="Image 13">
-            <a:extLst>
-              <a:ext uri="{FF2B5EF4-FFF2-40B4-BE49-F238E27FC236}">
-                <a16:creationId xmlns:a16="http://schemas.microsoft.com/office/drawing/2014/main" id="{BBC55976-1E78-EA91-B9CA-B038037D5D64}"/>
-              </a:ext>
-            </a:extLst>
-          </p:cNvPr>
-          <p:cNvPicPr>
-            <a:picLocks noChangeAspect="1"/>
-          </p:cNvPicPr>
-          <p:nvPr/>
-        </p:nvPicPr>
-        <p:blipFill>
-          <a:blip r:embed="rId5"/>
-          <a:stretch>
-            <a:fillRect/>
-          </a:stretch>
-        </p:blipFill>
-        <p:spPr>
-          <a:xfrm>
-            <a:off x="-2968147" y="1818475"/>
-            <a:ext cx="1523693" cy="2031589"/>
-          </a:xfrm>
-          <a:prstGeom prst="rect">
-            <a:avLst/>
-          </a:prstGeom>
-        </p:spPr>
-      </p:pic>
-      <p:pic>
-        <p:nvPicPr>
-          <p:cNvPr id="17" name="Image 16">
-            <a:extLst>
-              <a:ext uri="{FF2B5EF4-FFF2-40B4-BE49-F238E27FC236}">
-                <a16:creationId xmlns:a16="http://schemas.microsoft.com/office/drawing/2014/main" id="{FFFD0E57-D69E-1842-07A6-7D3FC0218812}"/>
-              </a:ext>
-            </a:extLst>
-          </p:cNvPr>
-          <p:cNvPicPr>
-            <a:picLocks noChangeAspect="1"/>
-          </p:cNvPicPr>
-          <p:nvPr/>
-        </p:nvPicPr>
-        <p:blipFill>
-          <a:blip r:embed="rId8"/>
-          <a:stretch>
-            <a:fillRect/>
-          </a:stretch>
-        </p:blipFill>
-        <p:spPr>
-          <a:xfrm>
-            <a:off x="-4013695" y="6351038"/>
-            <a:ext cx="878645" cy="738062"/>
-          </a:xfrm>
-          <a:prstGeom prst="rect">
-            <a:avLst/>
-          </a:prstGeom>
-        </p:spPr>
-      </p:pic>
-      <p:pic>
-        <p:nvPicPr>
-          <p:cNvPr id="18" name="Image 17">
-            <a:extLst>
-              <a:ext uri="{FF2B5EF4-FFF2-40B4-BE49-F238E27FC236}">
-                <a16:creationId xmlns:a16="http://schemas.microsoft.com/office/drawing/2014/main" id="{39C96280-93AD-1FA0-78B9-D5D768388AE9}"/>
-              </a:ext>
-            </a:extLst>
-          </p:cNvPr>
-          <p:cNvPicPr>
-            <a:picLocks noChangeAspect="1"/>
-          </p:cNvPicPr>
-          <p:nvPr/>
-        </p:nvPicPr>
-        <p:blipFill>
-          <a:blip r:embed="rId9"/>
-          <a:stretch>
-            <a:fillRect/>
-          </a:stretch>
-        </p:blipFill>
-        <p:spPr>
-          <a:xfrm>
-            <a:off x="-2689245" y="5852319"/>
-            <a:ext cx="993578" cy="803028"/>
-          </a:xfrm>
-          <a:prstGeom prst="rect">
-            <a:avLst/>
-          </a:prstGeom>
-        </p:spPr>
-      </p:pic>
-      <p:pic>
-        <p:nvPicPr>
-          <p:cNvPr id="19" name="Image 18">
-            <a:extLst>
-              <a:ext uri="{FF2B5EF4-FFF2-40B4-BE49-F238E27FC236}">
-                <a16:creationId xmlns:a16="http://schemas.microsoft.com/office/drawing/2014/main" id="{9AA865AD-E8CD-8C01-27CE-3BB10F1A1240}"/>
-              </a:ext>
-            </a:extLst>
-          </p:cNvPr>
-          <p:cNvPicPr>
-            <a:picLocks noChangeAspect="1"/>
-          </p:cNvPicPr>
-          <p:nvPr/>
-        </p:nvPicPr>
-        <p:blipFill>
-          <a:blip r:embed="rId10"/>
-          <a:stretch>
-            <a:fillRect/>
-          </a:stretch>
-        </p:blipFill>
-        <p:spPr>
-          <a:xfrm>
-            <a:off x="-5081199" y="3726053"/>
-            <a:ext cx="1332415" cy="786607"/>
-          </a:xfrm>
-          <a:prstGeom prst="rect">
-            <a:avLst/>
-          </a:prstGeom>
-        </p:spPr>
-      </p:pic>
-      <p:pic>
-        <p:nvPicPr>
-          <p:cNvPr id="20" name="Image 19">
-            <a:extLst>
-              <a:ext uri="{FF2B5EF4-FFF2-40B4-BE49-F238E27FC236}">
-                <a16:creationId xmlns:a16="http://schemas.microsoft.com/office/drawing/2014/main" id="{7ED2F8CB-7C63-CCE0-0981-C1E4894EE14F}"/>
-              </a:ext>
-            </a:extLst>
-          </p:cNvPr>
-          <p:cNvPicPr>
-            <a:picLocks noChangeAspect="1"/>
-          </p:cNvPicPr>
-          <p:nvPr/>
-        </p:nvPicPr>
-        <p:blipFill>
-          <a:blip r:embed="rId11"/>
-          <a:stretch>
-            <a:fillRect/>
-          </a:stretch>
-        </p:blipFill>
-        <p:spPr>
-          <a:xfrm>
-            <a:off x="-4973101" y="2031524"/>
-            <a:ext cx="1332416" cy="786607"/>
-          </a:xfrm>
-          <a:prstGeom prst="rect">
-            <a:avLst/>
-          </a:prstGeom>
-        </p:spPr>
-      </p:pic>
-      <p:pic>
-        <p:nvPicPr>
           <p:cNvPr id="21" name="Picture 10" descr="Processor - Free computer icons">
             <a:extLst>
               <a:ext uri="{FF2B5EF4-FFF2-40B4-BE49-F238E27FC236}">
@@ -4461,7 +5038,7 @@
           <p:nvPr/>
         </p:nvPicPr>
         <p:blipFill>
-          <a:blip r:embed="rId12">
+          <a:blip r:embed="rId5">
             <a:extLst>
               <a:ext uri="{28A0092B-C50C-407E-A947-70E740481C1C}">
                 <a14:useLocalDpi xmlns:a14="http://schemas.microsoft.com/office/drawing/2010/main" val="0"/>
@@ -4508,7 +5085,7 @@
           <p:nvPr/>
         </p:nvPicPr>
         <p:blipFill>
-          <a:blip r:embed="rId13">
+          <a:blip r:embed="rId6">
             <a:extLst>
               <a:ext uri="{28A0092B-C50C-407E-A947-70E740481C1C}">
                 <a14:useLocalDpi xmlns:a14="http://schemas.microsoft.com/office/drawing/2010/main" val="0"/>
@@ -4580,6 +5157,1061 @@
           </a:p>
         </p:txBody>
       </p:sp>
+      <p:pic>
+        <p:nvPicPr>
+          <p:cNvPr id="5" name="Image 4">
+            <a:extLst>
+              <a:ext uri="{FF2B5EF4-FFF2-40B4-BE49-F238E27FC236}">
+                <a16:creationId xmlns:a16="http://schemas.microsoft.com/office/drawing/2014/main" id="{49E27AA7-390D-6E03-70F6-F4F3FD48B951}"/>
+              </a:ext>
+            </a:extLst>
+          </p:cNvPr>
+          <p:cNvPicPr>
+            <a:picLocks noChangeAspect="1"/>
+          </p:cNvPicPr>
+          <p:nvPr/>
+        </p:nvPicPr>
+        <p:blipFill>
+          <a:blip r:embed="rId4">
+            <a:extLst>
+              <a:ext uri="{28A0092B-C50C-407E-A947-70E740481C1C}">
+                <a14:useLocalDpi xmlns:a14="http://schemas.microsoft.com/office/drawing/2010/main" val="0"/>
+              </a:ext>
+            </a:extLst>
+          </a:blip>
+          <a:stretch>
+            <a:fillRect/>
+          </a:stretch>
+        </p:blipFill>
+        <p:spPr>
+          <a:xfrm>
+            <a:off x="6426014" y="256262"/>
+            <a:ext cx="3544520" cy="4043201"/>
+          </a:xfrm>
+          <a:prstGeom prst="rect">
+            <a:avLst/>
+          </a:prstGeom>
+        </p:spPr>
+      </p:pic>
+      <p:grpSp>
+        <p:nvGrpSpPr>
+          <p:cNvPr id="6" name="Groupe 5">
+            <a:extLst>
+              <a:ext uri="{FF2B5EF4-FFF2-40B4-BE49-F238E27FC236}">
+                <a16:creationId xmlns:a16="http://schemas.microsoft.com/office/drawing/2014/main" id="{71360CCE-D11C-2072-1FB1-C72158431541}"/>
+              </a:ext>
+            </a:extLst>
+          </p:cNvPr>
+          <p:cNvGrpSpPr/>
+          <p:nvPr/>
+        </p:nvGrpSpPr>
+        <p:grpSpPr>
+          <a:xfrm>
+            <a:off x="12423129" y="3410857"/>
+            <a:ext cx="5537157" cy="3325320"/>
+            <a:chOff x="4412024" y="1956065"/>
+            <a:chExt cx="7586309" cy="4798255"/>
+          </a:xfrm>
+        </p:grpSpPr>
+        <p:sp>
+          <p:nvSpPr>
+            <p:cNvPr id="11" name="Rectangle : coins arrondis 10">
+              <a:extLst>
+                <a:ext uri="{FF2B5EF4-FFF2-40B4-BE49-F238E27FC236}">
+                  <a16:creationId xmlns:a16="http://schemas.microsoft.com/office/drawing/2014/main" id="{93C90BF2-2858-8665-BC27-D9D6EC06BD1B}"/>
+                </a:ext>
+              </a:extLst>
+            </p:cNvPr>
+            <p:cNvSpPr/>
+            <p:nvPr/>
+          </p:nvSpPr>
+          <p:spPr>
+            <a:xfrm>
+              <a:off x="4412024" y="1956065"/>
+              <a:ext cx="7586309" cy="4798255"/>
+            </a:xfrm>
+            <a:prstGeom prst="roundRect">
+              <a:avLst/>
+            </a:prstGeom>
+            <a:solidFill>
+              <a:srgbClr val="EF4C45"/>
+            </a:solidFill>
+            <a:ln w="120650">
+              <a:solidFill>
+                <a:schemeClr val="tx1"/>
+              </a:solidFill>
+            </a:ln>
+          </p:spPr>
+          <p:style>
+            <a:lnRef idx="2">
+              <a:schemeClr val="accent1">
+                <a:shade val="50000"/>
+              </a:schemeClr>
+            </a:lnRef>
+            <a:fillRef idx="1">
+              <a:schemeClr val="accent1"/>
+            </a:fillRef>
+            <a:effectRef idx="0">
+              <a:schemeClr val="accent1"/>
+            </a:effectRef>
+            <a:fontRef idx="minor">
+              <a:schemeClr val="lt1"/>
+            </a:fontRef>
+          </p:style>
+          <p:txBody>
+            <a:bodyPr rtlCol="0" anchor="ctr"/>
+            <a:lstStyle/>
+            <a:p>
+              <a:pPr algn="ctr"/>
+              <a:endParaRPr lang="fr-CA" dirty="0"/>
+            </a:p>
+          </p:txBody>
+        </p:sp>
+        <p:pic>
+          <p:nvPicPr>
+            <p:cNvPr id="23" name="Image 22">
+              <a:extLst>
+                <a:ext uri="{FF2B5EF4-FFF2-40B4-BE49-F238E27FC236}">
+                  <a16:creationId xmlns:a16="http://schemas.microsoft.com/office/drawing/2014/main" id="{E0AE4CF1-2654-AB0B-D16B-1C0713ADB0C7}"/>
+                </a:ext>
+              </a:extLst>
+            </p:cNvPr>
+            <p:cNvPicPr>
+              <a:picLocks noChangeAspect="1"/>
+            </p:cNvPicPr>
+            <p:nvPr/>
+          </p:nvPicPr>
+          <p:blipFill>
+            <a:blip r:embed="rId7"/>
+            <a:stretch>
+              <a:fillRect/>
+            </a:stretch>
+          </p:blipFill>
+          <p:spPr>
+            <a:xfrm>
+              <a:off x="9934265" y="2190765"/>
+              <a:ext cx="1598013" cy="2130682"/>
+            </a:xfrm>
+            <a:prstGeom prst="rect">
+              <a:avLst/>
+            </a:prstGeom>
+          </p:spPr>
+        </p:pic>
+        <p:pic>
+          <p:nvPicPr>
+            <p:cNvPr id="24" name="Image 23">
+              <a:extLst>
+                <a:ext uri="{FF2B5EF4-FFF2-40B4-BE49-F238E27FC236}">
+                  <a16:creationId xmlns:a16="http://schemas.microsoft.com/office/drawing/2014/main" id="{0AF3DBC1-D7F6-2B2A-B920-978E787451C5}"/>
+                </a:ext>
+              </a:extLst>
+            </p:cNvPr>
+            <p:cNvPicPr>
+              <a:picLocks noChangeAspect="1"/>
+            </p:cNvPicPr>
+            <p:nvPr/>
+          </p:nvPicPr>
+          <p:blipFill>
+            <a:blip r:embed="rId7"/>
+            <a:stretch>
+              <a:fillRect/>
+            </a:stretch>
+          </p:blipFill>
+          <p:spPr>
+            <a:xfrm>
+              <a:off x="4705757" y="2289858"/>
+              <a:ext cx="1523693" cy="2031589"/>
+            </a:xfrm>
+            <a:prstGeom prst="rect">
+              <a:avLst/>
+            </a:prstGeom>
+          </p:spPr>
+        </p:pic>
+        <p:pic>
+          <p:nvPicPr>
+            <p:cNvPr id="25" name="Image 24">
+              <a:extLst>
+                <a:ext uri="{FF2B5EF4-FFF2-40B4-BE49-F238E27FC236}">
+                  <a16:creationId xmlns:a16="http://schemas.microsoft.com/office/drawing/2014/main" id="{3E3ED132-6B44-4811-E12E-2973C1E480D3}"/>
+                </a:ext>
+              </a:extLst>
+            </p:cNvPr>
+            <p:cNvPicPr>
+              <a:picLocks noChangeAspect="1"/>
+            </p:cNvPicPr>
+            <p:nvPr/>
+          </p:nvPicPr>
+          <p:blipFill>
+            <a:blip r:embed="rId8"/>
+            <a:stretch>
+              <a:fillRect/>
+            </a:stretch>
+          </p:blipFill>
+          <p:spPr>
+            <a:xfrm>
+              <a:off x="6724316" y="3150406"/>
+              <a:ext cx="1332415" cy="786607"/>
+            </a:xfrm>
+            <a:prstGeom prst="rect">
+              <a:avLst/>
+            </a:prstGeom>
+          </p:spPr>
+        </p:pic>
+        <p:pic>
+          <p:nvPicPr>
+            <p:cNvPr id="26" name="Image 25">
+              <a:extLst>
+                <a:ext uri="{FF2B5EF4-FFF2-40B4-BE49-F238E27FC236}">
+                  <a16:creationId xmlns:a16="http://schemas.microsoft.com/office/drawing/2014/main" id="{E56F168F-49F8-FEC9-63E9-FA8A24B261C1}"/>
+                </a:ext>
+              </a:extLst>
+            </p:cNvPr>
+            <p:cNvPicPr>
+              <a:picLocks noChangeAspect="1"/>
+            </p:cNvPicPr>
+            <p:nvPr/>
+          </p:nvPicPr>
+          <p:blipFill>
+            <a:blip r:embed="rId9"/>
+            <a:stretch>
+              <a:fillRect/>
+            </a:stretch>
+          </p:blipFill>
+          <p:spPr>
+            <a:xfrm>
+              <a:off x="8329290" y="3150406"/>
+              <a:ext cx="1332416" cy="786607"/>
+            </a:xfrm>
+            <a:prstGeom prst="rect">
+              <a:avLst/>
+            </a:prstGeom>
+          </p:spPr>
+        </p:pic>
+        <p:grpSp>
+          <p:nvGrpSpPr>
+            <p:cNvPr id="27" name="Groupe 26">
+              <a:extLst>
+                <a:ext uri="{FF2B5EF4-FFF2-40B4-BE49-F238E27FC236}">
+                  <a16:creationId xmlns:a16="http://schemas.microsoft.com/office/drawing/2014/main" id="{BE988182-B130-A78F-3B73-E02092471E7E}"/>
+                </a:ext>
+              </a:extLst>
+            </p:cNvPr>
+            <p:cNvGrpSpPr/>
+            <p:nvPr/>
+          </p:nvGrpSpPr>
+          <p:grpSpPr>
+            <a:xfrm>
+              <a:off x="9777672" y="5572186"/>
+              <a:ext cx="878645" cy="738062"/>
+              <a:chOff x="1060233" y="4235219"/>
+              <a:chExt cx="878645" cy="738062"/>
+            </a:xfrm>
+          </p:grpSpPr>
+          <p:pic>
+            <p:nvPicPr>
+              <p:cNvPr id="49" name="Image 48">
+                <a:extLst>
+                  <a:ext uri="{FF2B5EF4-FFF2-40B4-BE49-F238E27FC236}">
+                    <a16:creationId xmlns:a16="http://schemas.microsoft.com/office/drawing/2014/main" id="{250D22BF-D64A-C908-FD8C-CC66D5E2D698}"/>
+                  </a:ext>
+                </a:extLst>
+              </p:cNvPr>
+              <p:cNvPicPr>
+                <a:picLocks noChangeAspect="1"/>
+              </p:cNvPicPr>
+              <p:nvPr/>
+            </p:nvPicPr>
+            <p:blipFill>
+              <a:blip r:embed="rId10"/>
+              <a:stretch>
+                <a:fillRect/>
+              </a:stretch>
+            </p:blipFill>
+            <p:spPr>
+              <a:xfrm>
+                <a:off x="1060233" y="4235219"/>
+                <a:ext cx="878645" cy="738062"/>
+              </a:xfrm>
+              <a:prstGeom prst="rect">
+                <a:avLst/>
+              </a:prstGeom>
+            </p:spPr>
+          </p:pic>
+          <p:sp>
+            <p:nvSpPr>
+              <p:cNvPr id="50" name="Ellipse 49">
+                <a:extLst>
+                  <a:ext uri="{FF2B5EF4-FFF2-40B4-BE49-F238E27FC236}">
+                    <a16:creationId xmlns:a16="http://schemas.microsoft.com/office/drawing/2014/main" id="{9E1F7DE4-5ADE-407B-6FF2-3FEF07455AA9}"/>
+                  </a:ext>
+                </a:extLst>
+              </p:cNvPr>
+              <p:cNvSpPr/>
+              <p:nvPr/>
+            </p:nvSpPr>
+            <p:spPr>
+              <a:xfrm>
+                <a:off x="1251674" y="4381499"/>
+                <a:ext cx="518600" cy="209929"/>
+              </a:xfrm>
+              <a:prstGeom prst="ellipse">
+                <a:avLst/>
+              </a:prstGeom>
+              <a:solidFill>
+                <a:srgbClr val="00C3FF"/>
+              </a:solidFill>
+              <a:ln>
+                <a:noFill/>
+              </a:ln>
+            </p:spPr>
+            <p:style>
+              <a:lnRef idx="2">
+                <a:schemeClr val="accent1">
+                  <a:shade val="50000"/>
+                </a:schemeClr>
+              </a:lnRef>
+              <a:fillRef idx="1">
+                <a:schemeClr val="accent1"/>
+              </a:fillRef>
+              <a:effectRef idx="0">
+                <a:schemeClr val="accent1"/>
+              </a:effectRef>
+              <a:fontRef idx="minor">
+                <a:schemeClr val="lt1"/>
+              </a:fontRef>
+            </p:style>
+            <p:txBody>
+              <a:bodyPr rtlCol="0" anchor="ctr"/>
+              <a:lstStyle/>
+              <a:p>
+                <a:pPr algn="ctr"/>
+                <a:endParaRPr lang="fr-CA" dirty="0"/>
+              </a:p>
+            </p:txBody>
+          </p:sp>
+        </p:grpSp>
+        <p:grpSp>
+          <p:nvGrpSpPr>
+            <p:cNvPr id="28" name="Groupe 27">
+              <a:extLst>
+                <a:ext uri="{FF2B5EF4-FFF2-40B4-BE49-F238E27FC236}">
+                  <a16:creationId xmlns:a16="http://schemas.microsoft.com/office/drawing/2014/main" id="{AE68CE27-3F21-B1CA-BF28-14C0F5279117}"/>
+                </a:ext>
+              </a:extLst>
+            </p:cNvPr>
+            <p:cNvGrpSpPr/>
+            <p:nvPr/>
+          </p:nvGrpSpPr>
+          <p:grpSpPr>
+            <a:xfrm>
+              <a:off x="9031530" y="4970020"/>
+              <a:ext cx="883255" cy="738062"/>
+              <a:chOff x="1043527" y="5056143"/>
+              <a:chExt cx="883255" cy="738062"/>
+            </a:xfrm>
+          </p:grpSpPr>
+          <p:pic>
+            <p:nvPicPr>
+              <p:cNvPr id="47" name="Image 46">
+                <a:extLst>
+                  <a:ext uri="{FF2B5EF4-FFF2-40B4-BE49-F238E27FC236}">
+                    <a16:creationId xmlns:a16="http://schemas.microsoft.com/office/drawing/2014/main" id="{335C9CCD-0279-BDE4-B1FC-BE5A86CB7F13}"/>
+                  </a:ext>
+                </a:extLst>
+              </p:cNvPr>
+              <p:cNvPicPr>
+                <a:picLocks noChangeAspect="1"/>
+              </p:cNvPicPr>
+              <p:nvPr/>
+            </p:nvPicPr>
+            <p:blipFill>
+              <a:blip r:embed="rId11"/>
+              <a:stretch>
+                <a:fillRect/>
+              </a:stretch>
+            </p:blipFill>
+            <p:spPr>
+              <a:xfrm>
+                <a:off x="1043527" y="5056143"/>
+                <a:ext cx="883255" cy="738062"/>
+              </a:xfrm>
+              <a:prstGeom prst="rect">
+                <a:avLst/>
+              </a:prstGeom>
+            </p:spPr>
+          </p:pic>
+          <p:sp>
+            <p:nvSpPr>
+              <p:cNvPr id="48" name="Ellipse 47">
+                <a:extLst>
+                  <a:ext uri="{FF2B5EF4-FFF2-40B4-BE49-F238E27FC236}">
+                    <a16:creationId xmlns:a16="http://schemas.microsoft.com/office/drawing/2014/main" id="{610631A9-D244-6482-B5BF-EA23CA50B453}"/>
+                  </a:ext>
+                </a:extLst>
+              </p:cNvPr>
+              <p:cNvSpPr/>
+              <p:nvPr/>
+            </p:nvSpPr>
+            <p:spPr>
+              <a:xfrm>
+                <a:off x="1230346" y="5182756"/>
+                <a:ext cx="545434" cy="235636"/>
+              </a:xfrm>
+              <a:prstGeom prst="ellipse">
+                <a:avLst/>
+              </a:prstGeom>
+              <a:solidFill>
+                <a:srgbClr val="FF0013"/>
+              </a:solidFill>
+              <a:ln>
+                <a:noFill/>
+              </a:ln>
+            </p:spPr>
+            <p:style>
+              <a:lnRef idx="2">
+                <a:schemeClr val="accent1">
+                  <a:shade val="50000"/>
+                </a:schemeClr>
+              </a:lnRef>
+              <a:fillRef idx="1">
+                <a:schemeClr val="accent1"/>
+              </a:fillRef>
+              <a:effectRef idx="0">
+                <a:schemeClr val="accent1"/>
+              </a:effectRef>
+              <a:fontRef idx="minor">
+                <a:schemeClr val="lt1"/>
+              </a:fontRef>
+            </p:style>
+            <p:txBody>
+              <a:bodyPr rtlCol="0" anchor="ctr"/>
+              <a:lstStyle/>
+              <a:p>
+                <a:pPr algn="ctr"/>
+                <a:endParaRPr lang="fr-CA"/>
+              </a:p>
+            </p:txBody>
+          </p:sp>
+        </p:grpSp>
+        <p:grpSp>
+          <p:nvGrpSpPr>
+            <p:cNvPr id="29" name="Groupe 28">
+              <a:extLst>
+                <a:ext uri="{FF2B5EF4-FFF2-40B4-BE49-F238E27FC236}">
+                  <a16:creationId xmlns:a16="http://schemas.microsoft.com/office/drawing/2014/main" id="{001B58E7-23A0-5530-8741-C94515AA63DC}"/>
+                </a:ext>
+              </a:extLst>
+            </p:cNvPr>
+            <p:cNvGrpSpPr/>
+            <p:nvPr/>
+          </p:nvGrpSpPr>
+          <p:grpSpPr>
+            <a:xfrm>
+              <a:off x="10527209" y="4950282"/>
+              <a:ext cx="993578" cy="803028"/>
+              <a:chOff x="2015854" y="4197674"/>
+              <a:chExt cx="993578" cy="803028"/>
+            </a:xfrm>
+          </p:grpSpPr>
+          <p:pic>
+            <p:nvPicPr>
+              <p:cNvPr id="45" name="Image 44">
+                <a:extLst>
+                  <a:ext uri="{FF2B5EF4-FFF2-40B4-BE49-F238E27FC236}">
+                    <a16:creationId xmlns:a16="http://schemas.microsoft.com/office/drawing/2014/main" id="{2D4038F6-B764-DE49-D0F6-3F89F524B1A0}"/>
+                  </a:ext>
+                </a:extLst>
+              </p:cNvPr>
+              <p:cNvPicPr>
+                <a:picLocks noChangeAspect="1"/>
+              </p:cNvPicPr>
+              <p:nvPr/>
+            </p:nvPicPr>
+            <p:blipFill>
+              <a:blip r:embed="rId12"/>
+              <a:stretch>
+                <a:fillRect/>
+              </a:stretch>
+            </p:blipFill>
+            <p:spPr>
+              <a:xfrm>
+                <a:off x="2015854" y="4197674"/>
+                <a:ext cx="993578" cy="803028"/>
+              </a:xfrm>
+              <a:prstGeom prst="rect">
+                <a:avLst/>
+              </a:prstGeom>
+            </p:spPr>
+          </p:pic>
+          <p:sp>
+            <p:nvSpPr>
+              <p:cNvPr id="46" name="Ellipse 45">
+                <a:extLst>
+                  <a:ext uri="{FF2B5EF4-FFF2-40B4-BE49-F238E27FC236}">
+                    <a16:creationId xmlns:a16="http://schemas.microsoft.com/office/drawing/2014/main" id="{1711CD84-79D0-8C56-442F-96F7EE2A26ED}"/>
+                  </a:ext>
+                </a:extLst>
+              </p:cNvPr>
+              <p:cNvSpPr/>
+              <p:nvPr/>
+            </p:nvSpPr>
+            <p:spPr>
+              <a:xfrm>
+                <a:off x="2290762" y="4381500"/>
+                <a:ext cx="506773" cy="238738"/>
+              </a:xfrm>
+              <a:prstGeom prst="ellipse">
+                <a:avLst/>
+              </a:prstGeom>
+              <a:solidFill>
+                <a:srgbClr val="FFC200"/>
+              </a:solidFill>
+              <a:ln>
+                <a:noFill/>
+              </a:ln>
+            </p:spPr>
+            <p:style>
+              <a:lnRef idx="2">
+                <a:schemeClr val="accent1">
+                  <a:shade val="50000"/>
+                </a:schemeClr>
+              </a:lnRef>
+              <a:fillRef idx="1">
+                <a:schemeClr val="accent1"/>
+              </a:fillRef>
+              <a:effectRef idx="0">
+                <a:schemeClr val="accent1"/>
+              </a:effectRef>
+              <a:fontRef idx="minor">
+                <a:schemeClr val="lt1"/>
+              </a:fontRef>
+            </p:style>
+            <p:txBody>
+              <a:bodyPr rtlCol="0" anchor="ctr"/>
+              <a:lstStyle/>
+              <a:p>
+                <a:pPr algn="ctr"/>
+                <a:endParaRPr lang="fr-CA"/>
+              </a:p>
+            </p:txBody>
+          </p:sp>
+        </p:grpSp>
+        <p:grpSp>
+          <p:nvGrpSpPr>
+            <p:cNvPr id="30" name="Groupe 29">
+              <a:extLst>
+                <a:ext uri="{FF2B5EF4-FFF2-40B4-BE49-F238E27FC236}">
+                  <a16:creationId xmlns:a16="http://schemas.microsoft.com/office/drawing/2014/main" id="{560A5631-9AEF-9927-179F-0003C2C1C671}"/>
+                </a:ext>
+              </a:extLst>
+            </p:cNvPr>
+            <p:cNvGrpSpPr/>
+            <p:nvPr/>
+          </p:nvGrpSpPr>
+          <p:grpSpPr>
+            <a:xfrm>
+              <a:off x="9802268" y="4342637"/>
+              <a:ext cx="931003" cy="876238"/>
+              <a:chOff x="2100229" y="4973281"/>
+              <a:chExt cx="931003" cy="876238"/>
+            </a:xfrm>
+          </p:grpSpPr>
+          <p:pic>
+            <p:nvPicPr>
+              <p:cNvPr id="43" name="Image 42">
+                <a:extLst>
+                  <a:ext uri="{FF2B5EF4-FFF2-40B4-BE49-F238E27FC236}">
+                    <a16:creationId xmlns:a16="http://schemas.microsoft.com/office/drawing/2014/main" id="{D791F439-BB09-5516-D3F1-D1427E309523}"/>
+                  </a:ext>
+                </a:extLst>
+              </p:cNvPr>
+              <p:cNvPicPr>
+                <a:picLocks noChangeAspect="1"/>
+              </p:cNvPicPr>
+              <p:nvPr/>
+            </p:nvPicPr>
+            <p:blipFill>
+              <a:blip r:embed="rId13"/>
+              <a:stretch>
+                <a:fillRect/>
+              </a:stretch>
+            </p:blipFill>
+            <p:spPr>
+              <a:xfrm>
+                <a:off x="2100229" y="4973281"/>
+                <a:ext cx="931003" cy="876238"/>
+              </a:xfrm>
+              <a:prstGeom prst="rect">
+                <a:avLst/>
+              </a:prstGeom>
+            </p:spPr>
+          </p:pic>
+          <p:sp>
+            <p:nvSpPr>
+              <p:cNvPr id="44" name="Ellipse 43">
+                <a:extLst>
+                  <a:ext uri="{FF2B5EF4-FFF2-40B4-BE49-F238E27FC236}">
+                    <a16:creationId xmlns:a16="http://schemas.microsoft.com/office/drawing/2014/main" id="{5CC8340A-5073-2CED-8A84-21900EFFC6B7}"/>
+                  </a:ext>
+                </a:extLst>
+              </p:cNvPr>
+              <p:cNvSpPr/>
+              <p:nvPr/>
+            </p:nvSpPr>
+            <p:spPr>
+              <a:xfrm>
+                <a:off x="2290762" y="5160209"/>
+                <a:ext cx="545434" cy="235636"/>
+              </a:xfrm>
+              <a:prstGeom prst="ellipse">
+                <a:avLst/>
+              </a:prstGeom>
+              <a:solidFill>
+                <a:srgbClr val="05D305"/>
+              </a:solidFill>
+              <a:ln>
+                <a:noFill/>
+              </a:ln>
+            </p:spPr>
+            <p:style>
+              <a:lnRef idx="2">
+                <a:schemeClr val="accent1">
+                  <a:shade val="50000"/>
+                </a:schemeClr>
+              </a:lnRef>
+              <a:fillRef idx="1">
+                <a:schemeClr val="accent1"/>
+              </a:fillRef>
+              <a:effectRef idx="0">
+                <a:schemeClr val="accent1"/>
+              </a:effectRef>
+              <a:fontRef idx="minor">
+                <a:schemeClr val="lt1"/>
+              </a:fontRef>
+            </p:style>
+            <p:txBody>
+              <a:bodyPr rtlCol="0" anchor="ctr"/>
+              <a:lstStyle/>
+              <a:p>
+                <a:pPr algn="ctr"/>
+                <a:endParaRPr lang="fr-CA" dirty="0"/>
+              </a:p>
+            </p:txBody>
+          </p:sp>
+        </p:grpSp>
+        <p:grpSp>
+          <p:nvGrpSpPr>
+            <p:cNvPr id="31" name="Groupe 30">
+              <a:extLst>
+                <a:ext uri="{FF2B5EF4-FFF2-40B4-BE49-F238E27FC236}">
+                  <a16:creationId xmlns:a16="http://schemas.microsoft.com/office/drawing/2014/main" id="{2DD3C7F6-59BD-7E9A-BB0A-1E36951F4CC4}"/>
+                </a:ext>
+              </a:extLst>
+            </p:cNvPr>
+            <p:cNvGrpSpPr/>
+            <p:nvPr/>
+          </p:nvGrpSpPr>
+          <p:grpSpPr>
+            <a:xfrm>
+              <a:off x="5768717" y="5572186"/>
+              <a:ext cx="878645" cy="738062"/>
+              <a:chOff x="1060233" y="4235219"/>
+              <a:chExt cx="878645" cy="738062"/>
+            </a:xfrm>
+          </p:grpSpPr>
+          <p:pic>
+            <p:nvPicPr>
+              <p:cNvPr id="41" name="Image 40">
+                <a:extLst>
+                  <a:ext uri="{FF2B5EF4-FFF2-40B4-BE49-F238E27FC236}">
+                    <a16:creationId xmlns:a16="http://schemas.microsoft.com/office/drawing/2014/main" id="{A2038CE2-FDCE-5B6C-F267-A0ABC1ED1DB0}"/>
+                  </a:ext>
+                </a:extLst>
+              </p:cNvPr>
+              <p:cNvPicPr>
+                <a:picLocks noChangeAspect="1"/>
+              </p:cNvPicPr>
+              <p:nvPr/>
+            </p:nvPicPr>
+            <p:blipFill>
+              <a:blip r:embed="rId10"/>
+              <a:stretch>
+                <a:fillRect/>
+              </a:stretch>
+            </p:blipFill>
+            <p:spPr>
+              <a:xfrm>
+                <a:off x="1060233" y="4235219"/>
+                <a:ext cx="878645" cy="738062"/>
+              </a:xfrm>
+              <a:prstGeom prst="rect">
+                <a:avLst/>
+              </a:prstGeom>
+            </p:spPr>
+          </p:pic>
+          <p:sp>
+            <p:nvSpPr>
+              <p:cNvPr id="42" name="Ellipse 41">
+                <a:extLst>
+                  <a:ext uri="{FF2B5EF4-FFF2-40B4-BE49-F238E27FC236}">
+                    <a16:creationId xmlns:a16="http://schemas.microsoft.com/office/drawing/2014/main" id="{412BFE02-364B-FD57-3280-94C9A0F457CE}"/>
+                  </a:ext>
+                </a:extLst>
+              </p:cNvPr>
+              <p:cNvSpPr/>
+              <p:nvPr/>
+            </p:nvSpPr>
+            <p:spPr>
+              <a:xfrm>
+                <a:off x="1251674" y="4381499"/>
+                <a:ext cx="518600" cy="209929"/>
+              </a:xfrm>
+              <a:prstGeom prst="ellipse">
+                <a:avLst/>
+              </a:prstGeom>
+              <a:solidFill>
+                <a:srgbClr val="00C3FF"/>
+              </a:solidFill>
+              <a:ln>
+                <a:noFill/>
+              </a:ln>
+            </p:spPr>
+            <p:style>
+              <a:lnRef idx="2">
+                <a:schemeClr val="accent1">
+                  <a:shade val="50000"/>
+                </a:schemeClr>
+              </a:lnRef>
+              <a:fillRef idx="1">
+                <a:schemeClr val="accent1"/>
+              </a:fillRef>
+              <a:effectRef idx="0">
+                <a:schemeClr val="accent1"/>
+              </a:effectRef>
+              <a:fontRef idx="minor">
+                <a:schemeClr val="lt1"/>
+              </a:fontRef>
+            </p:style>
+            <p:txBody>
+              <a:bodyPr rtlCol="0" anchor="ctr"/>
+              <a:lstStyle/>
+              <a:p>
+                <a:pPr algn="ctr"/>
+                <a:endParaRPr lang="fr-CA" dirty="0"/>
+              </a:p>
+            </p:txBody>
+          </p:sp>
+        </p:grpSp>
+        <p:grpSp>
+          <p:nvGrpSpPr>
+            <p:cNvPr id="32" name="Groupe 31">
+              <a:extLst>
+                <a:ext uri="{FF2B5EF4-FFF2-40B4-BE49-F238E27FC236}">
+                  <a16:creationId xmlns:a16="http://schemas.microsoft.com/office/drawing/2014/main" id="{6786D4A9-99E9-B8D9-A694-14E0FEEE67ED}"/>
+                </a:ext>
+              </a:extLst>
+            </p:cNvPr>
+            <p:cNvGrpSpPr/>
+            <p:nvPr/>
+          </p:nvGrpSpPr>
+          <p:grpSpPr>
+            <a:xfrm>
+              <a:off x="5022575" y="4970020"/>
+              <a:ext cx="883255" cy="738062"/>
+              <a:chOff x="1043527" y="5056143"/>
+              <a:chExt cx="883255" cy="738062"/>
+            </a:xfrm>
+          </p:grpSpPr>
+          <p:pic>
+            <p:nvPicPr>
+              <p:cNvPr id="39" name="Image 38">
+                <a:extLst>
+                  <a:ext uri="{FF2B5EF4-FFF2-40B4-BE49-F238E27FC236}">
+                    <a16:creationId xmlns:a16="http://schemas.microsoft.com/office/drawing/2014/main" id="{C628085D-0606-616C-390A-929ACDA1831E}"/>
+                  </a:ext>
+                </a:extLst>
+              </p:cNvPr>
+              <p:cNvPicPr>
+                <a:picLocks noChangeAspect="1"/>
+              </p:cNvPicPr>
+              <p:nvPr/>
+            </p:nvPicPr>
+            <p:blipFill>
+              <a:blip r:embed="rId11"/>
+              <a:stretch>
+                <a:fillRect/>
+              </a:stretch>
+            </p:blipFill>
+            <p:spPr>
+              <a:xfrm>
+                <a:off x="1043527" y="5056143"/>
+                <a:ext cx="883255" cy="738062"/>
+              </a:xfrm>
+              <a:prstGeom prst="rect">
+                <a:avLst/>
+              </a:prstGeom>
+            </p:spPr>
+          </p:pic>
+          <p:sp>
+            <p:nvSpPr>
+              <p:cNvPr id="40" name="Ellipse 39">
+                <a:extLst>
+                  <a:ext uri="{FF2B5EF4-FFF2-40B4-BE49-F238E27FC236}">
+                    <a16:creationId xmlns:a16="http://schemas.microsoft.com/office/drawing/2014/main" id="{5874F69A-68BD-B85A-1B37-DE2674467160}"/>
+                  </a:ext>
+                </a:extLst>
+              </p:cNvPr>
+              <p:cNvSpPr/>
+              <p:nvPr/>
+            </p:nvSpPr>
+            <p:spPr>
+              <a:xfrm>
+                <a:off x="1230346" y="5182756"/>
+                <a:ext cx="545434" cy="235636"/>
+              </a:xfrm>
+              <a:prstGeom prst="ellipse">
+                <a:avLst/>
+              </a:prstGeom>
+              <a:solidFill>
+                <a:srgbClr val="FF0013"/>
+              </a:solidFill>
+              <a:ln>
+                <a:noFill/>
+              </a:ln>
+            </p:spPr>
+            <p:style>
+              <a:lnRef idx="2">
+                <a:schemeClr val="accent1">
+                  <a:shade val="50000"/>
+                </a:schemeClr>
+              </a:lnRef>
+              <a:fillRef idx="1">
+                <a:schemeClr val="accent1"/>
+              </a:fillRef>
+              <a:effectRef idx="0">
+                <a:schemeClr val="accent1"/>
+              </a:effectRef>
+              <a:fontRef idx="minor">
+                <a:schemeClr val="lt1"/>
+              </a:fontRef>
+            </p:style>
+            <p:txBody>
+              <a:bodyPr rtlCol="0" anchor="ctr"/>
+              <a:lstStyle/>
+              <a:p>
+                <a:pPr algn="ctr"/>
+                <a:endParaRPr lang="fr-CA"/>
+              </a:p>
+            </p:txBody>
+          </p:sp>
+        </p:grpSp>
+        <p:grpSp>
+          <p:nvGrpSpPr>
+            <p:cNvPr id="33" name="Groupe 32">
+              <a:extLst>
+                <a:ext uri="{FF2B5EF4-FFF2-40B4-BE49-F238E27FC236}">
+                  <a16:creationId xmlns:a16="http://schemas.microsoft.com/office/drawing/2014/main" id="{7ED5C623-BF22-C83C-63DA-43C67A161863}"/>
+                </a:ext>
+              </a:extLst>
+            </p:cNvPr>
+            <p:cNvGrpSpPr/>
+            <p:nvPr/>
+          </p:nvGrpSpPr>
+          <p:grpSpPr>
+            <a:xfrm>
+              <a:off x="6518254" y="4950282"/>
+              <a:ext cx="993578" cy="803028"/>
+              <a:chOff x="2015854" y="4197674"/>
+              <a:chExt cx="993578" cy="803028"/>
+            </a:xfrm>
+          </p:grpSpPr>
+          <p:pic>
+            <p:nvPicPr>
+              <p:cNvPr id="37" name="Image 36">
+                <a:extLst>
+                  <a:ext uri="{FF2B5EF4-FFF2-40B4-BE49-F238E27FC236}">
+                    <a16:creationId xmlns:a16="http://schemas.microsoft.com/office/drawing/2014/main" id="{A090720F-B8B7-5AA2-A5EB-0BFC536916AE}"/>
+                  </a:ext>
+                </a:extLst>
+              </p:cNvPr>
+              <p:cNvPicPr>
+                <a:picLocks noChangeAspect="1"/>
+              </p:cNvPicPr>
+              <p:nvPr/>
+            </p:nvPicPr>
+            <p:blipFill>
+              <a:blip r:embed="rId12"/>
+              <a:stretch>
+                <a:fillRect/>
+              </a:stretch>
+            </p:blipFill>
+            <p:spPr>
+              <a:xfrm>
+                <a:off x="2015854" y="4197674"/>
+                <a:ext cx="993578" cy="803028"/>
+              </a:xfrm>
+              <a:prstGeom prst="rect">
+                <a:avLst/>
+              </a:prstGeom>
+            </p:spPr>
+          </p:pic>
+          <p:sp>
+            <p:nvSpPr>
+              <p:cNvPr id="38" name="Ellipse 37">
+                <a:extLst>
+                  <a:ext uri="{FF2B5EF4-FFF2-40B4-BE49-F238E27FC236}">
+                    <a16:creationId xmlns:a16="http://schemas.microsoft.com/office/drawing/2014/main" id="{EF426A41-42AB-7149-5647-9DCB79C6FDEB}"/>
+                  </a:ext>
+                </a:extLst>
+              </p:cNvPr>
+              <p:cNvSpPr/>
+              <p:nvPr/>
+            </p:nvSpPr>
+            <p:spPr>
+              <a:xfrm>
+                <a:off x="2290762" y="4381500"/>
+                <a:ext cx="506773" cy="238738"/>
+              </a:xfrm>
+              <a:prstGeom prst="ellipse">
+                <a:avLst/>
+              </a:prstGeom>
+              <a:solidFill>
+                <a:srgbClr val="FFC200"/>
+              </a:solidFill>
+              <a:ln>
+                <a:noFill/>
+              </a:ln>
+            </p:spPr>
+            <p:style>
+              <a:lnRef idx="2">
+                <a:schemeClr val="accent1">
+                  <a:shade val="50000"/>
+                </a:schemeClr>
+              </a:lnRef>
+              <a:fillRef idx="1">
+                <a:schemeClr val="accent1"/>
+              </a:fillRef>
+              <a:effectRef idx="0">
+                <a:schemeClr val="accent1"/>
+              </a:effectRef>
+              <a:fontRef idx="minor">
+                <a:schemeClr val="lt1"/>
+              </a:fontRef>
+            </p:style>
+            <p:txBody>
+              <a:bodyPr rtlCol="0" anchor="ctr"/>
+              <a:lstStyle/>
+              <a:p>
+                <a:pPr algn="ctr"/>
+                <a:endParaRPr lang="fr-CA"/>
+              </a:p>
+            </p:txBody>
+          </p:sp>
+        </p:grpSp>
+        <p:grpSp>
+          <p:nvGrpSpPr>
+            <p:cNvPr id="34" name="Groupe 33">
+              <a:extLst>
+                <a:ext uri="{FF2B5EF4-FFF2-40B4-BE49-F238E27FC236}">
+                  <a16:creationId xmlns:a16="http://schemas.microsoft.com/office/drawing/2014/main" id="{CF01C7D1-C662-07FA-F991-ED88ABD869E1}"/>
+                </a:ext>
+              </a:extLst>
+            </p:cNvPr>
+            <p:cNvGrpSpPr/>
+            <p:nvPr/>
+          </p:nvGrpSpPr>
+          <p:grpSpPr>
+            <a:xfrm>
+              <a:off x="5793313" y="4342637"/>
+              <a:ext cx="931003" cy="876238"/>
+              <a:chOff x="2100229" y="4973281"/>
+              <a:chExt cx="931003" cy="876238"/>
+            </a:xfrm>
+          </p:grpSpPr>
+          <p:pic>
+            <p:nvPicPr>
+              <p:cNvPr id="35" name="Image 34">
+                <a:extLst>
+                  <a:ext uri="{FF2B5EF4-FFF2-40B4-BE49-F238E27FC236}">
+                    <a16:creationId xmlns:a16="http://schemas.microsoft.com/office/drawing/2014/main" id="{54F22F0A-D668-D7B3-B7ED-3BCF506FD27E}"/>
+                  </a:ext>
+                </a:extLst>
+              </p:cNvPr>
+              <p:cNvPicPr>
+                <a:picLocks noChangeAspect="1"/>
+              </p:cNvPicPr>
+              <p:nvPr/>
+            </p:nvPicPr>
+            <p:blipFill>
+              <a:blip r:embed="rId13"/>
+              <a:stretch>
+                <a:fillRect/>
+              </a:stretch>
+            </p:blipFill>
+            <p:spPr>
+              <a:xfrm>
+                <a:off x="2100229" y="4973281"/>
+                <a:ext cx="931003" cy="876238"/>
+              </a:xfrm>
+              <a:prstGeom prst="rect">
+                <a:avLst/>
+              </a:prstGeom>
+            </p:spPr>
+          </p:pic>
+          <p:sp>
+            <p:nvSpPr>
+              <p:cNvPr id="36" name="Ellipse 35">
+                <a:extLst>
+                  <a:ext uri="{FF2B5EF4-FFF2-40B4-BE49-F238E27FC236}">
+                    <a16:creationId xmlns:a16="http://schemas.microsoft.com/office/drawing/2014/main" id="{9616F5B1-E8EE-AB16-B28C-56860423405E}"/>
+                  </a:ext>
+                </a:extLst>
+              </p:cNvPr>
+              <p:cNvSpPr/>
+              <p:nvPr/>
+            </p:nvSpPr>
+            <p:spPr>
+              <a:xfrm>
+                <a:off x="2290762" y="5160209"/>
+                <a:ext cx="545434" cy="235636"/>
+              </a:xfrm>
+              <a:prstGeom prst="ellipse">
+                <a:avLst/>
+              </a:prstGeom>
+              <a:solidFill>
+                <a:srgbClr val="05D305"/>
+              </a:solidFill>
+              <a:ln>
+                <a:noFill/>
+              </a:ln>
+            </p:spPr>
+            <p:style>
+              <a:lnRef idx="2">
+                <a:schemeClr val="accent1">
+                  <a:shade val="50000"/>
+                </a:schemeClr>
+              </a:lnRef>
+              <a:fillRef idx="1">
+                <a:schemeClr val="accent1"/>
+              </a:fillRef>
+              <a:effectRef idx="0">
+                <a:schemeClr val="accent1"/>
+              </a:effectRef>
+              <a:fontRef idx="minor">
+                <a:schemeClr val="lt1"/>
+              </a:fontRef>
+            </p:style>
+            <p:txBody>
+              <a:bodyPr rtlCol="0" anchor="ctr"/>
+              <a:lstStyle/>
+              <a:p>
+                <a:pPr algn="ctr"/>
+                <a:endParaRPr lang="fr-CA" dirty="0"/>
+              </a:p>
+            </p:txBody>
+          </p:sp>
+        </p:grpSp>
+      </p:grpSp>
     </p:spTree>
     <p:extLst>
       <p:ext uri="{BB962C8B-B14F-4D97-AF65-F5344CB8AC3E}">
@@ -4632,10 +6264,10 @@
       </p:grpSpPr>
       <p:grpSp>
         <p:nvGrpSpPr>
-          <p:cNvPr id="1053" name="Groupe 1052">
-            <a:extLst>
-              <a:ext uri="{FF2B5EF4-FFF2-40B4-BE49-F238E27FC236}">
-                <a16:creationId xmlns:a16="http://schemas.microsoft.com/office/drawing/2014/main" id="{98B8A72A-2F48-F41B-71ED-AB87DCDC45A1}"/>
+          <p:cNvPr id="9" name="Groupe 8">
+            <a:extLst>
+              <a:ext uri="{FF2B5EF4-FFF2-40B4-BE49-F238E27FC236}">
+                <a16:creationId xmlns:a16="http://schemas.microsoft.com/office/drawing/2014/main" id="{05BDE92C-B1D8-21F8-0F4F-C16D13D4358A}"/>
               </a:ext>
             </a:extLst>
           </p:cNvPr>
@@ -4644,215 +6276,8 @@
         </p:nvGrpSpPr>
         <p:grpSpPr>
           <a:xfrm>
-            <a:off x="7244545" y="1978961"/>
-            <a:ext cx="3389706" cy="3558456"/>
-            <a:chOff x="1755007" y="304590"/>
-            <a:chExt cx="4010981" cy="4010981"/>
-          </a:xfrm>
-        </p:grpSpPr>
-        <p:pic>
-          <p:nvPicPr>
-            <p:cNvPr id="1054" name="Image 1053">
-              <a:extLst>
-                <a:ext uri="{FF2B5EF4-FFF2-40B4-BE49-F238E27FC236}">
-                  <a16:creationId xmlns:a16="http://schemas.microsoft.com/office/drawing/2014/main" id="{FF39EE2A-67BC-5540-22B9-D09291DE5490}"/>
-                </a:ext>
-              </a:extLst>
-            </p:cNvPr>
-            <p:cNvPicPr>
-              <a:picLocks noChangeAspect="1"/>
-            </p:cNvPicPr>
-            <p:nvPr/>
-          </p:nvPicPr>
-          <p:blipFill>
-            <a:blip r:embed="rId2">
-              <a:extLst>
-                <a:ext uri="{28A0092B-C50C-407E-A947-70E740481C1C}">
-                  <a14:useLocalDpi xmlns:a14="http://schemas.microsoft.com/office/drawing/2010/main" val="0"/>
-                </a:ext>
-              </a:extLst>
-            </a:blip>
-            <a:stretch>
-              <a:fillRect/>
-            </a:stretch>
-          </p:blipFill>
-          <p:spPr>
-            <a:xfrm>
-              <a:off x="1755007" y="304590"/>
-              <a:ext cx="4010981" cy="4010981"/>
-            </a:xfrm>
-            <a:prstGeom prst="ellipse">
-              <a:avLst/>
-            </a:prstGeom>
-            <a:ln w="63500" cap="rnd">
-              <a:solidFill>
-                <a:srgbClr val="333333"/>
-              </a:solidFill>
-            </a:ln>
-            <a:effectLst>
-              <a:outerShdw blurRad="381000" dist="292100" dir="5400000" sx="-80000" sy="-18000" rotWithShape="0">
-                <a:srgbClr val="000000">
-                  <a:alpha val="0"/>
-                </a:srgbClr>
-              </a:outerShdw>
-            </a:effectLst>
-            <a:scene3d>
-              <a:camera prst="orthographicFront"/>
-              <a:lightRig rig="contrasting" dir="t">
-                <a:rot lat="0" lon="0" rev="3000000"/>
-              </a:lightRig>
-            </a:scene3d>
-            <a:sp3d contourW="7620">
-              <a:bevelT w="95250" h="31750"/>
-              <a:contourClr>
-                <a:srgbClr val="333333"/>
-              </a:contourClr>
-            </a:sp3d>
-          </p:spPr>
-        </p:pic>
-        <p:pic>
-          <p:nvPicPr>
-            <p:cNvPr id="1055" name="Image 1054">
-              <a:extLst>
-                <a:ext uri="{FF2B5EF4-FFF2-40B4-BE49-F238E27FC236}">
-                  <a16:creationId xmlns:a16="http://schemas.microsoft.com/office/drawing/2014/main" id="{5EBA7E9F-B93E-0BE7-2B44-91402F2BDBB5}"/>
-                </a:ext>
-              </a:extLst>
-            </p:cNvPr>
-            <p:cNvPicPr>
-              <a:picLocks noChangeAspect="1"/>
-            </p:cNvPicPr>
-            <p:nvPr/>
-          </p:nvPicPr>
-          <p:blipFill>
-            <a:blip r:embed="rId3">
-              <a:extLst>
-                <a:ext uri="{28A0092B-C50C-407E-A947-70E740481C1C}">
-                  <a14:useLocalDpi xmlns:a14="http://schemas.microsoft.com/office/drawing/2010/main" val="0"/>
-                </a:ext>
-              </a:extLst>
-            </a:blip>
-            <a:stretch>
-              <a:fillRect/>
-            </a:stretch>
-          </p:blipFill>
-          <p:spPr>
-            <a:xfrm>
-              <a:off x="3340105" y="2931320"/>
-              <a:ext cx="840784" cy="959074"/>
-            </a:xfrm>
-            <a:prstGeom prst="rect">
-              <a:avLst/>
-            </a:prstGeom>
-          </p:spPr>
-        </p:pic>
-      </p:grpSp>
-      <p:pic>
-        <p:nvPicPr>
-          <p:cNvPr id="1041" name="Image 1040">
-            <a:extLst>
-              <a:ext uri="{FF2B5EF4-FFF2-40B4-BE49-F238E27FC236}">
-                <a16:creationId xmlns:a16="http://schemas.microsoft.com/office/drawing/2014/main" id="{A7A53686-0F23-DFF7-D504-E8E54AA26E4C}"/>
-              </a:ext>
-            </a:extLst>
-          </p:cNvPr>
-          <p:cNvPicPr>
-            <a:picLocks noChangeAspect="1"/>
-          </p:cNvPicPr>
-          <p:nvPr/>
-        </p:nvPicPr>
-        <p:blipFill>
-          <a:blip r:embed="rId4"/>
-          <a:stretch>
-            <a:fillRect/>
-          </a:stretch>
-        </p:blipFill>
-        <p:spPr>
-          <a:xfrm>
-            <a:off x="3031234" y="3873918"/>
-            <a:ext cx="1523693" cy="2031589"/>
-          </a:xfrm>
-          <a:prstGeom prst="rect">
-            <a:avLst/>
-          </a:prstGeom>
-        </p:spPr>
-      </p:pic>
-      <p:pic>
-        <p:nvPicPr>
-          <p:cNvPr id="1024" name="Image 1023">
-            <a:extLst>
-              <a:ext uri="{FF2B5EF4-FFF2-40B4-BE49-F238E27FC236}">
-                <a16:creationId xmlns:a16="http://schemas.microsoft.com/office/drawing/2014/main" id="{B623B445-7845-4045-A103-05FB4B15116B}"/>
-              </a:ext>
-            </a:extLst>
-          </p:cNvPr>
-          <p:cNvPicPr>
-            <a:picLocks noChangeAspect="1"/>
-          </p:cNvPicPr>
-          <p:nvPr/>
-        </p:nvPicPr>
-        <p:blipFill>
-          <a:blip r:embed="rId5"/>
-          <a:stretch>
-            <a:fillRect/>
-          </a:stretch>
-        </p:blipFill>
-        <p:spPr>
-          <a:xfrm>
-            <a:off x="1043527" y="5056143"/>
-            <a:ext cx="883255" cy="738062"/>
-          </a:xfrm>
-          <a:prstGeom prst="rect">
-            <a:avLst/>
-          </a:prstGeom>
-        </p:spPr>
-      </p:pic>
-      <p:pic>
-        <p:nvPicPr>
-          <p:cNvPr id="1034" name="Image 1033">
-            <a:extLst>
-              <a:ext uri="{FF2B5EF4-FFF2-40B4-BE49-F238E27FC236}">
-                <a16:creationId xmlns:a16="http://schemas.microsoft.com/office/drawing/2014/main" id="{E793730A-9D44-2FE9-8134-CC25BBB0BA9F}"/>
-              </a:ext>
-            </a:extLst>
-          </p:cNvPr>
-          <p:cNvPicPr>
-            <a:picLocks noChangeAspect="1"/>
-          </p:cNvPicPr>
-          <p:nvPr/>
-        </p:nvPicPr>
-        <p:blipFill>
-          <a:blip r:embed="rId6"/>
-          <a:stretch>
-            <a:fillRect/>
-          </a:stretch>
-        </p:blipFill>
-        <p:spPr>
-          <a:xfrm>
-            <a:off x="2100229" y="4973281"/>
-            <a:ext cx="931003" cy="876238"/>
-          </a:xfrm>
-          <a:prstGeom prst="rect">
-            <a:avLst/>
-          </a:prstGeom>
-        </p:spPr>
-      </p:pic>
-      <p:grpSp>
-        <p:nvGrpSpPr>
-          <p:cNvPr id="9" name="Groupe 8">
-            <a:extLst>
-              <a:ext uri="{FF2B5EF4-FFF2-40B4-BE49-F238E27FC236}">
-                <a16:creationId xmlns:a16="http://schemas.microsoft.com/office/drawing/2014/main" id="{05BDE92C-B1D8-21F8-0F4F-C16D13D4358A}"/>
-              </a:ext>
-            </a:extLst>
-          </p:cNvPr>
-          <p:cNvGrpSpPr/>
-          <p:nvPr/>
-        </p:nvGrpSpPr>
-        <p:grpSpPr>
-          <a:xfrm>
-            <a:off x="7102488" y="1894526"/>
-            <a:ext cx="4010981" cy="4010981"/>
+            <a:off x="577420" y="2251247"/>
+            <a:ext cx="3225978" cy="3297718"/>
             <a:chOff x="1755007" y="304590"/>
             <a:chExt cx="4010981" cy="4010981"/>
           </a:xfrm>
@@ -4872,7 +6297,7 @@
             <p:nvPr/>
           </p:nvPicPr>
           <p:blipFill>
-            <a:blip r:embed="rId2">
+            <a:blip r:embed="rId3">
               <a:extLst>
                 <a:ext uri="{28A0092B-C50C-407E-A947-70E740481C1C}">
                   <a14:useLocalDpi xmlns:a14="http://schemas.microsoft.com/office/drawing/2010/main" val="0"/>
@@ -4932,7 +6357,7 @@
             <p:nvPr/>
           </p:nvPicPr>
           <p:blipFill>
-            <a:blip r:embed="rId3">
+            <a:blip r:embed="rId4">
               <a:extLst>
                 <a:ext uri="{28A0092B-C50C-407E-A947-70E740481C1C}">
                   <a14:useLocalDpi xmlns:a14="http://schemas.microsoft.com/office/drawing/2010/main" val="0"/>
@@ -4969,7 +6394,7 @@
           <p:nvPr/>
         </p:nvPicPr>
         <p:blipFill>
-          <a:blip r:embed="rId2">
+          <a:blip r:embed="rId3">
             <a:extLst>
               <a:ext uri="{28A0092B-C50C-407E-A947-70E740481C1C}">
                 <a14:useLocalDpi xmlns:a14="http://schemas.microsoft.com/office/drawing/2010/main" val="0"/>
@@ -4982,8 +6407,8 @@
         </p:blipFill>
         <p:spPr>
           <a:xfrm>
-            <a:off x="7102489" y="1894526"/>
-            <a:ext cx="4010981" cy="4010981"/>
+            <a:off x="389078" y="2251247"/>
+            <a:ext cx="3634744" cy="3634744"/>
           </a:xfrm>
           <a:prstGeom prst="ellipse">
             <a:avLst/>
@@ -5012,42 +6437,6 @@
               <a:srgbClr val="333333"/>
             </a:contourClr>
           </a:sp3d>
-        </p:spPr>
-      </p:pic>
-      <p:pic>
-        <p:nvPicPr>
-          <p:cNvPr id="8" name="Image 7">
-            <a:extLst>
-              <a:ext uri="{FF2B5EF4-FFF2-40B4-BE49-F238E27FC236}">
-                <a16:creationId xmlns:a16="http://schemas.microsoft.com/office/drawing/2014/main" id="{2C1D0E18-3F7B-82B7-6ECE-3322383D2D85}"/>
-              </a:ext>
-            </a:extLst>
-          </p:cNvPr>
-          <p:cNvPicPr>
-            <a:picLocks noChangeAspect="1"/>
-          </p:cNvPicPr>
-          <p:nvPr/>
-        </p:nvPicPr>
-        <p:blipFill>
-          <a:blip r:embed="rId3">
-            <a:extLst>
-              <a:ext uri="{28A0092B-C50C-407E-A947-70E740481C1C}">
-                <a14:useLocalDpi xmlns:a14="http://schemas.microsoft.com/office/drawing/2010/main" val="0"/>
-              </a:ext>
-            </a:extLst>
-          </a:blip>
-          <a:stretch>
-            <a:fillRect/>
-          </a:stretch>
-        </p:blipFill>
-        <p:spPr>
-          <a:xfrm>
-            <a:off x="8687587" y="4503367"/>
-            <a:ext cx="840785" cy="959074"/>
-          </a:xfrm>
-          <a:prstGeom prst="rect">
-            <a:avLst/>
-          </a:prstGeom>
         </p:spPr>
       </p:pic>
       <p:cxnSp>
@@ -5188,160 +6577,10 @@
       </p:sp>
       <p:pic>
         <p:nvPicPr>
-          <p:cNvPr id="58" name="Image 57">
-            <a:extLst>
-              <a:ext uri="{FF2B5EF4-FFF2-40B4-BE49-F238E27FC236}">
-                <a16:creationId xmlns:a16="http://schemas.microsoft.com/office/drawing/2014/main" id="{8B61F1CD-4FB4-7058-CFEE-BA9B075A8793}"/>
-              </a:ext>
-            </a:extLst>
-          </p:cNvPr>
-          <p:cNvPicPr>
-            <a:picLocks noChangeAspect="1"/>
-          </p:cNvPicPr>
-          <p:nvPr/>
-        </p:nvPicPr>
-        <p:blipFill>
-          <a:blip r:embed="rId4"/>
-          <a:stretch>
-            <a:fillRect/>
-          </a:stretch>
-        </p:blipFill>
-        <p:spPr>
-          <a:xfrm>
-            <a:off x="3047136" y="1930866"/>
-            <a:ext cx="1523693" cy="2031589"/>
-          </a:xfrm>
-          <a:prstGeom prst="rect">
-            <a:avLst/>
-          </a:prstGeom>
-        </p:spPr>
-      </p:pic>
-      <p:pic>
-        <p:nvPicPr>
-          <p:cNvPr id="1027" name="Image 1026">
-            <a:extLst>
-              <a:ext uri="{FF2B5EF4-FFF2-40B4-BE49-F238E27FC236}">
-                <a16:creationId xmlns:a16="http://schemas.microsoft.com/office/drawing/2014/main" id="{D458F3B2-1BFF-6348-6EF3-CD1511C81A31}"/>
-              </a:ext>
-            </a:extLst>
-          </p:cNvPr>
-          <p:cNvPicPr>
-            <a:picLocks noChangeAspect="1"/>
-          </p:cNvPicPr>
-          <p:nvPr/>
-        </p:nvPicPr>
-        <p:blipFill>
-          <a:blip r:embed="rId7"/>
-          <a:stretch>
-            <a:fillRect/>
-          </a:stretch>
-        </p:blipFill>
-        <p:spPr>
-          <a:xfrm>
-            <a:off x="1060233" y="4235219"/>
-            <a:ext cx="878645" cy="738062"/>
-          </a:xfrm>
-          <a:prstGeom prst="rect">
-            <a:avLst/>
-          </a:prstGeom>
-        </p:spPr>
-      </p:pic>
-      <p:pic>
-        <p:nvPicPr>
-          <p:cNvPr id="1036" name="Image 1035">
-            <a:extLst>
-              <a:ext uri="{FF2B5EF4-FFF2-40B4-BE49-F238E27FC236}">
-                <a16:creationId xmlns:a16="http://schemas.microsoft.com/office/drawing/2014/main" id="{2B462C9D-BAA3-62F8-2075-700056E7E8EA}"/>
-              </a:ext>
-            </a:extLst>
-          </p:cNvPr>
-          <p:cNvPicPr>
-            <a:picLocks noChangeAspect="1"/>
-          </p:cNvPicPr>
-          <p:nvPr/>
-        </p:nvPicPr>
-        <p:blipFill>
-          <a:blip r:embed="rId8"/>
-          <a:stretch>
-            <a:fillRect/>
-          </a:stretch>
-        </p:blipFill>
-        <p:spPr>
-          <a:xfrm>
-            <a:off x="2015854" y="4197674"/>
-            <a:ext cx="993578" cy="803028"/>
-          </a:xfrm>
-          <a:prstGeom prst="rect">
-            <a:avLst/>
-          </a:prstGeom>
-        </p:spPr>
-      </p:pic>
-      <p:pic>
-        <p:nvPicPr>
-          <p:cNvPr id="1038" name="Image 1037">
-            <a:extLst>
-              <a:ext uri="{FF2B5EF4-FFF2-40B4-BE49-F238E27FC236}">
-                <a16:creationId xmlns:a16="http://schemas.microsoft.com/office/drawing/2014/main" id="{F2080E85-333F-3099-1291-848A9C909A33}"/>
-              </a:ext>
-            </a:extLst>
-          </p:cNvPr>
-          <p:cNvPicPr>
-            <a:picLocks noChangeAspect="1"/>
-          </p:cNvPicPr>
-          <p:nvPr/>
-        </p:nvPicPr>
-        <p:blipFill>
-          <a:blip r:embed="rId9"/>
-          <a:stretch>
-            <a:fillRect/>
-          </a:stretch>
-        </p:blipFill>
-        <p:spPr>
-          <a:xfrm>
-            <a:off x="1303953" y="3239137"/>
-            <a:ext cx="1332415" cy="786607"/>
-          </a:xfrm>
-          <a:prstGeom prst="rect">
-            <a:avLst/>
-          </a:prstGeom>
-        </p:spPr>
-      </p:pic>
-      <p:pic>
-        <p:nvPicPr>
-          <p:cNvPr id="1040" name="Image 1039">
-            <a:extLst>
-              <a:ext uri="{FF2B5EF4-FFF2-40B4-BE49-F238E27FC236}">
-                <a16:creationId xmlns:a16="http://schemas.microsoft.com/office/drawing/2014/main" id="{7F965970-439A-23C6-39B6-7C8D1B51339D}"/>
-              </a:ext>
-            </a:extLst>
-          </p:cNvPr>
-          <p:cNvPicPr>
-            <a:picLocks noChangeAspect="1"/>
-          </p:cNvPicPr>
-          <p:nvPr/>
-        </p:nvPicPr>
-        <p:blipFill>
-          <a:blip r:embed="rId10"/>
-          <a:stretch>
-            <a:fillRect/>
-          </a:stretch>
-        </p:blipFill>
-        <p:spPr>
-          <a:xfrm>
-            <a:off x="1251674" y="2289459"/>
-            <a:ext cx="1332416" cy="786607"/>
-          </a:xfrm>
-          <a:prstGeom prst="rect">
-            <a:avLst/>
-          </a:prstGeom>
-        </p:spPr>
-      </p:pic>
-      <p:pic>
-        <p:nvPicPr>
-          <p:cNvPr id="1042" name="Picture 10" descr="Processor - Free computer icons">
-            <a:extLst>
-              <a:ext uri="{FF2B5EF4-FFF2-40B4-BE49-F238E27FC236}">
-                <a16:creationId xmlns:a16="http://schemas.microsoft.com/office/drawing/2014/main" id="{6ADCB8A4-FDBF-2FBB-93AC-1BC00D125747}"/>
+          <p:cNvPr id="1044" name="Picture 14">
+            <a:extLst>
+              <a:ext uri="{FF2B5EF4-FFF2-40B4-BE49-F238E27FC236}">
+                <a16:creationId xmlns:a16="http://schemas.microsoft.com/office/drawing/2014/main" id="{28387FCC-72BE-1796-13CE-414641A68EA3}"/>
               </a:ext>
             </a:extLst>
           </p:cNvPr>
@@ -5351,7 +6590,7 @@
           <p:nvPr/>
         </p:nvPicPr>
         <p:blipFill>
-          <a:blip r:embed="rId11">
+          <a:blip r:embed="rId5">
             <a:extLst>
               <a:ext uri="{28A0092B-C50C-407E-A947-70E740481C1C}">
                 <a14:useLocalDpi xmlns:a14="http://schemas.microsoft.com/office/drawing/2010/main" val="0"/>
@@ -5365,55 +6604,8 @@
         </p:blipFill>
         <p:spPr bwMode="auto">
           <a:xfrm>
-            <a:off x="4987530" y="2517025"/>
-            <a:ext cx="1382991" cy="1382991"/>
-          </a:xfrm>
-          <a:prstGeom prst="rect">
-            <a:avLst/>
-          </a:prstGeom>
-          <a:noFill/>
-          <a:extLst>
-            <a:ext uri="{909E8E84-426E-40DD-AFC4-6F175D3DCCD1}">
-              <a14:hiddenFill xmlns:a14="http://schemas.microsoft.com/office/drawing/2010/main">
-                <a:solidFill>
-                  <a:srgbClr val="FFFFFF"/>
-                </a:solidFill>
-              </a14:hiddenFill>
-            </a:ext>
-          </a:extLst>
-        </p:spPr>
-      </p:pic>
-      <p:pic>
-        <p:nvPicPr>
-          <p:cNvPr id="1044" name="Picture 14">
-            <a:extLst>
-              <a:ext uri="{FF2B5EF4-FFF2-40B4-BE49-F238E27FC236}">
-                <a16:creationId xmlns:a16="http://schemas.microsoft.com/office/drawing/2014/main" id="{28387FCC-72BE-1796-13CE-414641A68EA3}"/>
-              </a:ext>
-            </a:extLst>
-          </p:cNvPr>
-          <p:cNvPicPr>
-            <a:picLocks noChangeAspect="1" noChangeArrowheads="1"/>
-          </p:cNvPicPr>
-          <p:nvPr/>
-        </p:nvPicPr>
-        <p:blipFill>
-          <a:blip r:embed="rId12">
-            <a:extLst>
-              <a:ext uri="{28A0092B-C50C-407E-A947-70E740481C1C}">
-                <a14:useLocalDpi xmlns:a14="http://schemas.microsoft.com/office/drawing/2010/main" val="0"/>
-              </a:ext>
-            </a:extLst>
-          </a:blip>
-          <a:srcRect/>
-          <a:stretch>
-            <a:fillRect/>
-          </a:stretch>
-        </p:blipFill>
-        <p:spPr bwMode="auto">
-          <a:xfrm>
-            <a:off x="4195512" y="3619724"/>
-            <a:ext cx="3049033" cy="2031589"/>
+            <a:off x="3960452" y="3955681"/>
+            <a:ext cx="2216131" cy="1476621"/>
           </a:xfrm>
           <a:prstGeom prst="rect">
             <a:avLst/>
@@ -5445,7 +6637,7 @@
           <p:nvPr/>
         </p:nvPicPr>
         <p:blipFill>
-          <a:blip r:embed="rId13">
+          <a:blip r:embed="rId6">
             <a:extLst>
               <a:ext uri="{28A0092B-C50C-407E-A947-70E740481C1C}">
                 <a14:useLocalDpi xmlns:a14="http://schemas.microsoft.com/office/drawing/2010/main" val="0"/>
@@ -5492,7 +6684,7 @@
           <p:nvPr/>
         </p:nvPicPr>
         <p:blipFill>
-          <a:blip r:embed="rId12">
+          <a:blip r:embed="rId5">
             <a:extLst>
               <a:ext uri="{28A0092B-C50C-407E-A947-70E740481C1C}">
                 <a14:useLocalDpi xmlns:a14="http://schemas.microsoft.com/office/drawing/2010/main" val="0"/>
@@ -5539,7 +6731,7 @@
           <p:nvPr/>
         </p:nvPicPr>
         <p:blipFill>
-          <a:blip r:embed="rId14">
+          <a:blip r:embed="rId7">
             <a:extLst>
               <a:ext uri="{28A0092B-C50C-407E-A947-70E740481C1C}">
                 <a14:useLocalDpi xmlns:a14="http://schemas.microsoft.com/office/drawing/2010/main" val="0"/>
@@ -5615,7 +6807,7 @@
           <p:nvPr/>
         </p:nvPicPr>
         <p:blipFill>
-          <a:blip r:embed="rId15">
+          <a:blip r:embed="rId8">
             <a:extLst>
               <a:ext uri="{28A0092B-C50C-407E-A947-70E740481C1C}">
                 <a14:useLocalDpi xmlns:a14="http://schemas.microsoft.com/office/drawing/2010/main" val="0"/>
@@ -5662,7 +6854,7 @@
           <p:nvPr/>
         </p:nvPicPr>
         <p:blipFill>
-          <a:blip r:embed="rId16">
+          <a:blip r:embed="rId9">
             <a:extLst>
               <a:ext uri="{28A0092B-C50C-407E-A947-70E740481C1C}">
                 <a14:useLocalDpi xmlns:a14="http://schemas.microsoft.com/office/drawing/2010/main" val="0"/>
@@ -5722,7 +6914,7 @@
           <p:nvPr/>
         </p:nvPicPr>
         <p:blipFill>
-          <a:blip r:embed="rId17">
+          <a:blip r:embed="rId10">
             <a:extLst>
               <a:ext uri="{28A0092B-C50C-407E-A947-70E740481C1C}">
                 <a14:useLocalDpi xmlns:a14="http://schemas.microsoft.com/office/drawing/2010/main" val="0"/>
@@ -5766,6 +6958,1144 @@
               <a:srgbClr val="333333"/>
             </a:contourClr>
           </a:sp3d>
+          <a:extLst>
+            <a:ext uri="{909E8E84-426E-40DD-AFC4-6F175D3DCCD1}">
+              <a14:hiddenFill xmlns:a14="http://schemas.microsoft.com/office/drawing/2010/main">
+                <a:solidFill>
+                  <a:srgbClr val="FFFFFF"/>
+                </a:solidFill>
+              </a14:hiddenFill>
+            </a:ext>
+          </a:extLst>
+        </p:spPr>
+      </p:pic>
+      <p:grpSp>
+        <p:nvGrpSpPr>
+          <p:cNvPr id="40" name="Groupe 39">
+            <a:extLst>
+              <a:ext uri="{FF2B5EF4-FFF2-40B4-BE49-F238E27FC236}">
+                <a16:creationId xmlns:a16="http://schemas.microsoft.com/office/drawing/2014/main" id="{08B17654-AFD8-3E42-76B8-F6881D58366C}"/>
+              </a:ext>
+            </a:extLst>
+          </p:cNvPr>
+          <p:cNvGrpSpPr/>
+          <p:nvPr/>
+        </p:nvGrpSpPr>
+        <p:grpSpPr>
+          <a:xfrm>
+            <a:off x="6279426" y="2316408"/>
+            <a:ext cx="5537157" cy="3325320"/>
+            <a:chOff x="4412024" y="1956065"/>
+            <a:chExt cx="7586309" cy="4798255"/>
+          </a:xfrm>
+        </p:grpSpPr>
+        <p:sp>
+          <p:nvSpPr>
+            <p:cNvPr id="3" name="Rectangle : coins arrondis 2">
+              <a:extLst>
+                <a:ext uri="{FF2B5EF4-FFF2-40B4-BE49-F238E27FC236}">
+                  <a16:creationId xmlns:a16="http://schemas.microsoft.com/office/drawing/2014/main" id="{6EB60688-8AB5-290F-7866-D8009ECE181B}"/>
+                </a:ext>
+              </a:extLst>
+            </p:cNvPr>
+            <p:cNvSpPr/>
+            <p:nvPr/>
+          </p:nvSpPr>
+          <p:spPr>
+            <a:xfrm>
+              <a:off x="4412024" y="1956065"/>
+              <a:ext cx="7586309" cy="4798255"/>
+            </a:xfrm>
+            <a:prstGeom prst="roundRect">
+              <a:avLst/>
+            </a:prstGeom>
+            <a:solidFill>
+              <a:srgbClr val="EF4C45"/>
+            </a:solidFill>
+            <a:ln w="120650">
+              <a:solidFill>
+                <a:schemeClr val="tx1"/>
+              </a:solidFill>
+            </a:ln>
+          </p:spPr>
+          <p:style>
+            <a:lnRef idx="2">
+              <a:schemeClr val="accent1">
+                <a:shade val="50000"/>
+              </a:schemeClr>
+            </a:lnRef>
+            <a:fillRef idx="1">
+              <a:schemeClr val="accent1"/>
+            </a:fillRef>
+            <a:effectRef idx="0">
+              <a:schemeClr val="accent1"/>
+            </a:effectRef>
+            <a:fontRef idx="minor">
+              <a:schemeClr val="lt1"/>
+            </a:fontRef>
+          </p:style>
+          <p:txBody>
+            <a:bodyPr rtlCol="0" anchor="ctr"/>
+            <a:lstStyle/>
+            <a:p>
+              <a:pPr algn="ctr"/>
+              <a:endParaRPr lang="fr-CA" dirty="0"/>
+            </a:p>
+          </p:txBody>
+        </p:sp>
+        <p:pic>
+          <p:nvPicPr>
+            <p:cNvPr id="4" name="Image 3">
+              <a:extLst>
+                <a:ext uri="{FF2B5EF4-FFF2-40B4-BE49-F238E27FC236}">
+                  <a16:creationId xmlns:a16="http://schemas.microsoft.com/office/drawing/2014/main" id="{02CF5021-5BE3-6353-8397-1D97FA79E1FE}"/>
+                </a:ext>
+              </a:extLst>
+            </p:cNvPr>
+            <p:cNvPicPr>
+              <a:picLocks noChangeAspect="1"/>
+            </p:cNvPicPr>
+            <p:nvPr/>
+          </p:nvPicPr>
+          <p:blipFill>
+            <a:blip r:embed="rId11"/>
+            <a:stretch>
+              <a:fillRect/>
+            </a:stretch>
+          </p:blipFill>
+          <p:spPr>
+            <a:xfrm>
+              <a:off x="9934265" y="2190765"/>
+              <a:ext cx="1598013" cy="2130682"/>
+            </a:xfrm>
+            <a:prstGeom prst="rect">
+              <a:avLst/>
+            </a:prstGeom>
+          </p:spPr>
+        </p:pic>
+        <p:pic>
+          <p:nvPicPr>
+            <p:cNvPr id="6" name="Image 5">
+              <a:extLst>
+                <a:ext uri="{FF2B5EF4-FFF2-40B4-BE49-F238E27FC236}">
+                  <a16:creationId xmlns:a16="http://schemas.microsoft.com/office/drawing/2014/main" id="{C84D539A-6662-4ABC-8C6E-1355A2597DF5}"/>
+                </a:ext>
+              </a:extLst>
+            </p:cNvPr>
+            <p:cNvPicPr>
+              <a:picLocks noChangeAspect="1"/>
+            </p:cNvPicPr>
+            <p:nvPr/>
+          </p:nvPicPr>
+          <p:blipFill>
+            <a:blip r:embed="rId11"/>
+            <a:stretch>
+              <a:fillRect/>
+            </a:stretch>
+          </p:blipFill>
+          <p:spPr>
+            <a:xfrm>
+              <a:off x="4705757" y="2289858"/>
+              <a:ext cx="1523693" cy="2031589"/>
+            </a:xfrm>
+            <a:prstGeom prst="rect">
+              <a:avLst/>
+            </a:prstGeom>
+          </p:spPr>
+        </p:pic>
+        <p:pic>
+          <p:nvPicPr>
+            <p:cNvPr id="13" name="Image 12">
+              <a:extLst>
+                <a:ext uri="{FF2B5EF4-FFF2-40B4-BE49-F238E27FC236}">
+                  <a16:creationId xmlns:a16="http://schemas.microsoft.com/office/drawing/2014/main" id="{67974A4C-1EE3-8EE9-E0E0-956FBC0D8383}"/>
+                </a:ext>
+              </a:extLst>
+            </p:cNvPr>
+            <p:cNvPicPr>
+              <a:picLocks noChangeAspect="1"/>
+            </p:cNvPicPr>
+            <p:nvPr/>
+          </p:nvPicPr>
+          <p:blipFill>
+            <a:blip r:embed="rId12"/>
+            <a:stretch>
+              <a:fillRect/>
+            </a:stretch>
+          </p:blipFill>
+          <p:spPr>
+            <a:xfrm>
+              <a:off x="6724316" y="3150406"/>
+              <a:ext cx="1332415" cy="786607"/>
+            </a:xfrm>
+            <a:prstGeom prst="rect">
+              <a:avLst/>
+            </a:prstGeom>
+          </p:spPr>
+        </p:pic>
+        <p:pic>
+          <p:nvPicPr>
+            <p:cNvPr id="14" name="Image 13">
+              <a:extLst>
+                <a:ext uri="{FF2B5EF4-FFF2-40B4-BE49-F238E27FC236}">
+                  <a16:creationId xmlns:a16="http://schemas.microsoft.com/office/drawing/2014/main" id="{8EDA622A-FE56-96FD-9EB4-C5FCE00E348B}"/>
+                </a:ext>
+              </a:extLst>
+            </p:cNvPr>
+            <p:cNvPicPr>
+              <a:picLocks noChangeAspect="1"/>
+            </p:cNvPicPr>
+            <p:nvPr/>
+          </p:nvPicPr>
+          <p:blipFill>
+            <a:blip r:embed="rId13"/>
+            <a:stretch>
+              <a:fillRect/>
+            </a:stretch>
+          </p:blipFill>
+          <p:spPr>
+            <a:xfrm>
+              <a:off x="8329290" y="3150406"/>
+              <a:ext cx="1332416" cy="786607"/>
+            </a:xfrm>
+            <a:prstGeom prst="rect">
+              <a:avLst/>
+            </a:prstGeom>
+          </p:spPr>
+        </p:pic>
+        <p:grpSp>
+          <p:nvGrpSpPr>
+            <p:cNvPr id="15" name="Groupe 14">
+              <a:extLst>
+                <a:ext uri="{FF2B5EF4-FFF2-40B4-BE49-F238E27FC236}">
+                  <a16:creationId xmlns:a16="http://schemas.microsoft.com/office/drawing/2014/main" id="{0066E974-F7DC-B4D0-1B76-CE13841A5494}"/>
+                </a:ext>
+              </a:extLst>
+            </p:cNvPr>
+            <p:cNvGrpSpPr/>
+            <p:nvPr/>
+          </p:nvGrpSpPr>
+          <p:grpSpPr>
+            <a:xfrm>
+              <a:off x="9777672" y="5572186"/>
+              <a:ext cx="878645" cy="738062"/>
+              <a:chOff x="1060233" y="4235219"/>
+              <a:chExt cx="878645" cy="738062"/>
+            </a:xfrm>
+          </p:grpSpPr>
+          <p:pic>
+            <p:nvPicPr>
+              <p:cNvPr id="17" name="Image 16">
+                <a:extLst>
+                  <a:ext uri="{FF2B5EF4-FFF2-40B4-BE49-F238E27FC236}">
+                    <a16:creationId xmlns:a16="http://schemas.microsoft.com/office/drawing/2014/main" id="{9D63F2AB-9894-5D0C-F7A1-F9F6A60F5723}"/>
+                  </a:ext>
+                </a:extLst>
+              </p:cNvPr>
+              <p:cNvPicPr>
+                <a:picLocks noChangeAspect="1"/>
+              </p:cNvPicPr>
+              <p:nvPr/>
+            </p:nvPicPr>
+            <p:blipFill>
+              <a:blip r:embed="rId14"/>
+              <a:stretch>
+                <a:fillRect/>
+              </a:stretch>
+            </p:blipFill>
+            <p:spPr>
+              <a:xfrm>
+                <a:off x="1060233" y="4235219"/>
+                <a:ext cx="878645" cy="738062"/>
+              </a:xfrm>
+              <a:prstGeom prst="rect">
+                <a:avLst/>
+              </a:prstGeom>
+            </p:spPr>
+          </p:pic>
+          <p:sp>
+            <p:nvSpPr>
+              <p:cNvPr id="18" name="Ellipse 17">
+                <a:extLst>
+                  <a:ext uri="{FF2B5EF4-FFF2-40B4-BE49-F238E27FC236}">
+                    <a16:creationId xmlns:a16="http://schemas.microsoft.com/office/drawing/2014/main" id="{A3BF2734-073A-8919-F67E-052638762D2C}"/>
+                  </a:ext>
+                </a:extLst>
+              </p:cNvPr>
+              <p:cNvSpPr/>
+              <p:nvPr/>
+            </p:nvSpPr>
+            <p:spPr>
+              <a:xfrm>
+                <a:off x="1251674" y="4381499"/>
+                <a:ext cx="518600" cy="209929"/>
+              </a:xfrm>
+              <a:prstGeom prst="ellipse">
+                <a:avLst/>
+              </a:prstGeom>
+              <a:solidFill>
+                <a:srgbClr val="00C3FF"/>
+              </a:solidFill>
+              <a:ln>
+                <a:noFill/>
+              </a:ln>
+            </p:spPr>
+            <p:style>
+              <a:lnRef idx="2">
+                <a:schemeClr val="accent1">
+                  <a:shade val="50000"/>
+                </a:schemeClr>
+              </a:lnRef>
+              <a:fillRef idx="1">
+                <a:schemeClr val="accent1"/>
+              </a:fillRef>
+              <a:effectRef idx="0">
+                <a:schemeClr val="accent1"/>
+              </a:effectRef>
+              <a:fontRef idx="minor">
+                <a:schemeClr val="lt1"/>
+              </a:fontRef>
+            </p:style>
+            <p:txBody>
+              <a:bodyPr rtlCol="0" anchor="ctr"/>
+              <a:lstStyle/>
+              <a:p>
+                <a:pPr algn="ctr"/>
+                <a:endParaRPr lang="fr-CA" dirty="0"/>
+              </a:p>
+            </p:txBody>
+          </p:sp>
+        </p:grpSp>
+        <p:grpSp>
+          <p:nvGrpSpPr>
+            <p:cNvPr id="19" name="Groupe 18">
+              <a:extLst>
+                <a:ext uri="{FF2B5EF4-FFF2-40B4-BE49-F238E27FC236}">
+                  <a16:creationId xmlns:a16="http://schemas.microsoft.com/office/drawing/2014/main" id="{CD2066D8-BD97-7A25-F4CE-64AF0BC2FC27}"/>
+                </a:ext>
+              </a:extLst>
+            </p:cNvPr>
+            <p:cNvGrpSpPr/>
+            <p:nvPr/>
+          </p:nvGrpSpPr>
+          <p:grpSpPr>
+            <a:xfrm>
+              <a:off x="9031530" y="4970020"/>
+              <a:ext cx="883255" cy="738062"/>
+              <a:chOff x="1043527" y="5056143"/>
+              <a:chExt cx="883255" cy="738062"/>
+            </a:xfrm>
+          </p:grpSpPr>
+          <p:pic>
+            <p:nvPicPr>
+              <p:cNvPr id="20" name="Image 19">
+                <a:extLst>
+                  <a:ext uri="{FF2B5EF4-FFF2-40B4-BE49-F238E27FC236}">
+                    <a16:creationId xmlns:a16="http://schemas.microsoft.com/office/drawing/2014/main" id="{942A2B8E-B6D0-5ACE-5172-1B43442766C8}"/>
+                  </a:ext>
+                </a:extLst>
+              </p:cNvPr>
+              <p:cNvPicPr>
+                <a:picLocks noChangeAspect="1"/>
+              </p:cNvPicPr>
+              <p:nvPr/>
+            </p:nvPicPr>
+            <p:blipFill>
+              <a:blip r:embed="rId15"/>
+              <a:stretch>
+                <a:fillRect/>
+              </a:stretch>
+            </p:blipFill>
+            <p:spPr>
+              <a:xfrm>
+                <a:off x="1043527" y="5056143"/>
+                <a:ext cx="883255" cy="738062"/>
+              </a:xfrm>
+              <a:prstGeom prst="rect">
+                <a:avLst/>
+              </a:prstGeom>
+            </p:spPr>
+          </p:pic>
+          <p:sp>
+            <p:nvSpPr>
+              <p:cNvPr id="21" name="Ellipse 20">
+                <a:extLst>
+                  <a:ext uri="{FF2B5EF4-FFF2-40B4-BE49-F238E27FC236}">
+                    <a16:creationId xmlns:a16="http://schemas.microsoft.com/office/drawing/2014/main" id="{F89DA5D8-4202-0A78-62D1-8853C867C1F5}"/>
+                  </a:ext>
+                </a:extLst>
+              </p:cNvPr>
+              <p:cNvSpPr/>
+              <p:nvPr/>
+            </p:nvSpPr>
+            <p:spPr>
+              <a:xfrm>
+                <a:off x="1230346" y="5182756"/>
+                <a:ext cx="545434" cy="235636"/>
+              </a:xfrm>
+              <a:prstGeom prst="ellipse">
+                <a:avLst/>
+              </a:prstGeom>
+              <a:solidFill>
+                <a:srgbClr val="FF0013"/>
+              </a:solidFill>
+              <a:ln>
+                <a:noFill/>
+              </a:ln>
+            </p:spPr>
+            <p:style>
+              <a:lnRef idx="2">
+                <a:schemeClr val="accent1">
+                  <a:shade val="50000"/>
+                </a:schemeClr>
+              </a:lnRef>
+              <a:fillRef idx="1">
+                <a:schemeClr val="accent1"/>
+              </a:fillRef>
+              <a:effectRef idx="0">
+                <a:schemeClr val="accent1"/>
+              </a:effectRef>
+              <a:fontRef idx="minor">
+                <a:schemeClr val="lt1"/>
+              </a:fontRef>
+            </p:style>
+            <p:txBody>
+              <a:bodyPr rtlCol="0" anchor="ctr"/>
+              <a:lstStyle/>
+              <a:p>
+                <a:pPr algn="ctr"/>
+                <a:endParaRPr lang="fr-CA"/>
+              </a:p>
+            </p:txBody>
+          </p:sp>
+        </p:grpSp>
+        <p:grpSp>
+          <p:nvGrpSpPr>
+            <p:cNvPr id="22" name="Groupe 21">
+              <a:extLst>
+                <a:ext uri="{FF2B5EF4-FFF2-40B4-BE49-F238E27FC236}">
+                  <a16:creationId xmlns:a16="http://schemas.microsoft.com/office/drawing/2014/main" id="{69B7F36B-3A9F-A8E3-75AC-22995771A122}"/>
+                </a:ext>
+              </a:extLst>
+            </p:cNvPr>
+            <p:cNvGrpSpPr/>
+            <p:nvPr/>
+          </p:nvGrpSpPr>
+          <p:grpSpPr>
+            <a:xfrm>
+              <a:off x="10527209" y="4950282"/>
+              <a:ext cx="993578" cy="803028"/>
+              <a:chOff x="2015854" y="4197674"/>
+              <a:chExt cx="993578" cy="803028"/>
+            </a:xfrm>
+          </p:grpSpPr>
+          <p:pic>
+            <p:nvPicPr>
+              <p:cNvPr id="23" name="Image 22">
+                <a:extLst>
+                  <a:ext uri="{FF2B5EF4-FFF2-40B4-BE49-F238E27FC236}">
+                    <a16:creationId xmlns:a16="http://schemas.microsoft.com/office/drawing/2014/main" id="{2BFD6EF6-EC2E-0E2F-857B-41682FECDBEB}"/>
+                  </a:ext>
+                </a:extLst>
+              </p:cNvPr>
+              <p:cNvPicPr>
+                <a:picLocks noChangeAspect="1"/>
+              </p:cNvPicPr>
+              <p:nvPr/>
+            </p:nvPicPr>
+            <p:blipFill>
+              <a:blip r:embed="rId16"/>
+              <a:stretch>
+                <a:fillRect/>
+              </a:stretch>
+            </p:blipFill>
+            <p:spPr>
+              <a:xfrm>
+                <a:off x="2015854" y="4197674"/>
+                <a:ext cx="993578" cy="803028"/>
+              </a:xfrm>
+              <a:prstGeom prst="rect">
+                <a:avLst/>
+              </a:prstGeom>
+            </p:spPr>
+          </p:pic>
+          <p:sp>
+            <p:nvSpPr>
+              <p:cNvPr id="24" name="Ellipse 23">
+                <a:extLst>
+                  <a:ext uri="{FF2B5EF4-FFF2-40B4-BE49-F238E27FC236}">
+                    <a16:creationId xmlns:a16="http://schemas.microsoft.com/office/drawing/2014/main" id="{173476D2-8713-B8D7-8A34-95D065466B0C}"/>
+                  </a:ext>
+                </a:extLst>
+              </p:cNvPr>
+              <p:cNvSpPr/>
+              <p:nvPr/>
+            </p:nvSpPr>
+            <p:spPr>
+              <a:xfrm>
+                <a:off x="2290762" y="4381500"/>
+                <a:ext cx="506773" cy="238738"/>
+              </a:xfrm>
+              <a:prstGeom prst="ellipse">
+                <a:avLst/>
+              </a:prstGeom>
+              <a:solidFill>
+                <a:srgbClr val="FFC200"/>
+              </a:solidFill>
+              <a:ln>
+                <a:noFill/>
+              </a:ln>
+            </p:spPr>
+            <p:style>
+              <a:lnRef idx="2">
+                <a:schemeClr val="accent1">
+                  <a:shade val="50000"/>
+                </a:schemeClr>
+              </a:lnRef>
+              <a:fillRef idx="1">
+                <a:schemeClr val="accent1"/>
+              </a:fillRef>
+              <a:effectRef idx="0">
+                <a:schemeClr val="accent1"/>
+              </a:effectRef>
+              <a:fontRef idx="minor">
+                <a:schemeClr val="lt1"/>
+              </a:fontRef>
+            </p:style>
+            <p:txBody>
+              <a:bodyPr rtlCol="0" anchor="ctr"/>
+              <a:lstStyle/>
+              <a:p>
+                <a:pPr algn="ctr"/>
+                <a:endParaRPr lang="fr-CA"/>
+              </a:p>
+            </p:txBody>
+          </p:sp>
+        </p:grpSp>
+        <p:grpSp>
+          <p:nvGrpSpPr>
+            <p:cNvPr id="25" name="Groupe 24">
+              <a:extLst>
+                <a:ext uri="{FF2B5EF4-FFF2-40B4-BE49-F238E27FC236}">
+                  <a16:creationId xmlns:a16="http://schemas.microsoft.com/office/drawing/2014/main" id="{3A08C097-7011-92CA-BE85-B5DBA51BB1A3}"/>
+                </a:ext>
+              </a:extLst>
+            </p:cNvPr>
+            <p:cNvGrpSpPr/>
+            <p:nvPr/>
+          </p:nvGrpSpPr>
+          <p:grpSpPr>
+            <a:xfrm>
+              <a:off x="9802268" y="4342637"/>
+              <a:ext cx="931003" cy="876238"/>
+              <a:chOff x="2100229" y="4973281"/>
+              <a:chExt cx="931003" cy="876238"/>
+            </a:xfrm>
+          </p:grpSpPr>
+          <p:pic>
+            <p:nvPicPr>
+              <p:cNvPr id="26" name="Image 25">
+                <a:extLst>
+                  <a:ext uri="{FF2B5EF4-FFF2-40B4-BE49-F238E27FC236}">
+                    <a16:creationId xmlns:a16="http://schemas.microsoft.com/office/drawing/2014/main" id="{13C09C60-572F-25ED-B58D-526DF4EA062B}"/>
+                  </a:ext>
+                </a:extLst>
+              </p:cNvPr>
+              <p:cNvPicPr>
+                <a:picLocks noChangeAspect="1"/>
+              </p:cNvPicPr>
+              <p:nvPr/>
+            </p:nvPicPr>
+            <p:blipFill>
+              <a:blip r:embed="rId17"/>
+              <a:stretch>
+                <a:fillRect/>
+              </a:stretch>
+            </p:blipFill>
+            <p:spPr>
+              <a:xfrm>
+                <a:off x="2100229" y="4973281"/>
+                <a:ext cx="931003" cy="876238"/>
+              </a:xfrm>
+              <a:prstGeom prst="rect">
+                <a:avLst/>
+              </a:prstGeom>
+            </p:spPr>
+          </p:pic>
+          <p:sp>
+            <p:nvSpPr>
+              <p:cNvPr id="27" name="Ellipse 26">
+                <a:extLst>
+                  <a:ext uri="{FF2B5EF4-FFF2-40B4-BE49-F238E27FC236}">
+                    <a16:creationId xmlns:a16="http://schemas.microsoft.com/office/drawing/2014/main" id="{80BB6088-7FA6-8028-3C6E-2A5162961DDB}"/>
+                  </a:ext>
+                </a:extLst>
+              </p:cNvPr>
+              <p:cNvSpPr/>
+              <p:nvPr/>
+            </p:nvSpPr>
+            <p:spPr>
+              <a:xfrm>
+                <a:off x="2290762" y="5160209"/>
+                <a:ext cx="545434" cy="235636"/>
+              </a:xfrm>
+              <a:prstGeom prst="ellipse">
+                <a:avLst/>
+              </a:prstGeom>
+              <a:solidFill>
+                <a:srgbClr val="05D305"/>
+              </a:solidFill>
+              <a:ln>
+                <a:noFill/>
+              </a:ln>
+            </p:spPr>
+            <p:style>
+              <a:lnRef idx="2">
+                <a:schemeClr val="accent1">
+                  <a:shade val="50000"/>
+                </a:schemeClr>
+              </a:lnRef>
+              <a:fillRef idx="1">
+                <a:schemeClr val="accent1"/>
+              </a:fillRef>
+              <a:effectRef idx="0">
+                <a:schemeClr val="accent1"/>
+              </a:effectRef>
+              <a:fontRef idx="minor">
+                <a:schemeClr val="lt1"/>
+              </a:fontRef>
+            </p:style>
+            <p:txBody>
+              <a:bodyPr rtlCol="0" anchor="ctr"/>
+              <a:lstStyle/>
+              <a:p>
+                <a:pPr algn="ctr"/>
+                <a:endParaRPr lang="fr-CA" dirty="0"/>
+              </a:p>
+            </p:txBody>
+          </p:sp>
+        </p:grpSp>
+        <p:grpSp>
+          <p:nvGrpSpPr>
+            <p:cNvPr id="28" name="Groupe 27">
+              <a:extLst>
+                <a:ext uri="{FF2B5EF4-FFF2-40B4-BE49-F238E27FC236}">
+                  <a16:creationId xmlns:a16="http://schemas.microsoft.com/office/drawing/2014/main" id="{1AA92595-E826-C479-640E-1EB28F66EE29}"/>
+                </a:ext>
+              </a:extLst>
+            </p:cNvPr>
+            <p:cNvGrpSpPr/>
+            <p:nvPr/>
+          </p:nvGrpSpPr>
+          <p:grpSpPr>
+            <a:xfrm>
+              <a:off x="5768717" y="5572186"/>
+              <a:ext cx="878645" cy="738062"/>
+              <a:chOff x="1060233" y="4235219"/>
+              <a:chExt cx="878645" cy="738062"/>
+            </a:xfrm>
+          </p:grpSpPr>
+          <p:pic>
+            <p:nvPicPr>
+              <p:cNvPr id="29" name="Image 28">
+                <a:extLst>
+                  <a:ext uri="{FF2B5EF4-FFF2-40B4-BE49-F238E27FC236}">
+                    <a16:creationId xmlns:a16="http://schemas.microsoft.com/office/drawing/2014/main" id="{3D2E028F-5A63-750E-6966-0EB347B4DD65}"/>
+                  </a:ext>
+                </a:extLst>
+              </p:cNvPr>
+              <p:cNvPicPr>
+                <a:picLocks noChangeAspect="1"/>
+              </p:cNvPicPr>
+              <p:nvPr/>
+            </p:nvPicPr>
+            <p:blipFill>
+              <a:blip r:embed="rId14"/>
+              <a:stretch>
+                <a:fillRect/>
+              </a:stretch>
+            </p:blipFill>
+            <p:spPr>
+              <a:xfrm>
+                <a:off x="1060233" y="4235219"/>
+                <a:ext cx="878645" cy="738062"/>
+              </a:xfrm>
+              <a:prstGeom prst="rect">
+                <a:avLst/>
+              </a:prstGeom>
+            </p:spPr>
+          </p:pic>
+          <p:sp>
+            <p:nvSpPr>
+              <p:cNvPr id="30" name="Ellipse 29">
+                <a:extLst>
+                  <a:ext uri="{FF2B5EF4-FFF2-40B4-BE49-F238E27FC236}">
+                    <a16:creationId xmlns:a16="http://schemas.microsoft.com/office/drawing/2014/main" id="{05070352-4CD9-1940-4D8A-255868D242F7}"/>
+                  </a:ext>
+                </a:extLst>
+              </p:cNvPr>
+              <p:cNvSpPr/>
+              <p:nvPr/>
+            </p:nvSpPr>
+            <p:spPr>
+              <a:xfrm>
+                <a:off x="1251674" y="4381499"/>
+                <a:ext cx="518600" cy="209929"/>
+              </a:xfrm>
+              <a:prstGeom prst="ellipse">
+                <a:avLst/>
+              </a:prstGeom>
+              <a:solidFill>
+                <a:srgbClr val="00C3FF"/>
+              </a:solidFill>
+              <a:ln>
+                <a:noFill/>
+              </a:ln>
+            </p:spPr>
+            <p:style>
+              <a:lnRef idx="2">
+                <a:schemeClr val="accent1">
+                  <a:shade val="50000"/>
+                </a:schemeClr>
+              </a:lnRef>
+              <a:fillRef idx="1">
+                <a:schemeClr val="accent1"/>
+              </a:fillRef>
+              <a:effectRef idx="0">
+                <a:schemeClr val="accent1"/>
+              </a:effectRef>
+              <a:fontRef idx="minor">
+                <a:schemeClr val="lt1"/>
+              </a:fontRef>
+            </p:style>
+            <p:txBody>
+              <a:bodyPr rtlCol="0" anchor="ctr"/>
+              <a:lstStyle/>
+              <a:p>
+                <a:pPr algn="ctr"/>
+                <a:endParaRPr lang="fr-CA" dirty="0"/>
+              </a:p>
+            </p:txBody>
+          </p:sp>
+        </p:grpSp>
+        <p:grpSp>
+          <p:nvGrpSpPr>
+            <p:cNvPr id="31" name="Groupe 30">
+              <a:extLst>
+                <a:ext uri="{FF2B5EF4-FFF2-40B4-BE49-F238E27FC236}">
+                  <a16:creationId xmlns:a16="http://schemas.microsoft.com/office/drawing/2014/main" id="{F5D3D6C9-471D-A721-3498-74CAB6B84433}"/>
+                </a:ext>
+              </a:extLst>
+            </p:cNvPr>
+            <p:cNvGrpSpPr/>
+            <p:nvPr/>
+          </p:nvGrpSpPr>
+          <p:grpSpPr>
+            <a:xfrm>
+              <a:off x="5022575" y="4970020"/>
+              <a:ext cx="883255" cy="738062"/>
+              <a:chOff x="1043527" y="5056143"/>
+              <a:chExt cx="883255" cy="738062"/>
+            </a:xfrm>
+          </p:grpSpPr>
+          <p:pic>
+            <p:nvPicPr>
+              <p:cNvPr id="32" name="Image 31">
+                <a:extLst>
+                  <a:ext uri="{FF2B5EF4-FFF2-40B4-BE49-F238E27FC236}">
+                    <a16:creationId xmlns:a16="http://schemas.microsoft.com/office/drawing/2014/main" id="{BFD46E05-30D6-AC15-0511-4B63B911973E}"/>
+                  </a:ext>
+                </a:extLst>
+              </p:cNvPr>
+              <p:cNvPicPr>
+                <a:picLocks noChangeAspect="1"/>
+              </p:cNvPicPr>
+              <p:nvPr/>
+            </p:nvPicPr>
+            <p:blipFill>
+              <a:blip r:embed="rId15"/>
+              <a:stretch>
+                <a:fillRect/>
+              </a:stretch>
+            </p:blipFill>
+            <p:spPr>
+              <a:xfrm>
+                <a:off x="1043527" y="5056143"/>
+                <a:ext cx="883255" cy="738062"/>
+              </a:xfrm>
+              <a:prstGeom prst="rect">
+                <a:avLst/>
+              </a:prstGeom>
+            </p:spPr>
+          </p:pic>
+          <p:sp>
+            <p:nvSpPr>
+              <p:cNvPr id="33" name="Ellipse 32">
+                <a:extLst>
+                  <a:ext uri="{FF2B5EF4-FFF2-40B4-BE49-F238E27FC236}">
+                    <a16:creationId xmlns:a16="http://schemas.microsoft.com/office/drawing/2014/main" id="{9FCE8101-8710-8EEA-E07F-D2EC9C5B33FE}"/>
+                  </a:ext>
+                </a:extLst>
+              </p:cNvPr>
+              <p:cNvSpPr/>
+              <p:nvPr/>
+            </p:nvSpPr>
+            <p:spPr>
+              <a:xfrm>
+                <a:off x="1230346" y="5182756"/>
+                <a:ext cx="545434" cy="235636"/>
+              </a:xfrm>
+              <a:prstGeom prst="ellipse">
+                <a:avLst/>
+              </a:prstGeom>
+              <a:solidFill>
+                <a:srgbClr val="FF0013"/>
+              </a:solidFill>
+              <a:ln>
+                <a:noFill/>
+              </a:ln>
+            </p:spPr>
+            <p:style>
+              <a:lnRef idx="2">
+                <a:schemeClr val="accent1">
+                  <a:shade val="50000"/>
+                </a:schemeClr>
+              </a:lnRef>
+              <a:fillRef idx="1">
+                <a:schemeClr val="accent1"/>
+              </a:fillRef>
+              <a:effectRef idx="0">
+                <a:schemeClr val="accent1"/>
+              </a:effectRef>
+              <a:fontRef idx="minor">
+                <a:schemeClr val="lt1"/>
+              </a:fontRef>
+            </p:style>
+            <p:txBody>
+              <a:bodyPr rtlCol="0" anchor="ctr"/>
+              <a:lstStyle/>
+              <a:p>
+                <a:pPr algn="ctr"/>
+                <a:endParaRPr lang="fr-CA"/>
+              </a:p>
+            </p:txBody>
+          </p:sp>
+        </p:grpSp>
+        <p:grpSp>
+          <p:nvGrpSpPr>
+            <p:cNvPr id="34" name="Groupe 33">
+              <a:extLst>
+                <a:ext uri="{FF2B5EF4-FFF2-40B4-BE49-F238E27FC236}">
+                  <a16:creationId xmlns:a16="http://schemas.microsoft.com/office/drawing/2014/main" id="{5A244D73-26BF-A415-C792-0CD43BEB2BA1}"/>
+                </a:ext>
+              </a:extLst>
+            </p:cNvPr>
+            <p:cNvGrpSpPr/>
+            <p:nvPr/>
+          </p:nvGrpSpPr>
+          <p:grpSpPr>
+            <a:xfrm>
+              <a:off x="6518254" y="4950282"/>
+              <a:ext cx="993578" cy="803028"/>
+              <a:chOff x="2015854" y="4197674"/>
+              <a:chExt cx="993578" cy="803028"/>
+            </a:xfrm>
+          </p:grpSpPr>
+          <p:pic>
+            <p:nvPicPr>
+              <p:cNvPr id="35" name="Image 34">
+                <a:extLst>
+                  <a:ext uri="{FF2B5EF4-FFF2-40B4-BE49-F238E27FC236}">
+                    <a16:creationId xmlns:a16="http://schemas.microsoft.com/office/drawing/2014/main" id="{F74AB0FF-B2D6-DFBA-B56B-42195002DABF}"/>
+                  </a:ext>
+                </a:extLst>
+              </p:cNvPr>
+              <p:cNvPicPr>
+                <a:picLocks noChangeAspect="1"/>
+              </p:cNvPicPr>
+              <p:nvPr/>
+            </p:nvPicPr>
+            <p:blipFill>
+              <a:blip r:embed="rId16"/>
+              <a:stretch>
+                <a:fillRect/>
+              </a:stretch>
+            </p:blipFill>
+            <p:spPr>
+              <a:xfrm>
+                <a:off x="2015854" y="4197674"/>
+                <a:ext cx="993578" cy="803028"/>
+              </a:xfrm>
+              <a:prstGeom prst="rect">
+                <a:avLst/>
+              </a:prstGeom>
+            </p:spPr>
+          </p:pic>
+          <p:sp>
+            <p:nvSpPr>
+              <p:cNvPr id="36" name="Ellipse 35">
+                <a:extLst>
+                  <a:ext uri="{FF2B5EF4-FFF2-40B4-BE49-F238E27FC236}">
+                    <a16:creationId xmlns:a16="http://schemas.microsoft.com/office/drawing/2014/main" id="{A1C3206C-18A9-6FCF-26C1-780964331309}"/>
+                  </a:ext>
+                </a:extLst>
+              </p:cNvPr>
+              <p:cNvSpPr/>
+              <p:nvPr/>
+            </p:nvSpPr>
+            <p:spPr>
+              <a:xfrm>
+                <a:off x="2290762" y="4381500"/>
+                <a:ext cx="506773" cy="238738"/>
+              </a:xfrm>
+              <a:prstGeom prst="ellipse">
+                <a:avLst/>
+              </a:prstGeom>
+              <a:solidFill>
+                <a:srgbClr val="FFC200"/>
+              </a:solidFill>
+              <a:ln>
+                <a:noFill/>
+              </a:ln>
+            </p:spPr>
+            <p:style>
+              <a:lnRef idx="2">
+                <a:schemeClr val="accent1">
+                  <a:shade val="50000"/>
+                </a:schemeClr>
+              </a:lnRef>
+              <a:fillRef idx="1">
+                <a:schemeClr val="accent1"/>
+              </a:fillRef>
+              <a:effectRef idx="0">
+                <a:schemeClr val="accent1"/>
+              </a:effectRef>
+              <a:fontRef idx="minor">
+                <a:schemeClr val="lt1"/>
+              </a:fontRef>
+            </p:style>
+            <p:txBody>
+              <a:bodyPr rtlCol="0" anchor="ctr"/>
+              <a:lstStyle/>
+              <a:p>
+                <a:pPr algn="ctr"/>
+                <a:endParaRPr lang="fr-CA"/>
+              </a:p>
+            </p:txBody>
+          </p:sp>
+        </p:grpSp>
+        <p:grpSp>
+          <p:nvGrpSpPr>
+            <p:cNvPr id="37" name="Groupe 36">
+              <a:extLst>
+                <a:ext uri="{FF2B5EF4-FFF2-40B4-BE49-F238E27FC236}">
+                  <a16:creationId xmlns:a16="http://schemas.microsoft.com/office/drawing/2014/main" id="{47108CF7-9B6E-AA41-7B8E-63498C1B2DC2}"/>
+                </a:ext>
+              </a:extLst>
+            </p:cNvPr>
+            <p:cNvGrpSpPr/>
+            <p:nvPr/>
+          </p:nvGrpSpPr>
+          <p:grpSpPr>
+            <a:xfrm>
+              <a:off x="5793313" y="4342637"/>
+              <a:ext cx="931003" cy="876238"/>
+              <a:chOff x="2100229" y="4973281"/>
+              <a:chExt cx="931003" cy="876238"/>
+            </a:xfrm>
+          </p:grpSpPr>
+          <p:pic>
+            <p:nvPicPr>
+              <p:cNvPr id="38" name="Image 37">
+                <a:extLst>
+                  <a:ext uri="{FF2B5EF4-FFF2-40B4-BE49-F238E27FC236}">
+                    <a16:creationId xmlns:a16="http://schemas.microsoft.com/office/drawing/2014/main" id="{E79DA213-23F9-2B27-4E9B-2F0A8A5D2167}"/>
+                  </a:ext>
+                </a:extLst>
+              </p:cNvPr>
+              <p:cNvPicPr>
+                <a:picLocks noChangeAspect="1"/>
+              </p:cNvPicPr>
+              <p:nvPr/>
+            </p:nvPicPr>
+            <p:blipFill>
+              <a:blip r:embed="rId17"/>
+              <a:stretch>
+                <a:fillRect/>
+              </a:stretch>
+            </p:blipFill>
+            <p:spPr>
+              <a:xfrm>
+                <a:off x="2100229" y="4973281"/>
+                <a:ext cx="931003" cy="876238"/>
+              </a:xfrm>
+              <a:prstGeom prst="rect">
+                <a:avLst/>
+              </a:prstGeom>
+            </p:spPr>
+          </p:pic>
+          <p:sp>
+            <p:nvSpPr>
+              <p:cNvPr id="39" name="Ellipse 38">
+                <a:extLst>
+                  <a:ext uri="{FF2B5EF4-FFF2-40B4-BE49-F238E27FC236}">
+                    <a16:creationId xmlns:a16="http://schemas.microsoft.com/office/drawing/2014/main" id="{DEF8D6AE-931B-576A-2265-26DED29728D5}"/>
+                  </a:ext>
+                </a:extLst>
+              </p:cNvPr>
+              <p:cNvSpPr/>
+              <p:nvPr/>
+            </p:nvSpPr>
+            <p:spPr>
+              <a:xfrm>
+                <a:off x="2290762" y="5160209"/>
+                <a:ext cx="545434" cy="235636"/>
+              </a:xfrm>
+              <a:prstGeom prst="ellipse">
+                <a:avLst/>
+              </a:prstGeom>
+              <a:solidFill>
+                <a:srgbClr val="05D305"/>
+              </a:solidFill>
+              <a:ln>
+                <a:noFill/>
+              </a:ln>
+            </p:spPr>
+            <p:style>
+              <a:lnRef idx="2">
+                <a:schemeClr val="accent1">
+                  <a:shade val="50000"/>
+                </a:schemeClr>
+              </a:lnRef>
+              <a:fillRef idx="1">
+                <a:schemeClr val="accent1"/>
+              </a:fillRef>
+              <a:effectRef idx="0">
+                <a:schemeClr val="accent1"/>
+              </a:effectRef>
+              <a:fontRef idx="minor">
+                <a:schemeClr val="lt1"/>
+              </a:fontRef>
+            </p:style>
+            <p:txBody>
+              <a:bodyPr rtlCol="0" anchor="ctr"/>
+              <a:lstStyle/>
+              <a:p>
+                <a:pPr algn="ctr"/>
+                <a:endParaRPr lang="fr-CA" dirty="0"/>
+              </a:p>
+            </p:txBody>
+          </p:sp>
+        </p:grpSp>
+      </p:grpSp>
+      <p:pic>
+        <p:nvPicPr>
+          <p:cNvPr id="8" name="Image 7">
+            <a:extLst>
+              <a:ext uri="{FF2B5EF4-FFF2-40B4-BE49-F238E27FC236}">
+                <a16:creationId xmlns:a16="http://schemas.microsoft.com/office/drawing/2014/main" id="{2C1D0E18-3F7B-82B7-6ECE-3322383D2D85}"/>
+              </a:ext>
+            </a:extLst>
+          </p:cNvPr>
+          <p:cNvPicPr>
+            <a:picLocks noChangeAspect="1"/>
+          </p:cNvPicPr>
+          <p:nvPr/>
+        </p:nvPicPr>
+        <p:blipFill>
+          <a:blip r:embed="rId4">
+            <a:extLst>
+              <a:ext uri="{28A0092B-C50C-407E-A947-70E740481C1C}">
+                <a14:useLocalDpi xmlns:a14="http://schemas.microsoft.com/office/drawing/2010/main" val="0"/>
+              </a:ext>
+            </a:extLst>
+          </a:blip>
+          <a:stretch>
+            <a:fillRect/>
+          </a:stretch>
+        </p:blipFill>
+        <p:spPr>
+          <a:xfrm>
+            <a:off x="8764198" y="4776807"/>
+            <a:ext cx="649638" cy="741036"/>
+          </a:xfrm>
+          <a:prstGeom prst="rect">
+            <a:avLst/>
+          </a:prstGeom>
+        </p:spPr>
+      </p:pic>
+      <p:pic>
+        <p:nvPicPr>
+          <p:cNvPr id="42" name="Image 41">
+            <a:extLst>
+              <a:ext uri="{FF2B5EF4-FFF2-40B4-BE49-F238E27FC236}">
+                <a16:creationId xmlns:a16="http://schemas.microsoft.com/office/drawing/2014/main" id="{C6BE1268-AEDB-B60C-1EB1-40EB84AC9444}"/>
+              </a:ext>
+            </a:extLst>
+          </p:cNvPr>
+          <p:cNvPicPr>
+            <a:picLocks noChangeAspect="1"/>
+          </p:cNvPicPr>
+          <p:nvPr/>
+        </p:nvPicPr>
+        <p:blipFill>
+          <a:blip r:embed="rId4">
+            <a:extLst>
+              <a:ext uri="{28A0092B-C50C-407E-A947-70E740481C1C}">
+                <a14:useLocalDpi xmlns:a14="http://schemas.microsoft.com/office/drawing/2010/main" val="0"/>
+              </a:ext>
+            </a:extLst>
+          </a:blip>
+          <a:stretch>
+            <a:fillRect/>
+          </a:stretch>
+        </p:blipFill>
+        <p:spPr>
+          <a:xfrm>
+            <a:off x="8764198" y="4776807"/>
+            <a:ext cx="649638" cy="741036"/>
+          </a:xfrm>
+          <a:prstGeom prst="rect">
+            <a:avLst/>
+          </a:prstGeom>
+        </p:spPr>
+      </p:pic>
+      <p:pic>
+        <p:nvPicPr>
+          <p:cNvPr id="44" name="Picture 10" descr="Processor - Free computer icons">
+            <a:extLst>
+              <a:ext uri="{FF2B5EF4-FFF2-40B4-BE49-F238E27FC236}">
+                <a16:creationId xmlns:a16="http://schemas.microsoft.com/office/drawing/2014/main" id="{96144FF5-1CE5-FF61-7258-F3C260A23016}"/>
+              </a:ext>
+            </a:extLst>
+          </p:cNvPr>
+          <p:cNvPicPr>
+            <a:picLocks noChangeAspect="1" noChangeArrowheads="1"/>
+          </p:cNvPicPr>
+          <p:nvPr/>
+        </p:nvPicPr>
+        <p:blipFill>
+          <a:blip r:embed="rId18">
+            <a:extLst>
+              <a:ext uri="{28A0092B-C50C-407E-A947-70E740481C1C}">
+                <a14:useLocalDpi xmlns:a14="http://schemas.microsoft.com/office/drawing/2010/main" val="0"/>
+              </a:ext>
+            </a:extLst>
+          </a:blip>
+          <a:srcRect/>
+          <a:stretch>
+            <a:fillRect/>
+          </a:stretch>
+        </p:blipFill>
+        <p:spPr bwMode="auto">
+          <a:xfrm>
+            <a:off x="4377021" y="2761388"/>
+            <a:ext cx="1382991" cy="1382991"/>
+          </a:xfrm>
+          <a:prstGeom prst="rect">
+            <a:avLst/>
+          </a:prstGeom>
+          <a:noFill/>
           <a:extLst>
             <a:ext uri="{909E8E84-426E-40DD-AFC4-6F175D3DCCD1}">
               <a14:hiddenFill xmlns:a14="http://schemas.microsoft.com/office/drawing/2010/main">
@@ -5849,30 +8179,43 @@
                                   </p:childTnLst>
                                 </p:cTn>
                               </p:par>
+                            </p:childTnLst>
+                          </p:cTn>
+                        </p:par>
+                      </p:childTnLst>
+                    </p:cTn>
+                  </p:par>
+                  <p:par>
+                    <p:cTn id="7" fill="hold">
+                      <p:stCondLst>
+                        <p:cond delay="indefinite"/>
+                      </p:stCondLst>
+                      <p:childTnLst>
+                        <p:par>
+                          <p:cTn id="8" fill="hold">
+                            <p:stCondLst>
+                              <p:cond delay="0"/>
+                            </p:stCondLst>
+                            <p:childTnLst>
                               <p:par>
-                                <p:cTn id="7" presetID="1" presetClass="entr" presetSubtype="0" fill="hold" nodeType="withEffect">
+                                <p:cTn id="9" presetID="42" presetClass="path" presetSubtype="0" accel="50000" decel="50000" fill="hold" nodeType="clickEffect">
                                   <p:stCondLst>
-                                    <p:cond delay="500"/>
+                                    <p:cond delay="0"/>
                                   </p:stCondLst>
                                   <p:childTnLst>
-                                    <p:set>
+                                    <p:animMotion origin="layout" path="M -2.70833E-6 -2.96296E-6 L -0.5707 -0.01296 " pathEditMode="relative" rAng="0" ptsTypes="AA">
                                       <p:cBhvr>
-                                        <p:cTn id="8" dur="1" fill="hold">
-                                          <p:stCondLst>
-                                            <p:cond delay="0"/>
-                                          </p:stCondLst>
-                                        </p:cTn>
+                                        <p:cTn id="10" dur="2000" fill="hold"/>
                                         <p:tgtEl>
-                                          <p:spTgt spid="1053"/>
+                                          <p:spTgt spid="8"/>
                                         </p:tgtEl>
                                         <p:attrNameLst>
-                                          <p:attrName>style.visibility</p:attrName>
+                                          <p:attrName>ppt_x</p:attrName>
+                                          <p:attrName>ppt_y</p:attrName>
                                         </p:attrNameLst>
                                       </p:cBhvr>
-                                      <p:to>
-                                        <p:strVal val="visible"/>
-                                      </p:to>
-                                    </p:set>
+                                      <p:rCtr x="-28542" y="-648"/>
+                                    </p:animMotion>
                                   </p:childTnLst>
                                 </p:cTn>
                               </p:par>
@@ -5932,96 +8275,6 @@
           <a:chExt cx="0" cy="0"/>
         </a:xfrm>
       </p:grpSpPr>
-      <p:pic>
-        <p:nvPicPr>
-          <p:cNvPr id="1041" name="Image 1040">
-            <a:extLst>
-              <a:ext uri="{FF2B5EF4-FFF2-40B4-BE49-F238E27FC236}">
-                <a16:creationId xmlns:a16="http://schemas.microsoft.com/office/drawing/2014/main" id="{A7A53686-0F23-DFF7-D504-E8E54AA26E4C}"/>
-              </a:ext>
-            </a:extLst>
-          </p:cNvPr>
-          <p:cNvPicPr>
-            <a:picLocks noChangeAspect="1"/>
-          </p:cNvPicPr>
-          <p:nvPr/>
-        </p:nvPicPr>
-        <p:blipFill>
-          <a:blip r:embed="rId2"/>
-          <a:stretch>
-            <a:fillRect/>
-          </a:stretch>
-        </p:blipFill>
-        <p:spPr>
-          <a:xfrm>
-            <a:off x="1112675" y="7142385"/>
-            <a:ext cx="1523693" cy="2031589"/>
-          </a:xfrm>
-          <a:prstGeom prst="rect">
-            <a:avLst/>
-          </a:prstGeom>
-        </p:spPr>
-      </p:pic>
-      <p:pic>
-        <p:nvPicPr>
-          <p:cNvPr id="1024" name="Image 1023">
-            <a:extLst>
-              <a:ext uri="{FF2B5EF4-FFF2-40B4-BE49-F238E27FC236}">
-                <a16:creationId xmlns:a16="http://schemas.microsoft.com/office/drawing/2014/main" id="{B623B445-7845-4045-A103-05FB4B15116B}"/>
-              </a:ext>
-            </a:extLst>
-          </p:cNvPr>
-          <p:cNvPicPr>
-            <a:picLocks noChangeAspect="1"/>
-          </p:cNvPicPr>
-          <p:nvPr/>
-        </p:nvPicPr>
-        <p:blipFill>
-          <a:blip r:embed="rId3"/>
-          <a:stretch>
-            <a:fillRect/>
-          </a:stretch>
-        </p:blipFill>
-        <p:spPr>
-          <a:xfrm>
-            <a:off x="-4442873" y="7913643"/>
-            <a:ext cx="883255" cy="738062"/>
-          </a:xfrm>
-          <a:prstGeom prst="rect">
-            <a:avLst/>
-          </a:prstGeom>
-        </p:spPr>
-      </p:pic>
-      <p:pic>
-        <p:nvPicPr>
-          <p:cNvPr id="1034" name="Image 1033">
-            <a:extLst>
-              <a:ext uri="{FF2B5EF4-FFF2-40B4-BE49-F238E27FC236}">
-                <a16:creationId xmlns:a16="http://schemas.microsoft.com/office/drawing/2014/main" id="{E793730A-9D44-2FE9-8134-CC25BBB0BA9F}"/>
-              </a:ext>
-            </a:extLst>
-          </p:cNvPr>
-          <p:cNvPicPr>
-            <a:picLocks noChangeAspect="1"/>
-          </p:cNvPicPr>
-          <p:nvPr/>
-        </p:nvPicPr>
-        <p:blipFill>
-          <a:blip r:embed="rId4"/>
-          <a:stretch>
-            <a:fillRect/>
-          </a:stretch>
-        </p:blipFill>
-        <p:spPr>
-          <a:xfrm>
-            <a:off x="-1328771" y="9354781"/>
-            <a:ext cx="931003" cy="876238"/>
-          </a:xfrm>
-          <a:prstGeom prst="rect">
-            <a:avLst/>
-          </a:prstGeom>
-        </p:spPr>
-      </p:pic>
       <p:grpSp>
         <p:nvGrpSpPr>
           <p:cNvPr id="9" name="Groupe 8">
@@ -6036,8 +8289,8 @@
         </p:nvGrpSpPr>
         <p:grpSpPr>
           <a:xfrm>
-            <a:off x="10722873" y="288998"/>
-            <a:ext cx="1227540" cy="1212224"/>
+            <a:off x="9326880" y="288997"/>
+            <a:ext cx="2623533" cy="2486474"/>
             <a:chOff x="1755007" y="304590"/>
             <a:chExt cx="4010981" cy="4010981"/>
           </a:xfrm>
@@ -6057,7 +8310,7 @@
             <p:nvPr/>
           </p:nvPicPr>
           <p:blipFill>
-            <a:blip r:embed="rId5">
+            <a:blip r:embed="rId3">
               <a:extLst>
                 <a:ext uri="{28A0092B-C50C-407E-A947-70E740481C1C}">
                   <a14:useLocalDpi xmlns:a14="http://schemas.microsoft.com/office/drawing/2010/main" val="0"/>
@@ -6117,7 +8370,7 @@
             <p:nvPr/>
           </p:nvPicPr>
           <p:blipFill>
-            <a:blip r:embed="rId6">
+            <a:blip r:embed="rId4">
               <a:extLst>
                 <a:ext uri="{28A0092B-C50C-407E-A947-70E740481C1C}">
                   <a14:useLocalDpi xmlns:a14="http://schemas.microsoft.com/office/drawing/2010/main" val="0"/>
@@ -6224,156 +8477,6 @@
       </p:sp>
       <p:pic>
         <p:nvPicPr>
-          <p:cNvPr id="58" name="Image 57">
-            <a:extLst>
-              <a:ext uri="{FF2B5EF4-FFF2-40B4-BE49-F238E27FC236}">
-                <a16:creationId xmlns:a16="http://schemas.microsoft.com/office/drawing/2014/main" id="{8B61F1CD-4FB4-7058-CFEE-BA9B075A8793}"/>
-              </a:ext>
-            </a:extLst>
-          </p:cNvPr>
-          <p:cNvPicPr>
-            <a:picLocks noChangeAspect="1"/>
-          </p:cNvPicPr>
-          <p:nvPr/>
-        </p:nvPicPr>
-        <p:blipFill>
-          <a:blip r:embed="rId2"/>
-          <a:stretch>
-            <a:fillRect/>
-          </a:stretch>
-        </p:blipFill>
-        <p:spPr>
-          <a:xfrm>
-            <a:off x="-2299438" y="-4214722"/>
-            <a:ext cx="1523693" cy="2031589"/>
-          </a:xfrm>
-          <a:prstGeom prst="rect">
-            <a:avLst/>
-          </a:prstGeom>
-        </p:spPr>
-      </p:pic>
-      <p:pic>
-        <p:nvPicPr>
-          <p:cNvPr id="1027" name="Image 1026">
-            <a:extLst>
-              <a:ext uri="{FF2B5EF4-FFF2-40B4-BE49-F238E27FC236}">
-                <a16:creationId xmlns:a16="http://schemas.microsoft.com/office/drawing/2014/main" id="{D458F3B2-1BFF-6348-6EF3-CD1511C81A31}"/>
-              </a:ext>
-            </a:extLst>
-          </p:cNvPr>
-          <p:cNvPicPr>
-            <a:picLocks noChangeAspect="1"/>
-          </p:cNvPicPr>
-          <p:nvPr/>
-        </p:nvPicPr>
-        <p:blipFill>
-          <a:blip r:embed="rId7"/>
-          <a:stretch>
-            <a:fillRect/>
-          </a:stretch>
-        </p:blipFill>
-        <p:spPr>
-          <a:xfrm>
-            <a:off x="-5797767" y="5849519"/>
-            <a:ext cx="878645" cy="738062"/>
-          </a:xfrm>
-          <a:prstGeom prst="rect">
-            <a:avLst/>
-          </a:prstGeom>
-        </p:spPr>
-      </p:pic>
-      <p:pic>
-        <p:nvPicPr>
-          <p:cNvPr id="1036" name="Image 1035">
-            <a:extLst>
-              <a:ext uri="{FF2B5EF4-FFF2-40B4-BE49-F238E27FC236}">
-                <a16:creationId xmlns:a16="http://schemas.microsoft.com/office/drawing/2014/main" id="{2B462C9D-BAA3-62F8-2075-700056E7E8EA}"/>
-              </a:ext>
-            </a:extLst>
-          </p:cNvPr>
-          <p:cNvPicPr>
-            <a:picLocks noChangeAspect="1"/>
-          </p:cNvPicPr>
-          <p:nvPr/>
-        </p:nvPicPr>
-        <p:blipFill>
-          <a:blip r:embed="rId8"/>
-          <a:stretch>
-            <a:fillRect/>
-          </a:stretch>
-        </p:blipFill>
-        <p:spPr>
-          <a:xfrm>
-            <a:off x="-1391346" y="7110615"/>
-            <a:ext cx="993578" cy="803028"/>
-          </a:xfrm>
-          <a:prstGeom prst="rect">
-            <a:avLst/>
-          </a:prstGeom>
-        </p:spPr>
-      </p:pic>
-      <p:pic>
-        <p:nvPicPr>
-          <p:cNvPr id="1038" name="Image 1037">
-            <a:extLst>
-              <a:ext uri="{FF2B5EF4-FFF2-40B4-BE49-F238E27FC236}">
-                <a16:creationId xmlns:a16="http://schemas.microsoft.com/office/drawing/2014/main" id="{F2080E85-333F-3099-1291-848A9C909A33}"/>
-              </a:ext>
-            </a:extLst>
-          </p:cNvPr>
-          <p:cNvPicPr>
-            <a:picLocks noChangeAspect="1"/>
-          </p:cNvPicPr>
-          <p:nvPr/>
-        </p:nvPicPr>
-        <p:blipFill>
-          <a:blip r:embed="rId9"/>
-          <a:stretch>
-            <a:fillRect/>
-          </a:stretch>
-        </p:blipFill>
-        <p:spPr>
-          <a:xfrm>
-            <a:off x="-5109081" y="4635518"/>
-            <a:ext cx="1332415" cy="786607"/>
-          </a:xfrm>
-          <a:prstGeom prst="rect">
-            <a:avLst/>
-          </a:prstGeom>
-        </p:spPr>
-      </p:pic>
-      <p:pic>
-        <p:nvPicPr>
-          <p:cNvPr id="1040" name="Image 1039">
-            <a:extLst>
-              <a:ext uri="{FF2B5EF4-FFF2-40B4-BE49-F238E27FC236}">
-                <a16:creationId xmlns:a16="http://schemas.microsoft.com/office/drawing/2014/main" id="{7F965970-439A-23C6-39B6-7C8D1B51339D}"/>
-              </a:ext>
-            </a:extLst>
-          </p:cNvPr>
-          <p:cNvPicPr>
-            <a:picLocks noChangeAspect="1"/>
-          </p:cNvPicPr>
-          <p:nvPr/>
-        </p:nvPicPr>
-        <p:blipFill>
-          <a:blip r:embed="rId10"/>
-          <a:stretch>
-            <a:fillRect/>
-          </a:stretch>
-        </p:blipFill>
-        <p:spPr>
-          <a:xfrm>
-            <a:off x="-3608758" y="1107919"/>
-            <a:ext cx="1332416" cy="786607"/>
-          </a:xfrm>
-          <a:prstGeom prst="rect">
-            <a:avLst/>
-          </a:prstGeom>
-        </p:spPr>
-      </p:pic>
-      <p:pic>
-        <p:nvPicPr>
           <p:cNvPr id="1042" name="Picture 10" descr="Processor - Free computer icons">
             <a:extLst>
               <a:ext uri="{FF2B5EF4-FFF2-40B4-BE49-F238E27FC236}">
@@ -6387,7 +8490,7 @@
           <p:nvPr/>
         </p:nvPicPr>
         <p:blipFill>
-          <a:blip r:embed="rId11">
+          <a:blip r:embed="rId5">
             <a:extLst>
               <a:ext uri="{28A0092B-C50C-407E-A947-70E740481C1C}">
                 <a14:useLocalDpi xmlns:a14="http://schemas.microsoft.com/office/drawing/2010/main" val="0"/>
@@ -6434,7 +8537,7 @@
           <p:nvPr/>
         </p:nvPicPr>
         <p:blipFill>
-          <a:blip r:embed="rId12">
+          <a:blip r:embed="rId6">
             <a:extLst>
               <a:ext uri="{28A0092B-C50C-407E-A947-70E740481C1C}">
                 <a14:useLocalDpi xmlns:a14="http://schemas.microsoft.com/office/drawing/2010/main" val="0"/>
@@ -6481,7 +8584,7 @@
           <p:nvPr/>
         </p:nvPicPr>
         <p:blipFill>
-          <a:blip r:embed="rId13">
+          <a:blip r:embed="rId7">
             <a:extLst>
               <a:ext uri="{28A0092B-C50C-407E-A947-70E740481C1C}">
                 <a14:useLocalDpi xmlns:a14="http://schemas.microsoft.com/office/drawing/2010/main" val="0"/>
@@ -6528,7 +8631,7 @@
           <p:nvPr/>
         </p:nvPicPr>
         <p:blipFill>
-          <a:blip r:embed="rId12">
+          <a:blip r:embed="rId6">
             <a:extLst>
               <a:ext uri="{28A0092B-C50C-407E-A947-70E740481C1C}">
                 <a14:useLocalDpi xmlns:a14="http://schemas.microsoft.com/office/drawing/2010/main" val="0"/>
@@ -6575,7 +8678,7 @@
           <p:nvPr/>
         </p:nvPicPr>
         <p:blipFill>
-          <a:blip r:embed="rId14">
+          <a:blip r:embed="rId8">
             <a:extLst>
               <a:ext uri="{28A0092B-C50C-407E-A947-70E740481C1C}">
                 <a14:useLocalDpi xmlns:a14="http://schemas.microsoft.com/office/drawing/2010/main" val="0"/>
@@ -6651,7 +8754,7 @@
           <p:nvPr/>
         </p:nvPicPr>
         <p:blipFill>
-          <a:blip r:embed="rId15">
+          <a:blip r:embed="rId9">
             <a:extLst>
               <a:ext uri="{28A0092B-C50C-407E-A947-70E740481C1C}">
                 <a14:useLocalDpi xmlns:a14="http://schemas.microsoft.com/office/drawing/2010/main" val="0"/>
@@ -6698,7 +8801,7 @@
           <p:nvPr/>
         </p:nvPicPr>
         <p:blipFill>
-          <a:blip r:embed="rId16">
+          <a:blip r:embed="rId10">
             <a:extLst>
               <a:ext uri="{28A0092B-C50C-407E-A947-70E740481C1C}">
                 <a14:useLocalDpi xmlns:a14="http://schemas.microsoft.com/office/drawing/2010/main" val="0"/>
@@ -6758,7 +8861,7 @@
           <p:nvPr/>
         </p:nvPicPr>
         <p:blipFill>
-          <a:blip r:embed="rId17">
+          <a:blip r:embed="rId11">
             <a:extLst>
               <a:ext uri="{28A0092B-C50C-407E-A947-70E740481C1C}">
                 <a14:useLocalDpi xmlns:a14="http://schemas.microsoft.com/office/drawing/2010/main" val="0"/>
@@ -6813,6 +8916,1025 @@
           </a:extLst>
         </p:spPr>
       </p:pic>
+      <p:grpSp>
+        <p:nvGrpSpPr>
+          <p:cNvPr id="3" name="Groupe 2">
+            <a:extLst>
+              <a:ext uri="{FF2B5EF4-FFF2-40B4-BE49-F238E27FC236}">
+                <a16:creationId xmlns:a16="http://schemas.microsoft.com/office/drawing/2014/main" id="{33923CD4-21B2-8992-06A4-AA4CB86B189C}"/>
+              </a:ext>
+            </a:extLst>
+          </p:cNvPr>
+          <p:cNvGrpSpPr/>
+          <p:nvPr/>
+        </p:nvGrpSpPr>
+        <p:grpSpPr>
+          <a:xfrm>
+            <a:off x="9675975" y="8499169"/>
+            <a:ext cx="5537157" cy="3325320"/>
+            <a:chOff x="4412024" y="1956065"/>
+            <a:chExt cx="7586309" cy="4798255"/>
+          </a:xfrm>
+        </p:grpSpPr>
+        <p:sp>
+          <p:nvSpPr>
+            <p:cNvPr id="4" name="Rectangle : coins arrondis 3">
+              <a:extLst>
+                <a:ext uri="{FF2B5EF4-FFF2-40B4-BE49-F238E27FC236}">
+                  <a16:creationId xmlns:a16="http://schemas.microsoft.com/office/drawing/2014/main" id="{B7F78FDB-C0A5-13E9-4262-8C96EAFE3C9E}"/>
+                </a:ext>
+              </a:extLst>
+            </p:cNvPr>
+            <p:cNvSpPr/>
+            <p:nvPr/>
+          </p:nvSpPr>
+          <p:spPr>
+            <a:xfrm>
+              <a:off x="4412024" y="1956065"/>
+              <a:ext cx="7586309" cy="4798255"/>
+            </a:xfrm>
+            <a:prstGeom prst="roundRect">
+              <a:avLst/>
+            </a:prstGeom>
+            <a:solidFill>
+              <a:srgbClr val="EF4C45"/>
+            </a:solidFill>
+            <a:ln w="120650">
+              <a:solidFill>
+                <a:schemeClr val="tx1"/>
+              </a:solidFill>
+            </a:ln>
+          </p:spPr>
+          <p:style>
+            <a:lnRef idx="2">
+              <a:schemeClr val="accent1">
+                <a:shade val="50000"/>
+              </a:schemeClr>
+            </a:lnRef>
+            <a:fillRef idx="1">
+              <a:schemeClr val="accent1"/>
+            </a:fillRef>
+            <a:effectRef idx="0">
+              <a:schemeClr val="accent1"/>
+            </a:effectRef>
+            <a:fontRef idx="minor">
+              <a:schemeClr val="lt1"/>
+            </a:fontRef>
+          </p:style>
+          <p:txBody>
+            <a:bodyPr rtlCol="0" anchor="ctr"/>
+            <a:lstStyle/>
+            <a:p>
+              <a:pPr algn="ctr"/>
+              <a:endParaRPr lang="fr-CA" dirty="0"/>
+            </a:p>
+          </p:txBody>
+        </p:sp>
+        <p:pic>
+          <p:nvPicPr>
+            <p:cNvPr id="6" name="Image 5">
+              <a:extLst>
+                <a:ext uri="{FF2B5EF4-FFF2-40B4-BE49-F238E27FC236}">
+                  <a16:creationId xmlns:a16="http://schemas.microsoft.com/office/drawing/2014/main" id="{8DF9F7F0-E78D-D93E-35E4-A93645778A67}"/>
+                </a:ext>
+              </a:extLst>
+            </p:cNvPr>
+            <p:cNvPicPr>
+              <a:picLocks noChangeAspect="1"/>
+            </p:cNvPicPr>
+            <p:nvPr/>
+          </p:nvPicPr>
+          <p:blipFill>
+            <a:blip r:embed="rId12"/>
+            <a:stretch>
+              <a:fillRect/>
+            </a:stretch>
+          </p:blipFill>
+          <p:spPr>
+            <a:xfrm>
+              <a:off x="9934265" y="2190765"/>
+              <a:ext cx="1598013" cy="2130682"/>
+            </a:xfrm>
+            <a:prstGeom prst="rect">
+              <a:avLst/>
+            </a:prstGeom>
+          </p:spPr>
+        </p:pic>
+        <p:pic>
+          <p:nvPicPr>
+            <p:cNvPr id="7" name="Image 6">
+              <a:extLst>
+                <a:ext uri="{FF2B5EF4-FFF2-40B4-BE49-F238E27FC236}">
+                  <a16:creationId xmlns:a16="http://schemas.microsoft.com/office/drawing/2014/main" id="{67029098-5054-73DE-7AE0-917E0EE843FB}"/>
+                </a:ext>
+              </a:extLst>
+            </p:cNvPr>
+            <p:cNvPicPr>
+              <a:picLocks noChangeAspect="1"/>
+            </p:cNvPicPr>
+            <p:nvPr/>
+          </p:nvPicPr>
+          <p:blipFill>
+            <a:blip r:embed="rId12"/>
+            <a:stretch>
+              <a:fillRect/>
+            </a:stretch>
+          </p:blipFill>
+          <p:spPr>
+            <a:xfrm>
+              <a:off x="4705757" y="2289858"/>
+              <a:ext cx="1523693" cy="2031589"/>
+            </a:xfrm>
+            <a:prstGeom prst="rect">
+              <a:avLst/>
+            </a:prstGeom>
+          </p:spPr>
+        </p:pic>
+        <p:pic>
+          <p:nvPicPr>
+            <p:cNvPr id="8" name="Image 7">
+              <a:extLst>
+                <a:ext uri="{FF2B5EF4-FFF2-40B4-BE49-F238E27FC236}">
+                  <a16:creationId xmlns:a16="http://schemas.microsoft.com/office/drawing/2014/main" id="{40D6F247-6190-4B19-97C6-BDB4B9D598F8}"/>
+                </a:ext>
+              </a:extLst>
+            </p:cNvPr>
+            <p:cNvPicPr>
+              <a:picLocks noChangeAspect="1"/>
+            </p:cNvPicPr>
+            <p:nvPr/>
+          </p:nvPicPr>
+          <p:blipFill>
+            <a:blip r:embed="rId13"/>
+            <a:stretch>
+              <a:fillRect/>
+            </a:stretch>
+          </p:blipFill>
+          <p:spPr>
+            <a:xfrm>
+              <a:off x="6724316" y="3150406"/>
+              <a:ext cx="1332415" cy="786607"/>
+            </a:xfrm>
+            <a:prstGeom prst="rect">
+              <a:avLst/>
+            </a:prstGeom>
+          </p:spPr>
+        </p:pic>
+        <p:pic>
+          <p:nvPicPr>
+            <p:cNvPr id="13" name="Image 12">
+              <a:extLst>
+                <a:ext uri="{FF2B5EF4-FFF2-40B4-BE49-F238E27FC236}">
+                  <a16:creationId xmlns:a16="http://schemas.microsoft.com/office/drawing/2014/main" id="{DFD10226-8E1A-735B-8D96-2E3C6287D57C}"/>
+                </a:ext>
+              </a:extLst>
+            </p:cNvPr>
+            <p:cNvPicPr>
+              <a:picLocks noChangeAspect="1"/>
+            </p:cNvPicPr>
+            <p:nvPr/>
+          </p:nvPicPr>
+          <p:blipFill>
+            <a:blip r:embed="rId14"/>
+            <a:stretch>
+              <a:fillRect/>
+            </a:stretch>
+          </p:blipFill>
+          <p:spPr>
+            <a:xfrm>
+              <a:off x="8329290" y="3150406"/>
+              <a:ext cx="1332416" cy="786607"/>
+            </a:xfrm>
+            <a:prstGeom prst="rect">
+              <a:avLst/>
+            </a:prstGeom>
+          </p:spPr>
+        </p:pic>
+        <p:grpSp>
+          <p:nvGrpSpPr>
+            <p:cNvPr id="14" name="Groupe 13">
+              <a:extLst>
+                <a:ext uri="{FF2B5EF4-FFF2-40B4-BE49-F238E27FC236}">
+                  <a16:creationId xmlns:a16="http://schemas.microsoft.com/office/drawing/2014/main" id="{A7190C45-F819-2848-DFAE-B70310B152AC}"/>
+                </a:ext>
+              </a:extLst>
+            </p:cNvPr>
+            <p:cNvGrpSpPr/>
+            <p:nvPr/>
+          </p:nvGrpSpPr>
+          <p:grpSpPr>
+            <a:xfrm>
+              <a:off x="9777672" y="5572186"/>
+              <a:ext cx="878645" cy="738062"/>
+              <a:chOff x="1060233" y="4235219"/>
+              <a:chExt cx="878645" cy="738062"/>
+            </a:xfrm>
+          </p:grpSpPr>
+          <p:pic>
+            <p:nvPicPr>
+              <p:cNvPr id="36" name="Image 35">
+                <a:extLst>
+                  <a:ext uri="{FF2B5EF4-FFF2-40B4-BE49-F238E27FC236}">
+                    <a16:creationId xmlns:a16="http://schemas.microsoft.com/office/drawing/2014/main" id="{97EBBB5E-EAFC-E54E-8112-BD3A8A2E46D4}"/>
+                  </a:ext>
+                </a:extLst>
+              </p:cNvPr>
+              <p:cNvPicPr>
+                <a:picLocks noChangeAspect="1"/>
+              </p:cNvPicPr>
+              <p:nvPr/>
+            </p:nvPicPr>
+            <p:blipFill>
+              <a:blip r:embed="rId15"/>
+              <a:stretch>
+                <a:fillRect/>
+              </a:stretch>
+            </p:blipFill>
+            <p:spPr>
+              <a:xfrm>
+                <a:off x="1060233" y="4235219"/>
+                <a:ext cx="878645" cy="738062"/>
+              </a:xfrm>
+              <a:prstGeom prst="rect">
+                <a:avLst/>
+              </a:prstGeom>
+            </p:spPr>
+          </p:pic>
+          <p:sp>
+            <p:nvSpPr>
+              <p:cNvPr id="37" name="Ellipse 36">
+                <a:extLst>
+                  <a:ext uri="{FF2B5EF4-FFF2-40B4-BE49-F238E27FC236}">
+                    <a16:creationId xmlns:a16="http://schemas.microsoft.com/office/drawing/2014/main" id="{F7C6E31A-3E11-187F-E466-483FC37CAACF}"/>
+                  </a:ext>
+                </a:extLst>
+              </p:cNvPr>
+              <p:cNvSpPr/>
+              <p:nvPr/>
+            </p:nvSpPr>
+            <p:spPr>
+              <a:xfrm>
+                <a:off x="1251674" y="4381499"/>
+                <a:ext cx="518600" cy="209929"/>
+              </a:xfrm>
+              <a:prstGeom prst="ellipse">
+                <a:avLst/>
+              </a:prstGeom>
+              <a:solidFill>
+                <a:srgbClr val="00C3FF"/>
+              </a:solidFill>
+              <a:ln>
+                <a:noFill/>
+              </a:ln>
+            </p:spPr>
+            <p:style>
+              <a:lnRef idx="2">
+                <a:schemeClr val="accent1">
+                  <a:shade val="50000"/>
+                </a:schemeClr>
+              </a:lnRef>
+              <a:fillRef idx="1">
+                <a:schemeClr val="accent1"/>
+              </a:fillRef>
+              <a:effectRef idx="0">
+                <a:schemeClr val="accent1"/>
+              </a:effectRef>
+              <a:fontRef idx="minor">
+                <a:schemeClr val="lt1"/>
+              </a:fontRef>
+            </p:style>
+            <p:txBody>
+              <a:bodyPr rtlCol="0" anchor="ctr"/>
+              <a:lstStyle/>
+              <a:p>
+                <a:pPr algn="ctr"/>
+                <a:endParaRPr lang="fr-CA" dirty="0"/>
+              </a:p>
+            </p:txBody>
+          </p:sp>
+        </p:grpSp>
+        <p:grpSp>
+          <p:nvGrpSpPr>
+            <p:cNvPr id="15" name="Groupe 14">
+              <a:extLst>
+                <a:ext uri="{FF2B5EF4-FFF2-40B4-BE49-F238E27FC236}">
+                  <a16:creationId xmlns:a16="http://schemas.microsoft.com/office/drawing/2014/main" id="{D8FE40AC-41D5-9BDE-116B-9D91BCE7DB4C}"/>
+                </a:ext>
+              </a:extLst>
+            </p:cNvPr>
+            <p:cNvGrpSpPr/>
+            <p:nvPr/>
+          </p:nvGrpSpPr>
+          <p:grpSpPr>
+            <a:xfrm>
+              <a:off x="9031530" y="4970020"/>
+              <a:ext cx="883255" cy="738062"/>
+              <a:chOff x="1043527" y="5056143"/>
+              <a:chExt cx="883255" cy="738062"/>
+            </a:xfrm>
+          </p:grpSpPr>
+          <p:pic>
+            <p:nvPicPr>
+              <p:cNvPr id="34" name="Image 33">
+                <a:extLst>
+                  <a:ext uri="{FF2B5EF4-FFF2-40B4-BE49-F238E27FC236}">
+                    <a16:creationId xmlns:a16="http://schemas.microsoft.com/office/drawing/2014/main" id="{C14F3456-CFC4-CC63-6639-ECC995C68D50}"/>
+                  </a:ext>
+                </a:extLst>
+              </p:cNvPr>
+              <p:cNvPicPr>
+                <a:picLocks noChangeAspect="1"/>
+              </p:cNvPicPr>
+              <p:nvPr/>
+            </p:nvPicPr>
+            <p:blipFill>
+              <a:blip r:embed="rId16"/>
+              <a:stretch>
+                <a:fillRect/>
+              </a:stretch>
+            </p:blipFill>
+            <p:spPr>
+              <a:xfrm>
+                <a:off x="1043527" y="5056143"/>
+                <a:ext cx="883255" cy="738062"/>
+              </a:xfrm>
+              <a:prstGeom prst="rect">
+                <a:avLst/>
+              </a:prstGeom>
+            </p:spPr>
+          </p:pic>
+          <p:sp>
+            <p:nvSpPr>
+              <p:cNvPr id="35" name="Ellipse 34">
+                <a:extLst>
+                  <a:ext uri="{FF2B5EF4-FFF2-40B4-BE49-F238E27FC236}">
+                    <a16:creationId xmlns:a16="http://schemas.microsoft.com/office/drawing/2014/main" id="{451535AF-887C-E1F2-5DA5-F15BDAD8CBAD}"/>
+                  </a:ext>
+                </a:extLst>
+              </p:cNvPr>
+              <p:cNvSpPr/>
+              <p:nvPr/>
+            </p:nvSpPr>
+            <p:spPr>
+              <a:xfrm>
+                <a:off x="1230346" y="5182756"/>
+                <a:ext cx="545434" cy="235636"/>
+              </a:xfrm>
+              <a:prstGeom prst="ellipse">
+                <a:avLst/>
+              </a:prstGeom>
+              <a:solidFill>
+                <a:srgbClr val="FF0013"/>
+              </a:solidFill>
+              <a:ln>
+                <a:noFill/>
+              </a:ln>
+            </p:spPr>
+            <p:style>
+              <a:lnRef idx="2">
+                <a:schemeClr val="accent1">
+                  <a:shade val="50000"/>
+                </a:schemeClr>
+              </a:lnRef>
+              <a:fillRef idx="1">
+                <a:schemeClr val="accent1"/>
+              </a:fillRef>
+              <a:effectRef idx="0">
+                <a:schemeClr val="accent1"/>
+              </a:effectRef>
+              <a:fontRef idx="minor">
+                <a:schemeClr val="lt1"/>
+              </a:fontRef>
+            </p:style>
+            <p:txBody>
+              <a:bodyPr rtlCol="0" anchor="ctr"/>
+              <a:lstStyle/>
+              <a:p>
+                <a:pPr algn="ctr"/>
+                <a:endParaRPr lang="fr-CA"/>
+              </a:p>
+            </p:txBody>
+          </p:sp>
+        </p:grpSp>
+        <p:grpSp>
+          <p:nvGrpSpPr>
+            <p:cNvPr id="16" name="Groupe 15">
+              <a:extLst>
+                <a:ext uri="{FF2B5EF4-FFF2-40B4-BE49-F238E27FC236}">
+                  <a16:creationId xmlns:a16="http://schemas.microsoft.com/office/drawing/2014/main" id="{990B3FCE-5D08-C7E6-C3C2-C5132DB6A9ED}"/>
+                </a:ext>
+              </a:extLst>
+            </p:cNvPr>
+            <p:cNvGrpSpPr/>
+            <p:nvPr/>
+          </p:nvGrpSpPr>
+          <p:grpSpPr>
+            <a:xfrm>
+              <a:off x="10527209" y="4950282"/>
+              <a:ext cx="993578" cy="803028"/>
+              <a:chOff x="2015854" y="4197674"/>
+              <a:chExt cx="993578" cy="803028"/>
+            </a:xfrm>
+          </p:grpSpPr>
+          <p:pic>
+            <p:nvPicPr>
+              <p:cNvPr id="32" name="Image 31">
+                <a:extLst>
+                  <a:ext uri="{FF2B5EF4-FFF2-40B4-BE49-F238E27FC236}">
+                    <a16:creationId xmlns:a16="http://schemas.microsoft.com/office/drawing/2014/main" id="{66CD580C-71EA-4CA9-6225-E838A18383F3}"/>
+                  </a:ext>
+                </a:extLst>
+              </p:cNvPr>
+              <p:cNvPicPr>
+                <a:picLocks noChangeAspect="1"/>
+              </p:cNvPicPr>
+              <p:nvPr/>
+            </p:nvPicPr>
+            <p:blipFill>
+              <a:blip r:embed="rId17"/>
+              <a:stretch>
+                <a:fillRect/>
+              </a:stretch>
+            </p:blipFill>
+            <p:spPr>
+              <a:xfrm>
+                <a:off x="2015854" y="4197674"/>
+                <a:ext cx="993578" cy="803028"/>
+              </a:xfrm>
+              <a:prstGeom prst="rect">
+                <a:avLst/>
+              </a:prstGeom>
+            </p:spPr>
+          </p:pic>
+          <p:sp>
+            <p:nvSpPr>
+              <p:cNvPr id="33" name="Ellipse 32">
+                <a:extLst>
+                  <a:ext uri="{FF2B5EF4-FFF2-40B4-BE49-F238E27FC236}">
+                    <a16:creationId xmlns:a16="http://schemas.microsoft.com/office/drawing/2014/main" id="{2D08F353-8DB8-BA47-3692-C5D14824BBFB}"/>
+                  </a:ext>
+                </a:extLst>
+              </p:cNvPr>
+              <p:cNvSpPr/>
+              <p:nvPr/>
+            </p:nvSpPr>
+            <p:spPr>
+              <a:xfrm>
+                <a:off x="2290762" y="4381500"/>
+                <a:ext cx="506773" cy="238738"/>
+              </a:xfrm>
+              <a:prstGeom prst="ellipse">
+                <a:avLst/>
+              </a:prstGeom>
+              <a:solidFill>
+                <a:srgbClr val="FFC200"/>
+              </a:solidFill>
+              <a:ln>
+                <a:noFill/>
+              </a:ln>
+            </p:spPr>
+            <p:style>
+              <a:lnRef idx="2">
+                <a:schemeClr val="accent1">
+                  <a:shade val="50000"/>
+                </a:schemeClr>
+              </a:lnRef>
+              <a:fillRef idx="1">
+                <a:schemeClr val="accent1"/>
+              </a:fillRef>
+              <a:effectRef idx="0">
+                <a:schemeClr val="accent1"/>
+              </a:effectRef>
+              <a:fontRef idx="minor">
+                <a:schemeClr val="lt1"/>
+              </a:fontRef>
+            </p:style>
+            <p:txBody>
+              <a:bodyPr rtlCol="0" anchor="ctr"/>
+              <a:lstStyle/>
+              <a:p>
+                <a:pPr algn="ctr"/>
+                <a:endParaRPr lang="fr-CA"/>
+              </a:p>
+            </p:txBody>
+          </p:sp>
+        </p:grpSp>
+        <p:grpSp>
+          <p:nvGrpSpPr>
+            <p:cNvPr id="17" name="Groupe 16">
+              <a:extLst>
+                <a:ext uri="{FF2B5EF4-FFF2-40B4-BE49-F238E27FC236}">
+                  <a16:creationId xmlns:a16="http://schemas.microsoft.com/office/drawing/2014/main" id="{9B7C95FA-249C-682C-59D6-C4BE6DFE77F5}"/>
+                </a:ext>
+              </a:extLst>
+            </p:cNvPr>
+            <p:cNvGrpSpPr/>
+            <p:nvPr/>
+          </p:nvGrpSpPr>
+          <p:grpSpPr>
+            <a:xfrm>
+              <a:off x="9802268" y="4342637"/>
+              <a:ext cx="931003" cy="876238"/>
+              <a:chOff x="2100229" y="4973281"/>
+              <a:chExt cx="931003" cy="876238"/>
+            </a:xfrm>
+          </p:grpSpPr>
+          <p:pic>
+            <p:nvPicPr>
+              <p:cNvPr id="30" name="Image 29">
+                <a:extLst>
+                  <a:ext uri="{FF2B5EF4-FFF2-40B4-BE49-F238E27FC236}">
+                    <a16:creationId xmlns:a16="http://schemas.microsoft.com/office/drawing/2014/main" id="{6D43CC01-FEFC-4F7E-2AE6-5BD59C489796}"/>
+                  </a:ext>
+                </a:extLst>
+              </p:cNvPr>
+              <p:cNvPicPr>
+                <a:picLocks noChangeAspect="1"/>
+              </p:cNvPicPr>
+              <p:nvPr/>
+            </p:nvPicPr>
+            <p:blipFill>
+              <a:blip r:embed="rId18"/>
+              <a:stretch>
+                <a:fillRect/>
+              </a:stretch>
+            </p:blipFill>
+            <p:spPr>
+              <a:xfrm>
+                <a:off x="2100229" y="4973281"/>
+                <a:ext cx="931003" cy="876238"/>
+              </a:xfrm>
+              <a:prstGeom prst="rect">
+                <a:avLst/>
+              </a:prstGeom>
+            </p:spPr>
+          </p:pic>
+          <p:sp>
+            <p:nvSpPr>
+              <p:cNvPr id="31" name="Ellipse 30">
+                <a:extLst>
+                  <a:ext uri="{FF2B5EF4-FFF2-40B4-BE49-F238E27FC236}">
+                    <a16:creationId xmlns:a16="http://schemas.microsoft.com/office/drawing/2014/main" id="{D244E424-E5B9-8E71-323C-BC24FB796FCD}"/>
+                  </a:ext>
+                </a:extLst>
+              </p:cNvPr>
+              <p:cNvSpPr/>
+              <p:nvPr/>
+            </p:nvSpPr>
+            <p:spPr>
+              <a:xfrm>
+                <a:off x="2290762" y="5160209"/>
+                <a:ext cx="545434" cy="235636"/>
+              </a:xfrm>
+              <a:prstGeom prst="ellipse">
+                <a:avLst/>
+              </a:prstGeom>
+              <a:solidFill>
+                <a:srgbClr val="05D305"/>
+              </a:solidFill>
+              <a:ln>
+                <a:noFill/>
+              </a:ln>
+            </p:spPr>
+            <p:style>
+              <a:lnRef idx="2">
+                <a:schemeClr val="accent1">
+                  <a:shade val="50000"/>
+                </a:schemeClr>
+              </a:lnRef>
+              <a:fillRef idx="1">
+                <a:schemeClr val="accent1"/>
+              </a:fillRef>
+              <a:effectRef idx="0">
+                <a:schemeClr val="accent1"/>
+              </a:effectRef>
+              <a:fontRef idx="minor">
+                <a:schemeClr val="lt1"/>
+              </a:fontRef>
+            </p:style>
+            <p:txBody>
+              <a:bodyPr rtlCol="0" anchor="ctr"/>
+              <a:lstStyle/>
+              <a:p>
+                <a:pPr algn="ctr"/>
+                <a:endParaRPr lang="fr-CA" dirty="0"/>
+              </a:p>
+            </p:txBody>
+          </p:sp>
+        </p:grpSp>
+        <p:grpSp>
+          <p:nvGrpSpPr>
+            <p:cNvPr id="18" name="Groupe 17">
+              <a:extLst>
+                <a:ext uri="{FF2B5EF4-FFF2-40B4-BE49-F238E27FC236}">
+                  <a16:creationId xmlns:a16="http://schemas.microsoft.com/office/drawing/2014/main" id="{D4EE5FCB-E448-E699-A916-E7B2EB48EDA1}"/>
+                </a:ext>
+              </a:extLst>
+            </p:cNvPr>
+            <p:cNvGrpSpPr/>
+            <p:nvPr/>
+          </p:nvGrpSpPr>
+          <p:grpSpPr>
+            <a:xfrm>
+              <a:off x="5768717" y="5572186"/>
+              <a:ext cx="878645" cy="738062"/>
+              <a:chOff x="1060233" y="4235219"/>
+              <a:chExt cx="878645" cy="738062"/>
+            </a:xfrm>
+          </p:grpSpPr>
+          <p:pic>
+            <p:nvPicPr>
+              <p:cNvPr id="28" name="Image 27">
+                <a:extLst>
+                  <a:ext uri="{FF2B5EF4-FFF2-40B4-BE49-F238E27FC236}">
+                    <a16:creationId xmlns:a16="http://schemas.microsoft.com/office/drawing/2014/main" id="{AEF6976F-014E-49A4-D08D-5D4F4F19D8A8}"/>
+                  </a:ext>
+                </a:extLst>
+              </p:cNvPr>
+              <p:cNvPicPr>
+                <a:picLocks noChangeAspect="1"/>
+              </p:cNvPicPr>
+              <p:nvPr/>
+            </p:nvPicPr>
+            <p:blipFill>
+              <a:blip r:embed="rId15"/>
+              <a:stretch>
+                <a:fillRect/>
+              </a:stretch>
+            </p:blipFill>
+            <p:spPr>
+              <a:xfrm>
+                <a:off x="1060233" y="4235219"/>
+                <a:ext cx="878645" cy="738062"/>
+              </a:xfrm>
+              <a:prstGeom prst="rect">
+                <a:avLst/>
+              </a:prstGeom>
+            </p:spPr>
+          </p:pic>
+          <p:sp>
+            <p:nvSpPr>
+              <p:cNvPr id="29" name="Ellipse 28">
+                <a:extLst>
+                  <a:ext uri="{FF2B5EF4-FFF2-40B4-BE49-F238E27FC236}">
+                    <a16:creationId xmlns:a16="http://schemas.microsoft.com/office/drawing/2014/main" id="{256DC639-FA3A-A841-7BF2-565F15937290}"/>
+                  </a:ext>
+                </a:extLst>
+              </p:cNvPr>
+              <p:cNvSpPr/>
+              <p:nvPr/>
+            </p:nvSpPr>
+            <p:spPr>
+              <a:xfrm>
+                <a:off x="1251674" y="4381499"/>
+                <a:ext cx="518600" cy="209929"/>
+              </a:xfrm>
+              <a:prstGeom prst="ellipse">
+                <a:avLst/>
+              </a:prstGeom>
+              <a:solidFill>
+                <a:srgbClr val="00C3FF"/>
+              </a:solidFill>
+              <a:ln>
+                <a:noFill/>
+              </a:ln>
+            </p:spPr>
+            <p:style>
+              <a:lnRef idx="2">
+                <a:schemeClr val="accent1">
+                  <a:shade val="50000"/>
+                </a:schemeClr>
+              </a:lnRef>
+              <a:fillRef idx="1">
+                <a:schemeClr val="accent1"/>
+              </a:fillRef>
+              <a:effectRef idx="0">
+                <a:schemeClr val="accent1"/>
+              </a:effectRef>
+              <a:fontRef idx="minor">
+                <a:schemeClr val="lt1"/>
+              </a:fontRef>
+            </p:style>
+            <p:txBody>
+              <a:bodyPr rtlCol="0" anchor="ctr"/>
+              <a:lstStyle/>
+              <a:p>
+                <a:pPr algn="ctr"/>
+                <a:endParaRPr lang="fr-CA" dirty="0"/>
+              </a:p>
+            </p:txBody>
+          </p:sp>
+        </p:grpSp>
+        <p:grpSp>
+          <p:nvGrpSpPr>
+            <p:cNvPr id="19" name="Groupe 18">
+              <a:extLst>
+                <a:ext uri="{FF2B5EF4-FFF2-40B4-BE49-F238E27FC236}">
+                  <a16:creationId xmlns:a16="http://schemas.microsoft.com/office/drawing/2014/main" id="{707FD325-5A50-FE63-CD58-D8DA91E9211D}"/>
+                </a:ext>
+              </a:extLst>
+            </p:cNvPr>
+            <p:cNvGrpSpPr/>
+            <p:nvPr/>
+          </p:nvGrpSpPr>
+          <p:grpSpPr>
+            <a:xfrm>
+              <a:off x="5022575" y="4970020"/>
+              <a:ext cx="883255" cy="738062"/>
+              <a:chOff x="1043527" y="5056143"/>
+              <a:chExt cx="883255" cy="738062"/>
+            </a:xfrm>
+          </p:grpSpPr>
+          <p:pic>
+            <p:nvPicPr>
+              <p:cNvPr id="26" name="Image 25">
+                <a:extLst>
+                  <a:ext uri="{FF2B5EF4-FFF2-40B4-BE49-F238E27FC236}">
+                    <a16:creationId xmlns:a16="http://schemas.microsoft.com/office/drawing/2014/main" id="{67E8C007-4A17-339E-6C06-D047D19FFF03}"/>
+                  </a:ext>
+                </a:extLst>
+              </p:cNvPr>
+              <p:cNvPicPr>
+                <a:picLocks noChangeAspect="1"/>
+              </p:cNvPicPr>
+              <p:nvPr/>
+            </p:nvPicPr>
+            <p:blipFill>
+              <a:blip r:embed="rId16"/>
+              <a:stretch>
+                <a:fillRect/>
+              </a:stretch>
+            </p:blipFill>
+            <p:spPr>
+              <a:xfrm>
+                <a:off x="1043527" y="5056143"/>
+                <a:ext cx="883255" cy="738062"/>
+              </a:xfrm>
+              <a:prstGeom prst="rect">
+                <a:avLst/>
+              </a:prstGeom>
+            </p:spPr>
+          </p:pic>
+          <p:sp>
+            <p:nvSpPr>
+              <p:cNvPr id="27" name="Ellipse 26">
+                <a:extLst>
+                  <a:ext uri="{FF2B5EF4-FFF2-40B4-BE49-F238E27FC236}">
+                    <a16:creationId xmlns:a16="http://schemas.microsoft.com/office/drawing/2014/main" id="{D2CC972C-A381-348C-6526-D1BA40A21026}"/>
+                  </a:ext>
+                </a:extLst>
+              </p:cNvPr>
+              <p:cNvSpPr/>
+              <p:nvPr/>
+            </p:nvSpPr>
+            <p:spPr>
+              <a:xfrm>
+                <a:off x="1230346" y="5182756"/>
+                <a:ext cx="545434" cy="235636"/>
+              </a:xfrm>
+              <a:prstGeom prst="ellipse">
+                <a:avLst/>
+              </a:prstGeom>
+              <a:solidFill>
+                <a:srgbClr val="FF0013"/>
+              </a:solidFill>
+              <a:ln>
+                <a:noFill/>
+              </a:ln>
+            </p:spPr>
+            <p:style>
+              <a:lnRef idx="2">
+                <a:schemeClr val="accent1">
+                  <a:shade val="50000"/>
+                </a:schemeClr>
+              </a:lnRef>
+              <a:fillRef idx="1">
+                <a:schemeClr val="accent1"/>
+              </a:fillRef>
+              <a:effectRef idx="0">
+                <a:schemeClr val="accent1"/>
+              </a:effectRef>
+              <a:fontRef idx="minor">
+                <a:schemeClr val="lt1"/>
+              </a:fontRef>
+            </p:style>
+            <p:txBody>
+              <a:bodyPr rtlCol="0" anchor="ctr"/>
+              <a:lstStyle/>
+              <a:p>
+                <a:pPr algn="ctr"/>
+                <a:endParaRPr lang="fr-CA"/>
+              </a:p>
+            </p:txBody>
+          </p:sp>
+        </p:grpSp>
+        <p:grpSp>
+          <p:nvGrpSpPr>
+            <p:cNvPr id="20" name="Groupe 19">
+              <a:extLst>
+                <a:ext uri="{FF2B5EF4-FFF2-40B4-BE49-F238E27FC236}">
+                  <a16:creationId xmlns:a16="http://schemas.microsoft.com/office/drawing/2014/main" id="{03E30C32-BFB2-19F6-81EC-CF9E4881FA67}"/>
+                </a:ext>
+              </a:extLst>
+            </p:cNvPr>
+            <p:cNvGrpSpPr/>
+            <p:nvPr/>
+          </p:nvGrpSpPr>
+          <p:grpSpPr>
+            <a:xfrm>
+              <a:off x="6518254" y="4950282"/>
+              <a:ext cx="993578" cy="803028"/>
+              <a:chOff x="2015854" y="4197674"/>
+              <a:chExt cx="993578" cy="803028"/>
+            </a:xfrm>
+          </p:grpSpPr>
+          <p:pic>
+            <p:nvPicPr>
+              <p:cNvPr id="24" name="Image 23">
+                <a:extLst>
+                  <a:ext uri="{FF2B5EF4-FFF2-40B4-BE49-F238E27FC236}">
+                    <a16:creationId xmlns:a16="http://schemas.microsoft.com/office/drawing/2014/main" id="{728557F6-1AB7-D0FD-0571-1F41AB146A29}"/>
+                  </a:ext>
+                </a:extLst>
+              </p:cNvPr>
+              <p:cNvPicPr>
+                <a:picLocks noChangeAspect="1"/>
+              </p:cNvPicPr>
+              <p:nvPr/>
+            </p:nvPicPr>
+            <p:blipFill>
+              <a:blip r:embed="rId17"/>
+              <a:stretch>
+                <a:fillRect/>
+              </a:stretch>
+            </p:blipFill>
+            <p:spPr>
+              <a:xfrm>
+                <a:off x="2015854" y="4197674"/>
+                <a:ext cx="993578" cy="803028"/>
+              </a:xfrm>
+              <a:prstGeom prst="rect">
+                <a:avLst/>
+              </a:prstGeom>
+            </p:spPr>
+          </p:pic>
+          <p:sp>
+            <p:nvSpPr>
+              <p:cNvPr id="25" name="Ellipse 24">
+                <a:extLst>
+                  <a:ext uri="{FF2B5EF4-FFF2-40B4-BE49-F238E27FC236}">
+                    <a16:creationId xmlns:a16="http://schemas.microsoft.com/office/drawing/2014/main" id="{DCB50308-9554-EDFD-5B64-24286D002B3E}"/>
+                  </a:ext>
+                </a:extLst>
+              </p:cNvPr>
+              <p:cNvSpPr/>
+              <p:nvPr/>
+            </p:nvSpPr>
+            <p:spPr>
+              <a:xfrm>
+                <a:off x="2290762" y="4381500"/>
+                <a:ext cx="506773" cy="238738"/>
+              </a:xfrm>
+              <a:prstGeom prst="ellipse">
+                <a:avLst/>
+              </a:prstGeom>
+              <a:solidFill>
+                <a:srgbClr val="FFC200"/>
+              </a:solidFill>
+              <a:ln>
+                <a:noFill/>
+              </a:ln>
+            </p:spPr>
+            <p:style>
+              <a:lnRef idx="2">
+                <a:schemeClr val="accent1">
+                  <a:shade val="50000"/>
+                </a:schemeClr>
+              </a:lnRef>
+              <a:fillRef idx="1">
+                <a:schemeClr val="accent1"/>
+              </a:fillRef>
+              <a:effectRef idx="0">
+                <a:schemeClr val="accent1"/>
+              </a:effectRef>
+              <a:fontRef idx="minor">
+                <a:schemeClr val="lt1"/>
+              </a:fontRef>
+            </p:style>
+            <p:txBody>
+              <a:bodyPr rtlCol="0" anchor="ctr"/>
+              <a:lstStyle/>
+              <a:p>
+                <a:pPr algn="ctr"/>
+                <a:endParaRPr lang="fr-CA"/>
+              </a:p>
+            </p:txBody>
+          </p:sp>
+        </p:grpSp>
+        <p:grpSp>
+          <p:nvGrpSpPr>
+            <p:cNvPr id="21" name="Groupe 20">
+              <a:extLst>
+                <a:ext uri="{FF2B5EF4-FFF2-40B4-BE49-F238E27FC236}">
+                  <a16:creationId xmlns:a16="http://schemas.microsoft.com/office/drawing/2014/main" id="{0DD6B98D-F6BE-79C5-24BC-862A8B53EFA7}"/>
+                </a:ext>
+              </a:extLst>
+            </p:cNvPr>
+            <p:cNvGrpSpPr/>
+            <p:nvPr/>
+          </p:nvGrpSpPr>
+          <p:grpSpPr>
+            <a:xfrm>
+              <a:off x="5793313" y="4342637"/>
+              <a:ext cx="931003" cy="876238"/>
+              <a:chOff x="2100229" y="4973281"/>
+              <a:chExt cx="931003" cy="876238"/>
+            </a:xfrm>
+          </p:grpSpPr>
+          <p:pic>
+            <p:nvPicPr>
+              <p:cNvPr id="22" name="Image 21">
+                <a:extLst>
+                  <a:ext uri="{FF2B5EF4-FFF2-40B4-BE49-F238E27FC236}">
+                    <a16:creationId xmlns:a16="http://schemas.microsoft.com/office/drawing/2014/main" id="{2998A784-786D-4A83-A1D1-3DA465ADCB25}"/>
+                  </a:ext>
+                </a:extLst>
+              </p:cNvPr>
+              <p:cNvPicPr>
+                <a:picLocks noChangeAspect="1"/>
+              </p:cNvPicPr>
+              <p:nvPr/>
+            </p:nvPicPr>
+            <p:blipFill>
+              <a:blip r:embed="rId18"/>
+              <a:stretch>
+                <a:fillRect/>
+              </a:stretch>
+            </p:blipFill>
+            <p:spPr>
+              <a:xfrm>
+                <a:off x="2100229" y="4973281"/>
+                <a:ext cx="931003" cy="876238"/>
+              </a:xfrm>
+              <a:prstGeom prst="rect">
+                <a:avLst/>
+              </a:prstGeom>
+            </p:spPr>
+          </p:pic>
+          <p:sp>
+            <p:nvSpPr>
+              <p:cNvPr id="23" name="Ellipse 22">
+                <a:extLst>
+                  <a:ext uri="{FF2B5EF4-FFF2-40B4-BE49-F238E27FC236}">
+                    <a16:creationId xmlns:a16="http://schemas.microsoft.com/office/drawing/2014/main" id="{9DB66061-1EE7-C86F-67F4-8B888A29E12E}"/>
+                  </a:ext>
+                </a:extLst>
+              </p:cNvPr>
+              <p:cNvSpPr/>
+              <p:nvPr/>
+            </p:nvSpPr>
+            <p:spPr>
+              <a:xfrm>
+                <a:off x="2290762" y="5160209"/>
+                <a:ext cx="545434" cy="235636"/>
+              </a:xfrm>
+              <a:prstGeom prst="ellipse">
+                <a:avLst/>
+              </a:prstGeom>
+              <a:solidFill>
+                <a:srgbClr val="05D305"/>
+              </a:solidFill>
+              <a:ln>
+                <a:noFill/>
+              </a:ln>
+            </p:spPr>
+            <p:style>
+              <a:lnRef idx="2">
+                <a:schemeClr val="accent1">
+                  <a:shade val="50000"/>
+                </a:schemeClr>
+              </a:lnRef>
+              <a:fillRef idx="1">
+                <a:schemeClr val="accent1"/>
+              </a:fillRef>
+              <a:effectRef idx="0">
+                <a:schemeClr val="accent1"/>
+              </a:effectRef>
+              <a:fontRef idx="minor">
+                <a:schemeClr val="lt1"/>
+              </a:fontRef>
+            </p:style>
+            <p:txBody>
+              <a:bodyPr rtlCol="0" anchor="ctr"/>
+              <a:lstStyle/>
+              <a:p>
+                <a:pPr algn="ctr"/>
+                <a:endParaRPr lang="fr-CA" dirty="0"/>
+              </a:p>
+            </p:txBody>
+          </p:sp>
+        </p:grpSp>
+      </p:grpSp>
     </p:spTree>
     <p:extLst>
       <p:ext uri="{BB962C8B-B14F-4D97-AF65-F5344CB8AC3E}">
@@ -6898,7 +10020,7 @@
             <p:nvPr/>
           </p:nvPicPr>
           <p:blipFill>
-            <a:blip r:embed="rId2">
+            <a:blip r:embed="rId3">
               <a:extLst>
                 <a:ext uri="{28A0092B-C50C-407E-A947-70E740481C1C}">
                   <a14:useLocalDpi xmlns:a14="http://schemas.microsoft.com/office/drawing/2010/main" val="0"/>
@@ -6958,7 +10080,7 @@
             <p:nvPr/>
           </p:nvPicPr>
           <p:blipFill>
-            <a:blip r:embed="rId3">
+            <a:blip r:embed="rId4">
               <a:extLst>
                 <a:ext uri="{28A0092B-C50C-407E-A947-70E740481C1C}">
                   <a14:useLocalDpi xmlns:a14="http://schemas.microsoft.com/office/drawing/2010/main" val="0"/>
@@ -6995,7 +10117,7 @@
           <p:nvPr/>
         </p:nvPicPr>
         <p:blipFill>
-          <a:blip r:embed="rId4">
+          <a:blip r:embed="rId5">
             <a:extLst>
               <a:ext uri="{28A0092B-C50C-407E-A947-70E740481C1C}">
                 <a14:useLocalDpi xmlns:a14="http://schemas.microsoft.com/office/drawing/2010/main" val="0"/>
@@ -7031,7 +10153,7 @@
           <p:nvPr/>
         </p:nvPicPr>
         <p:blipFill>
-          <a:blip r:embed="rId5">
+          <a:blip r:embed="rId6">
             <a:extLst>
               <a:ext uri="{28A0092B-C50C-407E-A947-70E740481C1C}">
                 <a14:useLocalDpi xmlns:a14="http://schemas.microsoft.com/office/drawing/2010/main" val="0"/>
@@ -7078,7 +10200,7 @@
           <p:nvPr/>
         </p:nvPicPr>
         <p:blipFill>
-          <a:blip r:embed="rId6">
+          <a:blip r:embed="rId7">
             <a:extLst>
               <a:ext uri="{28A0092B-C50C-407E-A947-70E740481C1C}">
                 <a14:useLocalDpi xmlns:a14="http://schemas.microsoft.com/office/drawing/2010/main" val="0"/>
@@ -7125,7 +10247,7 @@
           <p:nvPr/>
         </p:nvPicPr>
         <p:blipFill>
-          <a:blip r:embed="rId6">
+          <a:blip r:embed="rId7">
             <a:extLst>
               <a:ext uri="{28A0092B-C50C-407E-A947-70E740481C1C}">
                 <a14:useLocalDpi xmlns:a14="http://schemas.microsoft.com/office/drawing/2010/main" val="0"/>
@@ -7256,7 +10378,7 @@
           <p:nvPr/>
         </p:nvPicPr>
         <p:blipFill>
-          <a:blip r:embed="rId7">
+          <a:blip r:embed="rId8">
             <a:extLst>
               <a:ext uri="{28A0092B-C50C-407E-A947-70E740481C1C}">
                 <a14:useLocalDpi xmlns:a14="http://schemas.microsoft.com/office/drawing/2010/main" val="0"/>
@@ -7493,7 +10615,7 @@
             <p:nvPr/>
           </p:nvPicPr>
           <p:blipFill>
-            <a:blip r:embed="rId2">
+            <a:blip r:embed="rId3">
               <a:extLst>
                 <a:ext uri="{28A0092B-C50C-407E-A947-70E740481C1C}">
                   <a14:useLocalDpi xmlns:a14="http://schemas.microsoft.com/office/drawing/2010/main" val="0"/>
@@ -7553,7 +10675,7 @@
             <p:nvPr/>
           </p:nvPicPr>
           <p:blipFill>
-            <a:blip r:embed="rId3">
+            <a:blip r:embed="rId4">
               <a:extLst>
                 <a:ext uri="{28A0092B-C50C-407E-A947-70E740481C1C}">
                   <a14:useLocalDpi xmlns:a14="http://schemas.microsoft.com/office/drawing/2010/main" val="0"/>
@@ -7590,7 +10712,7 @@
           <p:nvPr/>
         </p:nvPicPr>
         <p:blipFill>
-          <a:blip r:embed="rId4">
+          <a:blip r:embed="rId5">
             <a:extLst>
               <a:ext uri="{28A0092B-C50C-407E-A947-70E740481C1C}">
                 <a14:useLocalDpi xmlns:a14="http://schemas.microsoft.com/office/drawing/2010/main" val="0"/>
@@ -7626,7 +10748,7 @@
           <p:nvPr/>
         </p:nvPicPr>
         <p:blipFill>
-          <a:blip r:embed="rId5">
+          <a:blip r:embed="rId6">
             <a:extLst>
               <a:ext uri="{28A0092B-C50C-407E-A947-70E740481C1C}">
                 <a14:useLocalDpi xmlns:a14="http://schemas.microsoft.com/office/drawing/2010/main" val="0"/>
@@ -7673,7 +10795,7 @@
           <p:nvPr/>
         </p:nvPicPr>
         <p:blipFill>
-          <a:blip r:embed="rId6">
+          <a:blip r:embed="rId7">
             <a:extLst>
               <a:ext uri="{28A0092B-C50C-407E-A947-70E740481C1C}">
                 <a14:useLocalDpi xmlns:a14="http://schemas.microsoft.com/office/drawing/2010/main" val="0"/>
@@ -7720,7 +10842,7 @@
           <p:nvPr/>
         </p:nvPicPr>
         <p:blipFill>
-          <a:blip r:embed="rId6">
+          <a:blip r:embed="rId7">
             <a:extLst>
               <a:ext uri="{28A0092B-C50C-407E-A947-70E740481C1C}">
                 <a14:useLocalDpi xmlns:a14="http://schemas.microsoft.com/office/drawing/2010/main" val="0"/>
@@ -7931,7 +11053,7 @@
           <p:nvPr/>
         </p:nvPicPr>
         <p:blipFill>
-          <a:blip r:embed="rId7">
+          <a:blip r:embed="rId8">
             <a:extLst>
               <a:ext uri="{28A0092B-C50C-407E-A947-70E740481C1C}">
                 <a14:useLocalDpi xmlns:a14="http://schemas.microsoft.com/office/drawing/2010/main" val="0"/>
@@ -8083,682 +11205,12 @@
           </a:p>
         </p:txBody>
       </p:sp>
-    </p:spTree>
-    <p:extLst>
-      <p:ext uri="{BB962C8B-B14F-4D97-AF65-F5344CB8AC3E}">
-        <p14:creationId xmlns:p14="http://schemas.microsoft.com/office/powerpoint/2010/main" val="1808145412"/>
-      </p:ext>
-    </p:extLst>
-  </p:cSld>
-  <p:clrMapOvr>
-    <a:masterClrMapping/>
-  </p:clrMapOvr>
-  <mc:AlternateContent xmlns:mc="http://schemas.openxmlformats.org/markup-compatibility/2006" xmlns:p159="http://schemas.microsoft.com/office/powerpoint/2015/09/main">
-    <mc:Choice Requires="p159">
-      <p:transition xmlns:p14="http://schemas.microsoft.com/office/powerpoint/2010/main" spd="slow" p14:dur="2000">
-        <p159:morph option="byObject"/>
-      </p:transition>
-    </mc:Choice>
-    <mc:Fallback xmlns="">
-      <p:transition spd="slow">
-        <p:fade/>
-      </p:transition>
-    </mc:Fallback>
-  </mc:AlternateContent>
-</p:sld>
-</file>
-
-<file path=ppt/slides/slide6.xml><?xml version="1.0" encoding="utf-8"?>
-<p:sld xmlns:a="http://schemas.openxmlformats.org/drawingml/2006/main" xmlns:r="http://schemas.openxmlformats.org/officeDocument/2006/relationships" xmlns:p="http://schemas.openxmlformats.org/presentationml/2006/main">
-  <p:cSld>
-    <p:bg>
-      <p:bgPr>
-        <a:solidFill>
-          <a:srgbClr val="EF4C45"/>
-        </a:solidFill>
-        <a:effectLst/>
-      </p:bgPr>
-    </p:bg>
-    <p:spTree>
-      <p:nvGrpSpPr>
-        <p:cNvPr id="1" name=""/>
-        <p:cNvGrpSpPr/>
-        <p:nvPr/>
-      </p:nvGrpSpPr>
-      <p:grpSpPr>
-        <a:xfrm>
-          <a:off x="0" y="0"/>
-          <a:ext cx="0" cy="0"/>
-          <a:chOff x="0" y="0"/>
-          <a:chExt cx="0" cy="0"/>
-        </a:xfrm>
-      </p:grpSpPr>
-      <p:sp>
-        <p:nvSpPr>
-          <p:cNvPr id="5" name="Triangle rectangle 4">
-            <a:extLst>
-              <a:ext uri="{FF2B5EF4-FFF2-40B4-BE49-F238E27FC236}">
-                <a16:creationId xmlns:a16="http://schemas.microsoft.com/office/drawing/2014/main" id="{B39C6BC1-67CF-3206-C064-66426029E4E5}"/>
-              </a:ext>
-            </a:extLst>
-          </p:cNvPr>
-          <p:cNvSpPr/>
-          <p:nvPr/>
-        </p:nvSpPr>
-        <p:spPr>
-          <a:xfrm rot="10800000" flipV="1">
-            <a:off x="3638550" y="6380549"/>
-            <a:ext cx="12192000" cy="6612850"/>
-          </a:xfrm>
-          <a:prstGeom prst="rtTriangle">
-            <a:avLst/>
-          </a:prstGeom>
-          <a:solidFill>
-            <a:srgbClr val="2A7507"/>
-          </a:solidFill>
-        </p:spPr>
-        <p:style>
-          <a:lnRef idx="3">
-            <a:schemeClr val="lt1"/>
-          </a:lnRef>
-          <a:fillRef idx="1">
-            <a:schemeClr val="accent2"/>
-          </a:fillRef>
-          <a:effectRef idx="1">
-            <a:schemeClr val="accent2"/>
-          </a:effectRef>
-          <a:fontRef idx="minor">
-            <a:schemeClr val="lt1"/>
-          </a:fontRef>
-        </p:style>
-        <p:txBody>
-          <a:bodyPr rtlCol="0" anchor="ctr"/>
-          <a:lstStyle/>
-          <a:p>
-            <a:pPr algn="ctr"/>
-            <a:endParaRPr lang="fr-CA" dirty="0"/>
-          </a:p>
-        </p:txBody>
-      </p:sp>
-      <p:sp>
-        <p:nvSpPr>
-          <p:cNvPr id="2" name="Rectangle 1">
-            <a:extLst>
-              <a:ext uri="{FF2B5EF4-FFF2-40B4-BE49-F238E27FC236}">
-                <a16:creationId xmlns:a16="http://schemas.microsoft.com/office/drawing/2014/main" id="{30861708-0A7B-BA81-4854-FB30052273AB}"/>
-              </a:ext>
-            </a:extLst>
-          </p:cNvPr>
-          <p:cNvSpPr/>
-          <p:nvPr/>
-        </p:nvSpPr>
-        <p:spPr>
-          <a:xfrm rot="19885905">
-            <a:off x="1867695" y="8905247"/>
-            <a:ext cx="14443473" cy="337479"/>
-          </a:xfrm>
-          <a:prstGeom prst="rect">
-            <a:avLst/>
-          </a:prstGeom>
-        </p:spPr>
-        <p:style>
-          <a:lnRef idx="2">
-            <a:schemeClr val="dk1">
-              <a:shade val="50000"/>
-            </a:schemeClr>
-          </a:lnRef>
-          <a:fillRef idx="1">
-            <a:schemeClr val="dk1"/>
-          </a:fillRef>
-          <a:effectRef idx="0">
-            <a:schemeClr val="dk1"/>
-          </a:effectRef>
-          <a:fontRef idx="minor">
-            <a:schemeClr val="lt1"/>
-          </a:fontRef>
-        </p:style>
-        <p:txBody>
-          <a:bodyPr rtlCol="0" anchor="ctr"/>
-          <a:lstStyle/>
-          <a:p>
-            <a:pPr algn="ctr"/>
-            <a:endParaRPr lang="fr-CA"/>
-          </a:p>
-        </p:txBody>
-      </p:sp>
-      <p:pic>
-        <p:nvPicPr>
-          <p:cNvPr id="4098" name="Picture 2" descr="Xbox - Free logo icons">
-            <a:extLst>
-              <a:ext uri="{FF2B5EF4-FFF2-40B4-BE49-F238E27FC236}">
-                <a16:creationId xmlns:a16="http://schemas.microsoft.com/office/drawing/2014/main" id="{6EB7EFAA-730E-0B33-ADA2-AD2DC395C01B}"/>
-              </a:ext>
-            </a:extLst>
-          </p:cNvPr>
-          <p:cNvPicPr>
-            <a:picLocks noChangeAspect="1" noChangeArrowheads="1"/>
-          </p:cNvPicPr>
-          <p:nvPr/>
-        </p:nvPicPr>
-        <p:blipFill>
-          <a:blip r:embed="rId2">
-            <a:extLst>
-              <a:ext uri="{28A0092B-C50C-407E-A947-70E740481C1C}">
-                <a14:useLocalDpi xmlns:a14="http://schemas.microsoft.com/office/drawing/2010/main" val="0"/>
-              </a:ext>
-            </a:extLst>
-          </a:blip>
-          <a:srcRect/>
-          <a:stretch>
-            <a:fillRect/>
-          </a:stretch>
-        </p:blipFill>
-        <p:spPr bwMode="auto">
-          <a:xfrm>
-            <a:off x="14615233" y="1555888"/>
-            <a:ext cx="3332464" cy="3332464"/>
-          </a:xfrm>
-          <a:prstGeom prst="ellipse">
-            <a:avLst/>
-          </a:prstGeom>
-          <a:ln w="63500" cap="rnd">
-            <a:solidFill>
-              <a:srgbClr val="333333"/>
-            </a:solidFill>
-          </a:ln>
-          <a:effectLst>
-            <a:outerShdw blurRad="381000" dist="292100" dir="5400000" sx="-80000" sy="-18000" rotWithShape="0">
-              <a:srgbClr val="000000">
-                <a:alpha val="0"/>
-              </a:srgbClr>
-            </a:outerShdw>
-          </a:effectLst>
-          <a:scene3d>
-            <a:camera prst="orthographicFront"/>
-            <a:lightRig rig="contrasting" dir="t">
-              <a:rot lat="0" lon="0" rev="3000000"/>
-            </a:lightRig>
-          </a:scene3d>
-          <a:sp3d contourW="7620">
-            <a:bevelT w="95250" h="31750"/>
-            <a:contourClr>
-              <a:srgbClr val="333333"/>
-            </a:contourClr>
-          </a:sp3d>
-          <a:extLst>
-            <a:ext uri="{909E8E84-426E-40DD-AFC4-6F175D3DCCD1}">
-              <a14:hiddenFill xmlns:a14="http://schemas.microsoft.com/office/drawing/2010/main">
-                <a:solidFill>
-                  <a:srgbClr val="FFFFFF"/>
-                </a:solidFill>
-              </a14:hiddenFill>
-            </a:ext>
-          </a:extLst>
-        </p:spPr>
-      </p:pic>
-      <p:sp>
-        <p:nvSpPr>
-          <p:cNvPr id="7" name="ZoneTexte 6">
-            <a:extLst>
-              <a:ext uri="{FF2B5EF4-FFF2-40B4-BE49-F238E27FC236}">
-                <a16:creationId xmlns:a16="http://schemas.microsoft.com/office/drawing/2014/main" id="{7ABFE786-B5D8-ADD2-9AFD-BCD3AFBE482A}"/>
-              </a:ext>
-            </a:extLst>
-          </p:cNvPr>
-          <p:cNvSpPr txBox="1"/>
-          <p:nvPr/>
-        </p:nvSpPr>
-        <p:spPr>
-          <a:xfrm>
-            <a:off x="-6717653" y="-662792"/>
-            <a:ext cx="8380564" cy="1815882"/>
-          </a:xfrm>
-          <a:prstGeom prst="rect">
-            <a:avLst/>
-          </a:prstGeom>
-          <a:noFill/>
-        </p:spPr>
-        <p:txBody>
-          <a:bodyPr wrap="square" rtlCol="0">
-            <a:spAutoFit/>
-          </a:bodyPr>
-          <a:lstStyle/>
-          <a:p>
-            <a:pPr algn="ctr"/>
-            <a:r>
-              <a:rPr lang="fr-CA" sz="8000">
-                <a:solidFill>
-                  <a:schemeClr val="bg1"/>
-                </a:solidFill>
-                <a:latin typeface="Bahnschrift SemiBold Condensed" panose="020B0502040204020203" pitchFamily="34" charset="0"/>
-              </a:rPr>
-              <a:t>± 130</a:t>
-            </a:r>
-            <a:r>
-              <a:rPr lang="fr-CA" sz="8000" dirty="0">
-                <a:solidFill>
-                  <a:schemeClr val="bg1"/>
-                </a:solidFill>
-                <a:latin typeface="Bahnschrift SemiBold Condensed" panose="020B0502040204020203" pitchFamily="34" charset="0"/>
-              </a:rPr>
-              <a:t>$CAD</a:t>
-            </a:r>
-          </a:p>
-          <a:p>
-            <a:pPr algn="ctr"/>
-            <a:r>
-              <a:rPr lang="fr-CA" sz="2800" dirty="0">
-                <a:solidFill>
-                  <a:schemeClr val="bg1"/>
-                </a:solidFill>
-                <a:latin typeface="Bahnschrift SemiBold Condensed" panose="020B0502040204020203" pitchFamily="34" charset="0"/>
-              </a:rPr>
-              <a:t>(équipements compris)</a:t>
-            </a:r>
-          </a:p>
-        </p:txBody>
-      </p:sp>
-      <p:sp>
-        <p:nvSpPr>
-          <p:cNvPr id="10" name="ZoneTexte 9">
-            <a:extLst>
-              <a:ext uri="{FF2B5EF4-FFF2-40B4-BE49-F238E27FC236}">
-                <a16:creationId xmlns:a16="http://schemas.microsoft.com/office/drawing/2014/main" id="{EF2BC40C-E845-4BE3-B151-24FC9F9C90F8}"/>
-              </a:ext>
-            </a:extLst>
-          </p:cNvPr>
-          <p:cNvSpPr txBox="1"/>
-          <p:nvPr/>
-        </p:nvSpPr>
-        <p:spPr>
-          <a:xfrm>
-            <a:off x="-3842539" y="9982549"/>
-            <a:ext cx="8380564" cy="1815882"/>
-          </a:xfrm>
-          <a:prstGeom prst="rect">
-            <a:avLst/>
-          </a:prstGeom>
-          <a:noFill/>
-        </p:spPr>
-        <p:txBody>
-          <a:bodyPr wrap="square" rtlCol="0">
-            <a:spAutoFit/>
-          </a:bodyPr>
-          <a:lstStyle/>
-          <a:p>
-            <a:pPr algn="ctr"/>
-            <a:r>
-              <a:rPr lang="fr-CA" sz="8000" dirty="0">
-                <a:solidFill>
-                  <a:schemeClr val="bg1"/>
-                </a:solidFill>
-                <a:latin typeface="Bahnschrift SemiBold Condensed" panose="020B0502040204020203" pitchFamily="34" charset="0"/>
-              </a:rPr>
-              <a:t> </a:t>
-            </a:r>
-            <a:r>
-              <a:rPr lang="fr-CA" sz="6000" dirty="0">
-                <a:solidFill>
-                  <a:schemeClr val="bg1"/>
-                </a:solidFill>
-                <a:latin typeface="Bahnschrift SemiBold Condensed" panose="020B0502040204020203" pitchFamily="34" charset="0"/>
-              </a:rPr>
-              <a:t>130$CAD + taxes</a:t>
-            </a:r>
-          </a:p>
-          <a:p>
-            <a:pPr algn="ctr"/>
-            <a:r>
-              <a:rPr lang="fr-CA" sz="2800" dirty="0">
-                <a:solidFill>
-                  <a:schemeClr val="bg1"/>
-                </a:solidFill>
-                <a:latin typeface="Bahnschrift SemiBold Condensed" panose="020B0502040204020203" pitchFamily="34" charset="0"/>
-              </a:rPr>
-              <a:t>(rien compris)</a:t>
-            </a:r>
-          </a:p>
-        </p:txBody>
-      </p:sp>
-      <p:cxnSp>
-        <p:nvCxnSpPr>
-          <p:cNvPr id="8" name="Connecteur droit 7">
-            <a:extLst>
-              <a:ext uri="{FF2B5EF4-FFF2-40B4-BE49-F238E27FC236}">
-                <a16:creationId xmlns:a16="http://schemas.microsoft.com/office/drawing/2014/main" id="{18A72F62-C5C3-177F-DCB4-558510116B8D}"/>
-              </a:ext>
-            </a:extLst>
-          </p:cNvPr>
-          <p:cNvCxnSpPr>
-            <a:cxnSpLocks/>
-          </p:cNvCxnSpPr>
-          <p:nvPr/>
-        </p:nvCxnSpPr>
-        <p:spPr>
-          <a:xfrm>
-            <a:off x="14615233" y="0"/>
-            <a:ext cx="11852063" cy="0"/>
-          </a:xfrm>
-          <a:prstGeom prst="line">
-            <a:avLst/>
-          </a:prstGeom>
-          <a:ln>
-            <a:solidFill>
-              <a:schemeClr val="bg1"/>
-            </a:solidFill>
-          </a:ln>
-        </p:spPr>
-        <p:style>
-          <a:lnRef idx="1">
-            <a:schemeClr val="accent1"/>
-          </a:lnRef>
-          <a:fillRef idx="0">
-            <a:schemeClr val="accent1"/>
-          </a:fillRef>
-          <a:effectRef idx="0">
-            <a:schemeClr val="accent1"/>
-          </a:effectRef>
-          <a:fontRef idx="minor">
-            <a:schemeClr val="tx1"/>
-          </a:fontRef>
-        </p:style>
-      </p:cxnSp>
-      <p:sp>
-        <p:nvSpPr>
-          <p:cNvPr id="9" name="ZoneTexte 8">
-            <a:extLst>
-              <a:ext uri="{FF2B5EF4-FFF2-40B4-BE49-F238E27FC236}">
-                <a16:creationId xmlns:a16="http://schemas.microsoft.com/office/drawing/2014/main" id="{D6C8A219-0FBF-0D0E-3D31-1BE03315307E}"/>
-              </a:ext>
-            </a:extLst>
-          </p:cNvPr>
-          <p:cNvSpPr txBox="1"/>
-          <p:nvPr/>
-        </p:nvSpPr>
-        <p:spPr>
-          <a:xfrm>
-            <a:off x="66123" y="-1872005"/>
-            <a:ext cx="7144851" cy="1569660"/>
-          </a:xfrm>
-          <a:prstGeom prst="rect">
-            <a:avLst/>
-          </a:prstGeom>
-          <a:noFill/>
-        </p:spPr>
-        <p:txBody>
-          <a:bodyPr wrap="square" rtlCol="0">
-            <a:spAutoFit/>
-          </a:bodyPr>
-          <a:lstStyle/>
-          <a:p>
-            <a:r>
-              <a:rPr lang="fr-CA" sz="9600" dirty="0">
-                <a:solidFill>
-                  <a:schemeClr val="bg1"/>
-                </a:solidFill>
-                <a:latin typeface="Bahnschrift SemiBold Condensed" panose="020B0502040204020203" pitchFamily="34" charset="0"/>
-              </a:rPr>
-              <a:t>NOS CLIENTS </a:t>
-            </a:r>
-          </a:p>
-        </p:txBody>
-      </p:sp>
-      <p:pic>
-        <p:nvPicPr>
-          <p:cNvPr id="11" name="Picture 4" descr="Client icon | Free SVG">
-            <a:extLst>
-              <a:ext uri="{FF2B5EF4-FFF2-40B4-BE49-F238E27FC236}">
-                <a16:creationId xmlns:a16="http://schemas.microsoft.com/office/drawing/2014/main" id="{FCDBB9B4-B48B-6DCA-35AD-8B271D2E6AB3}"/>
-              </a:ext>
-            </a:extLst>
-          </p:cNvPr>
-          <p:cNvPicPr>
-            <a:picLocks noChangeAspect="1" noChangeArrowheads="1"/>
-          </p:cNvPicPr>
-          <p:nvPr/>
-        </p:nvPicPr>
-        <p:blipFill>
-          <a:blip r:embed="rId3">
-            <a:extLst>
-              <a:ext uri="{28A0092B-C50C-407E-A947-70E740481C1C}">
-                <a14:useLocalDpi xmlns:a14="http://schemas.microsoft.com/office/drawing/2010/main" val="0"/>
-              </a:ext>
-            </a:extLst>
-          </a:blip>
-          <a:srcRect/>
-          <a:stretch>
-            <a:fillRect/>
-          </a:stretch>
-        </p:blipFill>
-        <p:spPr bwMode="auto">
-          <a:xfrm>
-            <a:off x="5071346" y="-4314214"/>
-            <a:ext cx="3332464" cy="3332464"/>
-          </a:xfrm>
-          <a:prstGeom prst="rect">
-            <a:avLst/>
-          </a:prstGeom>
-          <a:noFill/>
-          <a:extLst>
-            <a:ext uri="{909E8E84-426E-40DD-AFC4-6F175D3DCCD1}">
-              <a14:hiddenFill xmlns:a14="http://schemas.microsoft.com/office/drawing/2010/main">
-                <a:solidFill>
-                  <a:srgbClr val="FFFFFF"/>
-                </a:solidFill>
-              </a14:hiddenFill>
-            </a:ext>
-          </a:extLst>
-        </p:spPr>
-      </p:pic>
-      <p:sp>
-        <p:nvSpPr>
-          <p:cNvPr id="12" name="ZoneTexte 11">
-            <a:extLst>
-              <a:ext uri="{FF2B5EF4-FFF2-40B4-BE49-F238E27FC236}">
-                <a16:creationId xmlns:a16="http://schemas.microsoft.com/office/drawing/2014/main" id="{169DA3BC-31C1-08CB-A006-A47CCD19F3F5}"/>
-              </a:ext>
-            </a:extLst>
-          </p:cNvPr>
-          <p:cNvSpPr txBox="1"/>
-          <p:nvPr/>
-        </p:nvSpPr>
-        <p:spPr>
-          <a:xfrm>
-            <a:off x="-7067681" y="4739867"/>
-            <a:ext cx="5413829" cy="1015663"/>
-          </a:xfrm>
-          <a:prstGeom prst="rect">
-            <a:avLst/>
-          </a:prstGeom>
-          <a:noFill/>
-        </p:spPr>
-        <p:txBody>
-          <a:bodyPr wrap="square" rtlCol="0">
-            <a:spAutoFit/>
-          </a:bodyPr>
-          <a:lstStyle/>
-          <a:p>
-            <a:r>
-              <a:rPr lang="fr-CA" sz="6000" dirty="0">
-                <a:solidFill>
-                  <a:schemeClr val="bg1"/>
-                </a:solidFill>
-                <a:latin typeface="Bahnschrift SemiBold Condensed" panose="020B0502040204020203" pitchFamily="34" charset="0"/>
-              </a:rPr>
-              <a:t>LES ÉCOLES</a:t>
-            </a:r>
-          </a:p>
-        </p:txBody>
-      </p:sp>
-      <p:sp>
-        <p:nvSpPr>
-          <p:cNvPr id="17" name="ZoneTexte 16">
-            <a:extLst>
-              <a:ext uri="{FF2B5EF4-FFF2-40B4-BE49-F238E27FC236}">
-                <a16:creationId xmlns:a16="http://schemas.microsoft.com/office/drawing/2014/main" id="{707FF9DE-D323-AA01-7075-8F0773DF111E}"/>
-              </a:ext>
-            </a:extLst>
-          </p:cNvPr>
-          <p:cNvSpPr txBox="1"/>
-          <p:nvPr/>
-        </p:nvSpPr>
-        <p:spPr>
-          <a:xfrm>
-            <a:off x="-5347706" y="7212053"/>
-            <a:ext cx="5413829" cy="1938992"/>
-          </a:xfrm>
-          <a:prstGeom prst="rect">
-            <a:avLst/>
-          </a:prstGeom>
-          <a:noFill/>
-        </p:spPr>
-        <p:txBody>
-          <a:bodyPr wrap="square" rtlCol="0">
-            <a:spAutoFit/>
-          </a:bodyPr>
-          <a:lstStyle/>
-          <a:p>
-            <a:r>
-              <a:rPr lang="fr-CA" sz="6000" dirty="0">
-                <a:solidFill>
-                  <a:schemeClr val="bg1"/>
-                </a:solidFill>
-                <a:latin typeface="Bahnschrift SemiBold Condensed" panose="020B0502040204020203" pitchFamily="34" charset="0"/>
-              </a:rPr>
-              <a:t>LES CENTRES ADAPTÉS</a:t>
-            </a:r>
-          </a:p>
-        </p:txBody>
-      </p:sp>
-      <p:sp>
-        <p:nvSpPr>
-          <p:cNvPr id="18" name="ZoneTexte 17">
-            <a:extLst>
-              <a:ext uri="{FF2B5EF4-FFF2-40B4-BE49-F238E27FC236}">
-                <a16:creationId xmlns:a16="http://schemas.microsoft.com/office/drawing/2014/main" id="{04D24A97-C73B-F342-72CA-3BE3A64523E9}"/>
-              </a:ext>
-            </a:extLst>
-          </p:cNvPr>
-          <p:cNvSpPr txBox="1"/>
-          <p:nvPr/>
-        </p:nvSpPr>
-        <p:spPr>
-          <a:xfrm>
-            <a:off x="20750813" y="5780892"/>
-            <a:ext cx="3647666" cy="2862322"/>
-          </a:xfrm>
-          <a:prstGeom prst="rect">
-            <a:avLst/>
-          </a:prstGeom>
-          <a:noFill/>
-        </p:spPr>
-        <p:txBody>
-          <a:bodyPr wrap="square" rtlCol="0">
-            <a:spAutoFit/>
-          </a:bodyPr>
-          <a:lstStyle/>
-          <a:p>
-            <a:r>
-              <a:rPr lang="fr-CA" sz="6000" dirty="0">
-                <a:solidFill>
-                  <a:schemeClr val="bg1"/>
-                </a:solidFill>
-                <a:latin typeface="Bahnschrift SemiBold Condensed" panose="020B0502040204020203" pitchFamily="34" charset="0"/>
-              </a:rPr>
-              <a:t>PERSONNES À MOBILITÉ RÉDUITE</a:t>
-            </a:r>
-          </a:p>
-        </p:txBody>
-      </p:sp>
-      <p:cxnSp>
-        <p:nvCxnSpPr>
-          <p:cNvPr id="13" name="Connecteur droit 12">
-            <a:extLst>
-              <a:ext uri="{FF2B5EF4-FFF2-40B4-BE49-F238E27FC236}">
-                <a16:creationId xmlns:a16="http://schemas.microsoft.com/office/drawing/2014/main" id="{A298A190-6C4C-5BE7-8C22-0A37FBF0544F}"/>
-              </a:ext>
-            </a:extLst>
-          </p:cNvPr>
-          <p:cNvCxnSpPr>
-            <a:cxnSpLocks/>
-          </p:cNvCxnSpPr>
-          <p:nvPr/>
-        </p:nvCxnSpPr>
-        <p:spPr>
-          <a:xfrm>
-            <a:off x="-855785" y="1506518"/>
-            <a:ext cx="12520247" cy="0"/>
-          </a:xfrm>
-          <a:prstGeom prst="line">
-            <a:avLst/>
-          </a:prstGeom>
-          <a:ln>
-            <a:solidFill>
-              <a:schemeClr val="bg1"/>
-            </a:solidFill>
-          </a:ln>
-        </p:spPr>
-        <p:style>
-          <a:lnRef idx="1">
-            <a:schemeClr val="accent1"/>
-          </a:lnRef>
-          <a:fillRef idx="0">
-            <a:schemeClr val="accent1"/>
-          </a:fillRef>
-          <a:effectRef idx="0">
-            <a:schemeClr val="accent1"/>
-          </a:effectRef>
-          <a:fontRef idx="minor">
-            <a:schemeClr val="tx1"/>
-          </a:fontRef>
-        </p:style>
-      </p:cxnSp>
-      <p:sp>
-        <p:nvSpPr>
-          <p:cNvPr id="15" name="ZoneTexte 14">
-            <a:extLst>
-              <a:ext uri="{FF2B5EF4-FFF2-40B4-BE49-F238E27FC236}">
-                <a16:creationId xmlns:a16="http://schemas.microsoft.com/office/drawing/2014/main" id="{53CF0677-C5D3-883C-FE4F-859A124258C6}"/>
-              </a:ext>
-            </a:extLst>
-          </p:cNvPr>
-          <p:cNvSpPr txBox="1"/>
-          <p:nvPr/>
-        </p:nvSpPr>
-        <p:spPr>
-          <a:xfrm>
-            <a:off x="7027634" y="98510"/>
-            <a:ext cx="5413829" cy="1569660"/>
-          </a:xfrm>
-          <a:prstGeom prst="rect">
-            <a:avLst/>
-          </a:prstGeom>
-          <a:noFill/>
-        </p:spPr>
-        <p:txBody>
-          <a:bodyPr wrap="square" rtlCol="0">
-            <a:spAutoFit/>
-          </a:bodyPr>
-          <a:lstStyle/>
-          <a:p>
-            <a:r>
-              <a:rPr lang="fr-CA" sz="9600" dirty="0">
-                <a:solidFill>
-                  <a:schemeClr val="bg1"/>
-                </a:solidFill>
-                <a:latin typeface="Bahnschrift SemiBold Condensed" panose="020B0502040204020203" pitchFamily="34" charset="0"/>
-              </a:rPr>
-              <a:t>LES COÛTS</a:t>
-            </a:r>
-          </a:p>
-        </p:txBody>
-      </p:sp>
       <p:graphicFrame>
         <p:nvGraphicFramePr>
-          <p:cNvPr id="23" name="Tableau 22">
-            <a:extLst>
-              <a:ext uri="{FF2B5EF4-FFF2-40B4-BE49-F238E27FC236}">
-                <a16:creationId xmlns:a16="http://schemas.microsoft.com/office/drawing/2014/main" id="{2874DD0F-FC38-4737-7DFE-279E712209DA}"/>
+          <p:cNvPr id="5" name="Tableau 4">
+            <a:extLst>
+              <a:ext uri="{FF2B5EF4-FFF2-40B4-BE49-F238E27FC236}">
+                <a16:creationId xmlns:a16="http://schemas.microsoft.com/office/drawing/2014/main" id="{42AA901A-D2DB-1C19-81C6-833D86EC8D89}"/>
               </a:ext>
             </a:extLst>
           </p:cNvPr>
@@ -8768,19 +11220,24 @@
           <p:nvPr>
             <p:extLst>
               <p:ext uri="{D42A27DB-BD31-4B8C-83A1-F6EECF244321}">
-                <p14:modId xmlns:p14="http://schemas.microsoft.com/office/powerpoint/2010/main" val="2737861919"/>
+                <p14:modId xmlns:p14="http://schemas.microsoft.com/office/powerpoint/2010/main" val="1454904079"/>
               </p:ext>
             </p:extLst>
           </p:nvPr>
         </p:nvGraphicFramePr>
         <p:xfrm>
-          <a:off x="1662911" y="1888249"/>
+          <a:off x="-4916808" y="1804210"/>
           <a:ext cx="4257072" cy="4235216"/>
         </p:xfrm>
         <a:graphic>
           <a:graphicData uri="http://schemas.openxmlformats.org/drawingml/2006/table">
             <a:tbl>
               <a:tblPr>
+                <a:solidFill>
+                  <a:schemeClr val="bg2">
+                    <a:lumMod val="25000"/>
+                  </a:schemeClr>
+                </a:solidFill>
                 <a:effectLst>
                   <a:outerShdw blurRad="50800" dist="38100" dir="2700000" algn="tl" rotWithShape="0">
                     <a:prstClr val="black">
@@ -8819,7 +11276,7 @@
                           </a:solidFill>
                           <a:latin typeface="Bahnschrift SemiBold Condensed" panose="020B0502040204020203" pitchFamily="34" charset="0"/>
                         </a:rPr>
-                        <a:t>Ordinateur</a:t>
+                        <a:t>Mini-ordinateur</a:t>
                       </a:r>
                     </a:p>
                   </a:txBody>
@@ -9514,6 +11971,1557 @@
     </p:spTree>
     <p:extLst>
       <p:ext uri="{BB962C8B-B14F-4D97-AF65-F5344CB8AC3E}">
+        <p14:creationId xmlns:p14="http://schemas.microsoft.com/office/powerpoint/2010/main" val="1808145412"/>
+      </p:ext>
+    </p:extLst>
+  </p:cSld>
+  <p:clrMapOvr>
+    <a:masterClrMapping/>
+  </p:clrMapOvr>
+  <mc:AlternateContent xmlns:mc="http://schemas.openxmlformats.org/markup-compatibility/2006" xmlns:p159="http://schemas.microsoft.com/office/powerpoint/2015/09/main">
+    <mc:Choice Requires="p159">
+      <p:transition xmlns:p14="http://schemas.microsoft.com/office/powerpoint/2010/main" spd="slow" p14:dur="2000">
+        <p159:morph option="byObject"/>
+      </p:transition>
+    </mc:Choice>
+    <mc:Fallback xmlns="">
+      <p:transition spd="slow">
+        <p:fade/>
+      </p:transition>
+    </mc:Fallback>
+  </mc:AlternateContent>
+</p:sld>
+</file>
+
+<file path=ppt/slides/slide6.xml><?xml version="1.0" encoding="utf-8"?>
+<p:sld xmlns:a="http://schemas.openxmlformats.org/drawingml/2006/main" xmlns:r="http://schemas.openxmlformats.org/officeDocument/2006/relationships" xmlns:p="http://schemas.openxmlformats.org/presentationml/2006/main">
+  <p:cSld>
+    <p:bg>
+      <p:bgPr>
+        <a:solidFill>
+          <a:srgbClr val="EF4C45"/>
+        </a:solidFill>
+        <a:effectLst/>
+      </p:bgPr>
+    </p:bg>
+    <p:spTree>
+      <p:nvGrpSpPr>
+        <p:cNvPr id="1" name=""/>
+        <p:cNvGrpSpPr/>
+        <p:nvPr/>
+      </p:nvGrpSpPr>
+      <p:grpSpPr>
+        <a:xfrm>
+          <a:off x="0" y="0"/>
+          <a:ext cx="0" cy="0"/>
+          <a:chOff x="0" y="0"/>
+          <a:chExt cx="0" cy="0"/>
+        </a:xfrm>
+      </p:grpSpPr>
+      <p:sp>
+        <p:nvSpPr>
+          <p:cNvPr id="5" name="Triangle rectangle 4">
+            <a:extLst>
+              <a:ext uri="{FF2B5EF4-FFF2-40B4-BE49-F238E27FC236}">
+                <a16:creationId xmlns:a16="http://schemas.microsoft.com/office/drawing/2014/main" id="{B39C6BC1-67CF-3206-C064-66426029E4E5}"/>
+              </a:ext>
+            </a:extLst>
+          </p:cNvPr>
+          <p:cNvSpPr/>
+          <p:nvPr/>
+        </p:nvSpPr>
+        <p:spPr>
+          <a:xfrm rot="10800000" flipV="1">
+            <a:off x="3638550" y="6380549"/>
+            <a:ext cx="12192000" cy="6612850"/>
+          </a:xfrm>
+          <a:prstGeom prst="rtTriangle">
+            <a:avLst/>
+          </a:prstGeom>
+          <a:solidFill>
+            <a:srgbClr val="2A7507"/>
+          </a:solidFill>
+        </p:spPr>
+        <p:style>
+          <a:lnRef idx="3">
+            <a:schemeClr val="lt1"/>
+          </a:lnRef>
+          <a:fillRef idx="1">
+            <a:schemeClr val="accent2"/>
+          </a:fillRef>
+          <a:effectRef idx="1">
+            <a:schemeClr val="accent2"/>
+          </a:effectRef>
+          <a:fontRef idx="minor">
+            <a:schemeClr val="lt1"/>
+          </a:fontRef>
+        </p:style>
+        <p:txBody>
+          <a:bodyPr rtlCol="0" anchor="ctr"/>
+          <a:lstStyle/>
+          <a:p>
+            <a:pPr algn="ctr"/>
+            <a:endParaRPr lang="fr-CA" dirty="0"/>
+          </a:p>
+        </p:txBody>
+      </p:sp>
+      <p:sp>
+        <p:nvSpPr>
+          <p:cNvPr id="2" name="Rectangle 1">
+            <a:extLst>
+              <a:ext uri="{FF2B5EF4-FFF2-40B4-BE49-F238E27FC236}">
+                <a16:creationId xmlns:a16="http://schemas.microsoft.com/office/drawing/2014/main" id="{30861708-0A7B-BA81-4854-FB30052273AB}"/>
+              </a:ext>
+            </a:extLst>
+          </p:cNvPr>
+          <p:cNvSpPr/>
+          <p:nvPr/>
+        </p:nvSpPr>
+        <p:spPr>
+          <a:xfrm rot="19885905">
+            <a:off x="1867695" y="8905247"/>
+            <a:ext cx="14443473" cy="337479"/>
+          </a:xfrm>
+          <a:prstGeom prst="rect">
+            <a:avLst/>
+          </a:prstGeom>
+        </p:spPr>
+        <p:style>
+          <a:lnRef idx="2">
+            <a:schemeClr val="dk1">
+              <a:shade val="50000"/>
+            </a:schemeClr>
+          </a:lnRef>
+          <a:fillRef idx="1">
+            <a:schemeClr val="dk1"/>
+          </a:fillRef>
+          <a:effectRef idx="0">
+            <a:schemeClr val="dk1"/>
+          </a:effectRef>
+          <a:fontRef idx="minor">
+            <a:schemeClr val="lt1"/>
+          </a:fontRef>
+        </p:style>
+        <p:txBody>
+          <a:bodyPr rtlCol="0" anchor="ctr"/>
+          <a:lstStyle/>
+          <a:p>
+            <a:pPr algn="ctr"/>
+            <a:endParaRPr lang="fr-CA"/>
+          </a:p>
+        </p:txBody>
+      </p:sp>
+      <p:pic>
+        <p:nvPicPr>
+          <p:cNvPr id="4098" name="Picture 2" descr="Xbox - Free logo icons">
+            <a:extLst>
+              <a:ext uri="{FF2B5EF4-FFF2-40B4-BE49-F238E27FC236}">
+                <a16:creationId xmlns:a16="http://schemas.microsoft.com/office/drawing/2014/main" id="{6EB7EFAA-730E-0B33-ADA2-AD2DC395C01B}"/>
+              </a:ext>
+            </a:extLst>
+          </p:cNvPr>
+          <p:cNvPicPr>
+            <a:picLocks noChangeAspect="1" noChangeArrowheads="1"/>
+          </p:cNvPicPr>
+          <p:nvPr/>
+        </p:nvPicPr>
+        <p:blipFill>
+          <a:blip r:embed="rId3">
+            <a:extLst>
+              <a:ext uri="{28A0092B-C50C-407E-A947-70E740481C1C}">
+                <a14:useLocalDpi xmlns:a14="http://schemas.microsoft.com/office/drawing/2010/main" val="0"/>
+              </a:ext>
+            </a:extLst>
+          </a:blip>
+          <a:srcRect/>
+          <a:stretch>
+            <a:fillRect/>
+          </a:stretch>
+        </p:blipFill>
+        <p:spPr bwMode="auto">
+          <a:xfrm>
+            <a:off x="14615233" y="1555888"/>
+            <a:ext cx="3332464" cy="3332464"/>
+          </a:xfrm>
+          <a:prstGeom prst="ellipse">
+            <a:avLst/>
+          </a:prstGeom>
+          <a:ln w="63500" cap="rnd">
+            <a:solidFill>
+              <a:srgbClr val="333333"/>
+            </a:solidFill>
+          </a:ln>
+          <a:effectLst>
+            <a:outerShdw blurRad="381000" dist="292100" dir="5400000" sx="-80000" sy="-18000" rotWithShape="0">
+              <a:srgbClr val="000000">
+                <a:alpha val="0"/>
+              </a:srgbClr>
+            </a:outerShdw>
+          </a:effectLst>
+          <a:scene3d>
+            <a:camera prst="orthographicFront"/>
+            <a:lightRig rig="contrasting" dir="t">
+              <a:rot lat="0" lon="0" rev="3000000"/>
+            </a:lightRig>
+          </a:scene3d>
+          <a:sp3d contourW="7620">
+            <a:bevelT w="95250" h="31750"/>
+            <a:contourClr>
+              <a:srgbClr val="333333"/>
+            </a:contourClr>
+          </a:sp3d>
+          <a:extLst>
+            <a:ext uri="{909E8E84-426E-40DD-AFC4-6F175D3DCCD1}">
+              <a14:hiddenFill xmlns:a14="http://schemas.microsoft.com/office/drawing/2010/main">
+                <a:solidFill>
+                  <a:srgbClr val="FFFFFF"/>
+                </a:solidFill>
+              </a14:hiddenFill>
+            </a:ext>
+          </a:extLst>
+        </p:spPr>
+      </p:pic>
+      <p:sp>
+        <p:nvSpPr>
+          <p:cNvPr id="7" name="ZoneTexte 6">
+            <a:extLst>
+              <a:ext uri="{FF2B5EF4-FFF2-40B4-BE49-F238E27FC236}">
+                <a16:creationId xmlns:a16="http://schemas.microsoft.com/office/drawing/2014/main" id="{7ABFE786-B5D8-ADD2-9AFD-BCD3AFBE482A}"/>
+              </a:ext>
+            </a:extLst>
+          </p:cNvPr>
+          <p:cNvSpPr txBox="1"/>
+          <p:nvPr/>
+        </p:nvSpPr>
+        <p:spPr>
+          <a:xfrm>
+            <a:off x="-6717653" y="-662792"/>
+            <a:ext cx="8380564" cy="1815882"/>
+          </a:xfrm>
+          <a:prstGeom prst="rect">
+            <a:avLst/>
+          </a:prstGeom>
+          <a:noFill/>
+        </p:spPr>
+        <p:txBody>
+          <a:bodyPr wrap="square" rtlCol="0">
+            <a:spAutoFit/>
+          </a:bodyPr>
+          <a:lstStyle/>
+          <a:p>
+            <a:pPr algn="ctr"/>
+            <a:r>
+              <a:rPr lang="fr-CA" sz="8000">
+                <a:solidFill>
+                  <a:schemeClr val="bg1"/>
+                </a:solidFill>
+                <a:latin typeface="Bahnschrift SemiBold Condensed" panose="020B0502040204020203" pitchFamily="34" charset="0"/>
+              </a:rPr>
+              <a:t>± 130</a:t>
+            </a:r>
+            <a:r>
+              <a:rPr lang="fr-CA" sz="8000" dirty="0">
+                <a:solidFill>
+                  <a:schemeClr val="bg1"/>
+                </a:solidFill>
+                <a:latin typeface="Bahnschrift SemiBold Condensed" panose="020B0502040204020203" pitchFamily="34" charset="0"/>
+              </a:rPr>
+              <a:t>$CAD</a:t>
+            </a:r>
+          </a:p>
+          <a:p>
+            <a:pPr algn="ctr"/>
+            <a:r>
+              <a:rPr lang="fr-CA" sz="2800" dirty="0">
+                <a:solidFill>
+                  <a:schemeClr val="bg1"/>
+                </a:solidFill>
+                <a:latin typeface="Bahnschrift SemiBold Condensed" panose="020B0502040204020203" pitchFamily="34" charset="0"/>
+              </a:rPr>
+              <a:t>(équipements compris)</a:t>
+            </a:r>
+          </a:p>
+        </p:txBody>
+      </p:sp>
+      <p:sp>
+        <p:nvSpPr>
+          <p:cNvPr id="10" name="ZoneTexte 9">
+            <a:extLst>
+              <a:ext uri="{FF2B5EF4-FFF2-40B4-BE49-F238E27FC236}">
+                <a16:creationId xmlns:a16="http://schemas.microsoft.com/office/drawing/2014/main" id="{EF2BC40C-E845-4BE3-B151-24FC9F9C90F8}"/>
+              </a:ext>
+            </a:extLst>
+          </p:cNvPr>
+          <p:cNvSpPr txBox="1"/>
+          <p:nvPr/>
+        </p:nvSpPr>
+        <p:spPr>
+          <a:xfrm>
+            <a:off x="-3842539" y="9982549"/>
+            <a:ext cx="8380564" cy="1815882"/>
+          </a:xfrm>
+          <a:prstGeom prst="rect">
+            <a:avLst/>
+          </a:prstGeom>
+          <a:noFill/>
+        </p:spPr>
+        <p:txBody>
+          <a:bodyPr wrap="square" rtlCol="0">
+            <a:spAutoFit/>
+          </a:bodyPr>
+          <a:lstStyle/>
+          <a:p>
+            <a:pPr algn="ctr"/>
+            <a:r>
+              <a:rPr lang="fr-CA" sz="8000" dirty="0">
+                <a:solidFill>
+                  <a:schemeClr val="bg1"/>
+                </a:solidFill>
+                <a:latin typeface="Bahnschrift SemiBold Condensed" panose="020B0502040204020203" pitchFamily="34" charset="0"/>
+              </a:rPr>
+              <a:t> </a:t>
+            </a:r>
+            <a:r>
+              <a:rPr lang="fr-CA" sz="6000" dirty="0">
+                <a:solidFill>
+                  <a:schemeClr val="bg1"/>
+                </a:solidFill>
+                <a:latin typeface="Bahnschrift SemiBold Condensed" panose="020B0502040204020203" pitchFamily="34" charset="0"/>
+              </a:rPr>
+              <a:t>130$CAD + taxes</a:t>
+            </a:r>
+          </a:p>
+          <a:p>
+            <a:pPr algn="ctr"/>
+            <a:r>
+              <a:rPr lang="fr-CA" sz="2800" dirty="0">
+                <a:solidFill>
+                  <a:schemeClr val="bg1"/>
+                </a:solidFill>
+                <a:latin typeface="Bahnschrift SemiBold Condensed" panose="020B0502040204020203" pitchFamily="34" charset="0"/>
+              </a:rPr>
+              <a:t>(rien compris)</a:t>
+            </a:r>
+          </a:p>
+        </p:txBody>
+      </p:sp>
+      <p:cxnSp>
+        <p:nvCxnSpPr>
+          <p:cNvPr id="8" name="Connecteur droit 7">
+            <a:extLst>
+              <a:ext uri="{FF2B5EF4-FFF2-40B4-BE49-F238E27FC236}">
+                <a16:creationId xmlns:a16="http://schemas.microsoft.com/office/drawing/2014/main" id="{18A72F62-C5C3-177F-DCB4-558510116B8D}"/>
+              </a:ext>
+            </a:extLst>
+          </p:cNvPr>
+          <p:cNvCxnSpPr>
+            <a:cxnSpLocks/>
+          </p:cNvCxnSpPr>
+          <p:nvPr/>
+        </p:nvCxnSpPr>
+        <p:spPr>
+          <a:xfrm>
+            <a:off x="14615233" y="0"/>
+            <a:ext cx="11852063" cy="0"/>
+          </a:xfrm>
+          <a:prstGeom prst="line">
+            <a:avLst/>
+          </a:prstGeom>
+          <a:ln>
+            <a:solidFill>
+              <a:schemeClr val="bg1"/>
+            </a:solidFill>
+          </a:ln>
+        </p:spPr>
+        <p:style>
+          <a:lnRef idx="1">
+            <a:schemeClr val="accent1"/>
+          </a:lnRef>
+          <a:fillRef idx="0">
+            <a:schemeClr val="accent1"/>
+          </a:fillRef>
+          <a:effectRef idx="0">
+            <a:schemeClr val="accent1"/>
+          </a:effectRef>
+          <a:fontRef idx="minor">
+            <a:schemeClr val="tx1"/>
+          </a:fontRef>
+        </p:style>
+      </p:cxnSp>
+      <p:sp>
+        <p:nvSpPr>
+          <p:cNvPr id="9" name="ZoneTexte 8">
+            <a:extLst>
+              <a:ext uri="{FF2B5EF4-FFF2-40B4-BE49-F238E27FC236}">
+                <a16:creationId xmlns:a16="http://schemas.microsoft.com/office/drawing/2014/main" id="{D6C8A219-0FBF-0D0E-3D31-1BE03315307E}"/>
+              </a:ext>
+            </a:extLst>
+          </p:cNvPr>
+          <p:cNvSpPr txBox="1"/>
+          <p:nvPr/>
+        </p:nvSpPr>
+        <p:spPr>
+          <a:xfrm>
+            <a:off x="66123" y="-1872005"/>
+            <a:ext cx="7144851" cy="1569660"/>
+          </a:xfrm>
+          <a:prstGeom prst="rect">
+            <a:avLst/>
+          </a:prstGeom>
+          <a:noFill/>
+        </p:spPr>
+        <p:txBody>
+          <a:bodyPr wrap="square" rtlCol="0">
+            <a:spAutoFit/>
+          </a:bodyPr>
+          <a:lstStyle/>
+          <a:p>
+            <a:r>
+              <a:rPr lang="fr-CA" sz="9600" dirty="0">
+                <a:solidFill>
+                  <a:schemeClr val="bg1"/>
+                </a:solidFill>
+                <a:latin typeface="Bahnschrift SemiBold Condensed" panose="020B0502040204020203" pitchFamily="34" charset="0"/>
+              </a:rPr>
+              <a:t>NOS CLIENTS </a:t>
+            </a:r>
+          </a:p>
+        </p:txBody>
+      </p:sp>
+      <p:pic>
+        <p:nvPicPr>
+          <p:cNvPr id="11" name="Picture 4" descr="Client icon | Free SVG">
+            <a:extLst>
+              <a:ext uri="{FF2B5EF4-FFF2-40B4-BE49-F238E27FC236}">
+                <a16:creationId xmlns:a16="http://schemas.microsoft.com/office/drawing/2014/main" id="{FCDBB9B4-B48B-6DCA-35AD-8B271D2E6AB3}"/>
+              </a:ext>
+            </a:extLst>
+          </p:cNvPr>
+          <p:cNvPicPr>
+            <a:picLocks noChangeAspect="1" noChangeArrowheads="1"/>
+          </p:cNvPicPr>
+          <p:nvPr/>
+        </p:nvPicPr>
+        <p:blipFill>
+          <a:blip r:embed="rId4">
+            <a:extLst>
+              <a:ext uri="{28A0092B-C50C-407E-A947-70E740481C1C}">
+                <a14:useLocalDpi xmlns:a14="http://schemas.microsoft.com/office/drawing/2010/main" val="0"/>
+              </a:ext>
+            </a:extLst>
+          </a:blip>
+          <a:srcRect/>
+          <a:stretch>
+            <a:fillRect/>
+          </a:stretch>
+        </p:blipFill>
+        <p:spPr bwMode="auto">
+          <a:xfrm>
+            <a:off x="5071346" y="-4314214"/>
+            <a:ext cx="3332464" cy="3332464"/>
+          </a:xfrm>
+          <a:prstGeom prst="rect">
+            <a:avLst/>
+          </a:prstGeom>
+          <a:noFill/>
+          <a:extLst>
+            <a:ext uri="{909E8E84-426E-40DD-AFC4-6F175D3DCCD1}">
+              <a14:hiddenFill xmlns:a14="http://schemas.microsoft.com/office/drawing/2010/main">
+                <a:solidFill>
+                  <a:srgbClr val="FFFFFF"/>
+                </a:solidFill>
+              </a14:hiddenFill>
+            </a:ext>
+          </a:extLst>
+        </p:spPr>
+      </p:pic>
+      <p:sp>
+        <p:nvSpPr>
+          <p:cNvPr id="12" name="ZoneTexte 11">
+            <a:extLst>
+              <a:ext uri="{FF2B5EF4-FFF2-40B4-BE49-F238E27FC236}">
+                <a16:creationId xmlns:a16="http://schemas.microsoft.com/office/drawing/2014/main" id="{169DA3BC-31C1-08CB-A006-A47CCD19F3F5}"/>
+              </a:ext>
+            </a:extLst>
+          </p:cNvPr>
+          <p:cNvSpPr txBox="1"/>
+          <p:nvPr/>
+        </p:nvSpPr>
+        <p:spPr>
+          <a:xfrm>
+            <a:off x="-7067681" y="4739867"/>
+            <a:ext cx="5413829" cy="1015663"/>
+          </a:xfrm>
+          <a:prstGeom prst="rect">
+            <a:avLst/>
+          </a:prstGeom>
+          <a:noFill/>
+        </p:spPr>
+        <p:txBody>
+          <a:bodyPr wrap="square" rtlCol="0">
+            <a:spAutoFit/>
+          </a:bodyPr>
+          <a:lstStyle/>
+          <a:p>
+            <a:r>
+              <a:rPr lang="fr-CA" sz="6000" dirty="0">
+                <a:solidFill>
+                  <a:schemeClr val="bg1"/>
+                </a:solidFill>
+                <a:latin typeface="Bahnschrift SemiBold Condensed" panose="020B0502040204020203" pitchFamily="34" charset="0"/>
+              </a:rPr>
+              <a:t>LES ÉCOLES</a:t>
+            </a:r>
+          </a:p>
+        </p:txBody>
+      </p:sp>
+      <p:sp>
+        <p:nvSpPr>
+          <p:cNvPr id="17" name="ZoneTexte 16">
+            <a:extLst>
+              <a:ext uri="{FF2B5EF4-FFF2-40B4-BE49-F238E27FC236}">
+                <a16:creationId xmlns:a16="http://schemas.microsoft.com/office/drawing/2014/main" id="{707FF9DE-D323-AA01-7075-8F0773DF111E}"/>
+              </a:ext>
+            </a:extLst>
+          </p:cNvPr>
+          <p:cNvSpPr txBox="1"/>
+          <p:nvPr/>
+        </p:nvSpPr>
+        <p:spPr>
+          <a:xfrm>
+            <a:off x="-5347706" y="7212053"/>
+            <a:ext cx="5413829" cy="1938992"/>
+          </a:xfrm>
+          <a:prstGeom prst="rect">
+            <a:avLst/>
+          </a:prstGeom>
+          <a:noFill/>
+        </p:spPr>
+        <p:txBody>
+          <a:bodyPr wrap="square" rtlCol="0">
+            <a:spAutoFit/>
+          </a:bodyPr>
+          <a:lstStyle/>
+          <a:p>
+            <a:r>
+              <a:rPr lang="fr-CA" sz="6000" dirty="0">
+                <a:solidFill>
+                  <a:schemeClr val="bg1"/>
+                </a:solidFill>
+                <a:latin typeface="Bahnschrift SemiBold Condensed" panose="020B0502040204020203" pitchFamily="34" charset="0"/>
+              </a:rPr>
+              <a:t>LES CENTRES ADAPTÉS</a:t>
+            </a:r>
+          </a:p>
+        </p:txBody>
+      </p:sp>
+      <p:sp>
+        <p:nvSpPr>
+          <p:cNvPr id="18" name="ZoneTexte 17">
+            <a:extLst>
+              <a:ext uri="{FF2B5EF4-FFF2-40B4-BE49-F238E27FC236}">
+                <a16:creationId xmlns:a16="http://schemas.microsoft.com/office/drawing/2014/main" id="{04D24A97-C73B-F342-72CA-3BE3A64523E9}"/>
+              </a:ext>
+            </a:extLst>
+          </p:cNvPr>
+          <p:cNvSpPr txBox="1"/>
+          <p:nvPr/>
+        </p:nvSpPr>
+        <p:spPr>
+          <a:xfrm>
+            <a:off x="20750813" y="5780892"/>
+            <a:ext cx="3647666" cy="2862322"/>
+          </a:xfrm>
+          <a:prstGeom prst="rect">
+            <a:avLst/>
+          </a:prstGeom>
+          <a:noFill/>
+        </p:spPr>
+        <p:txBody>
+          <a:bodyPr wrap="square" rtlCol="0">
+            <a:spAutoFit/>
+          </a:bodyPr>
+          <a:lstStyle/>
+          <a:p>
+            <a:r>
+              <a:rPr lang="fr-CA" sz="6000" dirty="0">
+                <a:solidFill>
+                  <a:schemeClr val="bg1"/>
+                </a:solidFill>
+                <a:latin typeface="Bahnschrift SemiBold Condensed" panose="020B0502040204020203" pitchFamily="34" charset="0"/>
+              </a:rPr>
+              <a:t>PERSONNES À MOBILITÉ RÉDUITE</a:t>
+            </a:r>
+          </a:p>
+        </p:txBody>
+      </p:sp>
+      <p:cxnSp>
+        <p:nvCxnSpPr>
+          <p:cNvPr id="13" name="Connecteur droit 12">
+            <a:extLst>
+              <a:ext uri="{FF2B5EF4-FFF2-40B4-BE49-F238E27FC236}">
+                <a16:creationId xmlns:a16="http://schemas.microsoft.com/office/drawing/2014/main" id="{A298A190-6C4C-5BE7-8C22-0A37FBF0544F}"/>
+              </a:ext>
+            </a:extLst>
+          </p:cNvPr>
+          <p:cNvCxnSpPr>
+            <a:cxnSpLocks/>
+          </p:cNvCxnSpPr>
+          <p:nvPr/>
+        </p:nvCxnSpPr>
+        <p:spPr>
+          <a:xfrm>
+            <a:off x="3962400" y="1384300"/>
+            <a:ext cx="4229100" cy="0"/>
+          </a:xfrm>
+          <a:prstGeom prst="line">
+            <a:avLst/>
+          </a:prstGeom>
+          <a:ln>
+            <a:solidFill>
+              <a:schemeClr val="bg1"/>
+            </a:solidFill>
+          </a:ln>
+        </p:spPr>
+        <p:style>
+          <a:lnRef idx="1">
+            <a:schemeClr val="accent1"/>
+          </a:lnRef>
+          <a:fillRef idx="0">
+            <a:schemeClr val="accent1"/>
+          </a:fillRef>
+          <a:effectRef idx="0">
+            <a:schemeClr val="accent1"/>
+          </a:effectRef>
+          <a:fontRef idx="minor">
+            <a:schemeClr val="tx1"/>
+          </a:fontRef>
+        </p:style>
+      </p:cxnSp>
+      <p:sp>
+        <p:nvSpPr>
+          <p:cNvPr id="15" name="ZoneTexte 14">
+            <a:extLst>
+              <a:ext uri="{FF2B5EF4-FFF2-40B4-BE49-F238E27FC236}">
+                <a16:creationId xmlns:a16="http://schemas.microsoft.com/office/drawing/2014/main" id="{53CF0677-C5D3-883C-FE4F-859A124258C6}"/>
+              </a:ext>
+            </a:extLst>
+          </p:cNvPr>
+          <p:cNvSpPr txBox="1"/>
+          <p:nvPr/>
+        </p:nvSpPr>
+        <p:spPr>
+          <a:xfrm>
+            <a:off x="0" y="36829"/>
+            <a:ext cx="12192000" cy="1569660"/>
+          </a:xfrm>
+          <a:prstGeom prst="rect">
+            <a:avLst/>
+          </a:prstGeom>
+          <a:noFill/>
+        </p:spPr>
+        <p:txBody>
+          <a:bodyPr wrap="square" rtlCol="0">
+            <a:spAutoFit/>
+          </a:bodyPr>
+          <a:lstStyle/>
+          <a:p>
+            <a:pPr algn="ctr"/>
+            <a:r>
+              <a:rPr lang="fr-CA" sz="9600" dirty="0">
+                <a:solidFill>
+                  <a:schemeClr val="bg1"/>
+                </a:solidFill>
+                <a:latin typeface="Bahnschrift SemiBold Condensed" panose="020B0502040204020203" pitchFamily="34" charset="0"/>
+              </a:rPr>
+              <a:t>LES COÛTS</a:t>
+            </a:r>
+          </a:p>
+        </p:txBody>
+      </p:sp>
+      <p:graphicFrame>
+        <p:nvGraphicFramePr>
+          <p:cNvPr id="23" name="Tableau 22">
+            <a:extLst>
+              <a:ext uri="{FF2B5EF4-FFF2-40B4-BE49-F238E27FC236}">
+                <a16:creationId xmlns:a16="http://schemas.microsoft.com/office/drawing/2014/main" id="{2874DD0F-FC38-4737-7DFE-279E712209DA}"/>
+              </a:ext>
+            </a:extLst>
+          </p:cNvPr>
+          <p:cNvGraphicFramePr>
+            <a:graphicFrameLocks noGrp="1"/>
+          </p:cNvGraphicFramePr>
+          <p:nvPr>
+            <p:extLst>
+              <p:ext uri="{D42A27DB-BD31-4B8C-83A1-F6EECF244321}">
+                <p14:modId xmlns:p14="http://schemas.microsoft.com/office/powerpoint/2010/main" val="1592024038"/>
+              </p:ext>
+            </p:extLst>
+          </p:nvPr>
+        </p:nvGraphicFramePr>
+        <p:xfrm>
+          <a:off x="1662911" y="1888249"/>
+          <a:ext cx="4257072" cy="4235216"/>
+        </p:xfrm>
+        <a:graphic>
+          <a:graphicData uri="http://schemas.openxmlformats.org/drawingml/2006/table">
+            <a:tbl>
+              <a:tblPr>
+                <a:solidFill>
+                  <a:schemeClr val="bg2">
+                    <a:lumMod val="25000"/>
+                  </a:schemeClr>
+                </a:solidFill>
+                <a:effectLst>
+                  <a:outerShdw blurRad="50800" dist="38100" dir="2700000" algn="tl" rotWithShape="0">
+                    <a:prstClr val="black">
+                      <a:alpha val="40000"/>
+                    </a:prstClr>
+                  </a:outerShdw>
+                </a:effectLst>
+              </a:tblPr>
+              <a:tblGrid>
+                <a:gridCol w="3038043">
+                  <a:extLst>
+                    <a:ext uri="{9D8B030D-6E8A-4147-A177-3AD203B41FA5}">
+                      <a16:colId xmlns:a16="http://schemas.microsoft.com/office/drawing/2014/main" val="257987770"/>
+                    </a:ext>
+                  </a:extLst>
+                </a:gridCol>
+                <a:gridCol w="1219029">
+                  <a:extLst>
+                    <a:ext uri="{9D8B030D-6E8A-4147-A177-3AD203B41FA5}">
+                      <a16:colId xmlns:a16="http://schemas.microsoft.com/office/drawing/2014/main" val="2811092480"/>
+                    </a:ext>
+                  </a:extLst>
+                </a:gridCol>
+              </a:tblGrid>
+              <a:tr h="705869">
+                <a:tc>
+                  <a:txBody>
+                    <a:bodyPr/>
+                    <a:lstStyle/>
+                    <a:p>
+                      <a:pPr algn="ctr"/>
+                      <a:r>
+                        <a:rPr lang="fr-CA" sz="2500" b="1" noProof="0" dirty="0">
+                          <a:solidFill>
+                            <a:schemeClr val="bg1"/>
+                          </a:solidFill>
+                          <a:latin typeface="Bahnschrift SemiBold Condensed" panose="020B0502040204020203" pitchFamily="34" charset="0"/>
+                        </a:rPr>
+                        <a:t>Mini-ordinateur</a:t>
+                      </a:r>
+                    </a:p>
+                  </a:txBody>
+                  <a:tcPr anchor="ctr">
+                    <a:lnL w="12700" cmpd="sng">
+                      <a:solidFill>
+                        <a:schemeClr val="bg1"/>
+                      </a:solidFill>
+                      <a:prstDash val="solid"/>
+                    </a:lnL>
+                    <a:lnR w="12700" cap="flat" cmpd="sng" algn="ctr">
+                      <a:solidFill>
+                        <a:schemeClr val="bg1"/>
+                      </a:solidFill>
+                      <a:prstDash val="solid"/>
+                      <a:round/>
+                      <a:headEnd type="none" w="med" len="med"/>
+                      <a:tailEnd type="none" w="med" len="med"/>
+                    </a:lnR>
+                    <a:lnT w="12700" cmpd="sng">
+                      <a:solidFill>
+                        <a:schemeClr val="bg1"/>
+                      </a:solidFill>
+                      <a:prstDash val="solid"/>
+                    </a:lnT>
+                    <a:lnB w="12700" cap="flat" cmpd="sng" algn="ctr">
+                      <a:solidFill>
+                        <a:schemeClr val="bg1"/>
+                      </a:solidFill>
+                      <a:prstDash val="solid"/>
+                      <a:round/>
+                      <a:headEnd type="none" w="med" len="med"/>
+                      <a:tailEnd type="none" w="med" len="med"/>
+                    </a:lnB>
+                  </a:tcPr>
+                </a:tc>
+                <a:tc>
+                  <a:txBody>
+                    <a:bodyPr/>
+                    <a:lstStyle/>
+                    <a:p>
+                      <a:pPr algn="ctr"/>
+                      <a:r>
+                        <a:rPr lang="en-CA" sz="2500" b="0" dirty="0">
+                          <a:solidFill>
+                            <a:schemeClr val="bg1"/>
+                          </a:solidFill>
+                          <a:latin typeface="Bahnschrift SemiBold Condensed" panose="020B0502040204020203" pitchFamily="34" charset="0"/>
+                        </a:rPr>
+                        <a:t>33$</a:t>
+                      </a:r>
+                    </a:p>
+                  </a:txBody>
+                  <a:tcPr anchor="ctr">
+                    <a:lnL w="12700" cap="flat" cmpd="sng" algn="ctr">
+                      <a:solidFill>
+                        <a:schemeClr val="bg1"/>
+                      </a:solidFill>
+                      <a:prstDash val="solid"/>
+                      <a:round/>
+                      <a:headEnd type="none" w="med" len="med"/>
+                      <a:tailEnd type="none" w="med" len="med"/>
+                    </a:lnL>
+                    <a:lnR w="12700" cmpd="sng">
+                      <a:solidFill>
+                        <a:schemeClr val="bg1"/>
+                      </a:solidFill>
+                      <a:prstDash val="solid"/>
+                    </a:lnR>
+                    <a:lnT w="12700" cap="flat" cmpd="sng" algn="ctr">
+                      <a:solidFill>
+                        <a:schemeClr val="bg1"/>
+                      </a:solidFill>
+                      <a:prstDash val="solid"/>
+                      <a:round/>
+                      <a:headEnd type="none" w="med" len="med"/>
+                      <a:tailEnd type="none" w="med" len="med"/>
+                    </a:lnT>
+                    <a:lnB w="12700" cap="flat" cmpd="sng" algn="ctr">
+                      <a:solidFill>
+                        <a:schemeClr val="bg1"/>
+                      </a:solidFill>
+                      <a:prstDash val="solid"/>
+                      <a:round/>
+                      <a:headEnd type="none" w="med" len="med"/>
+                      <a:tailEnd type="none" w="med" len="med"/>
+                    </a:lnB>
+                  </a:tcPr>
+                </a:tc>
+                <a:extLst>
+                  <a:ext uri="{0D108BD9-81ED-4DB2-BD59-A6C34878D82A}">
+                    <a16:rowId xmlns:a16="http://schemas.microsoft.com/office/drawing/2014/main" val="967966175"/>
+                  </a:ext>
+                </a:extLst>
+              </a:tr>
+              <a:tr h="705869">
+                <a:tc>
+                  <a:txBody>
+                    <a:bodyPr/>
+                    <a:lstStyle/>
+                    <a:p>
+                      <a:pPr algn="ctr"/>
+                      <a:r>
+                        <a:rPr lang="en-CA" sz="2500" b="1" dirty="0">
+                          <a:solidFill>
+                            <a:schemeClr val="bg1"/>
+                          </a:solidFill>
+                          <a:latin typeface="Bahnschrift SemiBold Condensed" panose="020B0502040204020203" pitchFamily="34" charset="0"/>
+                        </a:rPr>
+                        <a:t>Joystick</a:t>
+                      </a:r>
+                    </a:p>
+                  </a:txBody>
+                  <a:tcPr anchor="ctr">
+                    <a:lnL w="12700" cap="flat" cmpd="sng" algn="ctr">
+                      <a:solidFill>
+                        <a:schemeClr val="bg1"/>
+                      </a:solidFill>
+                      <a:prstDash val="solid"/>
+                      <a:round/>
+                      <a:headEnd type="none" w="med" len="med"/>
+                      <a:tailEnd type="none" w="med" len="med"/>
+                    </a:lnL>
+                    <a:lnR w="12700" cap="flat" cmpd="sng" algn="ctr">
+                      <a:solidFill>
+                        <a:schemeClr val="bg1"/>
+                      </a:solidFill>
+                      <a:prstDash val="solid"/>
+                      <a:round/>
+                      <a:headEnd type="none" w="med" len="med"/>
+                      <a:tailEnd type="none" w="med" len="med"/>
+                    </a:lnR>
+                    <a:lnT w="12700" cap="flat" cmpd="sng" algn="ctr">
+                      <a:solidFill>
+                        <a:schemeClr val="bg1"/>
+                      </a:solidFill>
+                      <a:prstDash val="solid"/>
+                      <a:round/>
+                      <a:headEnd type="none" w="med" len="med"/>
+                      <a:tailEnd type="none" w="med" len="med"/>
+                    </a:lnT>
+                    <a:lnB w="12700" cap="flat" cmpd="sng" algn="ctr">
+                      <a:solidFill>
+                        <a:schemeClr val="bg1"/>
+                      </a:solidFill>
+                      <a:prstDash val="solid"/>
+                      <a:round/>
+                      <a:headEnd type="none" w="med" len="med"/>
+                      <a:tailEnd type="none" w="med" len="med"/>
+                    </a:lnB>
+                  </a:tcPr>
+                </a:tc>
+                <a:tc>
+                  <a:txBody>
+                    <a:bodyPr/>
+                    <a:lstStyle/>
+                    <a:p>
+                      <a:pPr algn="ctr"/>
+                      <a:r>
+                        <a:rPr lang="en-CA" sz="2500" b="1" dirty="0">
+                          <a:solidFill>
+                            <a:schemeClr val="bg1"/>
+                          </a:solidFill>
+                          <a:latin typeface="Bahnschrift SemiBold Condensed" panose="020B0502040204020203" pitchFamily="34" charset="0"/>
+                        </a:rPr>
+                        <a:t>32$</a:t>
+                      </a:r>
+                    </a:p>
+                  </a:txBody>
+                  <a:tcPr anchor="ctr">
+                    <a:lnL w="12700" cap="flat" cmpd="sng" algn="ctr">
+                      <a:solidFill>
+                        <a:schemeClr val="bg1"/>
+                      </a:solidFill>
+                      <a:prstDash val="solid"/>
+                      <a:round/>
+                      <a:headEnd type="none" w="med" len="med"/>
+                      <a:tailEnd type="none" w="med" len="med"/>
+                    </a:lnL>
+                    <a:lnR w="12700" cap="flat" cmpd="sng" algn="ctr">
+                      <a:solidFill>
+                        <a:schemeClr val="bg1"/>
+                      </a:solidFill>
+                      <a:prstDash val="solid"/>
+                      <a:round/>
+                      <a:headEnd type="none" w="med" len="med"/>
+                      <a:tailEnd type="none" w="med" len="med"/>
+                    </a:lnR>
+                    <a:lnT w="12700" cap="flat" cmpd="sng" algn="ctr">
+                      <a:solidFill>
+                        <a:schemeClr val="bg1"/>
+                      </a:solidFill>
+                      <a:prstDash val="solid"/>
+                      <a:round/>
+                      <a:headEnd type="none" w="med" len="med"/>
+                      <a:tailEnd type="none" w="med" len="med"/>
+                    </a:lnT>
+                    <a:lnB w="12700" cap="flat" cmpd="sng" algn="ctr">
+                      <a:solidFill>
+                        <a:schemeClr val="bg1"/>
+                      </a:solidFill>
+                      <a:prstDash val="solid"/>
+                      <a:round/>
+                      <a:headEnd type="none" w="med" len="med"/>
+                      <a:tailEnd type="none" w="med" len="med"/>
+                    </a:lnB>
+                  </a:tcPr>
+                </a:tc>
+                <a:extLst>
+                  <a:ext uri="{0D108BD9-81ED-4DB2-BD59-A6C34878D82A}">
+                    <a16:rowId xmlns:a16="http://schemas.microsoft.com/office/drawing/2014/main" val="3903104917"/>
+                  </a:ext>
+                </a:extLst>
+              </a:tr>
+              <a:tr h="705870">
+                <a:tc>
+                  <a:txBody>
+                    <a:bodyPr/>
+                    <a:lstStyle/>
+                    <a:p>
+                      <a:pPr algn="ctr"/>
+                      <a:r>
+                        <a:rPr lang="en-CA" sz="2500" b="1" dirty="0">
+                          <a:solidFill>
+                            <a:schemeClr val="bg1"/>
+                          </a:solidFill>
+                          <a:latin typeface="Bahnschrift SemiBold Condensed" panose="020B0502040204020203" pitchFamily="34" charset="0"/>
+                        </a:rPr>
+                        <a:t>Boutons</a:t>
+                      </a:r>
+                    </a:p>
+                  </a:txBody>
+                  <a:tcPr anchor="ctr">
+                    <a:lnL w="12700" cap="flat" cmpd="sng" algn="ctr">
+                      <a:solidFill>
+                        <a:schemeClr val="bg1"/>
+                      </a:solidFill>
+                      <a:prstDash val="solid"/>
+                      <a:round/>
+                      <a:headEnd type="none" w="med" len="med"/>
+                      <a:tailEnd type="none" w="med" len="med"/>
+                    </a:lnL>
+                    <a:lnR w="12700" cap="flat" cmpd="sng" algn="ctr">
+                      <a:solidFill>
+                        <a:schemeClr val="bg1"/>
+                      </a:solidFill>
+                      <a:prstDash val="solid"/>
+                      <a:round/>
+                      <a:headEnd type="none" w="med" len="med"/>
+                      <a:tailEnd type="none" w="med" len="med"/>
+                    </a:lnR>
+                    <a:lnT w="12700" cap="flat" cmpd="sng" algn="ctr">
+                      <a:solidFill>
+                        <a:schemeClr val="bg1"/>
+                      </a:solidFill>
+                      <a:prstDash val="solid"/>
+                      <a:round/>
+                      <a:headEnd type="none" w="med" len="med"/>
+                      <a:tailEnd type="none" w="med" len="med"/>
+                    </a:lnT>
+                    <a:lnB w="12700" cap="flat" cmpd="sng" algn="ctr">
+                      <a:solidFill>
+                        <a:schemeClr val="bg1"/>
+                      </a:solidFill>
+                      <a:prstDash val="solid"/>
+                      <a:round/>
+                      <a:headEnd type="none" w="med" len="med"/>
+                      <a:tailEnd type="none" w="med" len="med"/>
+                    </a:lnB>
+                  </a:tcPr>
+                </a:tc>
+                <a:tc>
+                  <a:txBody>
+                    <a:bodyPr/>
+                    <a:lstStyle/>
+                    <a:p>
+                      <a:pPr algn="ctr"/>
+                      <a:r>
+                        <a:rPr lang="en-CA" sz="2500" b="1" dirty="0">
+                          <a:solidFill>
+                            <a:schemeClr val="bg1"/>
+                          </a:solidFill>
+                          <a:latin typeface="Bahnschrift SemiBold Condensed" panose="020B0502040204020203" pitchFamily="34" charset="0"/>
+                        </a:rPr>
+                        <a:t>20$</a:t>
+                      </a:r>
+                    </a:p>
+                  </a:txBody>
+                  <a:tcPr anchor="ctr">
+                    <a:lnL w="12700" cap="flat" cmpd="sng" algn="ctr">
+                      <a:solidFill>
+                        <a:schemeClr val="bg1"/>
+                      </a:solidFill>
+                      <a:prstDash val="solid"/>
+                      <a:round/>
+                      <a:headEnd type="none" w="med" len="med"/>
+                      <a:tailEnd type="none" w="med" len="med"/>
+                    </a:lnL>
+                    <a:lnR w="12700" cap="flat" cmpd="sng" algn="ctr">
+                      <a:solidFill>
+                        <a:schemeClr val="bg1"/>
+                      </a:solidFill>
+                      <a:prstDash val="solid"/>
+                      <a:round/>
+                      <a:headEnd type="none" w="med" len="med"/>
+                      <a:tailEnd type="none" w="med" len="med"/>
+                    </a:lnR>
+                    <a:lnT w="12700" cap="flat" cmpd="sng" algn="ctr">
+                      <a:solidFill>
+                        <a:schemeClr val="bg1"/>
+                      </a:solidFill>
+                      <a:prstDash val="solid"/>
+                      <a:round/>
+                      <a:headEnd type="none" w="med" len="med"/>
+                      <a:tailEnd type="none" w="med" len="med"/>
+                    </a:lnT>
+                    <a:lnB w="12700" cap="flat" cmpd="sng" algn="ctr">
+                      <a:solidFill>
+                        <a:schemeClr val="bg1"/>
+                      </a:solidFill>
+                      <a:prstDash val="solid"/>
+                      <a:round/>
+                      <a:headEnd type="none" w="med" len="med"/>
+                      <a:tailEnd type="none" w="med" len="med"/>
+                    </a:lnB>
+                  </a:tcPr>
+                </a:tc>
+                <a:extLst>
+                  <a:ext uri="{0D108BD9-81ED-4DB2-BD59-A6C34878D82A}">
+                    <a16:rowId xmlns:a16="http://schemas.microsoft.com/office/drawing/2014/main" val="897302474"/>
+                  </a:ext>
+                </a:extLst>
+              </a:tr>
+              <a:tr h="705870">
+                <a:tc>
+                  <a:txBody>
+                    <a:bodyPr/>
+                    <a:lstStyle/>
+                    <a:p>
+                      <a:pPr algn="ctr"/>
+                      <a:r>
+                        <a:rPr lang="fr-CA" sz="2500" b="1" noProof="0" dirty="0">
+                          <a:solidFill>
+                            <a:schemeClr val="bg1"/>
+                          </a:solidFill>
+                          <a:latin typeface="Bahnschrift SemiBold Condensed" panose="020B0502040204020203" pitchFamily="34" charset="0"/>
+                        </a:rPr>
+                        <a:t>Boîtier</a:t>
+                      </a:r>
+                    </a:p>
+                  </a:txBody>
+                  <a:tcPr anchor="ctr">
+                    <a:lnL w="12700" cap="flat" cmpd="sng" algn="ctr">
+                      <a:solidFill>
+                        <a:schemeClr val="bg1"/>
+                      </a:solidFill>
+                      <a:prstDash val="solid"/>
+                      <a:round/>
+                      <a:headEnd type="none" w="med" len="med"/>
+                      <a:tailEnd type="none" w="med" len="med"/>
+                    </a:lnL>
+                    <a:lnR w="12700" cap="flat" cmpd="sng" algn="ctr">
+                      <a:solidFill>
+                        <a:schemeClr val="bg1"/>
+                      </a:solidFill>
+                      <a:prstDash val="solid"/>
+                      <a:round/>
+                      <a:headEnd type="none" w="med" len="med"/>
+                      <a:tailEnd type="none" w="med" len="med"/>
+                    </a:lnR>
+                    <a:lnT w="12700" cap="flat" cmpd="sng" algn="ctr">
+                      <a:solidFill>
+                        <a:schemeClr val="bg1"/>
+                      </a:solidFill>
+                      <a:prstDash val="solid"/>
+                      <a:round/>
+                      <a:headEnd type="none" w="med" len="med"/>
+                      <a:tailEnd type="none" w="med" len="med"/>
+                    </a:lnT>
+                    <a:lnB w="12700" cap="flat" cmpd="sng" algn="ctr">
+                      <a:solidFill>
+                        <a:schemeClr val="bg1"/>
+                      </a:solidFill>
+                      <a:prstDash val="solid"/>
+                      <a:round/>
+                      <a:headEnd type="none" w="med" len="med"/>
+                      <a:tailEnd type="none" w="med" len="med"/>
+                    </a:lnB>
+                  </a:tcPr>
+                </a:tc>
+                <a:tc>
+                  <a:txBody>
+                    <a:bodyPr/>
+                    <a:lstStyle/>
+                    <a:p>
+                      <a:pPr algn="ctr"/>
+                      <a:r>
+                        <a:rPr lang="en-CA" sz="2500" b="1" dirty="0">
+                          <a:solidFill>
+                            <a:schemeClr val="bg1"/>
+                          </a:solidFill>
+                          <a:latin typeface="Bahnschrift SemiBold Condensed" panose="020B0502040204020203" pitchFamily="34" charset="0"/>
+                        </a:rPr>
+                        <a:t>10$</a:t>
+                      </a:r>
+                    </a:p>
+                  </a:txBody>
+                  <a:tcPr anchor="ctr">
+                    <a:lnL w="12700" cap="flat" cmpd="sng" algn="ctr">
+                      <a:solidFill>
+                        <a:schemeClr val="bg1"/>
+                      </a:solidFill>
+                      <a:prstDash val="solid"/>
+                      <a:round/>
+                      <a:headEnd type="none" w="med" len="med"/>
+                      <a:tailEnd type="none" w="med" len="med"/>
+                    </a:lnL>
+                    <a:lnR w="12700" cap="flat" cmpd="sng" algn="ctr">
+                      <a:solidFill>
+                        <a:schemeClr val="bg1"/>
+                      </a:solidFill>
+                      <a:prstDash val="solid"/>
+                      <a:round/>
+                      <a:headEnd type="none" w="med" len="med"/>
+                      <a:tailEnd type="none" w="med" len="med"/>
+                    </a:lnR>
+                    <a:lnT w="12700" cap="flat" cmpd="sng" algn="ctr">
+                      <a:solidFill>
+                        <a:schemeClr val="bg1"/>
+                      </a:solidFill>
+                      <a:prstDash val="solid"/>
+                      <a:round/>
+                      <a:headEnd type="none" w="med" len="med"/>
+                      <a:tailEnd type="none" w="med" len="med"/>
+                    </a:lnT>
+                    <a:lnB w="12700" cap="flat" cmpd="sng" algn="ctr">
+                      <a:solidFill>
+                        <a:schemeClr val="bg1"/>
+                      </a:solidFill>
+                      <a:prstDash val="solid"/>
+                      <a:round/>
+                      <a:headEnd type="none" w="med" len="med"/>
+                      <a:tailEnd type="none" w="med" len="med"/>
+                    </a:lnB>
+                  </a:tcPr>
+                </a:tc>
+                <a:extLst>
+                  <a:ext uri="{0D108BD9-81ED-4DB2-BD59-A6C34878D82A}">
+                    <a16:rowId xmlns:a16="http://schemas.microsoft.com/office/drawing/2014/main" val="2939287432"/>
+                  </a:ext>
+                </a:extLst>
+              </a:tr>
+              <a:tr h="705869">
+                <a:tc>
+                  <a:txBody>
+                    <a:bodyPr/>
+                    <a:lstStyle/>
+                    <a:p>
+                      <a:pPr algn="ctr"/>
+                      <a:r>
+                        <a:rPr lang="fr-CA" sz="2500" b="1" noProof="0" dirty="0">
+                          <a:solidFill>
+                            <a:schemeClr val="bg1"/>
+                          </a:solidFill>
+                          <a:latin typeface="Bahnschrift SemiBold Condensed" panose="020B0502040204020203" pitchFamily="34" charset="0"/>
+                        </a:rPr>
+                        <a:t>Électronique</a:t>
+                      </a:r>
+                    </a:p>
+                  </a:txBody>
+                  <a:tcPr anchor="ctr">
+                    <a:lnL w="12700" cap="flat" cmpd="sng" algn="ctr">
+                      <a:solidFill>
+                        <a:schemeClr val="bg1"/>
+                      </a:solidFill>
+                      <a:prstDash val="solid"/>
+                      <a:round/>
+                      <a:headEnd type="none" w="med" len="med"/>
+                      <a:tailEnd type="none" w="med" len="med"/>
+                    </a:lnL>
+                    <a:lnR w="12700" cap="flat" cmpd="sng" algn="ctr">
+                      <a:solidFill>
+                        <a:schemeClr val="bg1"/>
+                      </a:solidFill>
+                      <a:prstDash val="solid"/>
+                      <a:round/>
+                      <a:headEnd type="none" w="med" len="med"/>
+                      <a:tailEnd type="none" w="med" len="med"/>
+                    </a:lnR>
+                    <a:lnT w="12700" cap="flat" cmpd="sng" algn="ctr">
+                      <a:solidFill>
+                        <a:schemeClr val="bg1"/>
+                      </a:solidFill>
+                      <a:prstDash val="solid"/>
+                      <a:round/>
+                      <a:headEnd type="none" w="med" len="med"/>
+                      <a:tailEnd type="none" w="med" len="med"/>
+                    </a:lnT>
+                    <a:lnB w="12700" cap="flat" cmpd="sng" algn="ctr">
+                      <a:solidFill>
+                        <a:schemeClr val="bg1"/>
+                      </a:solidFill>
+                      <a:prstDash val="solid"/>
+                      <a:round/>
+                      <a:headEnd type="none" w="med" len="med"/>
+                      <a:tailEnd type="none" w="med" len="med"/>
+                    </a:lnB>
+                  </a:tcPr>
+                </a:tc>
+                <a:tc>
+                  <a:txBody>
+                    <a:bodyPr/>
+                    <a:lstStyle/>
+                    <a:p>
+                      <a:pPr algn="ctr"/>
+                      <a:r>
+                        <a:rPr lang="en-CA" sz="2500" b="1" dirty="0">
+                          <a:solidFill>
+                            <a:schemeClr val="bg1"/>
+                          </a:solidFill>
+                          <a:latin typeface="Bahnschrift SemiBold Condensed" panose="020B0502040204020203" pitchFamily="34" charset="0"/>
+                        </a:rPr>
+                        <a:t>35$</a:t>
+                      </a:r>
+                    </a:p>
+                  </a:txBody>
+                  <a:tcPr anchor="ctr">
+                    <a:lnL w="12700" cap="flat" cmpd="sng" algn="ctr">
+                      <a:solidFill>
+                        <a:schemeClr val="bg1"/>
+                      </a:solidFill>
+                      <a:prstDash val="solid"/>
+                      <a:round/>
+                      <a:headEnd type="none" w="med" len="med"/>
+                      <a:tailEnd type="none" w="med" len="med"/>
+                    </a:lnL>
+                    <a:lnR w="12700" cap="flat" cmpd="sng" algn="ctr">
+                      <a:solidFill>
+                        <a:schemeClr val="bg1"/>
+                      </a:solidFill>
+                      <a:prstDash val="solid"/>
+                      <a:round/>
+                      <a:headEnd type="none" w="med" len="med"/>
+                      <a:tailEnd type="none" w="med" len="med"/>
+                    </a:lnR>
+                    <a:lnT w="12700" cap="flat" cmpd="sng" algn="ctr">
+                      <a:solidFill>
+                        <a:schemeClr val="bg1"/>
+                      </a:solidFill>
+                      <a:prstDash val="solid"/>
+                      <a:round/>
+                      <a:headEnd type="none" w="med" len="med"/>
+                      <a:tailEnd type="none" w="med" len="med"/>
+                    </a:lnT>
+                    <a:lnB w="12700" cap="flat" cmpd="sng" algn="ctr">
+                      <a:solidFill>
+                        <a:schemeClr val="bg1"/>
+                      </a:solidFill>
+                      <a:prstDash val="solid"/>
+                      <a:round/>
+                      <a:headEnd type="none" w="med" len="med"/>
+                      <a:tailEnd type="none" w="med" len="med"/>
+                    </a:lnB>
+                  </a:tcPr>
+                </a:tc>
+                <a:extLst>
+                  <a:ext uri="{0D108BD9-81ED-4DB2-BD59-A6C34878D82A}">
+                    <a16:rowId xmlns:a16="http://schemas.microsoft.com/office/drawing/2014/main" val="3883187285"/>
+                  </a:ext>
+                </a:extLst>
+              </a:tr>
+              <a:tr h="705869">
+                <a:tc>
+                  <a:txBody>
+                    <a:bodyPr/>
+                    <a:lstStyle/>
+                    <a:p>
+                      <a:pPr algn="ctr"/>
+                      <a:r>
+                        <a:rPr lang="en-CA" sz="2500" b="1" dirty="0">
+                          <a:solidFill>
+                            <a:schemeClr val="bg1"/>
+                          </a:solidFill>
+                          <a:latin typeface="Bahnschrift SemiBold Condensed" panose="020B0502040204020203" pitchFamily="34" charset="0"/>
+                        </a:rPr>
+                        <a:t>Total</a:t>
+                      </a:r>
+                    </a:p>
+                  </a:txBody>
+                  <a:tcPr anchor="ctr">
+                    <a:lnL w="12700" cap="flat" cmpd="sng" algn="ctr">
+                      <a:solidFill>
+                        <a:schemeClr val="bg1"/>
+                      </a:solidFill>
+                      <a:prstDash val="solid"/>
+                      <a:round/>
+                      <a:headEnd type="none" w="med" len="med"/>
+                      <a:tailEnd type="none" w="med" len="med"/>
+                    </a:lnL>
+                    <a:lnR w="12700" cap="flat" cmpd="sng" algn="ctr">
+                      <a:solidFill>
+                        <a:schemeClr val="bg1"/>
+                      </a:solidFill>
+                      <a:prstDash val="solid"/>
+                      <a:round/>
+                      <a:headEnd type="none" w="med" len="med"/>
+                      <a:tailEnd type="none" w="med" len="med"/>
+                    </a:lnR>
+                    <a:lnT w="12700" cap="flat" cmpd="sng" algn="ctr">
+                      <a:solidFill>
+                        <a:schemeClr val="bg1"/>
+                      </a:solidFill>
+                      <a:prstDash val="solid"/>
+                      <a:round/>
+                      <a:headEnd type="none" w="med" len="med"/>
+                      <a:tailEnd type="none" w="med" len="med"/>
+                    </a:lnT>
+                    <a:lnB w="12700" cmpd="sng">
+                      <a:solidFill>
+                        <a:schemeClr val="bg1"/>
+                      </a:solidFill>
+                      <a:prstDash val="solid"/>
+                    </a:lnB>
+                  </a:tcPr>
+                </a:tc>
+                <a:tc>
+                  <a:txBody>
+                    <a:bodyPr/>
+                    <a:lstStyle/>
+                    <a:p>
+                      <a:pPr algn="ctr"/>
+                      <a:r>
+                        <a:rPr lang="en-CA" sz="2500" b="1" dirty="0">
+                          <a:solidFill>
+                            <a:schemeClr val="bg1"/>
+                          </a:solidFill>
+                          <a:latin typeface="Bahnschrift SemiBold Condensed" panose="020B0502040204020203" pitchFamily="34" charset="0"/>
+                        </a:rPr>
+                        <a:t>130$</a:t>
+                      </a:r>
+                    </a:p>
+                  </a:txBody>
+                  <a:tcPr anchor="ctr">
+                    <a:lnL w="12700" cap="flat" cmpd="sng" algn="ctr">
+                      <a:solidFill>
+                        <a:schemeClr val="bg1"/>
+                      </a:solidFill>
+                      <a:prstDash val="solid"/>
+                      <a:round/>
+                      <a:headEnd type="none" w="med" len="med"/>
+                      <a:tailEnd type="none" w="med" len="med"/>
+                    </a:lnL>
+                    <a:lnR w="12700" cap="flat" cmpd="sng" algn="ctr">
+                      <a:solidFill>
+                        <a:schemeClr val="bg1"/>
+                      </a:solidFill>
+                      <a:prstDash val="solid"/>
+                      <a:round/>
+                      <a:headEnd type="none" w="med" len="med"/>
+                      <a:tailEnd type="none" w="med" len="med"/>
+                    </a:lnR>
+                    <a:lnT w="12700" cap="flat" cmpd="sng" algn="ctr">
+                      <a:solidFill>
+                        <a:schemeClr val="bg1"/>
+                      </a:solidFill>
+                      <a:prstDash val="solid"/>
+                      <a:round/>
+                      <a:headEnd type="none" w="med" len="med"/>
+                      <a:tailEnd type="none" w="med" len="med"/>
+                    </a:lnT>
+                    <a:lnB w="12700" cap="flat" cmpd="sng" algn="ctr">
+                      <a:solidFill>
+                        <a:schemeClr val="bg1"/>
+                      </a:solidFill>
+                      <a:prstDash val="solid"/>
+                      <a:round/>
+                      <a:headEnd type="none" w="med" len="med"/>
+                      <a:tailEnd type="none" w="med" len="med"/>
+                    </a:lnB>
+                  </a:tcPr>
+                </a:tc>
+                <a:extLst>
+                  <a:ext uri="{0D108BD9-81ED-4DB2-BD59-A6C34878D82A}">
+                    <a16:rowId xmlns:a16="http://schemas.microsoft.com/office/drawing/2014/main" val="30935214"/>
+                  </a:ext>
+                </a:extLst>
+              </a:tr>
+            </a:tbl>
+          </a:graphicData>
+        </a:graphic>
+      </p:graphicFrame>
+      <p:grpSp>
+        <p:nvGrpSpPr>
+          <p:cNvPr id="14" name="Groupe 13">
+            <a:extLst>
+              <a:ext uri="{FF2B5EF4-FFF2-40B4-BE49-F238E27FC236}">
+                <a16:creationId xmlns:a16="http://schemas.microsoft.com/office/drawing/2014/main" id="{8B027C73-77AE-BDB0-19B2-C313B9F5FEC7}"/>
+              </a:ext>
+            </a:extLst>
+          </p:cNvPr>
+          <p:cNvGrpSpPr/>
+          <p:nvPr/>
+        </p:nvGrpSpPr>
+        <p:grpSpPr>
+          <a:xfrm>
+            <a:off x="7383828" y="2301987"/>
+            <a:ext cx="3332464" cy="3332464"/>
+            <a:chOff x="1755007" y="304590"/>
+            <a:chExt cx="4010981" cy="4010981"/>
+          </a:xfrm>
+        </p:grpSpPr>
+        <p:pic>
+          <p:nvPicPr>
+            <p:cNvPr id="16" name="Image 15">
+              <a:extLst>
+                <a:ext uri="{FF2B5EF4-FFF2-40B4-BE49-F238E27FC236}">
+                  <a16:creationId xmlns:a16="http://schemas.microsoft.com/office/drawing/2014/main" id="{97289177-DE93-C2BB-4D4C-AE43F8EA69DB}"/>
+                </a:ext>
+              </a:extLst>
+            </p:cNvPr>
+            <p:cNvPicPr>
+              <a:picLocks noChangeAspect="1"/>
+            </p:cNvPicPr>
+            <p:nvPr/>
+          </p:nvPicPr>
+          <p:blipFill>
+            <a:blip r:embed="rId5">
+              <a:extLst>
+                <a:ext uri="{28A0092B-C50C-407E-A947-70E740481C1C}">
+                  <a14:useLocalDpi xmlns:a14="http://schemas.microsoft.com/office/drawing/2010/main" val="0"/>
+                </a:ext>
+              </a:extLst>
+            </a:blip>
+            <a:stretch>
+              <a:fillRect/>
+            </a:stretch>
+          </p:blipFill>
+          <p:spPr>
+            <a:xfrm>
+              <a:off x="1755007" y="304590"/>
+              <a:ext cx="4010981" cy="4010981"/>
+            </a:xfrm>
+            <a:prstGeom prst="ellipse">
+              <a:avLst/>
+            </a:prstGeom>
+            <a:ln w="63500" cap="rnd">
+              <a:solidFill>
+                <a:srgbClr val="333333"/>
+              </a:solidFill>
+            </a:ln>
+            <a:effectLst>
+              <a:outerShdw blurRad="381000" dist="292100" dir="5400000" sx="-80000" sy="-18000" rotWithShape="0">
+                <a:srgbClr val="000000">
+                  <a:alpha val="0"/>
+                </a:srgbClr>
+              </a:outerShdw>
+            </a:effectLst>
+            <a:scene3d>
+              <a:camera prst="orthographicFront"/>
+              <a:lightRig rig="contrasting" dir="t">
+                <a:rot lat="0" lon="0" rev="3000000"/>
+              </a:lightRig>
+            </a:scene3d>
+            <a:sp3d contourW="7620">
+              <a:bevelT w="95250" h="31750"/>
+              <a:contourClr>
+                <a:srgbClr val="333333"/>
+              </a:contourClr>
+            </a:sp3d>
+          </p:spPr>
+        </p:pic>
+        <p:pic>
+          <p:nvPicPr>
+            <p:cNvPr id="19" name="Image 18">
+              <a:extLst>
+                <a:ext uri="{FF2B5EF4-FFF2-40B4-BE49-F238E27FC236}">
+                  <a16:creationId xmlns:a16="http://schemas.microsoft.com/office/drawing/2014/main" id="{A878315E-754D-C0F8-72F1-743790866A29}"/>
+                </a:ext>
+              </a:extLst>
+            </p:cNvPr>
+            <p:cNvPicPr>
+              <a:picLocks noChangeAspect="1"/>
+            </p:cNvPicPr>
+            <p:nvPr/>
+          </p:nvPicPr>
+          <p:blipFill>
+            <a:blip r:embed="rId6">
+              <a:extLst>
+                <a:ext uri="{28A0092B-C50C-407E-A947-70E740481C1C}">
+                  <a14:useLocalDpi xmlns:a14="http://schemas.microsoft.com/office/drawing/2010/main" val="0"/>
+                </a:ext>
+              </a:extLst>
+            </a:blip>
+            <a:stretch>
+              <a:fillRect/>
+            </a:stretch>
+          </p:blipFill>
+          <p:spPr>
+            <a:xfrm>
+              <a:off x="3340105" y="2931320"/>
+              <a:ext cx="840784" cy="959074"/>
+            </a:xfrm>
+            <a:prstGeom prst="rect">
+              <a:avLst/>
+            </a:prstGeom>
+          </p:spPr>
+        </p:pic>
+      </p:grpSp>
+    </p:spTree>
+    <p:extLst>
+      <p:ext uri="{BB962C8B-B14F-4D97-AF65-F5344CB8AC3E}">
         <p14:creationId xmlns:p14="http://schemas.microsoft.com/office/powerpoint/2010/main" val="4015542415"/>
       </p:ext>
     </p:extLst>
@@ -9753,7 +13761,7 @@
           <p:nvPr/>
         </p:nvPicPr>
         <p:blipFill>
-          <a:blip r:embed="rId2">
+          <a:blip r:embed="rId3">
             <a:extLst>
               <a:ext uri="{28A0092B-C50C-407E-A947-70E740481C1C}">
                 <a14:useLocalDpi xmlns:a14="http://schemas.microsoft.com/office/drawing/2010/main" val="0"/>
@@ -9843,7 +13851,7 @@
             <p:nvPr/>
           </p:nvPicPr>
           <p:blipFill>
-            <a:blip r:embed="rId3">
+            <a:blip r:embed="rId4">
               <a:extLst>
                 <a:ext uri="{28A0092B-C50C-407E-A947-70E740481C1C}">
                   <a14:useLocalDpi xmlns:a14="http://schemas.microsoft.com/office/drawing/2010/main" val="0"/>
@@ -9903,7 +13911,7 @@
             <p:nvPr/>
           </p:nvPicPr>
           <p:blipFill>
-            <a:blip r:embed="rId4">
+            <a:blip r:embed="rId5">
               <a:extLst>
                 <a:ext uri="{28A0092B-C50C-407E-A947-70E740481C1C}">
                   <a14:useLocalDpi xmlns:a14="http://schemas.microsoft.com/office/drawing/2010/main" val="0"/>
@@ -10055,7 +14063,7 @@
           <p:nvPr/>
         </p:nvPicPr>
         <p:blipFill>
-          <a:blip r:embed="rId5">
+          <a:blip r:embed="rId6">
             <a:extLst>
               <a:ext uri="{28A0092B-C50C-407E-A947-70E740481C1C}">
                 <a14:useLocalDpi xmlns:a14="http://schemas.microsoft.com/office/drawing/2010/main" val="0"/>
@@ -10102,7 +14110,7 @@
           <p:nvPr/>
         </p:nvPicPr>
         <p:blipFill>
-          <a:blip r:embed="rId6"/>
+          <a:blip r:embed="rId7"/>
           <a:stretch>
             <a:fillRect/>
           </a:stretch>
@@ -10132,7 +14140,7 @@
           <p:nvPr/>
         </p:nvPicPr>
         <p:blipFill>
-          <a:blip r:embed="rId7">
+          <a:blip r:embed="rId8">
             <a:extLst>
               <a:ext uri="{28A0092B-C50C-407E-A947-70E740481C1C}">
                 <a14:useLocalDpi xmlns:a14="http://schemas.microsoft.com/office/drawing/2010/main" val="0"/>
@@ -10459,7 +14467,7 @@
           <p:nvPr/>
         </p:nvPicPr>
         <p:blipFill>
-          <a:blip r:embed="rId8">
+          <a:blip r:embed="rId9">
             <a:extLst>
               <a:ext uri="{28A0092B-C50C-407E-A947-70E740481C1C}">
                 <a14:useLocalDpi xmlns:a14="http://schemas.microsoft.com/office/drawing/2010/main" val="0"/>
@@ -10633,6 +14641,769 @@
           </a:p>
         </p:txBody>
       </p:sp>
+      <p:graphicFrame>
+        <p:nvGraphicFramePr>
+          <p:cNvPr id="8" name="Tableau 7">
+            <a:extLst>
+              <a:ext uri="{FF2B5EF4-FFF2-40B4-BE49-F238E27FC236}">
+                <a16:creationId xmlns:a16="http://schemas.microsoft.com/office/drawing/2014/main" id="{41AC2DCB-EA51-D2FF-B19B-CD19986DEEDD}"/>
+              </a:ext>
+            </a:extLst>
+          </p:cNvPr>
+          <p:cNvGraphicFramePr>
+            <a:graphicFrameLocks noGrp="1"/>
+          </p:cNvGraphicFramePr>
+          <p:nvPr>
+            <p:extLst>
+              <p:ext uri="{D42A27DB-BD31-4B8C-83A1-F6EECF244321}">
+                <p14:modId xmlns:p14="http://schemas.microsoft.com/office/powerpoint/2010/main" val="4140971570"/>
+              </p:ext>
+            </p:extLst>
+          </p:nvPr>
+        </p:nvGraphicFramePr>
+        <p:xfrm>
+          <a:off x="12977668" y="1360480"/>
+          <a:ext cx="4257072" cy="4235216"/>
+        </p:xfrm>
+        <a:graphic>
+          <a:graphicData uri="http://schemas.openxmlformats.org/drawingml/2006/table">
+            <a:tbl>
+              <a:tblPr>
+                <a:solidFill>
+                  <a:schemeClr val="bg2">
+                    <a:lumMod val="25000"/>
+                  </a:schemeClr>
+                </a:solidFill>
+                <a:effectLst>
+                  <a:outerShdw blurRad="50800" dist="38100" dir="2700000" algn="tl" rotWithShape="0">
+                    <a:prstClr val="black">
+                      <a:alpha val="40000"/>
+                    </a:prstClr>
+                  </a:outerShdw>
+                </a:effectLst>
+              </a:tblPr>
+              <a:tblGrid>
+                <a:gridCol w="3038043">
+                  <a:extLst>
+                    <a:ext uri="{9D8B030D-6E8A-4147-A177-3AD203B41FA5}">
+                      <a16:colId xmlns:a16="http://schemas.microsoft.com/office/drawing/2014/main" val="257987770"/>
+                    </a:ext>
+                  </a:extLst>
+                </a:gridCol>
+                <a:gridCol w="1219029">
+                  <a:extLst>
+                    <a:ext uri="{9D8B030D-6E8A-4147-A177-3AD203B41FA5}">
+                      <a16:colId xmlns:a16="http://schemas.microsoft.com/office/drawing/2014/main" val="2811092480"/>
+                    </a:ext>
+                  </a:extLst>
+                </a:gridCol>
+              </a:tblGrid>
+              <a:tr h="705869">
+                <a:tc>
+                  <a:txBody>
+                    <a:bodyPr/>
+                    <a:lstStyle/>
+                    <a:p>
+                      <a:pPr algn="ctr"/>
+                      <a:r>
+                        <a:rPr lang="fr-CA" sz="2500" b="1" noProof="0" dirty="0">
+                          <a:solidFill>
+                            <a:schemeClr val="bg1"/>
+                          </a:solidFill>
+                          <a:latin typeface="Bahnschrift SemiBold Condensed" panose="020B0502040204020203" pitchFamily="34" charset="0"/>
+                        </a:rPr>
+                        <a:t>Mini-ordinateur</a:t>
+                      </a:r>
+                    </a:p>
+                  </a:txBody>
+                  <a:tcPr anchor="ctr">
+                    <a:lnL w="12700" cmpd="sng">
+                      <a:solidFill>
+                        <a:schemeClr val="bg1"/>
+                      </a:solidFill>
+                      <a:prstDash val="solid"/>
+                    </a:lnL>
+                    <a:lnR w="12700" cap="flat" cmpd="sng" algn="ctr">
+                      <a:solidFill>
+                        <a:schemeClr val="bg1"/>
+                      </a:solidFill>
+                      <a:prstDash val="solid"/>
+                      <a:round/>
+                      <a:headEnd type="none" w="med" len="med"/>
+                      <a:tailEnd type="none" w="med" len="med"/>
+                    </a:lnR>
+                    <a:lnT w="12700" cmpd="sng">
+                      <a:solidFill>
+                        <a:schemeClr val="bg1"/>
+                      </a:solidFill>
+                      <a:prstDash val="solid"/>
+                    </a:lnT>
+                    <a:lnB w="12700" cap="flat" cmpd="sng" algn="ctr">
+                      <a:solidFill>
+                        <a:schemeClr val="bg1"/>
+                      </a:solidFill>
+                      <a:prstDash val="solid"/>
+                      <a:round/>
+                      <a:headEnd type="none" w="med" len="med"/>
+                      <a:tailEnd type="none" w="med" len="med"/>
+                    </a:lnB>
+                  </a:tcPr>
+                </a:tc>
+                <a:tc>
+                  <a:txBody>
+                    <a:bodyPr/>
+                    <a:lstStyle/>
+                    <a:p>
+                      <a:pPr algn="ctr"/>
+                      <a:r>
+                        <a:rPr lang="en-CA" sz="2500" b="0" dirty="0">
+                          <a:solidFill>
+                            <a:schemeClr val="bg1"/>
+                          </a:solidFill>
+                          <a:latin typeface="Bahnschrift SemiBold Condensed" panose="020B0502040204020203" pitchFamily="34" charset="0"/>
+                        </a:rPr>
+                        <a:t>33$</a:t>
+                      </a:r>
+                    </a:p>
+                  </a:txBody>
+                  <a:tcPr anchor="ctr">
+                    <a:lnL w="12700" cap="flat" cmpd="sng" algn="ctr">
+                      <a:solidFill>
+                        <a:schemeClr val="bg1"/>
+                      </a:solidFill>
+                      <a:prstDash val="solid"/>
+                      <a:round/>
+                      <a:headEnd type="none" w="med" len="med"/>
+                      <a:tailEnd type="none" w="med" len="med"/>
+                    </a:lnL>
+                    <a:lnR w="12700" cmpd="sng">
+                      <a:solidFill>
+                        <a:schemeClr val="bg1"/>
+                      </a:solidFill>
+                      <a:prstDash val="solid"/>
+                    </a:lnR>
+                    <a:lnT w="12700" cap="flat" cmpd="sng" algn="ctr">
+                      <a:solidFill>
+                        <a:schemeClr val="bg1"/>
+                      </a:solidFill>
+                      <a:prstDash val="solid"/>
+                      <a:round/>
+                      <a:headEnd type="none" w="med" len="med"/>
+                      <a:tailEnd type="none" w="med" len="med"/>
+                    </a:lnT>
+                    <a:lnB w="12700" cap="flat" cmpd="sng" algn="ctr">
+                      <a:solidFill>
+                        <a:schemeClr val="bg1"/>
+                      </a:solidFill>
+                      <a:prstDash val="solid"/>
+                      <a:round/>
+                      <a:headEnd type="none" w="med" len="med"/>
+                      <a:tailEnd type="none" w="med" len="med"/>
+                    </a:lnB>
+                  </a:tcPr>
+                </a:tc>
+                <a:extLst>
+                  <a:ext uri="{0D108BD9-81ED-4DB2-BD59-A6C34878D82A}">
+                    <a16:rowId xmlns:a16="http://schemas.microsoft.com/office/drawing/2014/main" val="967966175"/>
+                  </a:ext>
+                </a:extLst>
+              </a:tr>
+              <a:tr h="705869">
+                <a:tc>
+                  <a:txBody>
+                    <a:bodyPr/>
+                    <a:lstStyle/>
+                    <a:p>
+                      <a:pPr algn="ctr"/>
+                      <a:r>
+                        <a:rPr lang="en-CA" sz="2500" b="1" dirty="0">
+                          <a:solidFill>
+                            <a:schemeClr val="bg1"/>
+                          </a:solidFill>
+                          <a:latin typeface="Bahnschrift SemiBold Condensed" panose="020B0502040204020203" pitchFamily="34" charset="0"/>
+                        </a:rPr>
+                        <a:t>Joystick</a:t>
+                      </a:r>
+                    </a:p>
+                  </a:txBody>
+                  <a:tcPr anchor="ctr">
+                    <a:lnL w="12700" cap="flat" cmpd="sng" algn="ctr">
+                      <a:solidFill>
+                        <a:schemeClr val="bg1"/>
+                      </a:solidFill>
+                      <a:prstDash val="solid"/>
+                      <a:round/>
+                      <a:headEnd type="none" w="med" len="med"/>
+                      <a:tailEnd type="none" w="med" len="med"/>
+                    </a:lnL>
+                    <a:lnR w="12700" cap="flat" cmpd="sng" algn="ctr">
+                      <a:solidFill>
+                        <a:schemeClr val="bg1"/>
+                      </a:solidFill>
+                      <a:prstDash val="solid"/>
+                      <a:round/>
+                      <a:headEnd type="none" w="med" len="med"/>
+                      <a:tailEnd type="none" w="med" len="med"/>
+                    </a:lnR>
+                    <a:lnT w="12700" cap="flat" cmpd="sng" algn="ctr">
+                      <a:solidFill>
+                        <a:schemeClr val="bg1"/>
+                      </a:solidFill>
+                      <a:prstDash val="solid"/>
+                      <a:round/>
+                      <a:headEnd type="none" w="med" len="med"/>
+                      <a:tailEnd type="none" w="med" len="med"/>
+                    </a:lnT>
+                    <a:lnB w="12700" cap="flat" cmpd="sng" algn="ctr">
+                      <a:solidFill>
+                        <a:schemeClr val="bg1"/>
+                      </a:solidFill>
+                      <a:prstDash val="solid"/>
+                      <a:round/>
+                      <a:headEnd type="none" w="med" len="med"/>
+                      <a:tailEnd type="none" w="med" len="med"/>
+                    </a:lnB>
+                  </a:tcPr>
+                </a:tc>
+                <a:tc>
+                  <a:txBody>
+                    <a:bodyPr/>
+                    <a:lstStyle/>
+                    <a:p>
+                      <a:pPr algn="ctr"/>
+                      <a:r>
+                        <a:rPr lang="en-CA" sz="2500" b="1" dirty="0">
+                          <a:solidFill>
+                            <a:schemeClr val="bg1"/>
+                          </a:solidFill>
+                          <a:latin typeface="Bahnschrift SemiBold Condensed" panose="020B0502040204020203" pitchFamily="34" charset="0"/>
+                        </a:rPr>
+                        <a:t>32$</a:t>
+                      </a:r>
+                    </a:p>
+                  </a:txBody>
+                  <a:tcPr anchor="ctr">
+                    <a:lnL w="12700" cap="flat" cmpd="sng" algn="ctr">
+                      <a:solidFill>
+                        <a:schemeClr val="bg1"/>
+                      </a:solidFill>
+                      <a:prstDash val="solid"/>
+                      <a:round/>
+                      <a:headEnd type="none" w="med" len="med"/>
+                      <a:tailEnd type="none" w="med" len="med"/>
+                    </a:lnL>
+                    <a:lnR w="12700" cap="flat" cmpd="sng" algn="ctr">
+                      <a:solidFill>
+                        <a:schemeClr val="bg1"/>
+                      </a:solidFill>
+                      <a:prstDash val="solid"/>
+                      <a:round/>
+                      <a:headEnd type="none" w="med" len="med"/>
+                      <a:tailEnd type="none" w="med" len="med"/>
+                    </a:lnR>
+                    <a:lnT w="12700" cap="flat" cmpd="sng" algn="ctr">
+                      <a:solidFill>
+                        <a:schemeClr val="bg1"/>
+                      </a:solidFill>
+                      <a:prstDash val="solid"/>
+                      <a:round/>
+                      <a:headEnd type="none" w="med" len="med"/>
+                      <a:tailEnd type="none" w="med" len="med"/>
+                    </a:lnT>
+                    <a:lnB w="12700" cap="flat" cmpd="sng" algn="ctr">
+                      <a:solidFill>
+                        <a:schemeClr val="bg1"/>
+                      </a:solidFill>
+                      <a:prstDash val="solid"/>
+                      <a:round/>
+                      <a:headEnd type="none" w="med" len="med"/>
+                      <a:tailEnd type="none" w="med" len="med"/>
+                    </a:lnB>
+                  </a:tcPr>
+                </a:tc>
+                <a:extLst>
+                  <a:ext uri="{0D108BD9-81ED-4DB2-BD59-A6C34878D82A}">
+                    <a16:rowId xmlns:a16="http://schemas.microsoft.com/office/drawing/2014/main" val="3903104917"/>
+                  </a:ext>
+                </a:extLst>
+              </a:tr>
+              <a:tr h="705870">
+                <a:tc>
+                  <a:txBody>
+                    <a:bodyPr/>
+                    <a:lstStyle/>
+                    <a:p>
+                      <a:pPr algn="ctr"/>
+                      <a:r>
+                        <a:rPr lang="en-CA" sz="2500" b="1" dirty="0">
+                          <a:solidFill>
+                            <a:schemeClr val="bg1"/>
+                          </a:solidFill>
+                          <a:latin typeface="Bahnschrift SemiBold Condensed" panose="020B0502040204020203" pitchFamily="34" charset="0"/>
+                        </a:rPr>
+                        <a:t>Boutons</a:t>
+                      </a:r>
+                    </a:p>
+                  </a:txBody>
+                  <a:tcPr anchor="ctr">
+                    <a:lnL w="12700" cap="flat" cmpd="sng" algn="ctr">
+                      <a:solidFill>
+                        <a:schemeClr val="bg1"/>
+                      </a:solidFill>
+                      <a:prstDash val="solid"/>
+                      <a:round/>
+                      <a:headEnd type="none" w="med" len="med"/>
+                      <a:tailEnd type="none" w="med" len="med"/>
+                    </a:lnL>
+                    <a:lnR w="12700" cap="flat" cmpd="sng" algn="ctr">
+                      <a:solidFill>
+                        <a:schemeClr val="bg1"/>
+                      </a:solidFill>
+                      <a:prstDash val="solid"/>
+                      <a:round/>
+                      <a:headEnd type="none" w="med" len="med"/>
+                      <a:tailEnd type="none" w="med" len="med"/>
+                    </a:lnR>
+                    <a:lnT w="12700" cap="flat" cmpd="sng" algn="ctr">
+                      <a:solidFill>
+                        <a:schemeClr val="bg1"/>
+                      </a:solidFill>
+                      <a:prstDash val="solid"/>
+                      <a:round/>
+                      <a:headEnd type="none" w="med" len="med"/>
+                      <a:tailEnd type="none" w="med" len="med"/>
+                    </a:lnT>
+                    <a:lnB w="12700" cap="flat" cmpd="sng" algn="ctr">
+                      <a:solidFill>
+                        <a:schemeClr val="bg1"/>
+                      </a:solidFill>
+                      <a:prstDash val="solid"/>
+                      <a:round/>
+                      <a:headEnd type="none" w="med" len="med"/>
+                      <a:tailEnd type="none" w="med" len="med"/>
+                    </a:lnB>
+                  </a:tcPr>
+                </a:tc>
+                <a:tc>
+                  <a:txBody>
+                    <a:bodyPr/>
+                    <a:lstStyle/>
+                    <a:p>
+                      <a:pPr algn="ctr"/>
+                      <a:r>
+                        <a:rPr lang="en-CA" sz="2500" b="1" dirty="0">
+                          <a:solidFill>
+                            <a:schemeClr val="bg1"/>
+                          </a:solidFill>
+                          <a:latin typeface="Bahnschrift SemiBold Condensed" panose="020B0502040204020203" pitchFamily="34" charset="0"/>
+                        </a:rPr>
+                        <a:t>20$</a:t>
+                      </a:r>
+                    </a:p>
+                  </a:txBody>
+                  <a:tcPr anchor="ctr">
+                    <a:lnL w="12700" cap="flat" cmpd="sng" algn="ctr">
+                      <a:solidFill>
+                        <a:schemeClr val="bg1"/>
+                      </a:solidFill>
+                      <a:prstDash val="solid"/>
+                      <a:round/>
+                      <a:headEnd type="none" w="med" len="med"/>
+                      <a:tailEnd type="none" w="med" len="med"/>
+                    </a:lnL>
+                    <a:lnR w="12700" cap="flat" cmpd="sng" algn="ctr">
+                      <a:solidFill>
+                        <a:schemeClr val="bg1"/>
+                      </a:solidFill>
+                      <a:prstDash val="solid"/>
+                      <a:round/>
+                      <a:headEnd type="none" w="med" len="med"/>
+                      <a:tailEnd type="none" w="med" len="med"/>
+                    </a:lnR>
+                    <a:lnT w="12700" cap="flat" cmpd="sng" algn="ctr">
+                      <a:solidFill>
+                        <a:schemeClr val="bg1"/>
+                      </a:solidFill>
+                      <a:prstDash val="solid"/>
+                      <a:round/>
+                      <a:headEnd type="none" w="med" len="med"/>
+                      <a:tailEnd type="none" w="med" len="med"/>
+                    </a:lnT>
+                    <a:lnB w="12700" cap="flat" cmpd="sng" algn="ctr">
+                      <a:solidFill>
+                        <a:schemeClr val="bg1"/>
+                      </a:solidFill>
+                      <a:prstDash val="solid"/>
+                      <a:round/>
+                      <a:headEnd type="none" w="med" len="med"/>
+                      <a:tailEnd type="none" w="med" len="med"/>
+                    </a:lnB>
+                  </a:tcPr>
+                </a:tc>
+                <a:extLst>
+                  <a:ext uri="{0D108BD9-81ED-4DB2-BD59-A6C34878D82A}">
+                    <a16:rowId xmlns:a16="http://schemas.microsoft.com/office/drawing/2014/main" val="897302474"/>
+                  </a:ext>
+                </a:extLst>
+              </a:tr>
+              <a:tr h="705870">
+                <a:tc>
+                  <a:txBody>
+                    <a:bodyPr/>
+                    <a:lstStyle/>
+                    <a:p>
+                      <a:pPr algn="ctr"/>
+                      <a:r>
+                        <a:rPr lang="fr-CA" sz="2500" b="1" noProof="0" dirty="0">
+                          <a:solidFill>
+                            <a:schemeClr val="bg1"/>
+                          </a:solidFill>
+                          <a:latin typeface="Bahnschrift SemiBold Condensed" panose="020B0502040204020203" pitchFamily="34" charset="0"/>
+                        </a:rPr>
+                        <a:t>Boîtier</a:t>
+                      </a:r>
+                    </a:p>
+                  </a:txBody>
+                  <a:tcPr anchor="ctr">
+                    <a:lnL w="12700" cap="flat" cmpd="sng" algn="ctr">
+                      <a:solidFill>
+                        <a:schemeClr val="bg1"/>
+                      </a:solidFill>
+                      <a:prstDash val="solid"/>
+                      <a:round/>
+                      <a:headEnd type="none" w="med" len="med"/>
+                      <a:tailEnd type="none" w="med" len="med"/>
+                    </a:lnL>
+                    <a:lnR w="12700" cap="flat" cmpd="sng" algn="ctr">
+                      <a:solidFill>
+                        <a:schemeClr val="bg1"/>
+                      </a:solidFill>
+                      <a:prstDash val="solid"/>
+                      <a:round/>
+                      <a:headEnd type="none" w="med" len="med"/>
+                      <a:tailEnd type="none" w="med" len="med"/>
+                    </a:lnR>
+                    <a:lnT w="12700" cap="flat" cmpd="sng" algn="ctr">
+                      <a:solidFill>
+                        <a:schemeClr val="bg1"/>
+                      </a:solidFill>
+                      <a:prstDash val="solid"/>
+                      <a:round/>
+                      <a:headEnd type="none" w="med" len="med"/>
+                      <a:tailEnd type="none" w="med" len="med"/>
+                    </a:lnT>
+                    <a:lnB w="12700" cap="flat" cmpd="sng" algn="ctr">
+                      <a:solidFill>
+                        <a:schemeClr val="bg1"/>
+                      </a:solidFill>
+                      <a:prstDash val="solid"/>
+                      <a:round/>
+                      <a:headEnd type="none" w="med" len="med"/>
+                      <a:tailEnd type="none" w="med" len="med"/>
+                    </a:lnB>
+                  </a:tcPr>
+                </a:tc>
+                <a:tc>
+                  <a:txBody>
+                    <a:bodyPr/>
+                    <a:lstStyle/>
+                    <a:p>
+                      <a:pPr algn="ctr"/>
+                      <a:r>
+                        <a:rPr lang="en-CA" sz="2500" b="1" dirty="0">
+                          <a:solidFill>
+                            <a:schemeClr val="bg1"/>
+                          </a:solidFill>
+                          <a:latin typeface="Bahnschrift SemiBold Condensed" panose="020B0502040204020203" pitchFamily="34" charset="0"/>
+                        </a:rPr>
+                        <a:t>10$</a:t>
+                      </a:r>
+                    </a:p>
+                  </a:txBody>
+                  <a:tcPr anchor="ctr">
+                    <a:lnL w="12700" cap="flat" cmpd="sng" algn="ctr">
+                      <a:solidFill>
+                        <a:schemeClr val="bg1"/>
+                      </a:solidFill>
+                      <a:prstDash val="solid"/>
+                      <a:round/>
+                      <a:headEnd type="none" w="med" len="med"/>
+                      <a:tailEnd type="none" w="med" len="med"/>
+                    </a:lnL>
+                    <a:lnR w="12700" cap="flat" cmpd="sng" algn="ctr">
+                      <a:solidFill>
+                        <a:schemeClr val="bg1"/>
+                      </a:solidFill>
+                      <a:prstDash val="solid"/>
+                      <a:round/>
+                      <a:headEnd type="none" w="med" len="med"/>
+                      <a:tailEnd type="none" w="med" len="med"/>
+                    </a:lnR>
+                    <a:lnT w="12700" cap="flat" cmpd="sng" algn="ctr">
+                      <a:solidFill>
+                        <a:schemeClr val="bg1"/>
+                      </a:solidFill>
+                      <a:prstDash val="solid"/>
+                      <a:round/>
+                      <a:headEnd type="none" w="med" len="med"/>
+                      <a:tailEnd type="none" w="med" len="med"/>
+                    </a:lnT>
+                    <a:lnB w="12700" cap="flat" cmpd="sng" algn="ctr">
+                      <a:solidFill>
+                        <a:schemeClr val="bg1"/>
+                      </a:solidFill>
+                      <a:prstDash val="solid"/>
+                      <a:round/>
+                      <a:headEnd type="none" w="med" len="med"/>
+                      <a:tailEnd type="none" w="med" len="med"/>
+                    </a:lnB>
+                  </a:tcPr>
+                </a:tc>
+                <a:extLst>
+                  <a:ext uri="{0D108BD9-81ED-4DB2-BD59-A6C34878D82A}">
+                    <a16:rowId xmlns:a16="http://schemas.microsoft.com/office/drawing/2014/main" val="2939287432"/>
+                  </a:ext>
+                </a:extLst>
+              </a:tr>
+              <a:tr h="705869">
+                <a:tc>
+                  <a:txBody>
+                    <a:bodyPr/>
+                    <a:lstStyle/>
+                    <a:p>
+                      <a:pPr algn="ctr"/>
+                      <a:r>
+                        <a:rPr lang="fr-CA" sz="2500" b="1" noProof="0" dirty="0">
+                          <a:solidFill>
+                            <a:schemeClr val="bg1"/>
+                          </a:solidFill>
+                          <a:latin typeface="Bahnschrift SemiBold Condensed" panose="020B0502040204020203" pitchFamily="34" charset="0"/>
+                        </a:rPr>
+                        <a:t>Électronique</a:t>
+                      </a:r>
+                    </a:p>
+                  </a:txBody>
+                  <a:tcPr anchor="ctr">
+                    <a:lnL w="12700" cap="flat" cmpd="sng" algn="ctr">
+                      <a:solidFill>
+                        <a:schemeClr val="bg1"/>
+                      </a:solidFill>
+                      <a:prstDash val="solid"/>
+                      <a:round/>
+                      <a:headEnd type="none" w="med" len="med"/>
+                      <a:tailEnd type="none" w="med" len="med"/>
+                    </a:lnL>
+                    <a:lnR w="12700" cap="flat" cmpd="sng" algn="ctr">
+                      <a:solidFill>
+                        <a:schemeClr val="bg1"/>
+                      </a:solidFill>
+                      <a:prstDash val="solid"/>
+                      <a:round/>
+                      <a:headEnd type="none" w="med" len="med"/>
+                      <a:tailEnd type="none" w="med" len="med"/>
+                    </a:lnR>
+                    <a:lnT w="12700" cap="flat" cmpd="sng" algn="ctr">
+                      <a:solidFill>
+                        <a:schemeClr val="bg1"/>
+                      </a:solidFill>
+                      <a:prstDash val="solid"/>
+                      <a:round/>
+                      <a:headEnd type="none" w="med" len="med"/>
+                      <a:tailEnd type="none" w="med" len="med"/>
+                    </a:lnT>
+                    <a:lnB w="12700" cap="flat" cmpd="sng" algn="ctr">
+                      <a:solidFill>
+                        <a:schemeClr val="bg1"/>
+                      </a:solidFill>
+                      <a:prstDash val="solid"/>
+                      <a:round/>
+                      <a:headEnd type="none" w="med" len="med"/>
+                      <a:tailEnd type="none" w="med" len="med"/>
+                    </a:lnB>
+                  </a:tcPr>
+                </a:tc>
+                <a:tc>
+                  <a:txBody>
+                    <a:bodyPr/>
+                    <a:lstStyle/>
+                    <a:p>
+                      <a:pPr algn="ctr"/>
+                      <a:r>
+                        <a:rPr lang="en-CA" sz="2500" b="1" dirty="0">
+                          <a:solidFill>
+                            <a:schemeClr val="bg1"/>
+                          </a:solidFill>
+                          <a:latin typeface="Bahnschrift SemiBold Condensed" panose="020B0502040204020203" pitchFamily="34" charset="0"/>
+                        </a:rPr>
+                        <a:t>35$</a:t>
+                      </a:r>
+                    </a:p>
+                  </a:txBody>
+                  <a:tcPr anchor="ctr">
+                    <a:lnL w="12700" cap="flat" cmpd="sng" algn="ctr">
+                      <a:solidFill>
+                        <a:schemeClr val="bg1"/>
+                      </a:solidFill>
+                      <a:prstDash val="solid"/>
+                      <a:round/>
+                      <a:headEnd type="none" w="med" len="med"/>
+                      <a:tailEnd type="none" w="med" len="med"/>
+                    </a:lnL>
+                    <a:lnR w="12700" cap="flat" cmpd="sng" algn="ctr">
+                      <a:solidFill>
+                        <a:schemeClr val="bg1"/>
+                      </a:solidFill>
+                      <a:prstDash val="solid"/>
+                      <a:round/>
+                      <a:headEnd type="none" w="med" len="med"/>
+                      <a:tailEnd type="none" w="med" len="med"/>
+                    </a:lnR>
+                    <a:lnT w="12700" cap="flat" cmpd="sng" algn="ctr">
+                      <a:solidFill>
+                        <a:schemeClr val="bg1"/>
+                      </a:solidFill>
+                      <a:prstDash val="solid"/>
+                      <a:round/>
+                      <a:headEnd type="none" w="med" len="med"/>
+                      <a:tailEnd type="none" w="med" len="med"/>
+                    </a:lnT>
+                    <a:lnB w="12700" cap="flat" cmpd="sng" algn="ctr">
+                      <a:solidFill>
+                        <a:schemeClr val="bg1"/>
+                      </a:solidFill>
+                      <a:prstDash val="solid"/>
+                      <a:round/>
+                      <a:headEnd type="none" w="med" len="med"/>
+                      <a:tailEnd type="none" w="med" len="med"/>
+                    </a:lnB>
+                  </a:tcPr>
+                </a:tc>
+                <a:extLst>
+                  <a:ext uri="{0D108BD9-81ED-4DB2-BD59-A6C34878D82A}">
+                    <a16:rowId xmlns:a16="http://schemas.microsoft.com/office/drawing/2014/main" val="3883187285"/>
+                  </a:ext>
+                </a:extLst>
+              </a:tr>
+              <a:tr h="705869">
+                <a:tc>
+                  <a:txBody>
+                    <a:bodyPr/>
+                    <a:lstStyle/>
+                    <a:p>
+                      <a:pPr algn="ctr"/>
+                      <a:r>
+                        <a:rPr lang="en-CA" sz="2500" b="1" dirty="0">
+                          <a:solidFill>
+                            <a:schemeClr val="bg1"/>
+                          </a:solidFill>
+                          <a:latin typeface="Bahnschrift SemiBold Condensed" panose="020B0502040204020203" pitchFamily="34" charset="0"/>
+                        </a:rPr>
+                        <a:t>Total</a:t>
+                      </a:r>
+                    </a:p>
+                  </a:txBody>
+                  <a:tcPr anchor="ctr">
+                    <a:lnL w="12700" cap="flat" cmpd="sng" algn="ctr">
+                      <a:solidFill>
+                        <a:schemeClr val="bg1"/>
+                      </a:solidFill>
+                      <a:prstDash val="solid"/>
+                      <a:round/>
+                      <a:headEnd type="none" w="med" len="med"/>
+                      <a:tailEnd type="none" w="med" len="med"/>
+                    </a:lnL>
+                    <a:lnR w="12700" cap="flat" cmpd="sng" algn="ctr">
+                      <a:solidFill>
+                        <a:schemeClr val="bg1"/>
+                      </a:solidFill>
+                      <a:prstDash val="solid"/>
+                      <a:round/>
+                      <a:headEnd type="none" w="med" len="med"/>
+                      <a:tailEnd type="none" w="med" len="med"/>
+                    </a:lnR>
+                    <a:lnT w="12700" cap="flat" cmpd="sng" algn="ctr">
+                      <a:solidFill>
+                        <a:schemeClr val="bg1"/>
+                      </a:solidFill>
+                      <a:prstDash val="solid"/>
+                      <a:round/>
+                      <a:headEnd type="none" w="med" len="med"/>
+                      <a:tailEnd type="none" w="med" len="med"/>
+                    </a:lnT>
+                    <a:lnB w="12700" cmpd="sng">
+                      <a:solidFill>
+                        <a:schemeClr val="bg1"/>
+                      </a:solidFill>
+                      <a:prstDash val="solid"/>
+                    </a:lnB>
+                  </a:tcPr>
+                </a:tc>
+                <a:tc>
+                  <a:txBody>
+                    <a:bodyPr/>
+                    <a:lstStyle/>
+                    <a:p>
+                      <a:pPr algn="ctr"/>
+                      <a:r>
+                        <a:rPr lang="en-CA" sz="2500" b="1" dirty="0">
+                          <a:solidFill>
+                            <a:schemeClr val="bg1"/>
+                          </a:solidFill>
+                          <a:latin typeface="Bahnschrift SemiBold Condensed" panose="020B0502040204020203" pitchFamily="34" charset="0"/>
+                        </a:rPr>
+                        <a:t>130$</a:t>
+                      </a:r>
+                    </a:p>
+                  </a:txBody>
+                  <a:tcPr anchor="ctr">
+                    <a:lnL w="12700" cap="flat" cmpd="sng" algn="ctr">
+                      <a:solidFill>
+                        <a:schemeClr val="bg1"/>
+                      </a:solidFill>
+                      <a:prstDash val="solid"/>
+                      <a:round/>
+                      <a:headEnd type="none" w="med" len="med"/>
+                      <a:tailEnd type="none" w="med" len="med"/>
+                    </a:lnL>
+                    <a:lnR w="12700" cap="flat" cmpd="sng" algn="ctr">
+                      <a:solidFill>
+                        <a:schemeClr val="bg1"/>
+                      </a:solidFill>
+                      <a:prstDash val="solid"/>
+                      <a:round/>
+                      <a:headEnd type="none" w="med" len="med"/>
+                      <a:tailEnd type="none" w="med" len="med"/>
+                    </a:lnR>
+                    <a:lnT w="12700" cap="flat" cmpd="sng" algn="ctr">
+                      <a:solidFill>
+                        <a:schemeClr val="bg1"/>
+                      </a:solidFill>
+                      <a:prstDash val="solid"/>
+                      <a:round/>
+                      <a:headEnd type="none" w="med" len="med"/>
+                      <a:tailEnd type="none" w="med" len="med"/>
+                    </a:lnT>
+                    <a:lnB w="12700" cap="flat" cmpd="sng" algn="ctr">
+                      <a:solidFill>
+                        <a:schemeClr val="bg1"/>
+                      </a:solidFill>
+                      <a:prstDash val="solid"/>
+                      <a:round/>
+                      <a:headEnd type="none" w="med" len="med"/>
+                      <a:tailEnd type="none" w="med" len="med"/>
+                    </a:lnB>
+                  </a:tcPr>
+                </a:tc>
+                <a:extLst>
+                  <a:ext uri="{0D108BD9-81ED-4DB2-BD59-A6C34878D82A}">
+                    <a16:rowId xmlns:a16="http://schemas.microsoft.com/office/drawing/2014/main" val="30935214"/>
+                  </a:ext>
+                </a:extLst>
+              </a:tr>
+            </a:tbl>
+          </a:graphicData>
+        </a:graphic>
+      </p:graphicFrame>
     </p:spTree>
     <p:extLst>
       <p:ext uri="{BB962C8B-B14F-4D97-AF65-F5344CB8AC3E}">
@@ -10793,7 +15564,7 @@
           <p:nvPr/>
         </p:nvPicPr>
         <p:blipFill>
-          <a:blip r:embed="rId2">
+          <a:blip r:embed="rId3">
             <a:extLst>
               <a:ext uri="{28A0092B-C50C-407E-A947-70E740481C1C}">
                 <a14:useLocalDpi xmlns:a14="http://schemas.microsoft.com/office/drawing/2010/main" val="0"/>
@@ -10883,7 +15654,7 @@
             <p:nvPr/>
           </p:nvPicPr>
           <p:blipFill>
-            <a:blip r:embed="rId3">
+            <a:blip r:embed="rId4">
               <a:extLst>
                 <a:ext uri="{28A0092B-C50C-407E-A947-70E740481C1C}">
                   <a14:useLocalDpi xmlns:a14="http://schemas.microsoft.com/office/drawing/2010/main" val="0"/>
@@ -10943,7 +15714,7 @@
             <p:nvPr/>
           </p:nvPicPr>
           <p:blipFill>
-            <a:blip r:embed="rId4">
+            <a:blip r:embed="rId5">
               <a:extLst>
                 <a:ext uri="{28A0092B-C50C-407E-A947-70E740481C1C}">
                   <a14:useLocalDpi xmlns:a14="http://schemas.microsoft.com/office/drawing/2010/main" val="0"/>
@@ -11136,7 +15907,7 @@
           <p:nvPr/>
         </p:nvPicPr>
         <p:blipFill>
-          <a:blip r:embed="rId5">
+          <a:blip r:embed="rId6">
             <a:extLst>
               <a:ext uri="{28A0092B-C50C-407E-A947-70E740481C1C}">
                 <a14:useLocalDpi xmlns:a14="http://schemas.microsoft.com/office/drawing/2010/main" val="0"/>
@@ -11195,7 +15966,7 @@
           <p:nvPr/>
         </p:nvPicPr>
         <p:blipFill>
-          <a:blip r:embed="rId6">
+          <a:blip r:embed="rId7">
             <a:extLst>
               <a:ext uri="{28A0092B-C50C-407E-A947-70E740481C1C}">
                 <a14:useLocalDpi xmlns:a14="http://schemas.microsoft.com/office/drawing/2010/main" val="0"/>
@@ -11298,7 +16069,7 @@
           <p:nvPr/>
         </p:nvPicPr>
         <p:blipFill>
-          <a:blip r:embed="rId7"/>
+          <a:blip r:embed="rId8"/>
           <a:stretch>
             <a:fillRect/>
           </a:stretch>
@@ -11328,7 +16099,7 @@
           <p:nvPr/>
         </p:nvPicPr>
         <p:blipFill>
-          <a:blip r:embed="rId8">
+          <a:blip r:embed="rId9">
             <a:extLst>
               <a:ext uri="{28A0092B-C50C-407E-A947-70E740481C1C}">
                 <a14:useLocalDpi xmlns:a14="http://schemas.microsoft.com/office/drawing/2010/main" val="0"/>
@@ -11833,7 +16604,7 @@
           <p:nvPr/>
         </p:nvPicPr>
         <p:blipFill>
-          <a:blip r:embed="rId2">
+          <a:blip r:embed="rId3">
             <a:extLst>
               <a:ext uri="{28A0092B-C50C-407E-A947-70E740481C1C}">
                 <a14:useLocalDpi xmlns:a14="http://schemas.microsoft.com/office/drawing/2010/main" val="0"/>
@@ -11923,7 +16694,7 @@
             <p:nvPr/>
           </p:nvPicPr>
           <p:blipFill>
-            <a:blip r:embed="rId3">
+            <a:blip r:embed="rId4">
               <a:extLst>
                 <a:ext uri="{28A0092B-C50C-407E-A947-70E740481C1C}">
                   <a14:useLocalDpi xmlns:a14="http://schemas.microsoft.com/office/drawing/2010/main" val="0"/>
@@ -11983,7 +16754,7 @@
             <p:nvPr/>
           </p:nvPicPr>
           <p:blipFill>
-            <a:blip r:embed="rId4">
+            <a:blip r:embed="rId5">
               <a:extLst>
                 <a:ext uri="{28A0092B-C50C-407E-A947-70E740481C1C}">
                   <a14:useLocalDpi xmlns:a14="http://schemas.microsoft.com/office/drawing/2010/main" val="0"/>
@@ -12176,7 +16947,7 @@
           <p:nvPr/>
         </p:nvPicPr>
         <p:blipFill>
-          <a:blip r:embed="rId5">
+          <a:blip r:embed="rId6">
             <a:extLst>
               <a:ext uri="{28A0092B-C50C-407E-A947-70E740481C1C}">
                 <a14:useLocalDpi xmlns:a14="http://schemas.microsoft.com/office/drawing/2010/main" val="0"/>
@@ -12190,7 +16961,7 @@
         </p:blipFill>
         <p:spPr bwMode="auto">
           <a:xfrm>
-            <a:off x="12626993" y="-488463"/>
+            <a:off x="12946717" y="-470807"/>
             <a:ext cx="3644595" cy="2049610"/>
           </a:xfrm>
           <a:prstGeom prst="rect">
@@ -12235,7 +17006,7 @@
           <p:nvPr/>
         </p:nvPicPr>
         <p:blipFill>
-          <a:blip r:embed="rId6">
+          <a:blip r:embed="rId7">
             <a:extLst>
               <a:ext uri="{28A0092B-C50C-407E-A947-70E740481C1C}">
                 <a14:useLocalDpi xmlns:a14="http://schemas.microsoft.com/office/drawing/2010/main" val="0"/>
@@ -12338,7 +17109,7 @@
           <p:nvPr/>
         </p:nvPicPr>
         <p:blipFill>
-          <a:blip r:embed="rId7"/>
+          <a:blip r:embed="rId8"/>
           <a:stretch>
             <a:fillRect/>
           </a:stretch>
@@ -12368,7 +17139,7 @@
           <p:nvPr/>
         </p:nvPicPr>
         <p:blipFill>
-          <a:blip r:embed="rId8">
+          <a:blip r:embed="rId9">
             <a:extLst>
               <a:ext uri="{28A0092B-C50C-407E-A947-70E740481C1C}">
                 <a14:useLocalDpi xmlns:a14="http://schemas.microsoft.com/office/drawing/2010/main" val="0"/>

--- a/Documentation/Presentation_Projet.pptx
+++ b/Documentation/Presentation_Projet.pptx
@@ -519,7 +519,13 @@
           <a:p>
             <a:r>
               <a:rPr lang="fr-CA" dirty="0"/>
-              <a:t>Jackob : Nos nom + génie électrique + nom du projet </a:t>
+              <a:t>JACKOB</a:t>
+            </a:r>
+          </a:p>
+          <a:p>
+            <a:r>
+              <a:rPr lang="fr-CA" dirty="0"/>
+              <a:t>Nos nom + génie électrique + nom du projet </a:t>
             </a:r>
           </a:p>
         </p:txBody>
@@ -733,19 +739,19 @@
           <a:p>
             <a:r>
               <a:rPr lang="fr-CA" dirty="0"/>
-              <a:t>- Les personnes ayant des déficiences motrices et/ou mentales (manque de dextérité)</a:t>
+              <a:t>- Les personnes ayant des déficiences motrices et/ou mentales qui donc manquent de dextérité et/ d’agilité</a:t>
             </a:r>
           </a:p>
           <a:p>
             <a:r>
               <a:rPr lang="fr-CA" dirty="0"/>
-              <a:t>- Mentales car elle ralentie les actions motrices (pense au mouvement avant de le faire)</a:t>
+              <a:t>- //Mentales car elle ralentie les actions motrices (pense au mouvement avant de le faire)</a:t>
             </a:r>
           </a:p>
           <a:p>
             <a:r>
               <a:rPr lang="fr-CA" dirty="0"/>
-              <a:t>- Pour tous, enfants et adultes de partout dans le monde.</a:t>
+              <a:t>- Quand même pour tous : enfants et adultes de partout dans le monde.</a:t>
             </a:r>
           </a:p>
           <a:p>
@@ -1333,7 +1339,7 @@
           <a:p>
             <a:r>
               <a:rPr lang="fr-CA" dirty="0"/>
-              <a:t>JACKOB</a:t>
+              <a:t>JACKOB/MATHIS</a:t>
             </a:r>
           </a:p>
         </p:txBody>
